--- a/Document/tq_op_example.pptx
+++ b/Document/tq_op_example.pptx
@@ -293,7 +293,7 @@
           <a:p>
             <a:fld id="{B6D4C118-14B5-2347-B67F-9D46490F7068}" type="datetimeFigureOut">
               <a:rPr kumimoji="1" lang="ja-JP" altLang="en-US" smtClean="0"/>
-              <a:t>20/04/17</a:t>
+              <a:t>20/05/02</a:t>
             </a:fld>
             <a:endParaRPr kumimoji="1" lang="ja-JP" altLang="en-US"/>
           </a:p>
@@ -495,7 +495,7 @@
           <a:p>
             <a:fld id="{B6D4C118-14B5-2347-B67F-9D46490F7068}" type="datetimeFigureOut">
               <a:rPr kumimoji="1" lang="ja-JP" altLang="en-US" smtClean="0"/>
-              <a:t>20/04/17</a:t>
+              <a:t>20/05/02</a:t>
             </a:fld>
             <a:endParaRPr kumimoji="1" lang="ja-JP" altLang="en-US"/>
           </a:p>
@@ -707,7 +707,7 @@
           <a:p>
             <a:fld id="{B6D4C118-14B5-2347-B67F-9D46490F7068}" type="datetimeFigureOut">
               <a:rPr kumimoji="1" lang="ja-JP" altLang="en-US" smtClean="0"/>
-              <a:t>20/04/17</a:t>
+              <a:t>20/05/02</a:t>
             </a:fld>
             <a:endParaRPr kumimoji="1" lang="ja-JP" altLang="en-US"/>
           </a:p>
@@ -909,7 +909,7 @@
           <a:p>
             <a:fld id="{B6D4C118-14B5-2347-B67F-9D46490F7068}" type="datetimeFigureOut">
               <a:rPr kumimoji="1" lang="ja-JP" altLang="en-US" smtClean="0"/>
-              <a:t>20/04/17</a:t>
+              <a:t>20/05/02</a:t>
             </a:fld>
             <a:endParaRPr kumimoji="1" lang="ja-JP" altLang="en-US"/>
           </a:p>
@@ -1155,7 +1155,7 @@
           <a:p>
             <a:fld id="{B6D4C118-14B5-2347-B67F-9D46490F7068}" type="datetimeFigureOut">
               <a:rPr kumimoji="1" lang="ja-JP" altLang="en-US" smtClean="0"/>
-              <a:t>20/04/17</a:t>
+              <a:t>20/05/02</a:t>
             </a:fld>
             <a:endParaRPr kumimoji="1" lang="ja-JP" altLang="en-US"/>
           </a:p>
@@ -1507,7 +1507,7 @@
           <a:p>
             <a:fld id="{B6D4C118-14B5-2347-B67F-9D46490F7068}" type="datetimeFigureOut">
               <a:rPr kumimoji="1" lang="ja-JP" altLang="en-US" smtClean="0"/>
-              <a:t>20/04/17</a:t>
+              <a:t>20/05/02</a:t>
             </a:fld>
             <a:endParaRPr kumimoji="1" lang="ja-JP" altLang="en-US"/>
           </a:p>
@@ -1993,7 +1993,7 @@
           <a:p>
             <a:fld id="{B6D4C118-14B5-2347-B67F-9D46490F7068}" type="datetimeFigureOut">
               <a:rPr kumimoji="1" lang="ja-JP" altLang="en-US" smtClean="0"/>
-              <a:t>20/04/17</a:t>
+              <a:t>20/05/02</a:t>
             </a:fld>
             <a:endParaRPr kumimoji="1" lang="ja-JP" altLang="en-US"/>
           </a:p>
@@ -2111,7 +2111,7 @@
           <a:p>
             <a:fld id="{B6D4C118-14B5-2347-B67F-9D46490F7068}" type="datetimeFigureOut">
               <a:rPr kumimoji="1" lang="ja-JP" altLang="en-US" smtClean="0"/>
-              <a:t>20/04/17</a:t>
+              <a:t>20/05/02</a:t>
             </a:fld>
             <a:endParaRPr kumimoji="1" lang="ja-JP" altLang="en-US"/>
           </a:p>
@@ -2206,7 +2206,7 @@
           <a:p>
             <a:fld id="{B6D4C118-14B5-2347-B67F-9D46490F7068}" type="datetimeFigureOut">
               <a:rPr kumimoji="1" lang="ja-JP" altLang="en-US" smtClean="0"/>
-              <a:t>20/04/17</a:t>
+              <a:t>20/05/02</a:t>
             </a:fld>
             <a:endParaRPr kumimoji="1" lang="ja-JP" altLang="en-US"/>
           </a:p>
@@ -2515,7 +2515,7 @@
           <a:p>
             <a:fld id="{B6D4C118-14B5-2347-B67F-9D46490F7068}" type="datetimeFigureOut">
               <a:rPr kumimoji="1" lang="ja-JP" altLang="en-US" smtClean="0"/>
-              <a:t>20/04/17</a:t>
+              <a:t>20/05/02</a:t>
             </a:fld>
             <a:endParaRPr kumimoji="1" lang="ja-JP" altLang="en-US"/>
           </a:p>
@@ -2768,7 +2768,7 @@
           <a:p>
             <a:fld id="{B6D4C118-14B5-2347-B67F-9D46490F7068}" type="datetimeFigureOut">
               <a:rPr kumimoji="1" lang="ja-JP" altLang="en-US" smtClean="0"/>
-              <a:t>20/04/17</a:t>
+              <a:t>20/05/02</a:t>
             </a:fld>
             <a:endParaRPr kumimoji="1" lang="ja-JP" altLang="en-US"/>
           </a:p>
@@ -3013,7 +3013,7 @@
           <a:p>
             <a:fld id="{B6D4C118-14B5-2347-B67F-9D46490F7068}" type="datetimeFigureOut">
               <a:rPr kumimoji="1" lang="ja-JP" altLang="en-US" smtClean="0"/>
-              <a:t>20/04/17</a:t>
+              <a:t>20/05/02</a:t>
             </a:fld>
             <a:endParaRPr kumimoji="1" lang="ja-JP" altLang="en-US"/>
           </a:p>
@@ -3552,27 +3552,7 @@
             </a:r>
             <a:r>
               <a:rPr kumimoji="1" lang="ja-JP" altLang="en-US" dirty="0" smtClean="0"/>
-              <a:t>シンプル</a:t>
-            </a:r>
-            <a:r>
-              <a:rPr kumimoji="1" lang="ja-JP" altLang="en-US" dirty="0" smtClean="0"/>
-              <a:t>で</a:t>
-            </a:r>
-            <a:r>
-              <a:rPr kumimoji="1" lang="ja-JP" altLang="en-US" dirty="0" smtClean="0"/>
-              <a:t>最低限</a:t>
-            </a:r>
-            <a:r>
-              <a:rPr kumimoji="1" lang="ja-JP" altLang="en-US" dirty="0" smtClean="0"/>
-              <a:t>の</a:t>
-            </a:r>
-            <a:r>
-              <a:rPr kumimoji="1" lang="ja-JP" altLang="en-US" dirty="0" smtClean="0"/>
-              <a:t>オペレーション定義</a:t>
-            </a:r>
-            <a:r>
-              <a:rPr kumimoji="1" lang="ja-JP" altLang="en-US" dirty="0" smtClean="0"/>
-              <a:t> </a:t>
+              <a:t>シンプルで最低限のオペレーション定義 </a:t>
             </a:r>
             <a:r>
               <a:rPr kumimoji="1" lang="en-US" altLang="ja-JP" dirty="0" smtClean="0"/>
@@ -4385,7 +4365,6 @@
               <a:rPr lang="en-US" altLang="ja-JP" dirty="0" smtClean="0"/>
               <a:t>ddl</a:t>
             </a:r>
-            <a:endParaRPr lang="en-US" altLang="ja-JP" dirty="0" smtClean="0"/>
           </a:p>
         </p:txBody>
       </p:sp>
@@ -4887,19 +4866,11 @@
             </a:r>
             <a:r>
               <a:rPr lang="ja-JP" altLang="en-US" dirty="0" smtClean="0"/>
-              <a:t> </a:t>
-            </a:r>
-            <a:r>
-              <a:rPr lang="ja-JP" altLang="en-US" dirty="0" smtClean="0"/>
-              <a:t>出力</a:t>
+              <a:t> 出力</a:t>
             </a:r>
             <a:r>
               <a:rPr kumimoji="1" lang="en-US" altLang="ja-JP" dirty="0" smtClean="0"/>
-              <a:t> </a:t>
-            </a:r>
-            <a:r>
-              <a:rPr kumimoji="1" lang="en-US" altLang="ja-JP" dirty="0" smtClean="0"/>
-              <a:t>: </a:t>
+              <a:t> : </a:t>
             </a:r>
             <a:endParaRPr kumimoji="1" lang="ja-JP" altLang="en-US" dirty="0"/>
           </a:p>
@@ -4975,11 +4946,7 @@
           <a:p>
             <a:r>
               <a:rPr lang="en-US" altLang="ja-JP" dirty="0" smtClean="0"/>
-              <a:t>- </a:t>
-            </a:r>
-            <a:r>
-              <a:rPr lang="en-US" altLang="ja-JP" dirty="0" smtClean="0"/>
-              <a:t>CSV</a:t>
+              <a:t>- CSV</a:t>
             </a:r>
             <a:r>
               <a:rPr lang="en-US" altLang="en-US" dirty="0"/>
@@ -5382,7 +5349,7 @@
         <p:spPr>
           <a:xfrm>
             <a:off x="421610" y="1547765"/>
-            <a:ext cx="2710173" cy="523220"/>
+            <a:ext cx="2525555" cy="523220"/>
           </a:xfrm>
           <a:prstGeom prst="rect">
             <a:avLst/>
@@ -5402,7 +5369,25 @@
           <a:p>
             <a:r>
               <a:rPr lang="en-US" altLang="ja-JP" sz="1400" dirty="0" smtClean="0"/>
-              <a:t>(#10$FILE$("data.ns3.csv"),$#10</a:t>
+              <a:t>(#10$FILE$("data.ns3.csv")</a:t>
+            </a:r>
+            <a:r>
+              <a:rPr lang="en-US" altLang="ja-JP" sz="1400" dirty="0" smtClean="0"/>
+              <a:t>,</a:t>
+            </a:r>
+          </a:p>
+          <a:p>
+            <a:r>
+              <a:rPr lang="en-US" altLang="ja-JP" sz="1400" dirty="0" smtClean="0"/>
+              <a:t>$#10</a:t>
+            </a:r>
+            <a:r>
+              <a:rPr lang="en-US" altLang="ja-JP" sz="1400" dirty="0" smtClean="0">
+                <a:solidFill>
+                  <a:schemeClr val="accent2"/>
+                </a:solidFill>
+              </a:rPr>
+              <a:t>:</a:t>
             </a:r>
             <a:r>
               <a:rPr lang="pt-BR" altLang="ja-JP" sz="1400" dirty="0" smtClean="0"/>
@@ -5605,11 +5590,7 @@
             </a:r>
             <a:r>
               <a:rPr kumimoji="1" lang="en-US" altLang="ja-JP" dirty="0" smtClean="0"/>
-              <a:t> </a:t>
-            </a:r>
-            <a:r>
-              <a:rPr kumimoji="1" lang="en-US" altLang="ja-JP" dirty="0" smtClean="0"/>
-              <a:t>: </a:t>
+              <a:t> : </a:t>
             </a:r>
             <a:endParaRPr kumimoji="1" lang="ja-JP" altLang="en-US" dirty="0"/>
           </a:p>
@@ -5657,7 +5638,6 @@
               <a:rPr lang="en-US" altLang="ja-JP" dirty="0" smtClean="0"/>
               <a:t>ddl</a:t>
             </a:r>
-            <a:endParaRPr lang="en-US" altLang="ja-JP" dirty="0" smtClean="0"/>
           </a:p>
         </p:txBody>
       </p:sp>
@@ -5685,11 +5665,7 @@
           <a:p>
             <a:r>
               <a:rPr lang="en-US" altLang="ja-JP" dirty="0" smtClean="0"/>
-              <a:t>- </a:t>
-            </a:r>
-            <a:r>
-              <a:rPr lang="en-US" altLang="ja-JP" dirty="0" smtClean="0"/>
-              <a:t>CSV</a:t>
+              <a:t>- CSV</a:t>
             </a:r>
             <a:r>
               <a:rPr lang="en-US" altLang="en-US" dirty="0"/>
@@ -6319,11 +6295,7 @@
             </a:r>
             <a:r>
               <a:rPr kumimoji="1" lang="en-US" altLang="ja-JP" dirty="0" smtClean="0"/>
-              <a:t> </a:t>
-            </a:r>
-            <a:r>
-              <a:rPr kumimoji="1" lang="en-US" altLang="ja-JP" dirty="0" smtClean="0"/>
-              <a:t>: </a:t>
+              <a:t> : </a:t>
             </a:r>
             <a:endParaRPr kumimoji="1" lang="ja-JP" altLang="en-US" dirty="0"/>
           </a:p>
@@ -6395,11 +6367,7 @@
           <a:p>
             <a:r>
               <a:rPr lang="en-US" altLang="ja-JP" dirty="0" smtClean="0"/>
-              <a:t>- </a:t>
-            </a:r>
-            <a:r>
-              <a:rPr lang="en-US" altLang="ja-JP" dirty="0" smtClean="0"/>
-              <a:t>CSV</a:t>
+              <a:t>- CSV</a:t>
             </a:r>
             <a:r>
               <a:rPr lang="en-US" altLang="en-US" dirty="0"/>

--- a/Document/tq_op_example.pptx
+++ b/Document/tq_op_example.pptx
@@ -11,6 +11,7 @@
     <p:sldId id="259" r:id="rId5"/>
     <p:sldId id="260" r:id="rId6"/>
     <p:sldId id="261" r:id="rId7"/>
+    <p:sldId id="262" r:id="rId8"/>
   </p:sldIdLst>
   <p:sldSz cx="9144000" cy="6858000" type="screen4x3"/>
   <p:notesSz cx="6858000" cy="9144000"/>
@@ -5114,8 +5115,16 @@
               <a:t>;</a:t>
             </a:r>
             <a:r>
+              <a:rPr lang="ja-JP" altLang="en-US" dirty="0" smtClean="0">
+                <a:solidFill>
+                  <a:srgbClr val="C0504D"/>
+                </a:solidFill>
+              </a:rPr>
+              <a:t>次期仕様</a:t>
+            </a:r>
+            <a:r>
               <a:rPr lang="ja-JP" altLang="en-US" dirty="0" smtClean="0"/>
-              <a:t>次期仕様）</a:t>
+              <a:t>）</a:t>
             </a:r>
             <a:endParaRPr kumimoji="1" lang="en-US" altLang="ja-JP" dirty="0" smtClean="0"/>
           </a:p>
@@ -5369,11 +5378,7 @@
           <a:p>
             <a:r>
               <a:rPr lang="en-US" altLang="ja-JP" sz="1400" dirty="0" smtClean="0"/>
-              <a:t>(#10$FILE$("data.ns3.csv")</a:t>
-            </a:r>
-            <a:r>
-              <a:rPr lang="en-US" altLang="ja-JP" sz="1400" dirty="0" smtClean="0"/>
-              <a:t>,</a:t>
+              <a:t>(#10$FILE$("data.ns3.csv"),</a:t>
             </a:r>
           </a:p>
           <a:p>
@@ -6385,6 +6390,753 @@
     <p:extLst>
       <p:ext uri="{BB962C8B-B14F-4D97-AF65-F5344CB8AC3E}">
         <p14:creationId xmlns:p14="http://schemas.microsoft.com/office/powerpoint/2010/main" val="427060038"/>
+      </p:ext>
+    </p:extLst>
+  </p:cSld>
+  <p:clrMapOvr>
+    <a:masterClrMapping/>
+  </p:clrMapOvr>
+</p:sld>
+</file>
+
+<file path=ppt/slides/slide7.xml><?xml version="1.0" encoding="utf-8"?>
+<p:sld xmlns:a="http://schemas.openxmlformats.org/drawingml/2006/main" xmlns:r="http://schemas.openxmlformats.org/officeDocument/2006/relationships" xmlns:p="http://schemas.openxmlformats.org/presentationml/2006/main">
+  <p:cSld>
+    <p:spTree>
+      <p:nvGrpSpPr>
+        <p:cNvPr id="1" name=""/>
+        <p:cNvGrpSpPr/>
+        <p:nvPr/>
+      </p:nvGrpSpPr>
+      <p:grpSpPr>
+        <a:xfrm>
+          <a:off x="0" y="0"/>
+          <a:ext cx="0" cy="0"/>
+          <a:chOff x="0" y="0"/>
+          <a:chExt cx="0" cy="0"/>
+        </a:xfrm>
+      </p:grpSpPr>
+      <p:sp>
+        <p:nvSpPr>
+          <p:cNvPr id="4" name="テキスト ボックス 3"/>
+          <p:cNvSpPr txBox="1"/>
+          <p:nvPr/>
+        </p:nvSpPr>
+        <p:spPr>
+          <a:xfrm>
+            <a:off x="178007" y="1183742"/>
+            <a:ext cx="3236784" cy="369332"/>
+          </a:xfrm>
+          <a:prstGeom prst="rect">
+            <a:avLst/>
+          </a:prstGeom>
+          <a:noFill/>
+        </p:spPr>
+        <p:txBody>
+          <a:bodyPr wrap="none" rtlCol="0">
+            <a:spAutoFit/>
+          </a:bodyPr>
+          <a:lstStyle/>
+          <a:p>
+            <a:r>
+              <a:rPr kumimoji="1" lang="en-US" altLang="ja-JP" dirty="0" smtClean="0"/>
+              <a:t>- </a:t>
+            </a:r>
+            <a:r>
+              <a:rPr lang="ja-JP" altLang="en-US" dirty="0" smtClean="0"/>
+              <a:t>入力データ形式定義</a:t>
+            </a:r>
+            <a:r>
+              <a:rPr lang="en-US" altLang="ja-JP" dirty="0" smtClean="0"/>
+              <a:t>: </a:t>
+            </a:r>
+            <a:r>
+              <a:rPr lang="en-US" altLang="ja-JP" dirty="0" err="1" smtClean="0"/>
+              <a:t>num.ddf</a:t>
+            </a:r>
+            <a:endParaRPr kumimoji="1" lang="en-US" altLang="ja-JP" dirty="0" smtClean="0"/>
+          </a:p>
+        </p:txBody>
+      </p:sp>
+      <p:sp>
+        <p:nvSpPr>
+          <p:cNvPr id="5" name="テキスト ボックス 4"/>
+          <p:cNvSpPr txBox="1"/>
+          <p:nvPr/>
+        </p:nvSpPr>
+        <p:spPr>
+          <a:xfrm>
+            <a:off x="1633517" y="550337"/>
+            <a:ext cx="6885569" cy="369332"/>
+          </a:xfrm>
+          <a:prstGeom prst="rect">
+            <a:avLst/>
+          </a:prstGeom>
+          <a:noFill/>
+        </p:spPr>
+        <p:txBody>
+          <a:bodyPr wrap="none" rtlCol="0">
+            <a:spAutoFit/>
+          </a:bodyPr>
+          <a:lstStyle/>
+          <a:p>
+            <a:r>
+              <a:rPr lang="ja-JP" altLang="en-US" dirty="0" smtClean="0"/>
+              <a:t>オペレーション例</a:t>
+            </a:r>
+            <a:r>
+              <a:rPr kumimoji="1" lang="ja-JP" altLang="en-US" dirty="0" smtClean="0"/>
+              <a:t>：</a:t>
+            </a:r>
+            <a:r>
+              <a:rPr lang="en-US" altLang="ja-JP" dirty="0"/>
+              <a:t>CSV</a:t>
+            </a:r>
+            <a:r>
+              <a:rPr lang="ja-JP" altLang="en-US" dirty="0"/>
+              <a:t>から</a:t>
+            </a:r>
+            <a:r>
+              <a:rPr lang="en-US" altLang="ja-JP" dirty="0"/>
+              <a:t>NS3</a:t>
+            </a:r>
+            <a:r>
+              <a:rPr lang="ja-JP" altLang="en-US" dirty="0"/>
+              <a:t>形式への</a:t>
+            </a:r>
+            <a:r>
+              <a:rPr lang="ja-JP" altLang="en-US" dirty="0" smtClean="0"/>
+              <a:t>変換 </a:t>
+            </a:r>
+            <a:r>
+              <a:rPr lang="en-US" altLang="ja-JP" dirty="0" smtClean="0"/>
+              <a:t>#2</a:t>
+            </a:r>
+            <a:r>
+              <a:rPr lang="ja-JP" altLang="en-US" dirty="0" smtClean="0"/>
+              <a:t>（</a:t>
+            </a:r>
+            <a:r>
+              <a:rPr lang="en-US" altLang="ja-JP" dirty="0" smtClean="0"/>
+              <a:t>1</a:t>
+            </a:r>
+            <a:r>
+              <a:rPr lang="ja-JP" altLang="en-US" dirty="0" smtClean="0"/>
+              <a:t>ファイル</a:t>
+            </a:r>
+            <a:r>
+              <a:rPr lang="en-US" altLang="ja-JP" dirty="0" smtClean="0"/>
+              <a:t>;</a:t>
+            </a:r>
+            <a:r>
+              <a:rPr lang="ja-JP" altLang="en-US" dirty="0" smtClean="0">
+                <a:solidFill>
+                  <a:srgbClr val="C0504D"/>
+                </a:solidFill>
+              </a:rPr>
+              <a:t>次期</a:t>
+            </a:r>
+            <a:r>
+              <a:rPr lang="ja-JP" altLang="en-US" dirty="0" smtClean="0">
+                <a:solidFill>
+                  <a:srgbClr val="C0504D"/>
+                </a:solidFill>
+              </a:rPr>
+              <a:t>仕様</a:t>
+            </a:r>
+            <a:r>
+              <a:rPr lang="ja-JP" altLang="en-US" dirty="0" smtClean="0"/>
+              <a:t>）</a:t>
+            </a:r>
+            <a:endParaRPr kumimoji="1" lang="en-US" altLang="ja-JP" dirty="0" smtClean="0"/>
+          </a:p>
+        </p:txBody>
+      </p:sp>
+      <p:sp>
+        <p:nvSpPr>
+          <p:cNvPr id="9" name="テキスト ボックス 8"/>
+          <p:cNvSpPr txBox="1"/>
+          <p:nvPr/>
+        </p:nvSpPr>
+        <p:spPr>
+          <a:xfrm>
+            <a:off x="2472041" y="0"/>
+            <a:ext cx="4548240" cy="523220"/>
+          </a:xfrm>
+          <a:prstGeom prst="rect">
+            <a:avLst/>
+          </a:prstGeom>
+          <a:noFill/>
+        </p:spPr>
+        <p:txBody>
+          <a:bodyPr wrap="none" rtlCol="0">
+            <a:spAutoFit/>
+          </a:bodyPr>
+          <a:lstStyle/>
+          <a:p>
+            <a:r>
+              <a:rPr kumimoji="1" lang="ja-JP" altLang="en-US" sz="2800" dirty="0" smtClean="0"/>
+              <a:t>データ構造記述言語の開発</a:t>
+            </a:r>
+            <a:endParaRPr kumimoji="1" lang="ja-JP" altLang="en-US" sz="2800" dirty="0"/>
+          </a:p>
+        </p:txBody>
+      </p:sp>
+      <p:sp>
+        <p:nvSpPr>
+          <p:cNvPr id="6" name="テキスト ボックス 5"/>
+          <p:cNvSpPr txBox="1"/>
+          <p:nvPr/>
+        </p:nvSpPr>
+        <p:spPr>
+          <a:xfrm>
+            <a:off x="178007" y="3401725"/>
+            <a:ext cx="6801862" cy="369332"/>
+          </a:xfrm>
+          <a:prstGeom prst="rect">
+            <a:avLst/>
+          </a:prstGeom>
+          <a:noFill/>
+        </p:spPr>
+        <p:txBody>
+          <a:bodyPr wrap="none" rtlCol="0">
+            <a:spAutoFit/>
+          </a:bodyPr>
+          <a:lstStyle/>
+          <a:p>
+            <a:r>
+              <a:rPr lang="en-US" altLang="ja-JP" dirty="0" smtClean="0"/>
+              <a:t>- </a:t>
+            </a:r>
+            <a:r>
+              <a:rPr lang="ja-JP" altLang="en-US" dirty="0" smtClean="0"/>
+              <a:t>コマンド</a:t>
+            </a:r>
+            <a:r>
+              <a:rPr lang="en-US" altLang="ja-JP" dirty="0" smtClean="0"/>
+              <a:t>: </a:t>
+            </a:r>
+            <a:r>
+              <a:rPr lang="en-US" altLang="ja-JP" dirty="0"/>
+              <a:t>./</a:t>
+            </a:r>
+            <a:r>
+              <a:rPr lang="en-US" altLang="ja-JP" dirty="0" err="1"/>
+              <a:t>tq.o</a:t>
+            </a:r>
+            <a:r>
+              <a:rPr lang="en-US" altLang="ja-JP" dirty="0"/>
+              <a:t> in</a:t>
+            </a:r>
+            <a:r>
+              <a:rPr lang="en-US" altLang="ja-JP" dirty="0" smtClean="0"/>
+              <a:t>=</a:t>
+            </a:r>
+            <a:r>
+              <a:rPr lang="en-US" altLang="ja-JP" dirty="0" err="1" smtClean="0"/>
+              <a:t>num.ddf</a:t>
+            </a:r>
+            <a:r>
+              <a:rPr lang="en-US" altLang="ja-JP" dirty="0" smtClean="0"/>
+              <a:t> </a:t>
+            </a:r>
+            <a:r>
+              <a:rPr lang="en-US" altLang="ja-JP" dirty="0"/>
+              <a:t>out</a:t>
+            </a:r>
+            <a:r>
+              <a:rPr lang="en-US" altLang="ja-JP" dirty="0" smtClean="0"/>
+              <a:t>=</a:t>
+            </a:r>
+            <a:r>
+              <a:rPr lang="en-US" altLang="ja-JP" dirty="0" err="1" smtClean="0"/>
+              <a:t>num.ddl</a:t>
+            </a:r>
+            <a:r>
+              <a:rPr lang="en-US" altLang="ja-JP" dirty="0" smtClean="0"/>
+              <a:t> </a:t>
+            </a:r>
+            <a:r>
+              <a:rPr lang="en-US" altLang="ja-JP" dirty="0"/>
+              <a:t>data</a:t>
+            </a:r>
+            <a:r>
+              <a:rPr lang="en-US" altLang="ja-JP" dirty="0" smtClean="0"/>
+              <a:t>=</a:t>
+            </a:r>
+            <a:r>
+              <a:rPr lang="en-US" altLang="ja-JP" dirty="0" err="1" smtClean="0"/>
+              <a:t>num.csv</a:t>
+            </a:r>
+            <a:r>
+              <a:rPr lang="en-US" altLang="ja-JP" dirty="0" smtClean="0"/>
+              <a:t> </a:t>
+            </a:r>
+            <a:r>
+              <a:rPr lang="en-US" altLang="ja-JP" dirty="0"/>
+              <a:t>-FT -</a:t>
+            </a:r>
+            <a:r>
+              <a:rPr lang="en-US" altLang="ja-JP" dirty="0" err="1"/>
+              <a:t>Pprod</a:t>
+            </a:r>
+            <a:r>
+              <a:rPr lang="en-US" altLang="ja-JP" dirty="0"/>
+              <a:t>  -</a:t>
+            </a:r>
+            <a:r>
+              <a:rPr lang="en-US" altLang="ja-JP" dirty="0" smtClean="0"/>
+              <a:t>C</a:t>
+            </a:r>
+            <a:endParaRPr lang="en-US" altLang="ja-JP" dirty="0"/>
+          </a:p>
+        </p:txBody>
+      </p:sp>
+      <p:sp>
+        <p:nvSpPr>
+          <p:cNvPr id="2" name="テキスト ボックス 1"/>
+          <p:cNvSpPr txBox="1"/>
+          <p:nvPr/>
+        </p:nvSpPr>
+        <p:spPr>
+          <a:xfrm>
+            <a:off x="5889862" y="1584660"/>
+            <a:ext cx="1526428" cy="954107"/>
+          </a:xfrm>
+          <a:prstGeom prst="rect">
+            <a:avLst/>
+          </a:prstGeom>
+          <a:noFill/>
+          <a:ln>
+            <a:solidFill>
+              <a:schemeClr val="tx1"/>
+            </a:solidFill>
+          </a:ln>
+        </p:spPr>
+        <p:txBody>
+          <a:bodyPr wrap="square" rtlCol="0">
+            <a:spAutoFit/>
+          </a:bodyPr>
+          <a:lstStyle/>
+          <a:p>
+            <a:r>
+              <a:rPr lang="is-IS" altLang="ja-JP" sz="1400" dirty="0" smtClean="0"/>
+              <a:t>300,100</a:t>
+            </a:r>
+            <a:endParaRPr lang="is-IS" altLang="ja-JP" sz="1400" dirty="0"/>
+          </a:p>
+          <a:p>
+            <a:r>
+              <a:rPr lang="fi-FI" altLang="ja-JP" sz="1400" dirty="0"/>
+              <a:t>320,102</a:t>
+            </a:r>
+          </a:p>
+          <a:p>
+            <a:r>
+              <a:rPr lang="fi-FI" altLang="ja-JP" sz="1400" dirty="0"/>
+              <a:t>302,101</a:t>
+            </a:r>
+          </a:p>
+          <a:p>
+            <a:r>
+              <a:rPr lang="cs-CZ" altLang="ja-JP" sz="1400" dirty="0" smtClean="0"/>
+              <a:t>360,125</a:t>
+            </a:r>
+          </a:p>
+        </p:txBody>
+      </p:sp>
+      <p:sp>
+        <p:nvSpPr>
+          <p:cNvPr id="11" name="テキスト ボックス 10"/>
+          <p:cNvSpPr txBox="1"/>
+          <p:nvPr/>
+        </p:nvSpPr>
+        <p:spPr>
+          <a:xfrm>
+            <a:off x="419566" y="2673024"/>
+            <a:ext cx="3856230" cy="307777"/>
+          </a:xfrm>
+          <a:prstGeom prst="rect">
+            <a:avLst/>
+          </a:prstGeom>
+          <a:noFill/>
+          <a:ln>
+            <a:solidFill>
+              <a:schemeClr val="tx1"/>
+            </a:solidFill>
+          </a:ln>
+        </p:spPr>
+        <p:txBody>
+          <a:bodyPr wrap="square" rtlCol="0">
+            <a:spAutoFit/>
+          </a:bodyPr>
+          <a:lstStyle/>
+          <a:p>
+            <a:r>
+              <a:rPr lang="en-US" altLang="ja-JP" sz="1400" dirty="0"/>
+              <a:t>$PI$</a:t>
+            </a:r>
+            <a:r>
+              <a:rPr lang="en-US" altLang="ja-JP" sz="1400" dirty="0" smtClean="0"/>
+              <a:t>(</a:t>
+            </a:r>
+            <a:r>
+              <a:rPr lang="en-US" altLang="ja-JP" sz="1400" dirty="0" smtClean="0">
+                <a:solidFill>
+                  <a:srgbClr val="C0504D"/>
+                </a:solidFill>
+              </a:rPr>
+              <a:t>%</a:t>
+            </a:r>
+            <a:r>
+              <a:rPr lang="en-US" altLang="ja-JP" sz="1400" dirty="0" smtClean="0"/>
+              <a:t>(</a:t>
+            </a:r>
+            <a:r>
+              <a:rPr lang="en-US" altLang="ja-JP" sz="1400" dirty="0" err="1"/>
+              <a:t>Length,Weight</a:t>
+            </a:r>
+            <a:r>
+              <a:rPr lang="en-US" altLang="ja-JP" sz="1400" dirty="0"/>
+              <a:t>),Quantity($#4</a:t>
+            </a:r>
+            <a:r>
+              <a:rPr lang="en-US" altLang="ja-JP" sz="1400" dirty="0" smtClean="0"/>
+              <a:t>,</a:t>
+            </a:r>
+            <a:r>
+              <a:rPr lang="en-US" altLang="ja-JP" sz="1400" dirty="0" smtClean="0">
+                <a:solidFill>
+                  <a:srgbClr val="C0504D"/>
+                </a:solidFill>
+              </a:rPr>
+              <a:t>%</a:t>
+            </a:r>
+            <a:r>
+              <a:rPr lang="en-US" altLang="ja-JP" sz="1400" dirty="0" smtClean="0"/>
+              <a:t>(</a:t>
+            </a:r>
+            <a:r>
+              <a:rPr lang="en-US" altLang="ja-JP" sz="1400" dirty="0" err="1"/>
+              <a:t>mm,kg</a:t>
+            </a:r>
+            <a:r>
+              <a:rPr lang="en-US" altLang="ja-JP" sz="1400" dirty="0"/>
+              <a:t>)))</a:t>
+            </a:r>
+          </a:p>
+        </p:txBody>
+      </p:sp>
+      <p:sp>
+        <p:nvSpPr>
+          <p:cNvPr id="13" name="テキスト ボックス 12"/>
+          <p:cNvSpPr txBox="1"/>
+          <p:nvPr/>
+        </p:nvSpPr>
+        <p:spPr>
+          <a:xfrm>
+            <a:off x="419566" y="1552537"/>
+            <a:ext cx="1096837" cy="307777"/>
+          </a:xfrm>
+          <a:prstGeom prst="rect">
+            <a:avLst/>
+          </a:prstGeom>
+          <a:noFill/>
+          <a:ln>
+            <a:solidFill>
+              <a:schemeClr val="tx1"/>
+            </a:solidFill>
+          </a:ln>
+        </p:spPr>
+        <p:txBody>
+          <a:bodyPr wrap="square" rtlCol="0">
+            <a:spAutoFit/>
+          </a:bodyPr>
+          <a:lstStyle/>
+          <a:p>
+            <a:r>
+              <a:rPr lang="en-US" altLang="ja-JP" sz="1400" dirty="0" smtClean="0"/>
+              <a:t>([4](#4[2]))</a:t>
+            </a:r>
+            <a:endParaRPr lang="en-US" altLang="ja-JP" sz="1400" dirty="0"/>
+          </a:p>
+        </p:txBody>
+      </p:sp>
+      <p:sp>
+        <p:nvSpPr>
+          <p:cNvPr id="17" name="テキスト ボックス 16"/>
+          <p:cNvSpPr txBox="1"/>
+          <p:nvPr/>
+        </p:nvSpPr>
+        <p:spPr>
+          <a:xfrm>
+            <a:off x="419566" y="4507833"/>
+            <a:ext cx="5580825" cy="1754327"/>
+          </a:xfrm>
+          <a:prstGeom prst="rect">
+            <a:avLst/>
+          </a:prstGeom>
+          <a:noFill/>
+          <a:ln>
+            <a:solidFill>
+              <a:schemeClr val="tx1"/>
+            </a:solidFill>
+          </a:ln>
+        </p:spPr>
+        <p:txBody>
+          <a:bodyPr wrap="none" rtlCol="0">
+            <a:spAutoFit/>
+          </a:bodyPr>
+          <a:lstStyle/>
+          <a:p>
+            <a:r>
+              <a:rPr lang="en-US" altLang="ja-JP" dirty="0" smtClean="0"/>
+              <a:t>(</a:t>
+            </a:r>
+          </a:p>
+          <a:p>
+            <a:r>
+              <a:rPr lang="en-US" altLang="ja-JP" dirty="0" smtClean="0"/>
+              <a:t>  ((</a:t>
+            </a:r>
+            <a:r>
+              <a:rPr lang="en-US" altLang="ja-JP" dirty="0" err="1"/>
+              <a:t>Length,Quantity</a:t>
+            </a:r>
+            <a:r>
+              <a:rPr lang="en-US" altLang="ja-JP" dirty="0"/>
+              <a:t>(300,mm)),(</a:t>
+            </a:r>
+            <a:r>
+              <a:rPr lang="en-US" altLang="ja-JP" dirty="0" err="1"/>
+              <a:t>Weight,Quantity</a:t>
+            </a:r>
+            <a:r>
+              <a:rPr lang="en-US" altLang="ja-JP" dirty="0"/>
+              <a:t>(100,kg)))</a:t>
+            </a:r>
+            <a:r>
+              <a:rPr lang="en-US" altLang="ja-JP" dirty="0" smtClean="0"/>
+              <a:t>,</a:t>
+            </a:r>
+          </a:p>
+          <a:p>
+            <a:r>
+              <a:rPr lang="en-US" altLang="ja-JP" dirty="0" smtClean="0"/>
+              <a:t>  ((</a:t>
+            </a:r>
+            <a:r>
+              <a:rPr lang="en-US" altLang="ja-JP" dirty="0" err="1"/>
+              <a:t>Length,Quantity</a:t>
+            </a:r>
+            <a:r>
+              <a:rPr lang="en-US" altLang="ja-JP" dirty="0"/>
+              <a:t>(320,mm)),(</a:t>
+            </a:r>
+            <a:r>
+              <a:rPr lang="en-US" altLang="ja-JP" dirty="0" err="1"/>
+              <a:t>Weight,Quantity</a:t>
+            </a:r>
+            <a:r>
+              <a:rPr lang="en-US" altLang="ja-JP" dirty="0"/>
+              <a:t>(102,kg)))</a:t>
+            </a:r>
+            <a:r>
+              <a:rPr lang="en-US" altLang="ja-JP" dirty="0" smtClean="0"/>
+              <a:t>,</a:t>
+            </a:r>
+          </a:p>
+          <a:p>
+            <a:r>
+              <a:rPr lang="en-US" altLang="ja-JP" dirty="0" smtClean="0"/>
+              <a:t>  (</a:t>
+            </a:r>
+            <a:r>
+              <a:rPr lang="en-US" altLang="ja-JP" dirty="0"/>
+              <a:t>(</a:t>
+            </a:r>
+            <a:r>
+              <a:rPr lang="en-US" altLang="ja-JP" dirty="0" err="1"/>
+              <a:t>Length,Quantity</a:t>
+            </a:r>
+            <a:r>
+              <a:rPr lang="en-US" altLang="ja-JP" dirty="0"/>
+              <a:t>(302,mm)),(</a:t>
+            </a:r>
+            <a:r>
+              <a:rPr lang="en-US" altLang="ja-JP" dirty="0" err="1"/>
+              <a:t>Weight,Quantity</a:t>
+            </a:r>
+            <a:r>
+              <a:rPr lang="en-US" altLang="ja-JP" dirty="0"/>
+              <a:t>(101,kg)))</a:t>
+            </a:r>
+            <a:r>
+              <a:rPr lang="en-US" altLang="ja-JP" dirty="0" smtClean="0"/>
+              <a:t>,</a:t>
+            </a:r>
+          </a:p>
+          <a:p>
+            <a:r>
+              <a:rPr lang="en-US" altLang="ja-JP" dirty="0" smtClean="0"/>
+              <a:t>  (</a:t>
+            </a:r>
+            <a:r>
+              <a:rPr lang="en-US" altLang="ja-JP" dirty="0"/>
+              <a:t>(</a:t>
+            </a:r>
+            <a:r>
+              <a:rPr lang="en-US" altLang="ja-JP" dirty="0" err="1"/>
+              <a:t>Length,Quantity</a:t>
+            </a:r>
+            <a:r>
+              <a:rPr lang="en-US" altLang="ja-JP" dirty="0"/>
+              <a:t>(360,mm)),(</a:t>
+            </a:r>
+            <a:r>
+              <a:rPr lang="en-US" altLang="ja-JP" dirty="0" err="1"/>
+              <a:t>Weight,Quantity</a:t>
+            </a:r>
+            <a:r>
+              <a:rPr lang="en-US" altLang="ja-JP" dirty="0"/>
+              <a:t>(125,kg))</a:t>
+            </a:r>
+            <a:r>
+              <a:rPr lang="en-US" altLang="ja-JP" dirty="0" smtClean="0"/>
+              <a:t>)</a:t>
+            </a:r>
+          </a:p>
+          <a:p>
+            <a:r>
+              <a:rPr lang="en-US" altLang="ja-JP" dirty="0" smtClean="0"/>
+              <a:t>)</a:t>
+            </a:r>
+            <a:endParaRPr kumimoji="1" lang="ja-JP" altLang="en-US" dirty="0"/>
+          </a:p>
+        </p:txBody>
+      </p:sp>
+      <p:sp>
+        <p:nvSpPr>
+          <p:cNvPr id="18" name="テキスト ボックス 17"/>
+          <p:cNvSpPr txBox="1"/>
+          <p:nvPr/>
+        </p:nvSpPr>
+        <p:spPr>
+          <a:xfrm>
+            <a:off x="178007" y="4138501"/>
+            <a:ext cx="901283" cy="369332"/>
+          </a:xfrm>
+          <a:prstGeom prst="rect">
+            <a:avLst/>
+          </a:prstGeom>
+          <a:noFill/>
+        </p:spPr>
+        <p:txBody>
+          <a:bodyPr wrap="none" rtlCol="0">
+            <a:spAutoFit/>
+          </a:bodyPr>
+          <a:lstStyle/>
+          <a:p>
+            <a:r>
+              <a:rPr lang="en-US" altLang="ja-JP" dirty="0" smtClean="0"/>
+              <a:t>- </a:t>
+            </a:r>
+            <a:r>
+              <a:rPr lang="ja-JP" altLang="en-US" dirty="0" smtClean="0"/>
+              <a:t>出力</a:t>
+            </a:r>
+            <a:r>
+              <a:rPr kumimoji="1" lang="en-US" altLang="ja-JP" dirty="0" smtClean="0"/>
+              <a:t> : </a:t>
+            </a:r>
+            <a:endParaRPr kumimoji="1" lang="ja-JP" altLang="en-US" dirty="0"/>
+          </a:p>
+        </p:txBody>
+      </p:sp>
+      <p:sp>
+        <p:nvSpPr>
+          <p:cNvPr id="14" name="テキスト ボックス 13"/>
+          <p:cNvSpPr txBox="1"/>
+          <p:nvPr/>
+        </p:nvSpPr>
+        <p:spPr>
+          <a:xfrm>
+            <a:off x="178007" y="2260026"/>
+            <a:ext cx="3207579" cy="369332"/>
+          </a:xfrm>
+          <a:prstGeom prst="rect">
+            <a:avLst/>
+          </a:prstGeom>
+          <a:noFill/>
+        </p:spPr>
+        <p:txBody>
+          <a:bodyPr wrap="none" rtlCol="0">
+            <a:spAutoFit/>
+          </a:bodyPr>
+          <a:lstStyle/>
+          <a:p>
+            <a:r>
+              <a:rPr lang="en-US" altLang="ja-JP" dirty="0" smtClean="0"/>
+              <a:t>- </a:t>
+            </a:r>
+            <a:r>
+              <a:rPr lang="ja-JP" altLang="en-US" dirty="0" smtClean="0"/>
+              <a:t>出力データ形式定義</a:t>
+            </a:r>
+            <a:r>
+              <a:rPr lang="en-US" altLang="ja-JP" dirty="0" smtClean="0"/>
+              <a:t>: </a:t>
+            </a:r>
+            <a:r>
+              <a:rPr lang="en-US" altLang="ja-JP" dirty="0" err="1" smtClean="0"/>
+              <a:t>num.ddl</a:t>
+            </a:r>
+            <a:endParaRPr lang="en-US" altLang="ja-JP" dirty="0" smtClean="0"/>
+          </a:p>
+        </p:txBody>
+      </p:sp>
+      <p:sp>
+        <p:nvSpPr>
+          <p:cNvPr id="19" name="テキスト ボックス 18"/>
+          <p:cNvSpPr txBox="1"/>
+          <p:nvPr/>
+        </p:nvSpPr>
+        <p:spPr>
+          <a:xfrm>
+            <a:off x="5655389" y="1216689"/>
+            <a:ext cx="1558953" cy="369332"/>
+          </a:xfrm>
+          <a:prstGeom prst="rect">
+            <a:avLst/>
+          </a:prstGeom>
+          <a:noFill/>
+        </p:spPr>
+        <p:txBody>
+          <a:bodyPr wrap="none" rtlCol="0">
+            <a:spAutoFit/>
+          </a:bodyPr>
+          <a:lstStyle/>
+          <a:p>
+            <a:r>
+              <a:rPr lang="en-US" altLang="ja-JP" dirty="0" smtClean="0"/>
+              <a:t>- CSV</a:t>
+            </a:r>
+            <a:r>
+              <a:rPr lang="en-US" altLang="en-US" dirty="0"/>
+              <a:t>: </a:t>
+            </a:r>
+            <a:r>
+              <a:rPr lang="en-US" altLang="ja-JP" dirty="0" err="1" smtClean="0"/>
+              <a:t>num.csv</a:t>
+            </a:r>
+            <a:endParaRPr lang="en-US" altLang="ja-JP" dirty="0" smtClean="0"/>
+          </a:p>
+        </p:txBody>
+      </p:sp>
+    </p:spTree>
+    <p:extLst>
+      <p:ext uri="{BB962C8B-B14F-4D97-AF65-F5344CB8AC3E}">
+        <p14:creationId xmlns:p14="http://schemas.microsoft.com/office/powerpoint/2010/main" val="332257324"/>
       </p:ext>
     </p:extLst>
   </p:cSld>

--- a/Document/tq_op_example.pptx
+++ b/Document/tq_op_example.pptx
@@ -12,6 +12,7 @@
     <p:sldId id="260" r:id="rId6"/>
     <p:sldId id="261" r:id="rId7"/>
     <p:sldId id="262" r:id="rId8"/>
+    <p:sldId id="263" r:id="rId9"/>
   </p:sldIdLst>
   <p:sldSz cx="9144000" cy="6858000" type="screen4x3"/>
   <p:notesSz cx="6858000" cy="9144000"/>
@@ -294,7 +295,7 @@
           <a:p>
             <a:fld id="{B6D4C118-14B5-2347-B67F-9D46490F7068}" type="datetimeFigureOut">
               <a:rPr kumimoji="1" lang="ja-JP" altLang="en-US" smtClean="0"/>
-              <a:t>20/05/02</a:t>
+              <a:t>20/05/08</a:t>
             </a:fld>
             <a:endParaRPr kumimoji="1" lang="ja-JP" altLang="en-US"/>
           </a:p>
@@ -496,7 +497,7 @@
           <a:p>
             <a:fld id="{B6D4C118-14B5-2347-B67F-9D46490F7068}" type="datetimeFigureOut">
               <a:rPr kumimoji="1" lang="ja-JP" altLang="en-US" smtClean="0"/>
-              <a:t>20/05/02</a:t>
+              <a:t>20/05/08</a:t>
             </a:fld>
             <a:endParaRPr kumimoji="1" lang="ja-JP" altLang="en-US"/>
           </a:p>
@@ -708,7 +709,7 @@
           <a:p>
             <a:fld id="{B6D4C118-14B5-2347-B67F-9D46490F7068}" type="datetimeFigureOut">
               <a:rPr kumimoji="1" lang="ja-JP" altLang="en-US" smtClean="0"/>
-              <a:t>20/05/02</a:t>
+              <a:t>20/05/08</a:t>
             </a:fld>
             <a:endParaRPr kumimoji="1" lang="ja-JP" altLang="en-US"/>
           </a:p>
@@ -910,7 +911,7 @@
           <a:p>
             <a:fld id="{B6D4C118-14B5-2347-B67F-9D46490F7068}" type="datetimeFigureOut">
               <a:rPr kumimoji="1" lang="ja-JP" altLang="en-US" smtClean="0"/>
-              <a:t>20/05/02</a:t>
+              <a:t>20/05/08</a:t>
             </a:fld>
             <a:endParaRPr kumimoji="1" lang="ja-JP" altLang="en-US"/>
           </a:p>
@@ -1156,7 +1157,7 @@
           <a:p>
             <a:fld id="{B6D4C118-14B5-2347-B67F-9D46490F7068}" type="datetimeFigureOut">
               <a:rPr kumimoji="1" lang="ja-JP" altLang="en-US" smtClean="0"/>
-              <a:t>20/05/02</a:t>
+              <a:t>20/05/08</a:t>
             </a:fld>
             <a:endParaRPr kumimoji="1" lang="ja-JP" altLang="en-US"/>
           </a:p>
@@ -1508,7 +1509,7 @@
           <a:p>
             <a:fld id="{B6D4C118-14B5-2347-B67F-9D46490F7068}" type="datetimeFigureOut">
               <a:rPr kumimoji="1" lang="ja-JP" altLang="en-US" smtClean="0"/>
-              <a:t>20/05/02</a:t>
+              <a:t>20/05/08</a:t>
             </a:fld>
             <a:endParaRPr kumimoji="1" lang="ja-JP" altLang="en-US"/>
           </a:p>
@@ -1994,7 +1995,7 @@
           <a:p>
             <a:fld id="{B6D4C118-14B5-2347-B67F-9D46490F7068}" type="datetimeFigureOut">
               <a:rPr kumimoji="1" lang="ja-JP" altLang="en-US" smtClean="0"/>
-              <a:t>20/05/02</a:t>
+              <a:t>20/05/08</a:t>
             </a:fld>
             <a:endParaRPr kumimoji="1" lang="ja-JP" altLang="en-US"/>
           </a:p>
@@ -2112,7 +2113,7 @@
           <a:p>
             <a:fld id="{B6D4C118-14B5-2347-B67F-9D46490F7068}" type="datetimeFigureOut">
               <a:rPr kumimoji="1" lang="ja-JP" altLang="en-US" smtClean="0"/>
-              <a:t>20/05/02</a:t>
+              <a:t>20/05/08</a:t>
             </a:fld>
             <a:endParaRPr kumimoji="1" lang="ja-JP" altLang="en-US"/>
           </a:p>
@@ -2207,7 +2208,7 @@
           <a:p>
             <a:fld id="{B6D4C118-14B5-2347-B67F-9D46490F7068}" type="datetimeFigureOut">
               <a:rPr kumimoji="1" lang="ja-JP" altLang="en-US" smtClean="0"/>
-              <a:t>20/05/02</a:t>
+              <a:t>20/05/08</a:t>
             </a:fld>
             <a:endParaRPr kumimoji="1" lang="ja-JP" altLang="en-US"/>
           </a:p>
@@ -2516,7 +2517,7 @@
           <a:p>
             <a:fld id="{B6D4C118-14B5-2347-B67F-9D46490F7068}" type="datetimeFigureOut">
               <a:rPr kumimoji="1" lang="ja-JP" altLang="en-US" smtClean="0"/>
-              <a:t>20/05/02</a:t>
+              <a:t>20/05/08</a:t>
             </a:fld>
             <a:endParaRPr kumimoji="1" lang="ja-JP" altLang="en-US"/>
           </a:p>
@@ -2769,7 +2770,7 @@
           <a:p>
             <a:fld id="{B6D4C118-14B5-2347-B67F-9D46490F7068}" type="datetimeFigureOut">
               <a:rPr kumimoji="1" lang="ja-JP" altLang="en-US" smtClean="0"/>
-              <a:t>20/05/02</a:t>
+              <a:t>20/05/08</a:t>
             </a:fld>
             <a:endParaRPr kumimoji="1" lang="ja-JP" altLang="en-US"/>
           </a:p>
@@ -3014,7 +3015,7 @@
           <a:p>
             <a:fld id="{B6D4C118-14B5-2347-B67F-9D46490F7068}" type="datetimeFigureOut">
               <a:rPr kumimoji="1" lang="ja-JP" altLang="en-US" smtClean="0"/>
-              <a:t>20/05/02</a:t>
+              <a:t>20/05/08</a:t>
             </a:fld>
             <a:endParaRPr kumimoji="1" lang="ja-JP" altLang="en-US"/>
           </a:p>
@@ -3655,7 +3656,7 @@
         </p:nvSpPr>
         <p:spPr>
           <a:xfrm>
-            <a:off x="1804993" y="1577017"/>
+            <a:off x="1804993" y="1493927"/>
             <a:ext cx="4476256" cy="1754327"/>
           </a:xfrm>
           <a:prstGeom prst="rect">
@@ -3742,7 +3743,7 @@
         </p:nvSpPr>
         <p:spPr>
           <a:xfrm>
-            <a:off x="1043246" y="747068"/>
+            <a:off x="1043246" y="663978"/>
             <a:ext cx="761747" cy="369332"/>
           </a:xfrm>
           <a:prstGeom prst="rect">
@@ -3776,8 +3777,8 @@
         </p:nvSpPr>
         <p:spPr>
           <a:xfrm>
-            <a:off x="1804993" y="3358408"/>
-            <a:ext cx="1813317" cy="646331"/>
+            <a:off x="1804993" y="3318615"/>
+            <a:ext cx="2982607" cy="1200329"/>
           </a:xfrm>
           <a:prstGeom prst="rect">
             <a:avLst/>
@@ -3812,6 +3813,23 @@
               <a:rPr lang="ja-JP" altLang="en-US" dirty="0" smtClean="0"/>
               <a:t>のみ</a:t>
             </a:r>
+            <a:endParaRPr lang="en-US" altLang="ja-JP" dirty="0" smtClean="0"/>
+          </a:p>
+          <a:p>
+            <a:r>
+              <a:rPr kumimoji="1" lang="en-US" altLang="ja-JP" dirty="0" smtClean="0"/>
+              <a:t>&lt;Item&gt;:</a:t>
+            </a:r>
+          </a:p>
+          <a:p>
+            <a:r>
+              <a:rPr lang="en-US" altLang="ja-JP" dirty="0"/>
+              <a:t>　</a:t>
+            </a:r>
+            <a:r>
+              <a:rPr lang="ja-JP" altLang="en-US" dirty="0" smtClean="0"/>
+              <a:t>辞書登録されている属性名</a:t>
+            </a:r>
             <a:endParaRPr kumimoji="1" lang="ja-JP" altLang="en-US" dirty="0"/>
           </a:p>
         </p:txBody>
@@ -3854,7 +3872,7 @@
         </p:nvSpPr>
         <p:spPr>
           <a:xfrm>
-            <a:off x="1804993" y="4894673"/>
+            <a:off x="1804993" y="5191423"/>
             <a:ext cx="5782803" cy="1477328"/>
           </a:xfrm>
           <a:prstGeom prst="rect">
@@ -3987,7 +4005,7 @@
         </p:nvSpPr>
         <p:spPr>
           <a:xfrm>
-            <a:off x="1804993" y="4139194"/>
+            <a:off x="1804993" y="4553456"/>
             <a:ext cx="2866064" cy="646331"/>
           </a:xfrm>
           <a:prstGeom prst="rect">
@@ -4047,7 +4065,7 @@
         </p:nvSpPr>
         <p:spPr>
           <a:xfrm>
-            <a:off x="1804993" y="1116400"/>
+            <a:off x="1804993" y="1033310"/>
             <a:ext cx="3778799" cy="369332"/>
           </a:xfrm>
           <a:prstGeom prst="rect">
@@ -6534,15 +6552,7 @@
                   <a:srgbClr val="C0504D"/>
                 </a:solidFill>
               </a:rPr>
-              <a:t>次期</a:t>
-            </a:r>
-            <a:r>
-              <a:rPr lang="ja-JP" altLang="en-US" dirty="0" smtClean="0">
-                <a:solidFill>
-                  <a:srgbClr val="C0504D"/>
-                </a:solidFill>
-              </a:rPr>
-              <a:t>仕様</a:t>
+              <a:t>次期仕様</a:t>
             </a:r>
             <a:r>
               <a:rPr lang="ja-JP" altLang="en-US" dirty="0" smtClean="0"/>
@@ -7137,6 +7147,863 @@
     <p:extLst>
       <p:ext uri="{BB962C8B-B14F-4D97-AF65-F5344CB8AC3E}">
         <p14:creationId xmlns:p14="http://schemas.microsoft.com/office/powerpoint/2010/main" val="332257324"/>
+      </p:ext>
+    </p:extLst>
+  </p:cSld>
+  <p:clrMapOvr>
+    <a:masterClrMapping/>
+  </p:clrMapOvr>
+</p:sld>
+</file>
+
+<file path=ppt/slides/slide8.xml><?xml version="1.0" encoding="utf-8"?>
+<p:sld xmlns:a="http://schemas.openxmlformats.org/drawingml/2006/main" xmlns:r="http://schemas.openxmlformats.org/officeDocument/2006/relationships" xmlns:p="http://schemas.openxmlformats.org/presentationml/2006/main">
+  <p:cSld>
+    <p:spTree>
+      <p:nvGrpSpPr>
+        <p:cNvPr id="1" name=""/>
+        <p:cNvGrpSpPr/>
+        <p:nvPr/>
+      </p:nvGrpSpPr>
+      <p:grpSpPr>
+        <a:xfrm>
+          <a:off x="0" y="0"/>
+          <a:ext cx="0" cy="0"/>
+          <a:chOff x="0" y="0"/>
+          <a:chExt cx="0" cy="0"/>
+        </a:xfrm>
+      </p:grpSpPr>
+      <p:sp>
+        <p:nvSpPr>
+          <p:cNvPr id="4" name="テキスト ボックス 3"/>
+          <p:cNvSpPr txBox="1"/>
+          <p:nvPr/>
+        </p:nvSpPr>
+        <p:spPr>
+          <a:xfrm>
+            <a:off x="178007" y="1183742"/>
+            <a:ext cx="3608680" cy="369332"/>
+          </a:xfrm>
+          <a:prstGeom prst="rect">
+            <a:avLst/>
+          </a:prstGeom>
+          <a:noFill/>
+        </p:spPr>
+        <p:txBody>
+          <a:bodyPr wrap="none" rtlCol="0">
+            <a:spAutoFit/>
+          </a:bodyPr>
+          <a:lstStyle/>
+          <a:p>
+            <a:r>
+              <a:rPr kumimoji="1" lang="en-US" altLang="ja-JP" dirty="0" smtClean="0"/>
+              <a:t>- </a:t>
+            </a:r>
+            <a:r>
+              <a:rPr lang="ja-JP" altLang="en-US" dirty="0" smtClean="0"/>
+              <a:t>入力データ形式定義</a:t>
+            </a:r>
+            <a:r>
+              <a:rPr lang="en-US" altLang="ja-JP" dirty="0" smtClean="0"/>
+              <a:t>: data.ns3</a:t>
+            </a:r>
+            <a:r>
+              <a:rPr lang="en-US" altLang="ja-JP" dirty="0"/>
+              <a:t>.</a:t>
+            </a:r>
+            <a:r>
+              <a:rPr lang="en-US" altLang="ja-JP" dirty="0" smtClean="0"/>
+              <a:t>ddf</a:t>
+            </a:r>
+            <a:endParaRPr kumimoji="1" lang="en-US" altLang="ja-JP" dirty="0" smtClean="0"/>
+          </a:p>
+        </p:txBody>
+      </p:sp>
+      <p:sp>
+        <p:nvSpPr>
+          <p:cNvPr id="5" name="テキスト ボックス 4"/>
+          <p:cNvSpPr txBox="1"/>
+          <p:nvPr/>
+        </p:nvSpPr>
+        <p:spPr>
+          <a:xfrm>
+            <a:off x="1633517" y="550337"/>
+            <a:ext cx="6886020" cy="369332"/>
+          </a:xfrm>
+          <a:prstGeom prst="rect">
+            <a:avLst/>
+          </a:prstGeom>
+          <a:noFill/>
+        </p:spPr>
+        <p:txBody>
+          <a:bodyPr wrap="none" rtlCol="0">
+            <a:spAutoFit/>
+          </a:bodyPr>
+          <a:lstStyle/>
+          <a:p>
+            <a:r>
+              <a:rPr lang="ja-JP" altLang="en-US" dirty="0" smtClean="0"/>
+              <a:t>オペレーション例</a:t>
+            </a:r>
+            <a:r>
+              <a:rPr kumimoji="1" lang="ja-JP" altLang="en-US" dirty="0" smtClean="0"/>
+              <a:t>：</a:t>
+            </a:r>
+            <a:r>
+              <a:rPr lang="en-US" altLang="ja-JP" dirty="0"/>
+              <a:t>CSV</a:t>
+            </a:r>
+            <a:r>
+              <a:rPr lang="ja-JP" altLang="en-US" dirty="0"/>
+              <a:t>から</a:t>
+            </a:r>
+            <a:r>
+              <a:rPr lang="en-US" altLang="ja-JP" dirty="0"/>
+              <a:t>NS3</a:t>
+            </a:r>
+            <a:r>
+              <a:rPr lang="ja-JP" altLang="en-US" dirty="0"/>
+              <a:t>形式への</a:t>
+            </a:r>
+            <a:r>
+              <a:rPr lang="ja-JP" altLang="en-US" dirty="0" smtClean="0"/>
+              <a:t>変換 </a:t>
+            </a:r>
+            <a:r>
+              <a:rPr lang="ja-JP" altLang="ja-JP" dirty="0" smtClean="0"/>
+              <a:t>#</a:t>
+            </a:r>
+            <a:r>
+              <a:rPr lang="ja-JP" altLang="ja-JP" dirty="0"/>
+              <a:t>3</a:t>
+            </a:r>
+            <a:r>
+              <a:rPr lang="ja-JP" altLang="en-US" dirty="0" smtClean="0"/>
+              <a:t>（</a:t>
+            </a:r>
+            <a:r>
+              <a:rPr lang="ja-JP" altLang="ja-JP" dirty="0"/>
+              <a:t>2</a:t>
+            </a:r>
+            <a:r>
+              <a:rPr lang="ja-JP" altLang="en-US" dirty="0" smtClean="0"/>
+              <a:t>ファイル</a:t>
+            </a:r>
+            <a:r>
+              <a:rPr lang="en-US" altLang="ja-JP" dirty="0" smtClean="0"/>
+              <a:t>;</a:t>
+            </a:r>
+            <a:r>
+              <a:rPr lang="ja-JP" altLang="en-US" dirty="0" smtClean="0">
+                <a:solidFill>
+                  <a:srgbClr val="C0504D"/>
+                </a:solidFill>
+              </a:rPr>
+              <a:t>次期仕様</a:t>
+            </a:r>
+            <a:r>
+              <a:rPr lang="ja-JP" altLang="en-US" dirty="0" smtClean="0"/>
+              <a:t>）</a:t>
+            </a:r>
+            <a:endParaRPr kumimoji="1" lang="en-US" altLang="ja-JP" dirty="0" smtClean="0"/>
+          </a:p>
+        </p:txBody>
+      </p:sp>
+      <p:sp>
+        <p:nvSpPr>
+          <p:cNvPr id="9" name="テキスト ボックス 8"/>
+          <p:cNvSpPr txBox="1"/>
+          <p:nvPr/>
+        </p:nvSpPr>
+        <p:spPr>
+          <a:xfrm>
+            <a:off x="2472041" y="0"/>
+            <a:ext cx="4548240" cy="523220"/>
+          </a:xfrm>
+          <a:prstGeom prst="rect">
+            <a:avLst/>
+          </a:prstGeom>
+          <a:noFill/>
+        </p:spPr>
+        <p:txBody>
+          <a:bodyPr wrap="none" rtlCol="0">
+            <a:spAutoFit/>
+          </a:bodyPr>
+          <a:lstStyle/>
+          <a:p>
+            <a:r>
+              <a:rPr kumimoji="1" lang="ja-JP" altLang="en-US" sz="2800" dirty="0" smtClean="0"/>
+              <a:t>データ構造記述言語の開発</a:t>
+            </a:r>
+            <a:endParaRPr kumimoji="1" lang="ja-JP" altLang="en-US" sz="2800" dirty="0"/>
+          </a:p>
+        </p:txBody>
+      </p:sp>
+      <p:sp>
+        <p:nvSpPr>
+          <p:cNvPr id="6" name="テキスト ボックス 5"/>
+          <p:cNvSpPr txBox="1"/>
+          <p:nvPr/>
+        </p:nvSpPr>
+        <p:spPr>
+          <a:xfrm>
+            <a:off x="178007" y="3503787"/>
+            <a:ext cx="7943200" cy="369332"/>
+          </a:xfrm>
+          <a:prstGeom prst="rect">
+            <a:avLst/>
+          </a:prstGeom>
+          <a:noFill/>
+        </p:spPr>
+        <p:txBody>
+          <a:bodyPr wrap="none" rtlCol="0">
+            <a:spAutoFit/>
+          </a:bodyPr>
+          <a:lstStyle/>
+          <a:p>
+            <a:r>
+              <a:rPr lang="en-US" altLang="ja-JP" dirty="0" smtClean="0"/>
+              <a:t>- </a:t>
+            </a:r>
+            <a:r>
+              <a:rPr lang="ja-JP" altLang="en-US" dirty="0" smtClean="0"/>
+              <a:t>コマンド</a:t>
+            </a:r>
+            <a:r>
+              <a:rPr lang="en-US" altLang="ja-JP" dirty="0" smtClean="0"/>
+              <a:t>: </a:t>
+            </a:r>
+            <a:r>
+              <a:rPr lang="en-US" altLang="ja-JP" dirty="0"/>
+              <a:t>./</a:t>
+            </a:r>
+            <a:r>
+              <a:rPr lang="en-US" altLang="ja-JP" dirty="0" err="1"/>
+              <a:t>tq.o</a:t>
+            </a:r>
+            <a:r>
+              <a:rPr lang="en-US" altLang="ja-JP" dirty="0"/>
+              <a:t> in=data.ns3.ddf out=data.ns3.ddl </a:t>
+            </a:r>
+            <a:r>
+              <a:rPr lang="en-US" altLang="ja-JP" dirty="0">
+                <a:solidFill>
+                  <a:schemeClr val="tx1">
+                    <a:lumMod val="50000"/>
+                    <a:lumOff val="50000"/>
+                  </a:schemeClr>
+                </a:solidFill>
+              </a:rPr>
+              <a:t>data=data.ns3.csv </a:t>
+            </a:r>
+            <a:r>
+              <a:rPr lang="en-US" altLang="ja-JP" dirty="0"/>
+              <a:t>-FT -</a:t>
+            </a:r>
+            <a:r>
+              <a:rPr lang="en-US" altLang="ja-JP" dirty="0" err="1"/>
+              <a:t>Pprod</a:t>
+            </a:r>
+            <a:r>
+              <a:rPr lang="en-US" altLang="ja-JP" dirty="0"/>
+              <a:t>  -</a:t>
+            </a:r>
+            <a:r>
+              <a:rPr lang="en-US" altLang="ja-JP" dirty="0" smtClean="0"/>
+              <a:t>C</a:t>
+            </a:r>
+            <a:endParaRPr lang="en-US" altLang="ja-JP" dirty="0"/>
+          </a:p>
+        </p:txBody>
+      </p:sp>
+      <p:sp>
+        <p:nvSpPr>
+          <p:cNvPr id="2" name="テキスト ボックス 1"/>
+          <p:cNvSpPr txBox="1"/>
+          <p:nvPr/>
+        </p:nvSpPr>
+        <p:spPr>
+          <a:xfrm>
+            <a:off x="6841778" y="1543758"/>
+            <a:ext cx="1526428" cy="1600438"/>
+          </a:xfrm>
+          <a:prstGeom prst="rect">
+            <a:avLst/>
+          </a:prstGeom>
+          <a:noFill/>
+          <a:ln>
+            <a:solidFill>
+              <a:schemeClr val="tx1"/>
+            </a:solidFill>
+          </a:ln>
+        </p:spPr>
+        <p:txBody>
+          <a:bodyPr wrap="square" rtlCol="0">
+            <a:spAutoFit/>
+          </a:bodyPr>
+          <a:lstStyle/>
+          <a:p>
+            <a:r>
+              <a:rPr lang="en-US" altLang="ja-JP" sz="1400" dirty="0" err="1"/>
+              <a:t>Length,Weight</a:t>
+            </a:r>
+            <a:endParaRPr lang="en-US" altLang="ja-JP" sz="1400" dirty="0"/>
+          </a:p>
+          <a:p>
+            <a:r>
+              <a:rPr lang="en-US" altLang="ja-JP" sz="1400" dirty="0" err="1"/>
+              <a:t>Quantity,Quantity</a:t>
+            </a:r>
+            <a:endParaRPr lang="en-US" altLang="ja-JP" sz="1400" dirty="0"/>
+          </a:p>
+          <a:p>
+            <a:r>
+              <a:rPr lang="en-US" altLang="ja-JP" sz="1400" dirty="0" err="1"/>
+              <a:t>mm,kg</a:t>
+            </a:r>
+            <a:endParaRPr lang="en-US" altLang="ja-JP" sz="1400" dirty="0"/>
+          </a:p>
+          <a:p>
+            <a:r>
+              <a:rPr lang="is-IS" altLang="ja-JP" sz="1400" dirty="0"/>
+              <a:t>300,100</a:t>
+            </a:r>
+          </a:p>
+          <a:p>
+            <a:r>
+              <a:rPr lang="fi-FI" altLang="ja-JP" sz="1400" dirty="0"/>
+              <a:t>320,102</a:t>
+            </a:r>
+          </a:p>
+          <a:p>
+            <a:r>
+              <a:rPr lang="fi-FI" altLang="ja-JP" sz="1400" dirty="0"/>
+              <a:t>302,101</a:t>
+            </a:r>
+          </a:p>
+          <a:p>
+            <a:r>
+              <a:rPr lang="cs-CZ" altLang="ja-JP" sz="1400" dirty="0" smtClean="0"/>
+              <a:t>360,125</a:t>
+            </a:r>
+          </a:p>
+        </p:txBody>
+      </p:sp>
+      <p:sp>
+        <p:nvSpPr>
+          <p:cNvPr id="11" name="テキスト ボックス 10"/>
+          <p:cNvSpPr txBox="1"/>
+          <p:nvPr/>
+        </p:nvSpPr>
+        <p:spPr>
+          <a:xfrm>
+            <a:off x="421610" y="2783347"/>
+            <a:ext cx="1921047" cy="307777"/>
+          </a:xfrm>
+          <a:prstGeom prst="rect">
+            <a:avLst/>
+          </a:prstGeom>
+          <a:noFill/>
+          <a:ln>
+            <a:solidFill>
+              <a:schemeClr val="tx1"/>
+            </a:solidFill>
+          </a:ln>
+        </p:spPr>
+        <p:txBody>
+          <a:bodyPr wrap="square" rtlCol="0">
+            <a:spAutoFit/>
+          </a:bodyPr>
+          <a:lstStyle/>
+          <a:p>
+            <a:r>
+              <a:rPr lang="en-US" altLang="ja-JP" sz="1400" dirty="0"/>
+              <a:t>$PI$($#1,$#2($#4,$#3)</a:t>
+            </a:r>
+            <a:r>
+              <a:rPr lang="en-US" altLang="ja-JP" sz="1400" dirty="0" smtClean="0"/>
+              <a:t>)</a:t>
+            </a:r>
+            <a:endParaRPr lang="en-US" altLang="ja-JP" sz="1400" dirty="0"/>
+          </a:p>
+        </p:txBody>
+      </p:sp>
+      <p:sp>
+        <p:nvSpPr>
+          <p:cNvPr id="13" name="テキスト ボックス 12"/>
+          <p:cNvSpPr txBox="1"/>
+          <p:nvPr/>
+        </p:nvSpPr>
+        <p:spPr>
+          <a:xfrm>
+            <a:off x="421610" y="1547765"/>
+            <a:ext cx="3059019" cy="738664"/>
+          </a:xfrm>
+          <a:prstGeom prst="rect">
+            <a:avLst/>
+          </a:prstGeom>
+          <a:noFill/>
+          <a:ln>
+            <a:solidFill>
+              <a:schemeClr val="tx1"/>
+            </a:solidFill>
+          </a:ln>
+        </p:spPr>
+        <p:txBody>
+          <a:bodyPr wrap="square" rtlCol="0">
+            <a:spAutoFit/>
+          </a:bodyPr>
+          <a:lstStyle/>
+          <a:p>
+            <a:r>
+              <a:rPr lang="en-US" altLang="ja-JP" sz="1400" dirty="0" smtClean="0"/>
+              <a:t>(#10$FILE$("data.ns3.csv")</a:t>
+            </a:r>
+            <a:r>
+              <a:rPr lang="en-US" altLang="ja-JP" sz="1400" dirty="0" smtClean="0"/>
+              <a:t>,</a:t>
+            </a:r>
+          </a:p>
+          <a:p>
+            <a:r>
+              <a:rPr lang="en-US" altLang="ja-JP" sz="1400" dirty="0" smtClean="0"/>
+              <a:t>#11$FILE$("</a:t>
+            </a:r>
+            <a:r>
+              <a:rPr lang="en-US" altLang="ja-JP" sz="1400" dirty="0" err="1" smtClean="0"/>
+              <a:t>num.csv</a:t>
+            </a:r>
+            <a:r>
+              <a:rPr lang="en-US" altLang="ja-JP" sz="1400" dirty="0" smtClean="0"/>
+              <a:t>"),</a:t>
+            </a:r>
+            <a:endParaRPr lang="en-US" altLang="ja-JP" sz="1400" dirty="0" smtClean="0"/>
+          </a:p>
+          <a:p>
+            <a:r>
+              <a:rPr lang="en-US" altLang="ja-JP" sz="1400" dirty="0" smtClean="0"/>
+              <a:t>$#10</a:t>
+            </a:r>
+            <a:r>
+              <a:rPr lang="en-US" altLang="ja-JP" sz="1400" dirty="0" smtClean="0">
+                <a:solidFill>
+                  <a:schemeClr val="accent2"/>
+                </a:solidFill>
+              </a:rPr>
+              <a:t>:</a:t>
+            </a:r>
+            <a:r>
+              <a:rPr lang="pt-BR" altLang="ja-JP" sz="1400" dirty="0" smtClean="0"/>
+              <a:t>(</a:t>
+            </a:r>
+            <a:r>
+              <a:rPr lang="pt-BR" altLang="ja-JP" sz="1400" dirty="0"/>
+              <a:t>#1[2],#2[2],#3[2]</a:t>
+            </a:r>
+            <a:r>
+              <a:rPr lang="pt-BR" altLang="ja-JP" sz="1400" dirty="0" smtClean="0"/>
+              <a:t>,</a:t>
+            </a:r>
+            <a:r>
+              <a:rPr lang="pt-BR" altLang="ja-JP" sz="1400" dirty="0" smtClean="0"/>
+              <a:t>$#11</a:t>
+            </a:r>
+            <a:r>
+              <a:rPr lang="pt-BR" altLang="ja-JP" sz="1400" dirty="0" smtClean="0">
+                <a:solidFill>
+                  <a:srgbClr val="FF0000"/>
+                </a:solidFill>
+              </a:rPr>
+              <a:t>:</a:t>
+            </a:r>
+            <a:r>
+              <a:rPr lang="pt-BR" altLang="ja-JP" sz="1400" dirty="0" smtClean="0"/>
+              <a:t>#</a:t>
+            </a:r>
+            <a:r>
+              <a:rPr lang="pt-BR" altLang="ja-JP" sz="1400" dirty="0"/>
+              <a:t>4[4,2]</a:t>
+            </a:r>
+            <a:r>
+              <a:rPr lang="pt-BR" altLang="ja-JP" sz="1400" dirty="0" smtClean="0"/>
+              <a:t>))</a:t>
+            </a:r>
+            <a:endParaRPr lang="en-US" altLang="ja-JP" sz="1400" dirty="0"/>
+          </a:p>
+        </p:txBody>
+      </p:sp>
+      <p:sp>
+        <p:nvSpPr>
+          <p:cNvPr id="17" name="テキスト ボックス 16"/>
+          <p:cNvSpPr txBox="1"/>
+          <p:nvPr/>
+        </p:nvSpPr>
+        <p:spPr>
+          <a:xfrm>
+            <a:off x="421610" y="4536278"/>
+            <a:ext cx="5580825" cy="1754327"/>
+          </a:xfrm>
+          <a:prstGeom prst="rect">
+            <a:avLst/>
+          </a:prstGeom>
+          <a:noFill/>
+          <a:ln>
+            <a:solidFill>
+              <a:schemeClr val="tx1"/>
+            </a:solidFill>
+          </a:ln>
+        </p:spPr>
+        <p:txBody>
+          <a:bodyPr wrap="none" rtlCol="0">
+            <a:spAutoFit/>
+          </a:bodyPr>
+          <a:lstStyle/>
+          <a:p>
+            <a:r>
+              <a:rPr lang="en-US" altLang="ja-JP" dirty="0" smtClean="0"/>
+              <a:t>(</a:t>
+            </a:r>
+          </a:p>
+          <a:p>
+            <a:r>
+              <a:rPr lang="en-US" altLang="ja-JP" dirty="0" smtClean="0"/>
+              <a:t>  ((</a:t>
+            </a:r>
+            <a:r>
+              <a:rPr lang="en-US" altLang="ja-JP" dirty="0" err="1"/>
+              <a:t>Length,Quantity</a:t>
+            </a:r>
+            <a:r>
+              <a:rPr lang="en-US" altLang="ja-JP" dirty="0"/>
+              <a:t>(300,mm)),(</a:t>
+            </a:r>
+            <a:r>
+              <a:rPr lang="en-US" altLang="ja-JP" dirty="0" err="1"/>
+              <a:t>Weight,Quantity</a:t>
+            </a:r>
+            <a:r>
+              <a:rPr lang="en-US" altLang="ja-JP" dirty="0"/>
+              <a:t>(100,kg)))</a:t>
+            </a:r>
+            <a:r>
+              <a:rPr lang="en-US" altLang="ja-JP" dirty="0" smtClean="0"/>
+              <a:t>,</a:t>
+            </a:r>
+          </a:p>
+          <a:p>
+            <a:r>
+              <a:rPr lang="en-US" altLang="ja-JP" dirty="0" smtClean="0"/>
+              <a:t>  ((</a:t>
+            </a:r>
+            <a:r>
+              <a:rPr lang="en-US" altLang="ja-JP" dirty="0" err="1"/>
+              <a:t>Length,Quantity</a:t>
+            </a:r>
+            <a:r>
+              <a:rPr lang="en-US" altLang="ja-JP" dirty="0"/>
+              <a:t>(320,mm)),(</a:t>
+            </a:r>
+            <a:r>
+              <a:rPr lang="en-US" altLang="ja-JP" dirty="0" err="1"/>
+              <a:t>Weight,Quantity</a:t>
+            </a:r>
+            <a:r>
+              <a:rPr lang="en-US" altLang="ja-JP" dirty="0"/>
+              <a:t>(102,kg)))</a:t>
+            </a:r>
+            <a:r>
+              <a:rPr lang="en-US" altLang="ja-JP" dirty="0" smtClean="0"/>
+              <a:t>,</a:t>
+            </a:r>
+          </a:p>
+          <a:p>
+            <a:r>
+              <a:rPr lang="en-US" altLang="ja-JP" dirty="0" smtClean="0"/>
+              <a:t>  (</a:t>
+            </a:r>
+            <a:r>
+              <a:rPr lang="en-US" altLang="ja-JP" dirty="0"/>
+              <a:t>(</a:t>
+            </a:r>
+            <a:r>
+              <a:rPr lang="en-US" altLang="ja-JP" dirty="0" err="1"/>
+              <a:t>Length,Quantity</a:t>
+            </a:r>
+            <a:r>
+              <a:rPr lang="en-US" altLang="ja-JP" dirty="0"/>
+              <a:t>(302,mm)),(</a:t>
+            </a:r>
+            <a:r>
+              <a:rPr lang="en-US" altLang="ja-JP" dirty="0" err="1"/>
+              <a:t>Weight,Quantity</a:t>
+            </a:r>
+            <a:r>
+              <a:rPr lang="en-US" altLang="ja-JP" dirty="0"/>
+              <a:t>(101,kg)))</a:t>
+            </a:r>
+            <a:r>
+              <a:rPr lang="en-US" altLang="ja-JP" dirty="0" smtClean="0"/>
+              <a:t>,</a:t>
+            </a:r>
+          </a:p>
+          <a:p>
+            <a:r>
+              <a:rPr lang="en-US" altLang="ja-JP" dirty="0" smtClean="0"/>
+              <a:t>  (</a:t>
+            </a:r>
+            <a:r>
+              <a:rPr lang="en-US" altLang="ja-JP" dirty="0"/>
+              <a:t>(</a:t>
+            </a:r>
+            <a:r>
+              <a:rPr lang="en-US" altLang="ja-JP" dirty="0" err="1"/>
+              <a:t>Length,Quantity</a:t>
+            </a:r>
+            <a:r>
+              <a:rPr lang="en-US" altLang="ja-JP" dirty="0"/>
+              <a:t>(360,mm)),(</a:t>
+            </a:r>
+            <a:r>
+              <a:rPr lang="en-US" altLang="ja-JP" dirty="0" err="1"/>
+              <a:t>Weight,Quantity</a:t>
+            </a:r>
+            <a:r>
+              <a:rPr lang="en-US" altLang="ja-JP" dirty="0"/>
+              <a:t>(125,kg))</a:t>
+            </a:r>
+            <a:r>
+              <a:rPr lang="en-US" altLang="ja-JP" dirty="0" smtClean="0"/>
+              <a:t>)</a:t>
+            </a:r>
+          </a:p>
+          <a:p>
+            <a:r>
+              <a:rPr lang="en-US" altLang="ja-JP" dirty="0" smtClean="0"/>
+              <a:t>)</a:t>
+            </a:r>
+            <a:endParaRPr kumimoji="1" lang="ja-JP" altLang="en-US" dirty="0"/>
+          </a:p>
+        </p:txBody>
+      </p:sp>
+      <p:sp>
+        <p:nvSpPr>
+          <p:cNvPr id="18" name="テキスト ボックス 17"/>
+          <p:cNvSpPr txBox="1"/>
+          <p:nvPr/>
+        </p:nvSpPr>
+        <p:spPr>
+          <a:xfrm>
+            <a:off x="178007" y="4149161"/>
+            <a:ext cx="901283" cy="369332"/>
+          </a:xfrm>
+          <a:prstGeom prst="rect">
+            <a:avLst/>
+          </a:prstGeom>
+          <a:noFill/>
+        </p:spPr>
+        <p:txBody>
+          <a:bodyPr wrap="none" rtlCol="0">
+            <a:spAutoFit/>
+          </a:bodyPr>
+          <a:lstStyle/>
+          <a:p>
+            <a:r>
+              <a:rPr lang="en-US" altLang="ja-JP" dirty="0" smtClean="0"/>
+              <a:t>- </a:t>
+            </a:r>
+            <a:r>
+              <a:rPr lang="ja-JP" altLang="en-US" dirty="0" smtClean="0"/>
+              <a:t>出力</a:t>
+            </a:r>
+            <a:r>
+              <a:rPr kumimoji="1" lang="en-US" altLang="ja-JP" dirty="0" smtClean="0"/>
+              <a:t> : </a:t>
+            </a:r>
+            <a:endParaRPr kumimoji="1" lang="ja-JP" altLang="en-US" dirty="0"/>
+          </a:p>
+        </p:txBody>
+      </p:sp>
+      <p:sp>
+        <p:nvSpPr>
+          <p:cNvPr id="19" name="テキスト ボックス 18"/>
+          <p:cNvSpPr txBox="1"/>
+          <p:nvPr/>
+        </p:nvSpPr>
+        <p:spPr>
+          <a:xfrm>
+            <a:off x="178007" y="2424048"/>
+            <a:ext cx="3587190" cy="369332"/>
+          </a:xfrm>
+          <a:prstGeom prst="rect">
+            <a:avLst/>
+          </a:prstGeom>
+          <a:noFill/>
+        </p:spPr>
+        <p:txBody>
+          <a:bodyPr wrap="none" rtlCol="0">
+            <a:spAutoFit/>
+          </a:bodyPr>
+          <a:lstStyle/>
+          <a:p>
+            <a:r>
+              <a:rPr lang="en-US" altLang="ja-JP" dirty="0" smtClean="0"/>
+              <a:t>- </a:t>
+            </a:r>
+            <a:r>
+              <a:rPr lang="ja-JP" altLang="en-US" dirty="0" smtClean="0"/>
+              <a:t>出力データ形式定義</a:t>
+            </a:r>
+            <a:r>
+              <a:rPr lang="en-US" altLang="ja-JP" dirty="0" smtClean="0"/>
+              <a:t>: </a:t>
+            </a:r>
+            <a:r>
+              <a:rPr lang="en-US" altLang="ja-JP" dirty="0"/>
+              <a:t>data.ns3.</a:t>
+            </a:r>
+            <a:r>
+              <a:rPr lang="en-US" altLang="ja-JP" dirty="0" smtClean="0"/>
+              <a:t>ddl</a:t>
+            </a:r>
+          </a:p>
+        </p:txBody>
+      </p:sp>
+      <p:sp>
+        <p:nvSpPr>
+          <p:cNvPr id="20" name="テキスト ボックス 19"/>
+          <p:cNvSpPr txBox="1"/>
+          <p:nvPr/>
+        </p:nvSpPr>
+        <p:spPr>
+          <a:xfrm>
+            <a:off x="6596743" y="1178433"/>
+            <a:ext cx="1941557" cy="369332"/>
+          </a:xfrm>
+          <a:prstGeom prst="rect">
+            <a:avLst/>
+          </a:prstGeom>
+          <a:noFill/>
+        </p:spPr>
+        <p:txBody>
+          <a:bodyPr wrap="none" rtlCol="0">
+            <a:spAutoFit/>
+          </a:bodyPr>
+          <a:lstStyle/>
+          <a:p>
+            <a:r>
+              <a:rPr lang="en-US" altLang="ja-JP" dirty="0" smtClean="0"/>
+              <a:t>- CSV</a:t>
+            </a:r>
+            <a:r>
+              <a:rPr lang="en-US" altLang="en-US" dirty="0"/>
+              <a:t>: </a:t>
+            </a:r>
+            <a:r>
+              <a:rPr lang="en-US" altLang="ja-JP" dirty="0"/>
+              <a:t>data.ns3.</a:t>
+            </a:r>
+            <a:r>
+              <a:rPr lang="en-US" altLang="ja-JP" dirty="0" smtClean="0"/>
+              <a:t>csv</a:t>
+            </a:r>
+          </a:p>
+        </p:txBody>
+      </p:sp>
+      <p:sp>
+        <p:nvSpPr>
+          <p:cNvPr id="14" name="テキスト ボックス 13"/>
+          <p:cNvSpPr txBox="1"/>
+          <p:nvPr/>
+        </p:nvSpPr>
+        <p:spPr>
+          <a:xfrm>
+            <a:off x="4824782" y="1533786"/>
+            <a:ext cx="1526428" cy="954107"/>
+          </a:xfrm>
+          <a:prstGeom prst="rect">
+            <a:avLst/>
+          </a:prstGeom>
+          <a:noFill/>
+          <a:ln>
+            <a:solidFill>
+              <a:schemeClr val="tx1"/>
+            </a:solidFill>
+          </a:ln>
+        </p:spPr>
+        <p:txBody>
+          <a:bodyPr wrap="square" rtlCol="0">
+            <a:spAutoFit/>
+          </a:bodyPr>
+          <a:lstStyle/>
+          <a:p>
+            <a:r>
+              <a:rPr lang="is-IS" altLang="ja-JP" sz="1400" dirty="0" smtClean="0"/>
+              <a:t>300,100</a:t>
+            </a:r>
+            <a:endParaRPr lang="is-IS" altLang="ja-JP" sz="1400" dirty="0"/>
+          </a:p>
+          <a:p>
+            <a:r>
+              <a:rPr lang="fi-FI" altLang="ja-JP" sz="1400" dirty="0"/>
+              <a:t>320,102</a:t>
+            </a:r>
+          </a:p>
+          <a:p>
+            <a:r>
+              <a:rPr lang="fi-FI" altLang="ja-JP" sz="1400" dirty="0"/>
+              <a:t>302,101</a:t>
+            </a:r>
+          </a:p>
+          <a:p>
+            <a:r>
+              <a:rPr lang="cs-CZ" altLang="ja-JP" sz="1400" dirty="0" smtClean="0"/>
+              <a:t>360,125</a:t>
+            </a:r>
+          </a:p>
+        </p:txBody>
+      </p:sp>
+      <p:sp>
+        <p:nvSpPr>
+          <p:cNvPr id="15" name="テキスト ボックス 14"/>
+          <p:cNvSpPr txBox="1"/>
+          <p:nvPr/>
+        </p:nvSpPr>
+        <p:spPr>
+          <a:xfrm>
+            <a:off x="4590309" y="1165815"/>
+            <a:ext cx="1558953" cy="369332"/>
+          </a:xfrm>
+          <a:prstGeom prst="rect">
+            <a:avLst/>
+          </a:prstGeom>
+          <a:noFill/>
+        </p:spPr>
+        <p:txBody>
+          <a:bodyPr wrap="none" rtlCol="0">
+            <a:spAutoFit/>
+          </a:bodyPr>
+          <a:lstStyle/>
+          <a:p>
+            <a:r>
+              <a:rPr lang="en-US" altLang="ja-JP" dirty="0" smtClean="0"/>
+              <a:t>- CSV</a:t>
+            </a:r>
+            <a:r>
+              <a:rPr lang="en-US" altLang="en-US" dirty="0"/>
+              <a:t>: </a:t>
+            </a:r>
+            <a:r>
+              <a:rPr lang="en-US" altLang="ja-JP" dirty="0" err="1" smtClean="0"/>
+              <a:t>num.csv</a:t>
+            </a:r>
+            <a:endParaRPr lang="en-US" altLang="ja-JP" dirty="0" smtClean="0"/>
+          </a:p>
+        </p:txBody>
+      </p:sp>
+    </p:spTree>
+    <p:extLst>
+      <p:ext uri="{BB962C8B-B14F-4D97-AF65-F5344CB8AC3E}">
+        <p14:creationId xmlns:p14="http://schemas.microsoft.com/office/powerpoint/2010/main" val="2941699244"/>
       </p:ext>
     </p:extLst>
   </p:cSld>

--- a/Document/tq_op_example.pptx
+++ b/Document/tq_op_example.pptx
@@ -18,6 +18,7 @@
     <p:sldId id="265" r:id="rId13"/>
     <p:sldId id="266" r:id="rId14"/>
     <p:sldId id="267" r:id="rId15"/>
+    <p:sldId id="268" r:id="rId16"/>
   </p:sldIdLst>
   <p:sldSz cx="9144000" cy="6858000"/>
   <p:notesSz cx="7559675" cy="10691812"/>
@@ -3307,7 +3308,63 @@
                 </a:uFill>
                 <a:latin typeface="Calibri"/>
               </a:rPr>
-              <a:t>マスター タイトルの書式設定</a:t>
+              <a:t>マス</a:t>
+            </a:r>
+            <a:r>
+              <a:rPr b="0" lang="ja-JP" sz="4400" spc="-1" strike="noStrike">
+                <a:solidFill>
+                  <a:srgbClr val="000000"/>
+                </a:solidFill>
+                <a:uFill>
+                  <a:solidFill>
+                    <a:srgbClr val="ffffff"/>
+                  </a:solidFill>
+                </a:uFill>
+                <a:latin typeface="Calibri"/>
+              </a:rPr>
+              <a:t>ター タ</a:t>
+            </a:r>
+            <a:r>
+              <a:rPr b="0" lang="ja-JP" sz="4400" spc="-1" strike="noStrike">
+                <a:solidFill>
+                  <a:srgbClr val="000000"/>
+                </a:solidFill>
+                <a:uFill>
+                  <a:solidFill>
+                    <a:srgbClr val="ffffff"/>
+                  </a:solidFill>
+                </a:uFill>
+                <a:latin typeface="Calibri"/>
+              </a:rPr>
+              <a:t>イトル</a:t>
+            </a:r>
+            <a:r>
+              <a:rPr b="0" lang="ja-JP" sz="4400" spc="-1" strike="noStrike">
+                <a:solidFill>
+                  <a:srgbClr val="000000"/>
+                </a:solidFill>
+                <a:uFill>
+                  <a:solidFill>
+                    <a:srgbClr val="ffffff"/>
+                  </a:solidFill>
+                </a:uFill>
+                <a:latin typeface="Calibri"/>
+              </a:rPr>
+              <a:t>の書式</a:t>
+            </a:r>
+            <a:r>
+              <a:rPr b="0" lang="ja-JP" sz="4400" spc="-1" strike="noStrike">
+                <a:solidFill>
+                  <a:srgbClr val="000000"/>
+                </a:solidFill>
+                <a:uFill>
+                  <a:solidFill>
+                    <a:srgbClr val="ffffff"/>
+                  </a:solidFill>
+                </a:uFill>
+                <a:latin typeface="Calibri"/>
+              </a:rPr>
+              <a:t>設定</a:t>
             </a:r>
             <a:endParaRPr b="0" lang="ja-JP" sz="4400" spc="-1" strike="noStrike">
               <a:solidFill>
@@ -3350,7 +3407,7 @@
                 <a:spcPct val="100000"/>
               </a:lnSpc>
             </a:pPr>
-            <a:fld id="{5DBDDE5D-7175-46D2-9907-FBCF1327731B}" type="datetime">
+            <a:fld id="{343CB4FF-D948-47EB-9DEB-35857713E682}" type="datetime">
               <a:rPr b="0" lang="en-US" sz="1200" spc="-1" strike="noStrike">
                 <a:solidFill>
                   <a:srgbClr val="8b8b8b"/>
@@ -3362,7 +3419,7 @@
                 </a:uFill>
                 <a:latin typeface="Calibri"/>
               </a:rPr>
-              <a:t>6/16/20</a:t>
+              <a:t>6/18/20</a:t>
             </a:fld>
             <a:endParaRPr b="0" lang="en-US" sz="1200" spc="-1" strike="noStrike">
               <a:solidFill>
@@ -3441,7 +3498,7 @@
                 <a:spcPct val="100000"/>
               </a:lnSpc>
             </a:pPr>
-            <a:fld id="{54EF73E9-2014-4AD9-AEC1-633AA50F6D5F}" type="slidenum">
+            <a:fld id="{A0FBEA45-B4DF-478E-9E43-E67A5E599447}" type="slidenum">
               <a:rPr b="0" lang="en-US" sz="1200" spc="-1" strike="noStrike">
                 <a:solidFill>
                   <a:srgbClr val="8b8b8b"/>
@@ -4310,7 +4367,7 @@
                 <a:spcPct val="100000"/>
               </a:lnSpc>
             </a:pPr>
-            <a:fld id="{3522BA91-3658-42F9-B681-29C89A8A4409}" type="datetime">
+            <a:fld id="{D4D1857C-9C23-4132-B49E-DE209EDA4620}" type="datetime">
               <a:rPr b="0" lang="en-US" sz="1200" spc="-1" strike="noStrike">
                 <a:solidFill>
                   <a:srgbClr val="8b8b8b"/>
@@ -4322,7 +4379,7 @@
                 </a:uFill>
                 <a:latin typeface="Calibri"/>
               </a:rPr>
-              <a:t>6/16/20</a:t>
+              <a:t>6/18/20</a:t>
             </a:fld>
             <a:endParaRPr b="0" lang="en-US" sz="1200" spc="-1" strike="noStrike">
               <a:solidFill>
@@ -4401,7 +4458,7 @@
                 <a:spcPct val="100000"/>
               </a:lnSpc>
             </a:pPr>
-            <a:fld id="{C2D545FD-352E-4B67-99BF-05CB74F5A8CF}" type="slidenum">
+            <a:fld id="{1FE6E00D-0595-4963-91B7-DF30B122850C}" type="slidenum">
               <a:rPr b="0" lang="en-US" sz="1200" spc="-1" strike="noStrike">
                 <a:solidFill>
                   <a:srgbClr val="8b8b8b"/>
@@ -4413,7 +4470,7 @@
                 </a:uFill>
                 <a:latin typeface="Calibri"/>
               </a:rPr>
-              <a:t>1</a:t>
+              <a:t>&lt;番号&gt;</a:t>
             </a:fld>
             <a:endParaRPr b="0" lang="en-US" sz="1200" spc="-1" strike="noStrike">
               <a:solidFill>
@@ -4474,7 +4531,7 @@
         </p:nvSpPr>
         <p:spPr>
           <a:xfrm>
-            <a:off x="2525040" y="510480"/>
+            <a:off x="2525040" y="294480"/>
             <a:ext cx="4442040" cy="516960"/>
           </a:xfrm>
           <a:prstGeom prst="rect">
@@ -4535,7 +4592,7 @@
         </p:nvSpPr>
         <p:spPr>
           <a:xfrm>
-            <a:off x="621720" y="1738080"/>
+            <a:off x="261720" y="1522080"/>
             <a:ext cx="8333280" cy="2010600"/>
           </a:xfrm>
           <a:prstGeom prst="rect">
@@ -4572,20 +4629,6 @@
                 </a:uFill>
                 <a:latin typeface="Calibri"/>
               </a:rPr>
-              <a:t>    </a:t>
-            </a:r>
-            <a:r>
-              <a:rPr b="0" lang="en-US" sz="1800" spc="-1" strike="noStrike">
-                <a:solidFill>
-                  <a:srgbClr val="000000"/>
-                </a:solidFill>
-                <a:uFill>
-                  <a:solidFill>
-                    <a:srgbClr val="ffffff"/>
-                  </a:solidFill>
-                </a:uFill>
-                <a:latin typeface="Calibri"/>
-              </a:rPr>
               <a:t>- </a:t>
             </a:r>
             <a:r>
@@ -4738,20 +4781,6 @@
                 </a:uFill>
                 <a:latin typeface="Calibri"/>
               </a:rPr>
-              <a:t>    </a:t>
-            </a:r>
-            <a:r>
-              <a:rPr b="0" lang="en-US" sz="1800" spc="-1" strike="noStrike">
-                <a:solidFill>
-                  <a:srgbClr val="000000"/>
-                </a:solidFill>
-                <a:uFill>
-                  <a:solidFill>
-                    <a:srgbClr val="ffffff"/>
-                  </a:solidFill>
-                </a:uFill>
-                <a:latin typeface="Calibri"/>
-              </a:rPr>
               <a:t>- </a:t>
             </a:r>
             <a:r>
@@ -4832,20 +4861,6 @@
                 <a:spcPct val="100000"/>
               </a:lnSpc>
             </a:pPr>
-            <a:r>
-              <a:rPr b="0" lang="en-US" sz="1800" spc="-1" strike="noStrike">
-                <a:solidFill>
-                  <a:srgbClr val="000000"/>
-                </a:solidFill>
-                <a:uFill>
-                  <a:solidFill>
-                    <a:srgbClr val="ffffff"/>
-                  </a:solidFill>
-                </a:uFill>
-                <a:latin typeface="Calibri"/>
-              </a:rPr>
-              <a:t>    </a:t>
-            </a:r>
             <a:r>
               <a:rPr b="0" lang="en-US" sz="1800" spc="-1" strike="noStrike">
                 <a:solidFill>
@@ -4984,7 +4999,7 @@
         </p:nvSpPr>
         <p:spPr>
           <a:xfrm>
-            <a:off x="126000" y="1224000"/>
+            <a:off x="126000" y="1008000"/>
             <a:ext cx="865440" cy="364680"/>
           </a:xfrm>
           <a:prstGeom prst="rect">
@@ -5045,7 +5060,7 @@
         </p:nvSpPr>
         <p:spPr>
           <a:xfrm>
-            <a:off x="1440000" y="3824640"/>
+            <a:off x="805320" y="3570840"/>
             <a:ext cx="6898680" cy="2621160"/>
           </a:xfrm>
           <a:prstGeom prst="rect">
@@ -5126,7 +5141,21 @@
                 </a:uFill>
                 <a:latin typeface="Arial"/>
               </a:rPr>
-              <a:t>&lt;head&gt;::=&lt;ref-label&gt;?&lt;reference&gt;?&lt;function&gt;?&lt;name&gt;?&lt;bind&gt;?;</a:t>
+              <a:t>&lt;head&gt;::=&lt;ref-label&gt;?&lt;reference&gt;?</a:t>
+            </a:r>
+            <a:r>
+              <a:rPr b="0" lang="en-US" sz="1800" spc="-1" strike="noStrike">
+                <a:solidFill>
+                  <a:srgbClr val="000000"/>
+                </a:solidFill>
+                <a:uFill>
+                  <a:solidFill>
+                    <a:srgbClr val="ffffff"/>
+                  </a:solidFill>
+                </a:uFill>
+                <a:latin typeface="Arial"/>
+              </a:rPr>
+              <a:t>&lt;function&gt;?&lt;name&gt;?&lt;bind&gt;?;</a:t>
             </a:r>
             <a:endParaRPr b="0" lang="en-US" sz="1800" spc="-1" strike="noStrike">
               <a:solidFill>
@@ -5207,7 +5236,21 @@
                 </a:uFill>
                 <a:latin typeface="Arial"/>
               </a:rPr>
-              <a:t>&lt;function&gt;::=’{'&lt;operator&gt;(’(’&lt;T-form&gt;(’,’&lt;T-form&gt;)*’)’)*’}’;</a:t>
+              <a:t>&lt;function&gt;::=’{'&lt;operator&gt;(’(’&lt;T-</a:t>
+            </a:r>
+            <a:r>
+              <a:rPr b="0" lang="en-US" sz="1800" spc="-1" strike="noStrike">
+                <a:solidFill>
+                  <a:srgbClr val="000000"/>
+                </a:solidFill>
+                <a:uFill>
+                  <a:solidFill>
+                    <a:srgbClr val="ffffff"/>
+                  </a:solidFill>
+                </a:uFill>
+                <a:latin typeface="Arial"/>
+              </a:rPr>
+              <a:t>form&gt;(’,’&lt;T-form&gt;)*’)’)*’}’;</a:t>
             </a:r>
             <a:endParaRPr b="0" lang="en-US" sz="1800" spc="-1" strike="noStrike">
               <a:solidFill>
@@ -5315,50 +5358,12 @@
                 </a:uFill>
                 <a:latin typeface="Arial"/>
               </a:rPr>
-              <a:t>&lt;T-form&gt;::=&lt;head&gt;(’(’(&lt;T-form&gt;(’,’&lt;T-form&gt;)*)?’)’)*;</a:t>
-            </a:r>
-            <a:endParaRPr b="0" lang="en-US" sz="1800" spc="-1" strike="noStrike">
-              <a:solidFill>
-                <a:srgbClr val="000000"/>
-              </a:solidFill>
-              <a:uFill>
-                <a:solidFill>
-                  <a:srgbClr val="ffffff"/>
-                </a:solidFill>
-              </a:uFill>
-              <a:latin typeface="Arial"/>
-            </a:endParaRPr>
-          </a:p>
-        </p:txBody>
-      </p:sp>
-      <p:sp>
-        <p:nvSpPr>
-          <p:cNvPr id="86" name="TextShape 5"/>
-          <p:cNvSpPr txBox="1"/>
-          <p:nvPr/>
-        </p:nvSpPr>
-        <p:spPr>
-          <a:xfrm>
-            <a:off x="33840" y="42480"/>
-            <a:ext cx="866520" cy="379800"/>
-          </a:xfrm>
-          <a:prstGeom prst="rect">
-            <a:avLst/>
-          </a:prstGeom>
-          <a:noFill/>
-          <a:ln>
-            <a:solidFill>
-              <a:srgbClr val="ff3333"/>
-            </a:solidFill>
-          </a:ln>
-        </p:spPr>
-        <p:txBody>
-          <a:bodyPr lIns="90000" rIns="90000" tIns="45000" bIns="45000"/>
-          <a:p>
-            <a:r>
-              <a:rPr b="0" lang="en-US" sz="1800" spc="-1" strike="noStrike">
-                <a:solidFill>
-                  <a:srgbClr val="ff3333"/>
+              <a:t>&lt;T-form&gt;::=&lt;head&gt;(’(’(&lt;T-form&gt;(’,’&lt;T-</a:t>
+            </a:r>
+            <a:r>
+              <a:rPr b="0" lang="en-US" sz="1800" spc="-1" strike="noStrike">
+                <a:solidFill>
+                  <a:srgbClr val="000000"/>
                 </a:solidFill>
                 <a:uFill>
                   <a:solidFill>
@@ -5367,7 +5372,7 @@
                 </a:uFill>
                 <a:latin typeface="Arial"/>
               </a:rPr>
-              <a:t>要検討</a:t>
+              <a:t>form&gt;)*)?’)’)*;</a:t>
             </a:r>
             <a:endParaRPr b="0" lang="en-US" sz="1800" spc="-1" strike="noStrike">
               <a:solidFill>
@@ -5434,7 +5439,1496 @@
       </p:grpSpPr>
       <p:sp>
         <p:nvSpPr>
-          <p:cNvPr id="154" name="CustomShape 1"/>
+          <p:cNvPr id="146" name="CustomShape 1"/>
+          <p:cNvSpPr/>
+          <p:nvPr/>
+        </p:nvSpPr>
+        <p:spPr>
+          <a:xfrm>
+            <a:off x="163800" y="1183680"/>
+            <a:ext cx="3264480" cy="364680"/>
+          </a:xfrm>
+          <a:prstGeom prst="rect">
+            <a:avLst/>
+          </a:prstGeom>
+          <a:noFill/>
+          <a:ln>
+            <a:noFill/>
+          </a:ln>
+        </p:spPr>
+        <p:style>
+          <a:lnRef idx="0"/>
+          <a:fillRef idx="0"/>
+          <a:effectRef idx="0"/>
+          <a:fontRef idx="minor"/>
+        </p:style>
+        <p:txBody>
+          <a:bodyPr wrap="none" lIns="90000" rIns="90000" tIns="45000" bIns="45000"/>
+          <a:p>
+            <a:pPr>
+              <a:lnSpc>
+                <a:spcPct val="100000"/>
+              </a:lnSpc>
+            </a:pPr>
+            <a:r>
+              <a:rPr b="0" lang="en-US" sz="1800" spc="-1" strike="noStrike">
+                <a:solidFill>
+                  <a:srgbClr val="000000"/>
+                </a:solidFill>
+                <a:uFill>
+                  <a:solidFill>
+                    <a:srgbClr val="ffffff"/>
+                  </a:solidFill>
+                </a:uFill>
+                <a:latin typeface="Calibri"/>
+              </a:rPr>
+              <a:t>- </a:t>
+            </a:r>
+            <a:r>
+              <a:rPr b="0" lang="en-US" sz="1800" spc="-1" strike="noStrike">
+                <a:solidFill>
+                  <a:srgbClr val="000000"/>
+                </a:solidFill>
+                <a:uFill>
+                  <a:solidFill>
+                    <a:srgbClr val="ffffff"/>
+                  </a:solidFill>
+                </a:uFill>
+                <a:latin typeface="Calibri"/>
+              </a:rPr>
+              <a:t>入力データ形式定義</a:t>
+            </a:r>
+            <a:r>
+              <a:rPr b="0" lang="en-US" sz="1800" spc="-1" strike="noStrike">
+                <a:solidFill>
+                  <a:srgbClr val="000000"/>
+                </a:solidFill>
+                <a:uFill>
+                  <a:solidFill>
+                    <a:srgbClr val="ffffff"/>
+                  </a:solidFill>
+                </a:uFill>
+                <a:latin typeface="Calibri"/>
+              </a:rPr>
+              <a:t>: num.ddf</a:t>
+            </a:r>
+            <a:endParaRPr b="0" lang="en-US" sz="1800" spc="-1" strike="noStrike">
+              <a:solidFill>
+                <a:srgbClr val="000000"/>
+              </a:solidFill>
+              <a:uFill>
+                <a:solidFill>
+                  <a:srgbClr val="ffffff"/>
+                </a:solidFill>
+              </a:uFill>
+              <a:latin typeface="Arial"/>
+            </a:endParaRPr>
+          </a:p>
+        </p:txBody>
+      </p:sp>
+      <p:sp>
+        <p:nvSpPr>
+          <p:cNvPr id="147" name="CustomShape 2"/>
+          <p:cNvSpPr/>
+          <p:nvPr/>
+        </p:nvSpPr>
+        <p:spPr>
+          <a:xfrm>
+            <a:off x="1142640" y="550440"/>
+            <a:ext cx="7867800" cy="364680"/>
+          </a:xfrm>
+          <a:prstGeom prst="rect">
+            <a:avLst/>
+          </a:prstGeom>
+          <a:noFill/>
+          <a:ln>
+            <a:noFill/>
+          </a:ln>
+        </p:spPr>
+        <p:style>
+          <a:lnRef idx="0"/>
+          <a:fillRef idx="0"/>
+          <a:effectRef idx="0"/>
+          <a:fontRef idx="minor"/>
+        </p:style>
+        <p:txBody>
+          <a:bodyPr wrap="none" lIns="90000" rIns="90000" tIns="45000" bIns="45000"/>
+          <a:p>
+            <a:pPr>
+              <a:lnSpc>
+                <a:spcPct val="100000"/>
+              </a:lnSpc>
+            </a:pPr>
+            <a:r>
+              <a:rPr b="0" lang="en-US" sz="1800" spc="-1" strike="noStrike">
+                <a:solidFill>
+                  <a:srgbClr val="000000"/>
+                </a:solidFill>
+                <a:uFill>
+                  <a:solidFill>
+                    <a:srgbClr val="ffffff"/>
+                  </a:solidFill>
+                </a:uFill>
+                <a:latin typeface="Calibri"/>
+              </a:rPr>
+              <a:t>オペレーション例：</a:t>
+            </a:r>
+            <a:r>
+              <a:rPr b="0" lang="en-US" sz="1800" spc="-1" strike="noStrike">
+                <a:solidFill>
+                  <a:srgbClr val="000000"/>
+                </a:solidFill>
+                <a:uFill>
+                  <a:solidFill>
+                    <a:srgbClr val="ffffff"/>
+                  </a:solidFill>
+                </a:uFill>
+                <a:latin typeface="Calibri"/>
+              </a:rPr>
+              <a:t>CSV</a:t>
+            </a:r>
+            <a:r>
+              <a:rPr b="0" lang="en-US" sz="1800" spc="-1" strike="noStrike">
+                <a:solidFill>
+                  <a:srgbClr val="000000"/>
+                </a:solidFill>
+                <a:uFill>
+                  <a:solidFill>
+                    <a:srgbClr val="ffffff"/>
+                  </a:solidFill>
+                </a:uFill>
+                <a:latin typeface="Calibri"/>
+              </a:rPr>
+              <a:t>から</a:t>
+            </a:r>
+            <a:r>
+              <a:rPr b="0" lang="en-US" sz="1800" spc="-1" strike="noStrike">
+                <a:solidFill>
+                  <a:srgbClr val="000000"/>
+                </a:solidFill>
+                <a:uFill>
+                  <a:solidFill>
+                    <a:srgbClr val="ffffff"/>
+                  </a:solidFill>
+                </a:uFill>
+                <a:latin typeface="Calibri"/>
+              </a:rPr>
+              <a:t>NS3</a:t>
+            </a:r>
+            <a:r>
+              <a:rPr b="0" lang="en-US" sz="1800" spc="-1" strike="noStrike">
+                <a:solidFill>
+                  <a:srgbClr val="000000"/>
+                </a:solidFill>
+                <a:uFill>
+                  <a:solidFill>
+                    <a:srgbClr val="ffffff"/>
+                  </a:solidFill>
+                </a:uFill>
+                <a:latin typeface="Calibri"/>
+              </a:rPr>
+              <a:t>形式への変換 </a:t>
+            </a:r>
+            <a:r>
+              <a:rPr b="0" lang="en-US" sz="1800" spc="-1" strike="noStrike">
+                <a:solidFill>
+                  <a:srgbClr val="000000"/>
+                </a:solidFill>
+                <a:uFill>
+                  <a:solidFill>
+                    <a:srgbClr val="ffffff"/>
+                  </a:solidFill>
+                </a:uFill>
+                <a:latin typeface="Calibri"/>
+              </a:rPr>
+              <a:t>#2</a:t>
+            </a:r>
+            <a:r>
+              <a:rPr b="0" lang="en-US" sz="1800" spc="-1" strike="noStrike">
+                <a:solidFill>
+                  <a:srgbClr val="000000"/>
+                </a:solidFill>
+                <a:uFill>
+                  <a:solidFill>
+                    <a:srgbClr val="ffffff"/>
+                  </a:solidFill>
+                </a:uFill>
+                <a:latin typeface="Calibri"/>
+              </a:rPr>
+              <a:t>（</a:t>
+            </a:r>
+            <a:r>
+              <a:rPr b="0" lang="en-US" sz="1800" spc="-1" strike="noStrike">
+                <a:solidFill>
+                  <a:srgbClr val="000000"/>
+                </a:solidFill>
+                <a:uFill>
+                  <a:solidFill>
+                    <a:srgbClr val="ffffff"/>
+                  </a:solidFill>
+                </a:uFill>
+                <a:latin typeface="Calibri"/>
+              </a:rPr>
+              <a:t>1</a:t>
+            </a:r>
+            <a:r>
+              <a:rPr b="0" lang="en-US" sz="1800" spc="-1" strike="noStrike">
+                <a:solidFill>
+                  <a:srgbClr val="000000"/>
+                </a:solidFill>
+                <a:uFill>
+                  <a:solidFill>
+                    <a:srgbClr val="ffffff"/>
+                  </a:solidFill>
+                </a:uFill>
+                <a:latin typeface="Calibri"/>
+              </a:rPr>
+              <a:t>ファイル</a:t>
+            </a:r>
+            <a:r>
+              <a:rPr b="0" lang="en-US" sz="1800" spc="-1" strike="noStrike">
+                <a:solidFill>
+                  <a:srgbClr val="000000"/>
+                </a:solidFill>
+                <a:uFill>
+                  <a:solidFill>
+                    <a:srgbClr val="ffffff"/>
+                  </a:solidFill>
+                </a:uFill>
+                <a:latin typeface="Calibri"/>
+              </a:rPr>
+              <a:t>;</a:t>
+            </a:r>
+            <a:r>
+              <a:rPr b="0" lang="en-US" sz="1800" spc="-1" strike="noStrike">
+                <a:solidFill>
+                  <a:srgbClr val="c0504d"/>
+                </a:solidFill>
+                <a:uFill>
+                  <a:solidFill>
+                    <a:srgbClr val="ffffff"/>
+                  </a:solidFill>
+                </a:uFill>
+                <a:latin typeface="Calibri"/>
+              </a:rPr>
+              <a:t>次期仕様</a:t>
+            </a:r>
+            <a:r>
+              <a:rPr b="0" lang="en-US" sz="1800" spc="-1" strike="noStrike">
+                <a:solidFill>
+                  <a:srgbClr val="c0504d"/>
+                </a:solidFill>
+                <a:uFill>
+                  <a:solidFill>
+                    <a:srgbClr val="ffffff"/>
+                  </a:solidFill>
+                </a:uFill>
+                <a:latin typeface="Calibri"/>
+              </a:rPr>
+              <a:t>(A)</a:t>
+            </a:r>
+            <a:r>
+              <a:rPr b="0" lang="en-US" sz="1800" spc="-1" strike="noStrike">
+                <a:solidFill>
+                  <a:srgbClr val="000000"/>
+                </a:solidFill>
+                <a:uFill>
+                  <a:solidFill>
+                    <a:srgbClr val="ffffff"/>
+                  </a:solidFill>
+                </a:uFill>
+                <a:latin typeface="Calibri"/>
+              </a:rPr>
+              <a:t>）</a:t>
+            </a:r>
+            <a:endParaRPr b="0" lang="en-US" sz="1800" spc="-1" strike="noStrike">
+              <a:solidFill>
+                <a:srgbClr val="000000"/>
+              </a:solidFill>
+              <a:uFill>
+                <a:solidFill>
+                  <a:srgbClr val="ffffff"/>
+                </a:solidFill>
+              </a:uFill>
+              <a:latin typeface="Arial"/>
+            </a:endParaRPr>
+          </a:p>
+        </p:txBody>
+      </p:sp>
+      <p:sp>
+        <p:nvSpPr>
+          <p:cNvPr id="148" name="CustomShape 3"/>
+          <p:cNvSpPr/>
+          <p:nvPr/>
+        </p:nvSpPr>
+        <p:spPr>
+          <a:xfrm>
+            <a:off x="2525040" y="0"/>
+            <a:ext cx="4442040" cy="516960"/>
+          </a:xfrm>
+          <a:prstGeom prst="rect">
+            <a:avLst/>
+          </a:prstGeom>
+          <a:noFill/>
+          <a:ln>
+            <a:noFill/>
+          </a:ln>
+        </p:spPr>
+        <p:style>
+          <a:lnRef idx="0"/>
+          <a:fillRef idx="0"/>
+          <a:effectRef idx="0"/>
+          <a:fontRef idx="minor"/>
+        </p:style>
+        <p:txBody>
+          <a:bodyPr wrap="none" lIns="90000" rIns="90000" tIns="45000" bIns="45000"/>
+          <a:p>
+            <a:pPr>
+              <a:lnSpc>
+                <a:spcPct val="100000"/>
+              </a:lnSpc>
+            </a:pPr>
+            <a:r>
+              <a:rPr b="0" lang="en-US" sz="2800" spc="-1" strike="noStrike">
+                <a:solidFill>
+                  <a:srgbClr val="000000"/>
+                </a:solidFill>
+                <a:uFill>
+                  <a:solidFill>
+                    <a:srgbClr val="ffffff"/>
+                  </a:solidFill>
+                </a:uFill>
+                <a:latin typeface="Calibri"/>
+              </a:rPr>
+              <a:t>データ構造記述言語の開発</a:t>
+            </a:r>
+            <a:endParaRPr b="0" lang="en-US" sz="2800" spc="-1" strike="noStrike">
+              <a:solidFill>
+                <a:srgbClr val="000000"/>
+              </a:solidFill>
+              <a:uFill>
+                <a:solidFill>
+                  <a:srgbClr val="ffffff"/>
+                </a:solidFill>
+              </a:uFill>
+              <a:latin typeface="Arial"/>
+            </a:endParaRPr>
+          </a:p>
+        </p:txBody>
+      </p:sp>
+      <p:sp>
+        <p:nvSpPr>
+          <p:cNvPr id="149" name="CustomShape 4"/>
+          <p:cNvSpPr/>
+          <p:nvPr/>
+        </p:nvSpPr>
+        <p:spPr>
+          <a:xfrm>
+            <a:off x="133560" y="3401640"/>
+            <a:ext cx="6890040" cy="364680"/>
+          </a:xfrm>
+          <a:prstGeom prst="rect">
+            <a:avLst/>
+          </a:prstGeom>
+          <a:noFill/>
+          <a:ln>
+            <a:noFill/>
+          </a:ln>
+        </p:spPr>
+        <p:style>
+          <a:lnRef idx="0"/>
+          <a:fillRef idx="0"/>
+          <a:effectRef idx="0"/>
+          <a:fontRef idx="minor"/>
+        </p:style>
+        <p:txBody>
+          <a:bodyPr wrap="none" lIns="90000" rIns="90000" tIns="45000" bIns="45000"/>
+          <a:p>
+            <a:pPr>
+              <a:lnSpc>
+                <a:spcPct val="100000"/>
+              </a:lnSpc>
+            </a:pPr>
+            <a:r>
+              <a:rPr b="0" lang="en-US" sz="1800" spc="-1" strike="noStrike">
+                <a:solidFill>
+                  <a:srgbClr val="000000"/>
+                </a:solidFill>
+                <a:uFill>
+                  <a:solidFill>
+                    <a:srgbClr val="ffffff"/>
+                  </a:solidFill>
+                </a:uFill>
+                <a:latin typeface="Calibri"/>
+              </a:rPr>
+              <a:t>- </a:t>
+            </a:r>
+            <a:r>
+              <a:rPr b="0" lang="en-US" sz="1800" spc="-1" strike="noStrike">
+                <a:solidFill>
+                  <a:srgbClr val="000000"/>
+                </a:solidFill>
+                <a:uFill>
+                  <a:solidFill>
+                    <a:srgbClr val="ffffff"/>
+                  </a:solidFill>
+                </a:uFill>
+                <a:latin typeface="Calibri"/>
+              </a:rPr>
+              <a:t>コマンド</a:t>
+            </a:r>
+            <a:r>
+              <a:rPr b="0" lang="en-US" sz="1800" spc="-1" strike="noStrike">
+                <a:solidFill>
+                  <a:srgbClr val="000000"/>
+                </a:solidFill>
+                <a:uFill>
+                  <a:solidFill>
+                    <a:srgbClr val="ffffff"/>
+                  </a:solidFill>
+                </a:uFill>
+                <a:latin typeface="Calibri"/>
+              </a:rPr>
+              <a:t>: ./tq.o in=num.ddf out=num.ddl </a:t>
+            </a:r>
+            <a:r>
+              <a:rPr b="0" lang="en-US" sz="1800" spc="-1" strike="noStrike">
+                <a:solidFill>
+                  <a:srgbClr val="b2b2b2"/>
+                </a:solidFill>
+                <a:uFill>
+                  <a:solidFill>
+                    <a:srgbClr val="ffffff"/>
+                  </a:solidFill>
+                </a:uFill>
+                <a:latin typeface="Calibri"/>
+              </a:rPr>
+              <a:t>data=num.csv</a:t>
+            </a:r>
+            <a:r>
+              <a:rPr b="0" lang="en-US" sz="1800" spc="-1" strike="noStrike">
+                <a:solidFill>
+                  <a:srgbClr val="000000"/>
+                </a:solidFill>
+                <a:uFill>
+                  <a:solidFill>
+                    <a:srgbClr val="ffffff"/>
+                  </a:solidFill>
+                </a:uFill>
+                <a:latin typeface="Calibri"/>
+              </a:rPr>
+              <a:t> -FT -Pprod  -C</a:t>
+            </a:r>
+            <a:endParaRPr b="0" lang="en-US" sz="1800" spc="-1" strike="noStrike">
+              <a:solidFill>
+                <a:srgbClr val="000000"/>
+              </a:solidFill>
+              <a:uFill>
+                <a:solidFill>
+                  <a:srgbClr val="ffffff"/>
+                </a:solidFill>
+              </a:uFill>
+              <a:latin typeface="Arial"/>
+            </a:endParaRPr>
+          </a:p>
+        </p:txBody>
+      </p:sp>
+      <p:sp>
+        <p:nvSpPr>
+          <p:cNvPr id="150" name="CustomShape 5"/>
+          <p:cNvSpPr/>
+          <p:nvPr/>
+        </p:nvSpPr>
+        <p:spPr>
+          <a:xfrm>
+            <a:off x="5889960" y="1584720"/>
+            <a:ext cx="1526040" cy="942840"/>
+          </a:xfrm>
+          <a:prstGeom prst="rect">
+            <a:avLst/>
+          </a:prstGeom>
+          <a:noFill/>
+          <a:ln>
+            <a:solidFill>
+              <a:srgbClr val="000000"/>
+            </a:solidFill>
+          </a:ln>
+        </p:spPr>
+        <p:style>
+          <a:lnRef idx="0"/>
+          <a:fillRef idx="0"/>
+          <a:effectRef idx="0"/>
+          <a:fontRef idx="minor"/>
+        </p:style>
+        <p:txBody>
+          <a:bodyPr lIns="90000" rIns="90000" tIns="45000" bIns="45000"/>
+          <a:p>
+            <a:pPr>
+              <a:lnSpc>
+                <a:spcPct val="100000"/>
+              </a:lnSpc>
+            </a:pPr>
+            <a:r>
+              <a:rPr b="0" lang="en-US" sz="1400" spc="-1" strike="noStrike">
+                <a:solidFill>
+                  <a:srgbClr val="000000"/>
+                </a:solidFill>
+                <a:uFill>
+                  <a:solidFill>
+                    <a:srgbClr val="ffffff"/>
+                  </a:solidFill>
+                </a:uFill>
+                <a:latin typeface="Calibri"/>
+              </a:rPr>
+              <a:t>300,100</a:t>
+            </a:r>
+            <a:endParaRPr b="0" lang="en-US" sz="1400" spc="-1" strike="noStrike">
+              <a:solidFill>
+                <a:srgbClr val="000000"/>
+              </a:solidFill>
+              <a:uFill>
+                <a:solidFill>
+                  <a:srgbClr val="ffffff"/>
+                </a:solidFill>
+              </a:uFill>
+              <a:latin typeface="Arial"/>
+            </a:endParaRPr>
+          </a:p>
+          <a:p>
+            <a:pPr>
+              <a:lnSpc>
+                <a:spcPct val="100000"/>
+              </a:lnSpc>
+            </a:pPr>
+            <a:r>
+              <a:rPr b="0" lang="en-US" sz="1400" spc="-1" strike="noStrike">
+                <a:solidFill>
+                  <a:srgbClr val="000000"/>
+                </a:solidFill>
+                <a:uFill>
+                  <a:solidFill>
+                    <a:srgbClr val="ffffff"/>
+                  </a:solidFill>
+                </a:uFill>
+                <a:latin typeface="Calibri"/>
+              </a:rPr>
+              <a:t>320,102</a:t>
+            </a:r>
+            <a:endParaRPr b="0" lang="en-US" sz="1400" spc="-1" strike="noStrike">
+              <a:solidFill>
+                <a:srgbClr val="000000"/>
+              </a:solidFill>
+              <a:uFill>
+                <a:solidFill>
+                  <a:srgbClr val="ffffff"/>
+                </a:solidFill>
+              </a:uFill>
+              <a:latin typeface="Arial"/>
+            </a:endParaRPr>
+          </a:p>
+          <a:p>
+            <a:pPr>
+              <a:lnSpc>
+                <a:spcPct val="100000"/>
+              </a:lnSpc>
+            </a:pPr>
+            <a:r>
+              <a:rPr b="0" lang="en-US" sz="1400" spc="-1" strike="noStrike">
+                <a:solidFill>
+                  <a:srgbClr val="000000"/>
+                </a:solidFill>
+                <a:uFill>
+                  <a:solidFill>
+                    <a:srgbClr val="ffffff"/>
+                  </a:solidFill>
+                </a:uFill>
+                <a:latin typeface="Calibri"/>
+              </a:rPr>
+              <a:t>302,101</a:t>
+            </a:r>
+            <a:endParaRPr b="0" lang="en-US" sz="1400" spc="-1" strike="noStrike">
+              <a:solidFill>
+                <a:srgbClr val="000000"/>
+              </a:solidFill>
+              <a:uFill>
+                <a:solidFill>
+                  <a:srgbClr val="ffffff"/>
+                </a:solidFill>
+              </a:uFill>
+              <a:latin typeface="Arial"/>
+            </a:endParaRPr>
+          </a:p>
+          <a:p>
+            <a:pPr>
+              <a:lnSpc>
+                <a:spcPct val="100000"/>
+              </a:lnSpc>
+            </a:pPr>
+            <a:r>
+              <a:rPr b="0" lang="en-US" sz="1400" spc="-1" strike="noStrike">
+                <a:solidFill>
+                  <a:srgbClr val="000000"/>
+                </a:solidFill>
+                <a:uFill>
+                  <a:solidFill>
+                    <a:srgbClr val="ffffff"/>
+                  </a:solidFill>
+                </a:uFill>
+                <a:latin typeface="Calibri"/>
+              </a:rPr>
+              <a:t>360,125</a:t>
+            </a:r>
+            <a:endParaRPr b="0" lang="en-US" sz="1400" spc="-1" strike="noStrike">
+              <a:solidFill>
+                <a:srgbClr val="000000"/>
+              </a:solidFill>
+              <a:uFill>
+                <a:solidFill>
+                  <a:srgbClr val="ffffff"/>
+                </a:solidFill>
+              </a:uFill>
+              <a:latin typeface="Arial"/>
+            </a:endParaRPr>
+          </a:p>
+        </p:txBody>
+      </p:sp>
+      <p:sp>
+        <p:nvSpPr>
+          <p:cNvPr id="151" name="CustomShape 6"/>
+          <p:cNvSpPr/>
+          <p:nvPr/>
+        </p:nvSpPr>
+        <p:spPr>
+          <a:xfrm>
+            <a:off x="419400" y="2673000"/>
+            <a:ext cx="4188600" cy="303480"/>
+          </a:xfrm>
+          <a:prstGeom prst="rect">
+            <a:avLst/>
+          </a:prstGeom>
+          <a:noFill/>
+          <a:ln>
+            <a:solidFill>
+              <a:srgbClr val="000000"/>
+            </a:solidFill>
+          </a:ln>
+        </p:spPr>
+        <p:style>
+          <a:lnRef idx="0"/>
+          <a:fillRef idx="0"/>
+          <a:effectRef idx="0"/>
+          <a:fontRef idx="minor"/>
+        </p:style>
+        <p:txBody>
+          <a:bodyPr lIns="90000" rIns="90000" tIns="45000" bIns="45000"/>
+          <a:p>
+            <a:pPr>
+              <a:lnSpc>
+                <a:spcPct val="100000"/>
+              </a:lnSpc>
+            </a:pPr>
+            <a:r>
+              <a:rPr b="0" lang="en-US" sz="1400" spc="-1" strike="noStrike">
+                <a:solidFill>
+                  <a:srgbClr val="000000"/>
+                </a:solidFill>
+                <a:uFill>
+                  <a:solidFill>
+                    <a:srgbClr val="ffffff"/>
+                  </a:solidFill>
+                </a:uFill>
+                <a:latin typeface="Calibri"/>
+              </a:rPr>
+              <a:t>$PI$(</a:t>
+            </a:r>
+            <a:r>
+              <a:rPr b="0" lang="en-US" sz="1400" spc="-1" strike="noStrike">
+                <a:solidFill>
+                  <a:srgbClr val="ff0000"/>
+                </a:solidFill>
+                <a:uFill>
+                  <a:solidFill>
+                    <a:srgbClr val="ffffff"/>
+                  </a:solidFill>
+                </a:uFill>
+                <a:latin typeface="Calibri"/>
+              </a:rPr>
+              <a:t>$%$</a:t>
+            </a:r>
+            <a:r>
+              <a:rPr b="0" lang="en-US" sz="1400" spc="-1" strike="noStrike">
+                <a:solidFill>
+                  <a:srgbClr val="000000"/>
+                </a:solidFill>
+                <a:uFill>
+                  <a:solidFill>
+                    <a:srgbClr val="ffffff"/>
+                  </a:solidFill>
+                </a:uFill>
+                <a:latin typeface="Calibri"/>
+              </a:rPr>
+              <a:t>(Length,Weight),Quantity($#4,</a:t>
+            </a:r>
+            <a:r>
+              <a:rPr b="0" lang="en-US" sz="1400" spc="-1" strike="noStrike">
+                <a:solidFill>
+                  <a:srgbClr val="ff0000"/>
+                </a:solidFill>
+                <a:uFill>
+                  <a:solidFill>
+                    <a:srgbClr val="ffffff"/>
+                  </a:solidFill>
+                </a:uFill>
+                <a:latin typeface="Calibri"/>
+              </a:rPr>
+              <a:t>$%$</a:t>
+            </a:r>
+            <a:r>
+              <a:rPr b="0" lang="en-US" sz="1400" spc="-1" strike="noStrike">
+                <a:solidFill>
+                  <a:srgbClr val="000000"/>
+                </a:solidFill>
+                <a:uFill>
+                  <a:solidFill>
+                    <a:srgbClr val="ffffff"/>
+                  </a:solidFill>
+                </a:uFill>
+                <a:latin typeface="Calibri"/>
+              </a:rPr>
+              <a:t>(mm,kg)))</a:t>
+            </a:r>
+            <a:endParaRPr b="0" lang="en-US" sz="1400" spc="-1" strike="noStrike">
+              <a:solidFill>
+                <a:srgbClr val="000000"/>
+              </a:solidFill>
+              <a:uFill>
+                <a:solidFill>
+                  <a:srgbClr val="ffffff"/>
+                </a:solidFill>
+              </a:uFill>
+              <a:latin typeface="Arial"/>
+            </a:endParaRPr>
+          </a:p>
+        </p:txBody>
+      </p:sp>
+      <p:sp>
+        <p:nvSpPr>
+          <p:cNvPr id="152" name="CustomShape 7"/>
+          <p:cNvSpPr/>
+          <p:nvPr/>
+        </p:nvSpPr>
+        <p:spPr>
+          <a:xfrm>
+            <a:off x="419400" y="1552680"/>
+            <a:ext cx="2244600" cy="516600"/>
+          </a:xfrm>
+          <a:prstGeom prst="rect">
+            <a:avLst/>
+          </a:prstGeom>
+          <a:noFill/>
+          <a:ln>
+            <a:solidFill>
+              <a:srgbClr val="000000"/>
+            </a:solidFill>
+          </a:ln>
+        </p:spPr>
+        <p:style>
+          <a:lnRef idx="0"/>
+          <a:fillRef idx="0"/>
+          <a:effectRef idx="0"/>
+          <a:fontRef idx="minor"/>
+        </p:style>
+        <p:txBody>
+          <a:bodyPr lIns="90000" rIns="90000" tIns="45000" bIns="45000"/>
+          <a:p>
+            <a:pPr>
+              <a:lnSpc>
+                <a:spcPct val="100000"/>
+              </a:lnSpc>
+            </a:pPr>
+            <a:r>
+              <a:rPr b="0" lang="en-US" sz="1400" spc="-1" strike="noStrike">
+                <a:solidFill>
+                  <a:srgbClr val="ff0000"/>
+                </a:solidFill>
+                <a:uFill>
+                  <a:solidFill>
+                    <a:srgbClr val="ffffff"/>
+                  </a:solidFill>
+                </a:uFill>
+                <a:latin typeface="Calibri"/>
+              </a:rPr>
+              <a:t>((#10$FILE$("num.csv"),</a:t>
+            </a:r>
+            <a:endParaRPr b="0" lang="en-US" sz="1400" spc="-1" strike="noStrike">
+              <a:solidFill>
+                <a:srgbClr val="000000"/>
+              </a:solidFill>
+              <a:uFill>
+                <a:solidFill>
+                  <a:srgbClr val="ffffff"/>
+                </a:solidFill>
+              </a:uFill>
+              <a:latin typeface="Arial"/>
+            </a:endParaRPr>
+          </a:p>
+          <a:p>
+            <a:pPr>
+              <a:lnSpc>
+                <a:spcPct val="100000"/>
+              </a:lnSpc>
+            </a:pPr>
+            <a:r>
+              <a:rPr b="0" lang="en-US" sz="1400" spc="-1" strike="noStrike">
+                <a:solidFill>
+                  <a:srgbClr val="ff0000"/>
+                </a:solidFill>
+                <a:uFill>
+                  <a:solidFill>
+                    <a:srgbClr val="ffffff"/>
+                  </a:solidFill>
+                </a:uFill>
+                <a:latin typeface="Calibri"/>
+              </a:rPr>
+              <a:t>$:#10$</a:t>
+            </a:r>
+            <a:r>
+              <a:rPr b="0" lang="en-US" sz="1400" spc="-1" strike="noStrike">
+                <a:solidFill>
+                  <a:srgbClr val="000000"/>
+                </a:solidFill>
+                <a:uFill>
+                  <a:solidFill>
+                    <a:srgbClr val="ffffff"/>
+                  </a:solidFill>
+                </a:uFill>
+                <a:latin typeface="Calibri"/>
+              </a:rPr>
+              <a:t>([4](#4[2]))</a:t>
+            </a:r>
+            <a:r>
+              <a:rPr b="0" lang="en-US" sz="1400" spc="-1" strike="noStrike">
+                <a:solidFill>
+                  <a:srgbClr val="ff0000"/>
+                </a:solidFill>
+                <a:uFill>
+                  <a:solidFill>
+                    <a:srgbClr val="ffffff"/>
+                  </a:solidFill>
+                </a:uFill>
+                <a:latin typeface="Calibri"/>
+              </a:rPr>
+              <a:t>)</a:t>
+            </a:r>
+            <a:endParaRPr b="0" lang="en-US" sz="1400" spc="-1" strike="noStrike">
+              <a:solidFill>
+                <a:srgbClr val="000000"/>
+              </a:solidFill>
+              <a:uFill>
+                <a:solidFill>
+                  <a:srgbClr val="ffffff"/>
+                </a:solidFill>
+              </a:uFill>
+              <a:latin typeface="Arial"/>
+            </a:endParaRPr>
+          </a:p>
+        </p:txBody>
+      </p:sp>
+      <p:sp>
+        <p:nvSpPr>
+          <p:cNvPr id="153" name="CustomShape 8"/>
+          <p:cNvSpPr/>
+          <p:nvPr/>
+        </p:nvSpPr>
+        <p:spPr>
+          <a:xfrm>
+            <a:off x="462600" y="4507920"/>
+            <a:ext cx="5493960" cy="1736280"/>
+          </a:xfrm>
+          <a:prstGeom prst="rect">
+            <a:avLst/>
+          </a:prstGeom>
+          <a:noFill/>
+          <a:ln>
+            <a:solidFill>
+              <a:srgbClr val="000000"/>
+            </a:solidFill>
+          </a:ln>
+        </p:spPr>
+        <p:style>
+          <a:lnRef idx="0"/>
+          <a:fillRef idx="0"/>
+          <a:effectRef idx="0"/>
+          <a:fontRef idx="minor"/>
+        </p:style>
+        <p:txBody>
+          <a:bodyPr wrap="none" lIns="90000" rIns="90000" tIns="45000" bIns="45000"/>
+          <a:p>
+            <a:pPr>
+              <a:lnSpc>
+                <a:spcPct val="100000"/>
+              </a:lnSpc>
+            </a:pPr>
+            <a:r>
+              <a:rPr b="0" lang="en-US" sz="1800" spc="-1" strike="noStrike">
+                <a:solidFill>
+                  <a:srgbClr val="000000"/>
+                </a:solidFill>
+                <a:uFill>
+                  <a:solidFill>
+                    <a:srgbClr val="ffffff"/>
+                  </a:solidFill>
+                </a:uFill>
+                <a:latin typeface="Calibri"/>
+              </a:rPr>
+              <a:t>(</a:t>
+            </a:r>
+            <a:endParaRPr b="0" lang="en-US" sz="1800" spc="-1" strike="noStrike">
+              <a:solidFill>
+                <a:srgbClr val="000000"/>
+              </a:solidFill>
+              <a:uFill>
+                <a:solidFill>
+                  <a:srgbClr val="ffffff"/>
+                </a:solidFill>
+              </a:uFill>
+              <a:latin typeface="Arial"/>
+            </a:endParaRPr>
+          </a:p>
+          <a:p>
+            <a:pPr>
+              <a:lnSpc>
+                <a:spcPct val="100000"/>
+              </a:lnSpc>
+            </a:pPr>
+            <a:r>
+              <a:rPr b="0" lang="en-US" sz="1800" spc="-1" strike="noStrike">
+                <a:solidFill>
+                  <a:srgbClr val="000000"/>
+                </a:solidFill>
+                <a:uFill>
+                  <a:solidFill>
+                    <a:srgbClr val="ffffff"/>
+                  </a:solidFill>
+                </a:uFill>
+                <a:latin typeface="Calibri"/>
+              </a:rPr>
+              <a:t>  </a:t>
+            </a:r>
+            <a:r>
+              <a:rPr b="0" lang="en-US" sz="1800" spc="-1" strike="noStrike">
+                <a:solidFill>
+                  <a:srgbClr val="000000"/>
+                </a:solidFill>
+                <a:uFill>
+                  <a:solidFill>
+                    <a:srgbClr val="ffffff"/>
+                  </a:solidFill>
+                </a:uFill>
+                <a:latin typeface="Calibri"/>
+              </a:rPr>
+              <a:t>((Length,Quantity(300,mm)),(Weight,Quantity(100,kg))),</a:t>
+            </a:r>
+            <a:endParaRPr b="0" lang="en-US" sz="1800" spc="-1" strike="noStrike">
+              <a:solidFill>
+                <a:srgbClr val="000000"/>
+              </a:solidFill>
+              <a:uFill>
+                <a:solidFill>
+                  <a:srgbClr val="ffffff"/>
+                </a:solidFill>
+              </a:uFill>
+              <a:latin typeface="Arial"/>
+            </a:endParaRPr>
+          </a:p>
+          <a:p>
+            <a:pPr>
+              <a:lnSpc>
+                <a:spcPct val="100000"/>
+              </a:lnSpc>
+            </a:pPr>
+            <a:r>
+              <a:rPr b="0" lang="en-US" sz="1800" spc="-1" strike="noStrike">
+                <a:solidFill>
+                  <a:srgbClr val="000000"/>
+                </a:solidFill>
+                <a:uFill>
+                  <a:solidFill>
+                    <a:srgbClr val="ffffff"/>
+                  </a:solidFill>
+                </a:uFill>
+                <a:latin typeface="Calibri"/>
+              </a:rPr>
+              <a:t>  </a:t>
+            </a:r>
+            <a:r>
+              <a:rPr b="0" lang="en-US" sz="1800" spc="-1" strike="noStrike">
+                <a:solidFill>
+                  <a:srgbClr val="000000"/>
+                </a:solidFill>
+                <a:uFill>
+                  <a:solidFill>
+                    <a:srgbClr val="ffffff"/>
+                  </a:solidFill>
+                </a:uFill>
+                <a:latin typeface="Calibri"/>
+              </a:rPr>
+              <a:t>((Length,Quantity(320,mm)),(Weight,Quantity(102,kg))),</a:t>
+            </a:r>
+            <a:endParaRPr b="0" lang="en-US" sz="1800" spc="-1" strike="noStrike">
+              <a:solidFill>
+                <a:srgbClr val="000000"/>
+              </a:solidFill>
+              <a:uFill>
+                <a:solidFill>
+                  <a:srgbClr val="ffffff"/>
+                </a:solidFill>
+              </a:uFill>
+              <a:latin typeface="Arial"/>
+            </a:endParaRPr>
+          </a:p>
+          <a:p>
+            <a:pPr>
+              <a:lnSpc>
+                <a:spcPct val="100000"/>
+              </a:lnSpc>
+            </a:pPr>
+            <a:r>
+              <a:rPr b="0" lang="en-US" sz="1800" spc="-1" strike="noStrike">
+                <a:solidFill>
+                  <a:srgbClr val="000000"/>
+                </a:solidFill>
+                <a:uFill>
+                  <a:solidFill>
+                    <a:srgbClr val="ffffff"/>
+                  </a:solidFill>
+                </a:uFill>
+                <a:latin typeface="Calibri"/>
+              </a:rPr>
+              <a:t>  </a:t>
+            </a:r>
+            <a:r>
+              <a:rPr b="0" lang="en-US" sz="1800" spc="-1" strike="noStrike">
+                <a:solidFill>
+                  <a:srgbClr val="000000"/>
+                </a:solidFill>
+                <a:uFill>
+                  <a:solidFill>
+                    <a:srgbClr val="ffffff"/>
+                  </a:solidFill>
+                </a:uFill>
+                <a:latin typeface="Calibri"/>
+              </a:rPr>
+              <a:t>((Length,Quantity(302,mm)),(Weight,Quantity(101,kg))),</a:t>
+            </a:r>
+            <a:endParaRPr b="0" lang="en-US" sz="1800" spc="-1" strike="noStrike">
+              <a:solidFill>
+                <a:srgbClr val="000000"/>
+              </a:solidFill>
+              <a:uFill>
+                <a:solidFill>
+                  <a:srgbClr val="ffffff"/>
+                </a:solidFill>
+              </a:uFill>
+              <a:latin typeface="Arial"/>
+            </a:endParaRPr>
+          </a:p>
+          <a:p>
+            <a:pPr>
+              <a:lnSpc>
+                <a:spcPct val="100000"/>
+              </a:lnSpc>
+            </a:pPr>
+            <a:r>
+              <a:rPr b="0" lang="en-US" sz="1800" spc="-1" strike="noStrike">
+                <a:solidFill>
+                  <a:srgbClr val="000000"/>
+                </a:solidFill>
+                <a:uFill>
+                  <a:solidFill>
+                    <a:srgbClr val="ffffff"/>
+                  </a:solidFill>
+                </a:uFill>
+                <a:latin typeface="Calibri"/>
+              </a:rPr>
+              <a:t>  </a:t>
+            </a:r>
+            <a:r>
+              <a:rPr b="0" lang="en-US" sz="1800" spc="-1" strike="noStrike">
+                <a:solidFill>
+                  <a:srgbClr val="000000"/>
+                </a:solidFill>
+                <a:uFill>
+                  <a:solidFill>
+                    <a:srgbClr val="ffffff"/>
+                  </a:solidFill>
+                </a:uFill>
+                <a:latin typeface="Calibri"/>
+              </a:rPr>
+              <a:t>((Length,Quantity(360,mm)),(Weight,Quantity(125,kg)))</a:t>
+            </a:r>
+            <a:endParaRPr b="0" lang="en-US" sz="1800" spc="-1" strike="noStrike">
+              <a:solidFill>
+                <a:srgbClr val="000000"/>
+              </a:solidFill>
+              <a:uFill>
+                <a:solidFill>
+                  <a:srgbClr val="ffffff"/>
+                </a:solidFill>
+              </a:uFill>
+              <a:latin typeface="Arial"/>
+            </a:endParaRPr>
+          </a:p>
+          <a:p>
+            <a:pPr>
+              <a:lnSpc>
+                <a:spcPct val="100000"/>
+              </a:lnSpc>
+            </a:pPr>
+            <a:r>
+              <a:rPr b="0" lang="en-US" sz="1800" spc="-1" strike="noStrike">
+                <a:solidFill>
+                  <a:srgbClr val="000000"/>
+                </a:solidFill>
+                <a:uFill>
+                  <a:solidFill>
+                    <a:srgbClr val="ffffff"/>
+                  </a:solidFill>
+                </a:uFill>
+                <a:latin typeface="Calibri"/>
+              </a:rPr>
+              <a:t>)</a:t>
+            </a:r>
+            <a:endParaRPr b="0" lang="en-US" sz="1800" spc="-1" strike="noStrike">
+              <a:solidFill>
+                <a:srgbClr val="000000"/>
+              </a:solidFill>
+              <a:uFill>
+                <a:solidFill>
+                  <a:srgbClr val="ffffff"/>
+                </a:solidFill>
+              </a:uFill>
+              <a:latin typeface="Arial"/>
+            </a:endParaRPr>
+          </a:p>
+        </p:txBody>
+      </p:sp>
+      <p:sp>
+        <p:nvSpPr>
+          <p:cNvPr id="154" name="CustomShape 9"/>
+          <p:cNvSpPr/>
+          <p:nvPr/>
+        </p:nvSpPr>
+        <p:spPr>
+          <a:xfrm>
+            <a:off x="135360" y="4138560"/>
+            <a:ext cx="986040" cy="364680"/>
+          </a:xfrm>
+          <a:prstGeom prst="rect">
+            <a:avLst/>
+          </a:prstGeom>
+          <a:noFill/>
+          <a:ln>
+            <a:noFill/>
+          </a:ln>
+        </p:spPr>
+        <p:style>
+          <a:lnRef idx="0"/>
+          <a:fillRef idx="0"/>
+          <a:effectRef idx="0"/>
+          <a:fontRef idx="minor"/>
+        </p:style>
+        <p:txBody>
+          <a:bodyPr wrap="none" lIns="90000" rIns="90000" tIns="45000" bIns="45000"/>
+          <a:p>
+            <a:pPr>
+              <a:lnSpc>
+                <a:spcPct val="100000"/>
+              </a:lnSpc>
+            </a:pPr>
+            <a:r>
+              <a:rPr b="0" lang="en-US" sz="1800" spc="-1" strike="noStrike">
+                <a:solidFill>
+                  <a:srgbClr val="000000"/>
+                </a:solidFill>
+                <a:uFill>
+                  <a:solidFill>
+                    <a:srgbClr val="ffffff"/>
+                  </a:solidFill>
+                </a:uFill>
+                <a:latin typeface="Calibri"/>
+              </a:rPr>
+              <a:t>- </a:t>
+            </a:r>
+            <a:r>
+              <a:rPr b="0" lang="en-US" sz="1800" spc="-1" strike="noStrike">
+                <a:solidFill>
+                  <a:srgbClr val="000000"/>
+                </a:solidFill>
+                <a:uFill>
+                  <a:solidFill>
+                    <a:srgbClr val="ffffff"/>
+                  </a:solidFill>
+                </a:uFill>
+                <a:latin typeface="Calibri"/>
+              </a:rPr>
+              <a:t>出力 </a:t>
+            </a:r>
+            <a:r>
+              <a:rPr b="0" lang="en-US" sz="1800" spc="-1" strike="noStrike">
+                <a:solidFill>
+                  <a:srgbClr val="000000"/>
+                </a:solidFill>
+                <a:uFill>
+                  <a:solidFill>
+                    <a:srgbClr val="ffffff"/>
+                  </a:solidFill>
+                </a:uFill>
+                <a:latin typeface="Calibri"/>
+              </a:rPr>
+              <a:t>: </a:t>
+            </a:r>
+            <a:endParaRPr b="0" lang="en-US" sz="1800" spc="-1" strike="noStrike">
+              <a:solidFill>
+                <a:srgbClr val="000000"/>
+              </a:solidFill>
+              <a:uFill>
+                <a:solidFill>
+                  <a:srgbClr val="ffffff"/>
+                </a:solidFill>
+              </a:uFill>
+              <a:latin typeface="Arial"/>
+            </a:endParaRPr>
+          </a:p>
+        </p:txBody>
+      </p:sp>
+      <p:sp>
+        <p:nvSpPr>
+          <p:cNvPr id="155" name="CustomShape 10"/>
+          <p:cNvSpPr/>
+          <p:nvPr/>
+        </p:nvSpPr>
+        <p:spPr>
+          <a:xfrm>
+            <a:off x="158400" y="2260080"/>
+            <a:ext cx="3246120" cy="364680"/>
+          </a:xfrm>
+          <a:prstGeom prst="rect">
+            <a:avLst/>
+          </a:prstGeom>
+          <a:noFill/>
+          <a:ln>
+            <a:noFill/>
+          </a:ln>
+        </p:spPr>
+        <p:style>
+          <a:lnRef idx="0"/>
+          <a:fillRef idx="0"/>
+          <a:effectRef idx="0"/>
+          <a:fontRef idx="minor"/>
+        </p:style>
+        <p:txBody>
+          <a:bodyPr wrap="none" lIns="90000" rIns="90000" tIns="45000" bIns="45000"/>
+          <a:p>
+            <a:pPr>
+              <a:lnSpc>
+                <a:spcPct val="100000"/>
+              </a:lnSpc>
+            </a:pPr>
+            <a:r>
+              <a:rPr b="0" lang="en-US" sz="1800" spc="-1" strike="noStrike">
+                <a:solidFill>
+                  <a:srgbClr val="000000"/>
+                </a:solidFill>
+                <a:uFill>
+                  <a:solidFill>
+                    <a:srgbClr val="ffffff"/>
+                  </a:solidFill>
+                </a:uFill>
+                <a:latin typeface="Calibri"/>
+              </a:rPr>
+              <a:t>- </a:t>
+            </a:r>
+            <a:r>
+              <a:rPr b="0" lang="en-US" sz="1800" spc="-1" strike="noStrike">
+                <a:solidFill>
+                  <a:srgbClr val="000000"/>
+                </a:solidFill>
+                <a:uFill>
+                  <a:solidFill>
+                    <a:srgbClr val="ffffff"/>
+                  </a:solidFill>
+                </a:uFill>
+                <a:latin typeface="Calibri"/>
+              </a:rPr>
+              <a:t>出力データ形式定義</a:t>
+            </a:r>
+            <a:r>
+              <a:rPr b="0" lang="en-US" sz="1800" spc="-1" strike="noStrike">
+                <a:solidFill>
+                  <a:srgbClr val="000000"/>
+                </a:solidFill>
+                <a:uFill>
+                  <a:solidFill>
+                    <a:srgbClr val="ffffff"/>
+                  </a:solidFill>
+                </a:uFill>
+                <a:latin typeface="Calibri"/>
+              </a:rPr>
+              <a:t>: num.ddl</a:t>
+            </a:r>
+            <a:endParaRPr b="0" lang="en-US" sz="1800" spc="-1" strike="noStrike">
+              <a:solidFill>
+                <a:srgbClr val="000000"/>
+              </a:solidFill>
+              <a:uFill>
+                <a:solidFill>
+                  <a:srgbClr val="ffffff"/>
+                </a:solidFill>
+              </a:uFill>
+              <a:latin typeface="Arial"/>
+            </a:endParaRPr>
+          </a:p>
+        </p:txBody>
+      </p:sp>
+      <p:sp>
+        <p:nvSpPr>
+          <p:cNvPr id="156" name="CustomShape 11"/>
+          <p:cNvSpPr/>
+          <p:nvPr/>
+        </p:nvSpPr>
+        <p:spPr>
+          <a:xfrm>
+            <a:off x="5670000" y="1216800"/>
+            <a:ext cx="1528560" cy="364680"/>
+          </a:xfrm>
+          <a:prstGeom prst="rect">
+            <a:avLst/>
+          </a:prstGeom>
+          <a:noFill/>
+          <a:ln>
+            <a:noFill/>
+          </a:ln>
+        </p:spPr>
+        <p:style>
+          <a:lnRef idx="0"/>
+          <a:fillRef idx="0"/>
+          <a:effectRef idx="0"/>
+          <a:fontRef idx="minor"/>
+        </p:style>
+        <p:txBody>
+          <a:bodyPr wrap="none" lIns="90000" rIns="90000" tIns="45000" bIns="45000"/>
+          <a:p>
+            <a:pPr>
+              <a:lnSpc>
+                <a:spcPct val="100000"/>
+              </a:lnSpc>
+            </a:pPr>
+            <a:r>
+              <a:rPr b="0" lang="en-US" sz="1800" spc="-1" strike="noStrike">
+                <a:solidFill>
+                  <a:srgbClr val="000000"/>
+                </a:solidFill>
+                <a:uFill>
+                  <a:solidFill>
+                    <a:srgbClr val="ffffff"/>
+                  </a:solidFill>
+                </a:uFill>
+                <a:latin typeface="Calibri"/>
+              </a:rPr>
+              <a:t>- CSV: num.csv</a:t>
+            </a:r>
+            <a:endParaRPr b="0" lang="en-US" sz="1800" spc="-1" strike="noStrike">
+              <a:solidFill>
+                <a:srgbClr val="000000"/>
+              </a:solidFill>
+              <a:uFill>
+                <a:solidFill>
+                  <a:srgbClr val="ffffff"/>
+                </a:solidFill>
+              </a:uFill>
+              <a:latin typeface="Arial"/>
+            </a:endParaRPr>
+          </a:p>
+        </p:txBody>
+      </p:sp>
+      <p:sp>
+        <p:nvSpPr>
+          <p:cNvPr id="157" name="TextShape 12"/>
+          <p:cNvSpPr txBox="1"/>
+          <p:nvPr/>
+        </p:nvSpPr>
+        <p:spPr>
+          <a:xfrm>
+            <a:off x="33840" y="42480"/>
+            <a:ext cx="866520" cy="379800"/>
+          </a:xfrm>
+          <a:prstGeom prst="rect">
+            <a:avLst/>
+          </a:prstGeom>
+          <a:noFill/>
+          <a:ln>
+            <a:solidFill>
+              <a:srgbClr val="ff3333"/>
+            </a:solidFill>
+          </a:ln>
+        </p:spPr>
+        <p:txBody>
+          <a:bodyPr lIns="90000" rIns="90000" tIns="45000" bIns="45000"/>
+          <a:p>
+            <a:r>
+              <a:rPr b="0" lang="en-US" sz="1800" spc="-1" strike="noStrike">
+                <a:solidFill>
+                  <a:srgbClr val="ff3333"/>
+                </a:solidFill>
+                <a:uFill>
+                  <a:solidFill>
+                    <a:srgbClr val="ffffff"/>
+                  </a:solidFill>
+                </a:uFill>
+                <a:latin typeface="Arial"/>
+              </a:rPr>
+              <a:t>要検討</a:t>
+            </a:r>
+            <a:endParaRPr b="0" lang="en-US" sz="1800" spc="-1" strike="noStrike">
+              <a:solidFill>
+                <a:srgbClr val="000000"/>
+              </a:solidFill>
+              <a:uFill>
+                <a:solidFill>
+                  <a:srgbClr val="ffffff"/>
+                </a:solidFill>
+              </a:uFill>
+              <a:latin typeface="Arial"/>
+            </a:endParaRPr>
+          </a:p>
+        </p:txBody>
+      </p:sp>
+    </p:spTree>
+  </p:cSld>
+</p:sld>
+</file>
+
+<file path=ppt/slides/slide11.xml><?xml version="1.0" encoding="utf-8"?>
+<p:sld xmlns:a="http://schemas.openxmlformats.org/drawingml/2006/main" xmlns:p="http://schemas.openxmlformats.org/presentationml/2006/main" xmlns:r="http://schemas.openxmlformats.org/officeDocument/2006/relationships" xmlns:p14="http://schemas.microsoft.com/office/powerpoint/2010/main" xmlns:p15="http://schemas.microsoft.com/office/powerpoint/2012/main" xmlns:mc="http://schemas.openxmlformats.org/markup-compatibility/2006">
+  <p:cSld>
+    <p:spTree>
+      <p:nvGrpSpPr>
+        <p:cNvPr id="1" name=""/>
+        <p:cNvGrpSpPr/>
+        <p:nvPr/>
+      </p:nvGrpSpPr>
+      <p:grpSpPr>
+        <a:xfrm>
+          <a:off x="0" y="0"/>
+          <a:ext cx="0" cy="0"/>
+          <a:chOff x="0" y="0"/>
+          <a:chExt cx="0" cy="0"/>
+        </a:xfrm>
+      </p:grpSpPr>
+      <p:sp>
+        <p:nvSpPr>
+          <p:cNvPr id="158" name="CustomShape 1"/>
           <p:cNvSpPr/>
           <p:nvPr/>
         </p:nvSpPr>
@@ -5523,7 +7017,7 @@
       </p:sp>
       <p:sp>
         <p:nvSpPr>
-          <p:cNvPr id="155" name="CustomShape 2"/>
+          <p:cNvPr id="159" name="CustomShape 2"/>
           <p:cNvSpPr/>
           <p:nvPr/>
         </p:nvSpPr>
@@ -5752,7 +7246,7 @@
       </p:sp>
       <p:sp>
         <p:nvSpPr>
-          <p:cNvPr id="156" name="CustomShape 3"/>
+          <p:cNvPr id="160" name="CustomShape 3"/>
           <p:cNvSpPr/>
           <p:nvPr/>
         </p:nvSpPr>
@@ -5813,7 +7307,7 @@
       </p:sp>
       <p:sp>
         <p:nvSpPr>
-          <p:cNvPr id="157" name="CustomShape 4"/>
+          <p:cNvPr id="161" name="CustomShape 4"/>
           <p:cNvSpPr/>
           <p:nvPr/>
         </p:nvSpPr>
@@ -5930,7 +7424,7 @@
       </p:sp>
       <p:sp>
         <p:nvSpPr>
-          <p:cNvPr id="158" name="CustomShape 5"/>
+          <p:cNvPr id="162" name="CustomShape 5"/>
           <p:cNvSpPr/>
           <p:nvPr/>
         </p:nvSpPr>
@@ -6185,7 +7679,7 @@
       </p:sp>
       <p:sp>
         <p:nvSpPr>
-          <p:cNvPr id="159" name="CustomShape 6"/>
+          <p:cNvPr id="163" name="CustomShape 6"/>
           <p:cNvSpPr/>
           <p:nvPr/>
         </p:nvSpPr>
@@ -6248,7 +7742,7 @@
       </p:sp>
       <p:sp>
         <p:nvSpPr>
-          <p:cNvPr id="160" name="CustomShape 7"/>
+          <p:cNvPr id="164" name="CustomShape 7"/>
           <p:cNvSpPr/>
           <p:nvPr/>
         </p:nvSpPr>
@@ -6431,7 +7925,7 @@
       </p:sp>
       <p:sp>
         <p:nvSpPr>
-          <p:cNvPr id="161" name="CustomShape 8"/>
+          <p:cNvPr id="165" name="CustomShape 8"/>
           <p:cNvSpPr/>
           <p:nvPr/>
         </p:nvSpPr>
@@ -6710,7 +8204,7 @@
       </p:sp>
       <p:sp>
         <p:nvSpPr>
-          <p:cNvPr id="162" name="CustomShape 9"/>
+          <p:cNvPr id="166" name="CustomShape 9"/>
           <p:cNvSpPr/>
           <p:nvPr/>
         </p:nvSpPr>
@@ -6799,7 +8293,7 @@
       </p:sp>
       <p:sp>
         <p:nvSpPr>
-          <p:cNvPr id="163" name="CustomShape 10"/>
+          <p:cNvPr id="167" name="CustomShape 10"/>
           <p:cNvSpPr/>
           <p:nvPr/>
         </p:nvSpPr>
@@ -6888,7 +8382,7 @@
       </p:sp>
       <p:sp>
         <p:nvSpPr>
-          <p:cNvPr id="164" name="CustomShape 11"/>
+          <p:cNvPr id="168" name="CustomShape 11"/>
           <p:cNvSpPr/>
           <p:nvPr/>
         </p:nvSpPr>
@@ -6949,7 +8443,7 @@
       </p:sp>
       <p:sp>
         <p:nvSpPr>
-          <p:cNvPr id="165" name="CustomShape 12"/>
+          <p:cNvPr id="169" name="CustomShape 12"/>
           <p:cNvSpPr/>
           <p:nvPr/>
         </p:nvSpPr>
@@ -7108,7 +8602,7 @@
       </p:sp>
       <p:sp>
         <p:nvSpPr>
-          <p:cNvPr id="166" name="CustomShape 13"/>
+          <p:cNvPr id="170" name="CustomShape 13"/>
           <p:cNvSpPr/>
           <p:nvPr/>
         </p:nvSpPr>
@@ -7169,7 +8663,7 @@
       </p:sp>
       <p:sp>
         <p:nvSpPr>
-          <p:cNvPr id="167" name="TextShape 14"/>
+          <p:cNvPr id="171" name="TextShape 14"/>
           <p:cNvSpPr txBox="1"/>
           <p:nvPr/>
         </p:nvSpPr>
@@ -7221,37 +8715,10 @@
       </p:sp>
     </p:spTree>
   </p:cSld>
-  <p:timing>
-    <p:tnLst>
-      <p:par>
-        <p:cTn id="19" dur="indefinite" restart="never" nodeType="tmRoot">
-          <p:childTnLst>
-            <p:seq>
-              <p:cTn id="20" nodeType="mainSeq"/>
-              <p:prevCondLst>
-                <p:cond delay="0" evt="onPrev">
-                  <p:tgtEl>
-                    <p:sldTgt/>
-                  </p:tgtEl>
-                </p:cond>
-              </p:prevCondLst>
-              <p:nextCondLst>
-                <p:cond delay="0" evt="onNext">
-                  <p:tgtEl>
-                    <p:sldTgt/>
-                  </p:tgtEl>
-                </p:cond>
-              </p:nextCondLst>
-            </p:seq>
-          </p:childTnLst>
-        </p:cTn>
-      </p:par>
-    </p:tnLst>
-  </p:timing>
 </p:sld>
 </file>
 
-<file path=ppt/slides/slide11.xml><?xml version="1.0" encoding="utf-8"?>
+<file path=ppt/slides/slide12.xml><?xml version="1.0" encoding="utf-8"?>
 <p:sld xmlns:a="http://schemas.openxmlformats.org/drawingml/2006/main" xmlns:p="http://schemas.openxmlformats.org/presentationml/2006/main" xmlns:r="http://schemas.openxmlformats.org/officeDocument/2006/relationships" xmlns:p14="http://schemas.microsoft.com/office/powerpoint/2010/main" xmlns:p15="http://schemas.microsoft.com/office/powerpoint/2012/main" xmlns:mc="http://schemas.openxmlformats.org/markup-compatibility/2006">
   <p:cSld>
     <p:spTree>
@@ -7270,7 +8737,7 @@
       </p:grpSpPr>
       <p:sp>
         <p:nvSpPr>
-          <p:cNvPr id="168" name="CustomShape 1"/>
+          <p:cNvPr id="172" name="CustomShape 1"/>
           <p:cNvSpPr/>
           <p:nvPr/>
         </p:nvSpPr>
@@ -7359,7 +8826,7 @@
       </p:sp>
       <p:sp>
         <p:nvSpPr>
-          <p:cNvPr id="169" name="CustomShape 2"/>
+          <p:cNvPr id="173" name="CustomShape 2"/>
           <p:cNvSpPr/>
           <p:nvPr/>
         </p:nvSpPr>
@@ -7588,7 +9055,7 @@
       </p:sp>
       <p:sp>
         <p:nvSpPr>
-          <p:cNvPr id="170" name="CustomShape 3"/>
+          <p:cNvPr id="174" name="CustomShape 3"/>
           <p:cNvSpPr/>
           <p:nvPr/>
         </p:nvSpPr>
@@ -7649,7 +9116,7 @@
       </p:sp>
       <p:sp>
         <p:nvSpPr>
-          <p:cNvPr id="171" name="CustomShape 4"/>
+          <p:cNvPr id="175" name="CustomShape 4"/>
           <p:cNvSpPr/>
           <p:nvPr/>
         </p:nvSpPr>
@@ -7766,7 +9233,7 @@
       </p:sp>
       <p:sp>
         <p:nvSpPr>
-          <p:cNvPr id="172" name="CustomShape 5"/>
+          <p:cNvPr id="176" name="CustomShape 5"/>
           <p:cNvSpPr/>
           <p:nvPr/>
         </p:nvSpPr>
@@ -7925,7 +9392,7 @@
       </p:sp>
       <p:sp>
         <p:nvSpPr>
-          <p:cNvPr id="173" name="CustomShape 6"/>
+          <p:cNvPr id="177" name="CustomShape 6"/>
           <p:cNvSpPr/>
           <p:nvPr/>
         </p:nvSpPr>
@@ -8044,7 +9511,7 @@
       </p:sp>
       <p:sp>
         <p:nvSpPr>
-          <p:cNvPr id="174" name="CustomShape 7"/>
+          <p:cNvPr id="178" name="CustomShape 7"/>
           <p:cNvSpPr/>
           <p:nvPr/>
         </p:nvSpPr>
@@ -8167,7 +9634,7 @@
       </p:sp>
       <p:sp>
         <p:nvSpPr>
-          <p:cNvPr id="175" name="CustomShape 8"/>
+          <p:cNvPr id="179" name="CustomShape 8"/>
           <p:cNvSpPr/>
           <p:nvPr/>
         </p:nvSpPr>
@@ -8446,7 +9913,7 @@
       </p:sp>
       <p:sp>
         <p:nvSpPr>
-          <p:cNvPr id="176" name="CustomShape 9"/>
+          <p:cNvPr id="180" name="CustomShape 9"/>
           <p:cNvSpPr/>
           <p:nvPr/>
         </p:nvSpPr>
@@ -8535,7 +10002,7 @@
       </p:sp>
       <p:sp>
         <p:nvSpPr>
-          <p:cNvPr id="177" name="CustomShape 10"/>
+          <p:cNvPr id="181" name="CustomShape 10"/>
           <p:cNvSpPr/>
           <p:nvPr/>
         </p:nvSpPr>
@@ -8624,7 +10091,7 @@
       </p:sp>
       <p:sp>
         <p:nvSpPr>
-          <p:cNvPr id="178" name="CustomShape 11"/>
+          <p:cNvPr id="182" name="CustomShape 11"/>
           <p:cNvSpPr/>
           <p:nvPr/>
         </p:nvSpPr>
@@ -8685,7 +10152,7 @@
       </p:sp>
       <p:sp>
         <p:nvSpPr>
-          <p:cNvPr id="179" name="TextShape 12"/>
+          <p:cNvPr id="183" name="TextShape 12"/>
           <p:cNvSpPr txBox="1"/>
           <p:nvPr/>
         </p:nvSpPr>
@@ -8737,37 +10204,10 @@
       </p:sp>
     </p:spTree>
   </p:cSld>
-  <p:timing>
-    <p:tnLst>
-      <p:par>
-        <p:cTn id="21" dur="indefinite" restart="never" nodeType="tmRoot">
-          <p:childTnLst>
-            <p:seq>
-              <p:cTn id="22" nodeType="mainSeq"/>
-              <p:prevCondLst>
-                <p:cond delay="0" evt="onPrev">
-                  <p:tgtEl>
-                    <p:sldTgt/>
-                  </p:tgtEl>
-                </p:cond>
-              </p:prevCondLst>
-              <p:nextCondLst>
-                <p:cond delay="0" evt="onNext">
-                  <p:tgtEl>
-                    <p:sldTgt/>
-                  </p:tgtEl>
-                </p:cond>
-              </p:nextCondLst>
-            </p:seq>
-          </p:childTnLst>
-        </p:cTn>
-      </p:par>
-    </p:tnLst>
-  </p:timing>
 </p:sld>
 </file>
 
-<file path=ppt/slides/slide12.xml><?xml version="1.0" encoding="utf-8"?>
+<file path=ppt/slides/slide13.xml><?xml version="1.0" encoding="utf-8"?>
 <p:sld xmlns:a="http://schemas.openxmlformats.org/drawingml/2006/main" xmlns:p="http://schemas.openxmlformats.org/presentationml/2006/main" xmlns:r="http://schemas.openxmlformats.org/officeDocument/2006/relationships" xmlns:p14="http://schemas.microsoft.com/office/powerpoint/2010/main" xmlns:p15="http://schemas.microsoft.com/office/powerpoint/2012/main" xmlns:mc="http://schemas.openxmlformats.org/markup-compatibility/2006">
   <p:cSld>
     <p:spTree>
@@ -8786,7 +10226,7 @@
       </p:grpSpPr>
       <p:sp>
         <p:nvSpPr>
-          <p:cNvPr id="180" name="CustomShape 1"/>
+          <p:cNvPr id="184" name="CustomShape 1"/>
           <p:cNvSpPr/>
           <p:nvPr/>
         </p:nvSpPr>
@@ -8875,7 +10315,7 @@
       </p:sp>
       <p:sp>
         <p:nvSpPr>
-          <p:cNvPr id="181" name="CustomShape 2"/>
+          <p:cNvPr id="185" name="CustomShape 2"/>
           <p:cNvSpPr/>
           <p:nvPr/>
         </p:nvSpPr>
@@ -9104,7 +10544,7 @@
       </p:sp>
       <p:sp>
         <p:nvSpPr>
-          <p:cNvPr id="182" name="CustomShape 3"/>
+          <p:cNvPr id="186" name="CustomShape 3"/>
           <p:cNvSpPr/>
           <p:nvPr/>
         </p:nvSpPr>
@@ -9165,7 +10605,7 @@
       </p:sp>
       <p:sp>
         <p:nvSpPr>
-          <p:cNvPr id="183" name="CustomShape 4"/>
+          <p:cNvPr id="187" name="CustomShape 4"/>
           <p:cNvSpPr/>
           <p:nvPr/>
         </p:nvSpPr>
@@ -9282,7 +10722,7 @@
       </p:sp>
       <p:sp>
         <p:nvSpPr>
-          <p:cNvPr id="184" name="CustomShape 5"/>
+          <p:cNvPr id="188" name="CustomShape 5"/>
           <p:cNvSpPr/>
           <p:nvPr/>
         </p:nvSpPr>
@@ -9537,7 +10977,7 @@
       </p:sp>
       <p:sp>
         <p:nvSpPr>
-          <p:cNvPr id="185" name="CustomShape 6"/>
+          <p:cNvPr id="189" name="CustomShape 6"/>
           <p:cNvSpPr/>
           <p:nvPr/>
         </p:nvSpPr>
@@ -9600,7 +11040,7 @@
       </p:sp>
       <p:sp>
         <p:nvSpPr>
-          <p:cNvPr id="186" name="CustomShape 7"/>
+          <p:cNvPr id="190" name="CustomShape 7"/>
           <p:cNvSpPr/>
           <p:nvPr/>
         </p:nvSpPr>
@@ -9751,7 +11191,7 @@
       </p:sp>
       <p:sp>
         <p:nvSpPr>
-          <p:cNvPr id="187" name="CustomShape 8"/>
+          <p:cNvPr id="191" name="CustomShape 8"/>
           <p:cNvSpPr/>
           <p:nvPr/>
         </p:nvSpPr>
@@ -10030,7 +11470,7 @@
       </p:sp>
       <p:sp>
         <p:nvSpPr>
-          <p:cNvPr id="188" name="CustomShape 9"/>
+          <p:cNvPr id="192" name="CustomShape 9"/>
           <p:cNvSpPr/>
           <p:nvPr/>
         </p:nvSpPr>
@@ -10119,7 +11559,7 @@
       </p:sp>
       <p:sp>
         <p:nvSpPr>
-          <p:cNvPr id="189" name="CustomShape 10"/>
+          <p:cNvPr id="193" name="CustomShape 10"/>
           <p:cNvSpPr/>
           <p:nvPr/>
         </p:nvSpPr>
@@ -10208,7 +11648,7 @@
       </p:sp>
       <p:sp>
         <p:nvSpPr>
-          <p:cNvPr id="190" name="CustomShape 11"/>
+          <p:cNvPr id="194" name="CustomShape 11"/>
           <p:cNvSpPr/>
           <p:nvPr/>
         </p:nvSpPr>
@@ -10269,7 +11709,7 @@
       </p:sp>
       <p:sp>
         <p:nvSpPr>
-          <p:cNvPr id="191" name="CustomShape 12"/>
+          <p:cNvPr id="195" name="CustomShape 12"/>
           <p:cNvSpPr/>
           <p:nvPr/>
         </p:nvSpPr>
@@ -10428,7 +11868,7 @@
       </p:sp>
       <p:sp>
         <p:nvSpPr>
-          <p:cNvPr id="192" name="CustomShape 13"/>
+          <p:cNvPr id="196" name="CustomShape 13"/>
           <p:cNvSpPr/>
           <p:nvPr/>
         </p:nvSpPr>
@@ -10489,7 +11929,7 @@
       </p:sp>
       <p:sp>
         <p:nvSpPr>
-          <p:cNvPr id="193" name="TextShape 14"/>
+          <p:cNvPr id="197" name="TextShape 14"/>
           <p:cNvSpPr txBox="1"/>
           <p:nvPr/>
         </p:nvSpPr>
@@ -10541,33 +11981,6 @@
       </p:sp>
     </p:spTree>
   </p:cSld>
-  <p:timing>
-    <p:tnLst>
-      <p:par>
-        <p:cTn id="23" dur="indefinite" restart="never" nodeType="tmRoot">
-          <p:childTnLst>
-            <p:seq>
-              <p:cTn id="24" nodeType="mainSeq"/>
-              <p:prevCondLst>
-                <p:cond delay="0" evt="onPrev">
-                  <p:tgtEl>
-                    <p:sldTgt/>
-                  </p:tgtEl>
-                </p:cond>
-              </p:prevCondLst>
-              <p:nextCondLst>
-                <p:cond delay="0" evt="onNext">
-                  <p:tgtEl>
-                    <p:sldTgt/>
-                  </p:tgtEl>
-                </p:cond>
-              </p:nextCondLst>
-            </p:seq>
-          </p:childTnLst>
-        </p:cTn>
-      </p:par>
-    </p:tnLst>
-  </p:timing>
 </p:sld>
 </file>
 
@@ -10590,14 +12003,14 @@
       </p:grpSpPr>
       <p:sp>
         <p:nvSpPr>
-          <p:cNvPr id="87" name="CustomShape 1"/>
+          <p:cNvPr id="86" name="CustomShape 1"/>
           <p:cNvSpPr/>
           <p:nvPr/>
         </p:nvSpPr>
         <p:spPr>
           <a:xfrm>
-            <a:off x="555840" y="897480"/>
-            <a:ext cx="6306120" cy="5028120"/>
+            <a:off x="322920" y="1764000"/>
+            <a:ext cx="4465080" cy="3107880"/>
           </a:xfrm>
           <a:prstGeom prst="rect">
             <a:avLst/>
@@ -11089,7 +12502,35 @@
                 </a:uFill>
                 <a:latin typeface="Calibri"/>
               </a:rPr>
-              <a:t>- &lt;Item&gt;:</a:t>
+              <a:t>- </a:t>
+            </a:r>
+            <a:r>
+              <a:rPr b="0" lang="en-US" sz="1800" spc="-1" strike="noStrike">
+                <a:solidFill>
+                  <a:srgbClr val="000000"/>
+                </a:solidFill>
+                <a:uFill>
+                  <a:solidFill>
+                    <a:srgbClr val="ffffff"/>
+                  </a:solidFill>
+                </a:uFill>
+                <a:latin typeface="Calibri"/>
+              </a:rPr>
+              <a:t>データ形式定義言語 </a:t>
+            </a:r>
+            <a:r>
+              <a:rPr b="0" lang="en-US" sz="1800" spc="-1" strike="noStrike">
+                <a:solidFill>
+                  <a:srgbClr val="000000"/>
+                </a:solidFill>
+                <a:uFill>
+                  <a:solidFill>
+                    <a:srgbClr val="ffffff"/>
+                  </a:solidFill>
+                </a:uFill>
+                <a:latin typeface="Calibri"/>
+              </a:rPr>
+              <a:t>tq:</a:t>
             </a:r>
             <a:endParaRPr b="0" lang="en-US" sz="1800" spc="-1" strike="noStrike">
               <a:solidFill>
@@ -11121,98 +12562,6 @@
                 </a:uFill>
                 <a:latin typeface="Calibri"/>
               </a:rPr>
-              <a:t>　辞書登録されている属性名</a:t>
-            </a:r>
-            <a:endParaRPr b="0" lang="en-US" sz="1800" spc="-1" strike="noStrike">
-              <a:solidFill>
-                <a:srgbClr val="000000"/>
-              </a:solidFill>
-              <a:uFill>
-                <a:solidFill>
-                  <a:srgbClr val="ffffff"/>
-                </a:solidFill>
-              </a:uFill>
-              <a:latin typeface="Arial"/>
-            </a:endParaRPr>
-          </a:p>
-          <a:p>
-            <a:pPr>
-              <a:lnSpc>
-                <a:spcPct val="100000"/>
-              </a:lnSpc>
-            </a:pPr>
-            <a:r>
-              <a:rPr b="0" lang="en-US" sz="1800" spc="-1" strike="noStrike">
-                <a:solidFill>
-                  <a:srgbClr val="000000"/>
-                </a:solidFill>
-                <a:uFill>
-                  <a:solidFill>
-                    <a:srgbClr val="ffffff"/>
-                  </a:solidFill>
-                </a:uFill>
-                <a:latin typeface="Calibri"/>
-              </a:rPr>
-              <a:t>- </a:t>
-            </a:r>
-            <a:r>
-              <a:rPr b="0" lang="en-US" sz="1800" spc="-1" strike="noStrike">
-                <a:solidFill>
-                  <a:srgbClr val="000000"/>
-                </a:solidFill>
-                <a:uFill>
-                  <a:solidFill>
-                    <a:srgbClr val="ffffff"/>
-                  </a:solidFill>
-                </a:uFill>
-                <a:latin typeface="Calibri"/>
-              </a:rPr>
-              <a:t>データ形式定義</a:t>
-            </a:r>
-            <a:r>
-              <a:rPr b="0" lang="en-US" sz="1800" spc="-1" strike="noStrike">
-                <a:solidFill>
-                  <a:srgbClr val="000000"/>
-                </a:solidFill>
-                <a:uFill>
-                  <a:solidFill>
-                    <a:srgbClr val="ffffff"/>
-                  </a:solidFill>
-                </a:uFill>
-                <a:latin typeface="Calibri"/>
-              </a:rPr>
-              <a:t>:</a:t>
-            </a:r>
-            <a:endParaRPr b="0" lang="en-US" sz="1800" spc="-1" strike="noStrike">
-              <a:solidFill>
-                <a:srgbClr val="000000"/>
-              </a:solidFill>
-              <a:uFill>
-                <a:solidFill>
-                  <a:srgbClr val="ffffff"/>
-                </a:solidFill>
-              </a:uFill>
-              <a:latin typeface="Arial"/>
-            </a:endParaRPr>
-          </a:p>
-          <a:p>
-            <a:pPr>
-              <a:lnSpc>
-                <a:spcPct val="100000"/>
-              </a:lnSpc>
-            </a:pPr>
-            <a:r>
-              <a:rPr b="0" lang="en-US" sz="1800" spc="-1" strike="noStrike">
-                <a:solidFill>
-                  <a:srgbClr val="000000"/>
-                </a:solidFill>
-                <a:uFill>
-                  <a:solidFill>
-                    <a:srgbClr val="ffffff"/>
-                  </a:solidFill>
-                </a:uFill>
-                <a:latin typeface="Calibri"/>
-              </a:rPr>
               <a:t>  </a:t>
             </a:r>
             <a:r>
@@ -11241,433 +12590,7 @@
                 </a:uFill>
                 <a:latin typeface="Calibri"/>
               </a:rPr>
-              <a:t>のオリジナル言語</a:t>
-            </a:r>
-            <a:r>
-              <a:rPr b="0" lang="en-US" sz="1800" spc="-1" strike="noStrike">
-                <a:solidFill>
-                  <a:srgbClr val="000000"/>
-                </a:solidFill>
-                <a:uFill>
-                  <a:solidFill>
-                    <a:srgbClr val="ffffff"/>
-                  </a:solidFill>
-                </a:uFill>
-                <a:latin typeface="Calibri"/>
-              </a:rPr>
-              <a:t>: tq</a:t>
-            </a:r>
-            <a:endParaRPr b="0" lang="en-US" sz="1800" spc="-1" strike="noStrike">
-              <a:solidFill>
-                <a:srgbClr val="000000"/>
-              </a:solidFill>
-              <a:uFill>
-                <a:solidFill>
-                  <a:srgbClr val="ffffff"/>
-                </a:solidFill>
-              </a:uFill>
-              <a:latin typeface="Arial"/>
-            </a:endParaRPr>
-          </a:p>
-          <a:p>
-            <a:pPr>
-              <a:lnSpc>
-                <a:spcPct val="100000"/>
-              </a:lnSpc>
-            </a:pPr>
-            <a:r>
-              <a:rPr b="0" lang="en-US" sz="1800" spc="-1" strike="noStrike">
-                <a:solidFill>
-                  <a:srgbClr val="000000"/>
-                </a:solidFill>
-                <a:uFill>
-                  <a:solidFill>
-                    <a:srgbClr val="ffffff"/>
-                  </a:solidFill>
-                </a:uFill>
-                <a:latin typeface="Calibri"/>
-              </a:rPr>
-              <a:t>- </a:t>
-            </a:r>
-            <a:r>
-              <a:rPr b="0" lang="en-US" sz="1800" spc="-1" strike="noStrike">
-                <a:solidFill>
-                  <a:srgbClr val="000000"/>
-                </a:solidFill>
-                <a:uFill>
-                  <a:solidFill>
-                    <a:srgbClr val="ffffff"/>
-                  </a:solidFill>
-                </a:uFill>
-                <a:latin typeface="Calibri"/>
-              </a:rPr>
-              <a:t>データ形式定義によるシンプルな最低限のオペレーション</a:t>
-            </a:r>
-            <a:r>
-              <a:rPr b="0" lang="en-US" sz="1800" spc="-1" strike="noStrike">
-                <a:solidFill>
-                  <a:srgbClr val="000000"/>
-                </a:solidFill>
-                <a:uFill>
-                  <a:solidFill>
-                    <a:srgbClr val="ffffff"/>
-                  </a:solidFill>
-                </a:uFill>
-                <a:latin typeface="Calibri"/>
-              </a:rPr>
-              <a:t>:</a:t>
-            </a:r>
-            <a:endParaRPr b="0" lang="en-US" sz="1800" spc="-1" strike="noStrike">
-              <a:solidFill>
-                <a:srgbClr val="000000"/>
-              </a:solidFill>
-              <a:uFill>
-                <a:solidFill>
-                  <a:srgbClr val="ffffff"/>
-                </a:solidFill>
-              </a:uFill>
-              <a:latin typeface="Arial"/>
-            </a:endParaRPr>
-          </a:p>
-          <a:p>
-            <a:pPr>
-              <a:lnSpc>
-                <a:spcPct val="100000"/>
-              </a:lnSpc>
-            </a:pPr>
-            <a:r>
-              <a:rPr b="0" lang="en-US" sz="1800" spc="-1" strike="noStrike">
-                <a:solidFill>
-                  <a:srgbClr val="000000"/>
-                </a:solidFill>
-                <a:uFill>
-                  <a:solidFill>
-                    <a:srgbClr val="ffffff"/>
-                  </a:solidFill>
-                </a:uFill>
-                <a:latin typeface="Calibri"/>
-              </a:rPr>
-              <a:t>  </a:t>
-            </a:r>
-            <a:r>
-              <a:rPr b="0" lang="en-US" sz="1800" spc="-1" strike="noStrike">
-                <a:solidFill>
-                  <a:srgbClr val="000000"/>
-                </a:solidFill>
-                <a:uFill>
-                  <a:solidFill>
-                    <a:srgbClr val="ffffff"/>
-                  </a:solidFill>
-                </a:uFill>
-                <a:latin typeface="Calibri"/>
-              </a:rPr>
-              <a:t>- CSV</a:t>
-            </a:r>
-            <a:r>
-              <a:rPr b="0" lang="en-US" sz="1800" spc="-1" strike="noStrike">
-                <a:solidFill>
-                  <a:srgbClr val="000000"/>
-                </a:solidFill>
-                <a:uFill>
-                  <a:solidFill>
-                    <a:srgbClr val="ffffff"/>
-                  </a:solidFill>
-                </a:uFill>
-                <a:latin typeface="Calibri"/>
-              </a:rPr>
-              <a:t>から</a:t>
-            </a:r>
-            <a:r>
-              <a:rPr b="0" lang="en-US" sz="1800" spc="-1" strike="noStrike">
-                <a:solidFill>
-                  <a:srgbClr val="000000"/>
-                </a:solidFill>
-                <a:uFill>
-                  <a:solidFill>
-                    <a:srgbClr val="ffffff"/>
-                  </a:solidFill>
-                </a:uFill>
-                <a:latin typeface="Calibri"/>
-              </a:rPr>
-              <a:t>NS3</a:t>
-            </a:r>
-            <a:r>
-              <a:rPr b="0" lang="en-US" sz="1800" spc="-1" strike="noStrike">
-                <a:solidFill>
-                  <a:srgbClr val="000000"/>
-                </a:solidFill>
-                <a:uFill>
-                  <a:solidFill>
-                    <a:srgbClr val="ffffff"/>
-                  </a:solidFill>
-                </a:uFill>
-                <a:latin typeface="Calibri"/>
-              </a:rPr>
-              <a:t>形式への変換</a:t>
-            </a:r>
-            <a:endParaRPr b="0" lang="en-US" sz="1800" spc="-1" strike="noStrike">
-              <a:solidFill>
-                <a:srgbClr val="000000"/>
-              </a:solidFill>
-              <a:uFill>
-                <a:solidFill>
-                  <a:srgbClr val="ffffff"/>
-                </a:solidFill>
-              </a:uFill>
-              <a:latin typeface="Arial"/>
-            </a:endParaRPr>
-          </a:p>
-          <a:p>
-            <a:pPr>
-              <a:lnSpc>
-                <a:spcPct val="100000"/>
-              </a:lnSpc>
-            </a:pPr>
-            <a:r>
-              <a:rPr b="0" lang="en-US" sz="1800" spc="-1" strike="noStrike">
-                <a:solidFill>
-                  <a:srgbClr val="000000"/>
-                </a:solidFill>
-                <a:uFill>
-                  <a:solidFill>
-                    <a:srgbClr val="ffffff"/>
-                  </a:solidFill>
-                </a:uFill>
-                <a:latin typeface="Calibri"/>
-              </a:rPr>
-              <a:t>  </a:t>
-            </a:r>
-            <a:r>
-              <a:rPr b="0" lang="en-US" sz="1800" spc="-1" strike="noStrike">
-                <a:solidFill>
-                  <a:srgbClr val="000000"/>
-                </a:solidFill>
-                <a:uFill>
-                  <a:solidFill>
-                    <a:srgbClr val="ffffff"/>
-                  </a:solidFill>
-                </a:uFill>
-                <a:latin typeface="Calibri"/>
-              </a:rPr>
-              <a:t>- </a:t>
-            </a:r>
-            <a:r>
-              <a:rPr b="0" lang="en-US" sz="1800" spc="-1" strike="noStrike">
-                <a:solidFill>
-                  <a:srgbClr val="000000"/>
-                </a:solidFill>
-                <a:uFill>
-                  <a:solidFill>
-                    <a:srgbClr val="ffffff"/>
-                  </a:solidFill>
-                </a:uFill>
-                <a:latin typeface="Calibri"/>
-              </a:rPr>
-              <a:t>複数</a:t>
-            </a:r>
-            <a:r>
-              <a:rPr b="0" lang="en-US" sz="1800" spc="-1" strike="noStrike">
-                <a:solidFill>
-                  <a:srgbClr val="000000"/>
-                </a:solidFill>
-                <a:uFill>
-                  <a:solidFill>
-                    <a:srgbClr val="ffffff"/>
-                  </a:solidFill>
-                </a:uFill>
-                <a:latin typeface="Calibri"/>
-              </a:rPr>
-              <a:t>CSV</a:t>
-            </a:r>
-            <a:r>
-              <a:rPr b="0" lang="en-US" sz="1800" spc="-1" strike="noStrike">
-                <a:solidFill>
-                  <a:srgbClr val="000000"/>
-                </a:solidFill>
-                <a:uFill>
-                  <a:solidFill>
-                    <a:srgbClr val="ffffff"/>
-                  </a:solidFill>
-                </a:uFill>
-                <a:latin typeface="Calibri"/>
-              </a:rPr>
-              <a:t>ファイルの統合</a:t>
-            </a:r>
-            <a:endParaRPr b="0" lang="en-US" sz="1800" spc="-1" strike="noStrike">
-              <a:solidFill>
-                <a:srgbClr val="000000"/>
-              </a:solidFill>
-              <a:uFill>
-                <a:solidFill>
-                  <a:srgbClr val="ffffff"/>
-                </a:solidFill>
-              </a:uFill>
-              <a:latin typeface="Arial"/>
-            </a:endParaRPr>
-          </a:p>
-          <a:p>
-            <a:pPr>
-              <a:lnSpc>
-                <a:spcPct val="100000"/>
-              </a:lnSpc>
-            </a:pPr>
-            <a:r>
-              <a:rPr b="0" lang="en-US" sz="1800" spc="-1" strike="noStrike">
-                <a:solidFill>
-                  <a:srgbClr val="000000"/>
-                </a:solidFill>
-                <a:uFill>
-                  <a:solidFill>
-                    <a:srgbClr val="ffffff"/>
-                  </a:solidFill>
-                </a:uFill>
-                <a:latin typeface="Calibri"/>
-              </a:rPr>
-              <a:t>　　（複数</a:t>
-            </a:r>
-            <a:r>
-              <a:rPr b="0" lang="en-US" sz="1800" spc="-1" strike="noStrike">
-                <a:solidFill>
-                  <a:srgbClr val="000000"/>
-                </a:solidFill>
-                <a:uFill>
-                  <a:solidFill>
-                    <a:srgbClr val="ffffff"/>
-                  </a:solidFill>
-                </a:uFill>
-                <a:latin typeface="Calibri"/>
-              </a:rPr>
-              <a:t>CSV</a:t>
-            </a:r>
-            <a:r>
-              <a:rPr b="0" lang="en-US" sz="1800" spc="-1" strike="noStrike">
-                <a:solidFill>
-                  <a:srgbClr val="000000"/>
-                </a:solidFill>
-                <a:uFill>
-                  <a:solidFill>
-                    <a:srgbClr val="ffffff"/>
-                  </a:solidFill>
-                </a:uFill>
-                <a:latin typeface="Calibri"/>
-              </a:rPr>
-              <a:t>ファイルから一つの</a:t>
-            </a:r>
-            <a:r>
-              <a:rPr b="0" lang="en-US" sz="1800" spc="-1" strike="noStrike">
-                <a:solidFill>
-                  <a:srgbClr val="000000"/>
-                </a:solidFill>
-                <a:uFill>
-                  <a:solidFill>
-                    <a:srgbClr val="ffffff"/>
-                  </a:solidFill>
-                </a:uFill>
-                <a:latin typeface="Calibri"/>
-              </a:rPr>
-              <a:t>NS3</a:t>
-            </a:r>
-            <a:r>
-              <a:rPr b="0" lang="en-US" sz="1800" spc="-1" strike="noStrike">
-                <a:solidFill>
-                  <a:srgbClr val="000000"/>
-                </a:solidFill>
-                <a:uFill>
-                  <a:solidFill>
-                    <a:srgbClr val="ffffff"/>
-                  </a:solidFill>
-                </a:uFill>
-                <a:latin typeface="Calibri"/>
-              </a:rPr>
-              <a:t>形式への変換）</a:t>
-            </a:r>
-            <a:endParaRPr b="0" lang="en-US" sz="1800" spc="-1" strike="noStrike">
-              <a:solidFill>
-                <a:srgbClr val="000000"/>
-              </a:solidFill>
-              <a:uFill>
-                <a:solidFill>
-                  <a:srgbClr val="ffffff"/>
-                </a:solidFill>
-              </a:uFill>
-              <a:latin typeface="Arial"/>
-            </a:endParaRPr>
-          </a:p>
-          <a:p>
-            <a:pPr>
-              <a:lnSpc>
-                <a:spcPct val="100000"/>
-              </a:lnSpc>
-            </a:pPr>
-            <a:r>
-              <a:rPr b="0" lang="en-US" sz="1800" spc="-1" strike="noStrike">
-                <a:solidFill>
-                  <a:srgbClr val="000000"/>
-                </a:solidFill>
-                <a:uFill>
-                  <a:solidFill>
-                    <a:srgbClr val="ffffff"/>
-                  </a:solidFill>
-                </a:uFill>
-                <a:latin typeface="Calibri"/>
-              </a:rPr>
-              <a:t>  </a:t>
-            </a:r>
-            <a:r>
-              <a:rPr b="0" lang="en-US" sz="1800" spc="-1" strike="noStrike">
-                <a:solidFill>
-                  <a:srgbClr val="000000"/>
-                </a:solidFill>
-                <a:uFill>
-                  <a:solidFill>
-                    <a:srgbClr val="ffffff"/>
-                  </a:solidFill>
-                </a:uFill>
-                <a:latin typeface="Calibri"/>
-              </a:rPr>
-              <a:t>- </a:t>
-            </a:r>
-            <a:r>
-              <a:rPr b="0" lang="en-US" sz="1800" spc="-1" strike="noStrike">
-                <a:solidFill>
-                  <a:srgbClr val="000000"/>
-                </a:solidFill>
-                <a:uFill>
-                  <a:solidFill>
-                    <a:srgbClr val="ffffff"/>
-                  </a:solidFill>
-                </a:uFill>
-                <a:latin typeface="Calibri"/>
-              </a:rPr>
-              <a:t>辞書と</a:t>
-            </a:r>
-            <a:r>
-              <a:rPr b="0" lang="en-US" sz="1800" spc="-1" strike="noStrike">
-                <a:solidFill>
-                  <a:srgbClr val="000000"/>
-                </a:solidFill>
-                <a:uFill>
-                  <a:solidFill>
-                    <a:srgbClr val="ffffff"/>
-                  </a:solidFill>
-                </a:uFill>
-                <a:latin typeface="Calibri"/>
-              </a:rPr>
-              <a:t>CSV</a:t>
-            </a:r>
-            <a:r>
-              <a:rPr b="0" lang="en-US" sz="1800" spc="-1" strike="noStrike">
-                <a:solidFill>
-                  <a:srgbClr val="000000"/>
-                </a:solidFill>
-                <a:uFill>
-                  <a:solidFill>
-                    <a:srgbClr val="ffffff"/>
-                  </a:solidFill>
-                </a:uFill>
-                <a:latin typeface="Calibri"/>
-              </a:rPr>
-              <a:t>ファイルの統合</a:t>
+              <a:t>のオリジナル構造定義言語</a:t>
             </a:r>
             <a:endParaRPr b="0" lang="en-US" sz="1800" spc="-1" strike="noStrike">
               <a:solidFill>
@@ -11685,13 +12608,13 @@
       </p:sp>
       <p:sp>
         <p:nvSpPr>
-          <p:cNvPr id="88" name="CustomShape 2"/>
+          <p:cNvPr id="87" name="CustomShape 2"/>
           <p:cNvSpPr/>
           <p:nvPr/>
         </p:nvSpPr>
         <p:spPr>
           <a:xfrm>
-            <a:off x="144000" y="463320"/>
+            <a:off x="36000" y="1440000"/>
             <a:ext cx="1322640" cy="364680"/>
           </a:xfrm>
           <a:prstGeom prst="rect">
@@ -11746,7 +12669,7 @@
       </p:sp>
       <p:sp>
         <p:nvSpPr>
-          <p:cNvPr id="89" name="CustomShape 3"/>
+          <p:cNvPr id="88" name="CustomShape 3"/>
           <p:cNvSpPr/>
           <p:nvPr/>
         </p:nvSpPr>
@@ -11772,13 +12695,13 @@
       </p:sp>
       <p:sp>
         <p:nvSpPr>
-          <p:cNvPr id="90" name="CustomShape 4"/>
+          <p:cNvPr id="89" name="CustomShape 4"/>
           <p:cNvSpPr/>
           <p:nvPr/>
         </p:nvSpPr>
         <p:spPr>
           <a:xfrm>
-            <a:off x="2525040" y="10440"/>
+            <a:off x="2525040" y="190440"/>
             <a:ext cx="4442040" cy="516960"/>
           </a:xfrm>
           <a:prstGeom prst="rect">
@@ -11830,58 +12753,6 @@
             </a:endParaRPr>
           </a:p>
         </p:txBody>
-      </p:sp>
-      <p:sp>
-        <p:nvSpPr>
-          <p:cNvPr id="91" name="CustomShape 5"/>
-          <p:cNvSpPr/>
-          <p:nvPr/>
-        </p:nvSpPr>
-        <p:spPr>
-          <a:xfrm>
-            <a:off x="1352160" y="5083560"/>
-            <a:ext cx="6184080" cy="1461960"/>
-          </a:xfrm>
-          <a:prstGeom prst="rect">
-            <a:avLst/>
-          </a:prstGeom>
-          <a:noFill/>
-          <a:ln>
-            <a:noFill/>
-          </a:ln>
-        </p:spPr>
-        <p:style>
-          <a:lnRef idx="0"/>
-          <a:fillRef idx="0"/>
-          <a:effectRef idx="0"/>
-          <a:fontRef idx="minor"/>
-        </p:style>
-      </p:sp>
-      <p:sp>
-        <p:nvSpPr>
-          <p:cNvPr id="92" name="CustomShape 6"/>
-          <p:cNvSpPr/>
-          <p:nvPr/>
-        </p:nvSpPr>
-        <p:spPr>
-          <a:xfrm>
-            <a:off x="1343160" y="4373280"/>
-            <a:ext cx="2925720" cy="639000"/>
-          </a:xfrm>
-          <a:prstGeom prst="rect">
-            <a:avLst/>
-          </a:prstGeom>
-          <a:noFill/>
-          <a:ln>
-            <a:noFill/>
-          </a:ln>
-        </p:spPr>
-        <p:style>
-          <a:lnRef idx="0"/>
-          <a:fillRef idx="0"/>
-          <a:effectRef idx="0"/>
-          <a:fontRef idx="minor"/>
-        </p:style>
       </p:sp>
     </p:spTree>
   </p:cSld>
@@ -11934,309 +12805,7 @@
       </p:grpSpPr>
       <p:sp>
         <p:nvSpPr>
-          <p:cNvPr id="93" name="CustomShape 1"/>
-          <p:cNvSpPr/>
-          <p:nvPr/>
-        </p:nvSpPr>
-        <p:spPr>
-          <a:xfrm>
-            <a:off x="223200" y="4126680"/>
-            <a:ext cx="3151440" cy="1186920"/>
-          </a:xfrm>
-          <a:prstGeom prst="rect">
-            <a:avLst/>
-          </a:prstGeom>
-          <a:noFill/>
-          <a:ln>
-            <a:noFill/>
-          </a:ln>
-        </p:spPr>
-        <p:style>
-          <a:lnRef idx="0"/>
-          <a:fillRef idx="0"/>
-          <a:effectRef idx="0"/>
-          <a:fontRef idx="minor"/>
-        </p:style>
-        <p:txBody>
-          <a:bodyPr wrap="none" lIns="90000" rIns="90000" tIns="45000" bIns="45000"/>
-          <a:p>
-            <a:pPr>
-              <a:lnSpc>
-                <a:spcPct val="100000"/>
-              </a:lnSpc>
-            </a:pPr>
-            <a:r>
-              <a:rPr b="0" lang="en-US" sz="1800" spc="-1" strike="noStrike">
-                <a:solidFill>
-                  <a:srgbClr val="000000"/>
-                </a:solidFill>
-                <a:uFill>
-                  <a:solidFill>
-                    <a:srgbClr val="ffffff"/>
-                  </a:solidFill>
-                </a:uFill>
-                <a:latin typeface="Calibri"/>
-              </a:rPr>
-              <a:t>  </a:t>
-            </a:r>
-            <a:r>
-              <a:rPr b="0" lang="en-US" sz="1800" spc="-1" strike="noStrike">
-                <a:solidFill>
-                  <a:srgbClr val="000000"/>
-                </a:solidFill>
-                <a:uFill>
-                  <a:solidFill>
-                    <a:srgbClr val="ffffff"/>
-                  </a:solidFill>
-                </a:uFill>
-                <a:latin typeface="Calibri"/>
-              </a:rPr>
-              <a:t>- </a:t>
-            </a:r>
-            <a:r>
-              <a:rPr b="0" lang="en-US" sz="1800" spc="-1" strike="noStrike">
-                <a:solidFill>
-                  <a:srgbClr val="000000"/>
-                </a:solidFill>
-                <a:uFill>
-                  <a:solidFill>
-                    <a:srgbClr val="ffffff"/>
-                  </a:solidFill>
-                </a:uFill>
-                <a:latin typeface="Calibri"/>
-              </a:rPr>
-              <a:t>項レファレンス：</a:t>
-            </a:r>
-            <a:endParaRPr b="0" lang="en-US" sz="1800" spc="-1" strike="noStrike">
-              <a:solidFill>
-                <a:srgbClr val="000000"/>
-              </a:solidFill>
-              <a:uFill>
-                <a:solidFill>
-                  <a:srgbClr val="ffffff"/>
-                </a:solidFill>
-              </a:uFill>
-              <a:latin typeface="Arial"/>
-            </a:endParaRPr>
-          </a:p>
-          <a:p>
-            <a:pPr>
-              <a:lnSpc>
-                <a:spcPct val="100000"/>
-              </a:lnSpc>
-            </a:pPr>
-            <a:r>
-              <a:rPr b="0" lang="en-US" sz="1800" spc="-1" strike="noStrike">
-                <a:solidFill>
-                  <a:srgbClr val="000000"/>
-                </a:solidFill>
-                <a:uFill>
-                  <a:solidFill>
-                    <a:srgbClr val="ffffff"/>
-                  </a:solidFill>
-                </a:uFill>
-                <a:latin typeface="Calibri"/>
-              </a:rPr>
-              <a:t>    </a:t>
-            </a:r>
-            <a:r>
-              <a:rPr b="0" lang="en-US" sz="1800" spc="-1" strike="noStrike">
-                <a:solidFill>
-                  <a:srgbClr val="000000"/>
-                </a:solidFill>
-                <a:uFill>
-                  <a:solidFill>
-                    <a:srgbClr val="ffffff"/>
-                  </a:solidFill>
-                </a:uFill>
-                <a:latin typeface="Calibri"/>
-              </a:rPr>
-              <a:t>#1($#1) =&gt; #1($#1@#1)</a:t>
-            </a:r>
-            <a:endParaRPr b="0" lang="en-US" sz="1800" spc="-1" strike="noStrike">
-              <a:solidFill>
-                <a:srgbClr val="000000"/>
-              </a:solidFill>
-              <a:uFill>
-                <a:solidFill>
-                  <a:srgbClr val="ffffff"/>
-                </a:solidFill>
-              </a:uFill>
-              <a:latin typeface="Arial"/>
-            </a:endParaRPr>
-          </a:p>
-          <a:p>
-            <a:pPr>
-              <a:lnSpc>
-                <a:spcPct val="100000"/>
-              </a:lnSpc>
-            </a:pPr>
-            <a:r>
-              <a:rPr b="0" lang="en-US" sz="1800" spc="-1" strike="noStrike">
-                <a:solidFill>
-                  <a:srgbClr val="000000"/>
-                </a:solidFill>
-                <a:uFill>
-                  <a:solidFill>
-                    <a:srgbClr val="ffffff"/>
-                  </a:solidFill>
-                </a:uFill>
-                <a:latin typeface="Calibri"/>
-              </a:rPr>
-              <a:t>  </a:t>
-            </a:r>
-            <a:r>
-              <a:rPr b="0" lang="en-US" sz="1800" spc="-1" strike="noStrike">
-                <a:solidFill>
-                  <a:srgbClr val="000000"/>
-                </a:solidFill>
-                <a:uFill>
-                  <a:solidFill>
-                    <a:srgbClr val="ffffff"/>
-                  </a:solidFill>
-                </a:uFill>
-                <a:latin typeface="Calibri"/>
-              </a:rPr>
-              <a:t>- </a:t>
-            </a:r>
-            <a:r>
-              <a:rPr b="0" lang="en-US" sz="1800" spc="-1" strike="noStrike">
-                <a:solidFill>
-                  <a:srgbClr val="000000"/>
-                </a:solidFill>
-                <a:uFill>
-                  <a:solidFill>
-                    <a:srgbClr val="ffffff"/>
-                  </a:solidFill>
-                </a:uFill>
-                <a:latin typeface="Calibri"/>
-              </a:rPr>
-              <a:t>木レファレンス：</a:t>
-            </a:r>
-            <a:endParaRPr b="0" lang="en-US" sz="1800" spc="-1" strike="noStrike">
-              <a:solidFill>
-                <a:srgbClr val="000000"/>
-              </a:solidFill>
-              <a:uFill>
-                <a:solidFill>
-                  <a:srgbClr val="ffffff"/>
-                </a:solidFill>
-              </a:uFill>
-              <a:latin typeface="Arial"/>
-            </a:endParaRPr>
-          </a:p>
-          <a:p>
-            <a:pPr>
-              <a:lnSpc>
-                <a:spcPct val="100000"/>
-              </a:lnSpc>
-            </a:pPr>
-            <a:r>
-              <a:rPr b="0" lang="en-US" sz="1800" spc="-1" strike="noStrike">
-                <a:solidFill>
-                  <a:srgbClr val="000000"/>
-                </a:solidFill>
-                <a:uFill>
-                  <a:solidFill>
-                    <a:srgbClr val="ffffff"/>
-                  </a:solidFill>
-                </a:uFill>
-                <a:latin typeface="Calibri"/>
-              </a:rPr>
-              <a:t>    </a:t>
-            </a:r>
-            <a:r>
-              <a:rPr b="0" lang="en-US" sz="1800" spc="-1" strike="noStrike">
-                <a:solidFill>
-                  <a:srgbClr val="000000"/>
-                </a:solidFill>
-                <a:uFill>
-                  <a:solidFill>
-                    <a:srgbClr val="ffffff"/>
-                  </a:solidFill>
-                </a:uFill>
-                <a:latin typeface="Calibri"/>
-              </a:rPr>
-              <a:t>$##1(##1) =&gt; $##1@##1(##1)</a:t>
-            </a:r>
-            <a:endParaRPr b="0" lang="en-US" sz="1800" spc="-1" strike="noStrike">
-              <a:solidFill>
-                <a:srgbClr val="000000"/>
-              </a:solidFill>
-              <a:uFill>
-                <a:solidFill>
-                  <a:srgbClr val="ffffff"/>
-                </a:solidFill>
-              </a:uFill>
-              <a:latin typeface="Arial"/>
-            </a:endParaRPr>
-          </a:p>
-        </p:txBody>
-      </p:sp>
-      <p:sp>
-        <p:nvSpPr>
-          <p:cNvPr id="94" name="CustomShape 2"/>
-          <p:cNvSpPr/>
-          <p:nvPr/>
-        </p:nvSpPr>
-        <p:spPr>
-          <a:xfrm>
-            <a:off x="60840" y="3766320"/>
-            <a:ext cx="2008440" cy="364680"/>
-          </a:xfrm>
-          <a:prstGeom prst="rect">
-            <a:avLst/>
-          </a:prstGeom>
-          <a:noFill/>
-          <a:ln>
-            <a:noFill/>
-          </a:ln>
-        </p:spPr>
-        <p:style>
-          <a:lnRef idx="0"/>
-          <a:fillRef idx="0"/>
-          <a:effectRef idx="0"/>
-          <a:fontRef idx="minor"/>
-        </p:style>
-        <p:txBody>
-          <a:bodyPr wrap="none" lIns="90000" rIns="90000" tIns="45000" bIns="45000"/>
-          <a:p>
-            <a:pPr>
-              <a:lnSpc>
-                <a:spcPct val="100000"/>
-              </a:lnSpc>
-            </a:pPr>
-            <a:r>
-              <a:rPr b="0" lang="en-US" sz="1800" spc="-1" strike="noStrike">
-                <a:solidFill>
-                  <a:srgbClr val="000000"/>
-                </a:solidFill>
-                <a:uFill>
-                  <a:solidFill>
-                    <a:srgbClr val="ffffff"/>
-                  </a:solidFill>
-                </a:uFill>
-                <a:latin typeface="Calibri"/>
-              </a:rPr>
-              <a:t>レファレンス例：</a:t>
-            </a:r>
-            <a:endParaRPr b="0" lang="en-US" sz="1800" spc="-1" strike="noStrike">
-              <a:solidFill>
-                <a:srgbClr val="000000"/>
-              </a:solidFill>
-              <a:uFill>
-                <a:solidFill>
-                  <a:srgbClr val="ffffff"/>
-                </a:solidFill>
-              </a:uFill>
-              <a:latin typeface="Arial"/>
-            </a:endParaRPr>
-          </a:p>
-        </p:txBody>
-      </p:sp>
-      <p:sp>
-        <p:nvSpPr>
-          <p:cNvPr id="95" name="CustomShape 3"/>
+          <p:cNvPr id="90" name="CustomShape 1"/>
           <p:cNvSpPr/>
           <p:nvPr/>
         </p:nvSpPr>
@@ -12297,14 +12866,14 @@
       </p:sp>
       <p:sp>
         <p:nvSpPr>
-          <p:cNvPr id="96" name="CustomShape 4"/>
+          <p:cNvPr id="91" name="CustomShape 2"/>
           <p:cNvSpPr/>
           <p:nvPr/>
         </p:nvSpPr>
         <p:spPr>
           <a:xfrm>
-            <a:off x="95400" y="1296000"/>
-            <a:ext cx="2467080" cy="364680"/>
+            <a:off x="23760" y="1327320"/>
+            <a:ext cx="4980240" cy="364680"/>
           </a:xfrm>
           <a:prstGeom prst="rect">
             <a:avLst/>
@@ -12340,7 +12909,7 @@
                 </a:uFill>
                 <a:latin typeface="Calibri"/>
               </a:rPr>
-              <a:t>レファレンスの定義：</a:t>
+              <a:t>データ構造記述言語のセマンティックレベル：</a:t>
             </a:r>
             <a:endParaRPr b="0" lang="en-US" sz="1800" spc="-1" strike="noStrike">
               <a:solidFill>
@@ -12358,14 +12927,14 @@
       </p:sp>
       <p:sp>
         <p:nvSpPr>
-          <p:cNvPr id="97" name="CustomShape 5"/>
+          <p:cNvPr id="92" name="CustomShape 3"/>
           <p:cNvSpPr/>
           <p:nvPr/>
         </p:nvSpPr>
         <p:spPr>
           <a:xfrm>
-            <a:off x="299520" y="1678680"/>
-            <a:ext cx="5893200" cy="913320"/>
+            <a:off x="156960" y="3933000"/>
+            <a:ext cx="3959280" cy="1187640"/>
           </a:xfrm>
           <a:prstGeom prst="rect">
             <a:avLst/>
@@ -12401,6 +12970,367 @@
                 </a:uFill>
                 <a:latin typeface="Calibri"/>
               </a:rPr>
+              <a:t>- </a:t>
+            </a:r>
+            <a:r>
+              <a:rPr b="0" lang="en-US" sz="1800" spc="-1" strike="noStrike">
+                <a:solidFill>
+                  <a:srgbClr val="000000"/>
+                </a:solidFill>
+                <a:uFill>
+                  <a:solidFill>
+                    <a:srgbClr val="ffffff"/>
+                  </a:solidFill>
+                </a:uFill>
+                <a:latin typeface="Calibri"/>
+              </a:rPr>
+              <a:t>「バインド」による構造変更</a:t>
+            </a:r>
+            <a:endParaRPr b="0" lang="en-US" sz="1800" spc="-1" strike="noStrike">
+              <a:solidFill>
+                <a:srgbClr val="000000"/>
+              </a:solidFill>
+              <a:uFill>
+                <a:solidFill>
+                  <a:srgbClr val="ffffff"/>
+                </a:solidFill>
+              </a:uFill>
+              <a:latin typeface="Arial"/>
+            </a:endParaRPr>
+          </a:p>
+          <a:p>
+            <a:pPr>
+              <a:lnSpc>
+                <a:spcPct val="100000"/>
+              </a:lnSpc>
+            </a:pPr>
+            <a:r>
+              <a:rPr b="0" lang="en-US" sz="1800" spc="-1" strike="noStrike">
+                <a:solidFill>
+                  <a:srgbClr val="000000"/>
+                </a:solidFill>
+                <a:uFill>
+                  <a:solidFill>
+                    <a:srgbClr val="ffffff"/>
+                  </a:solidFill>
+                </a:uFill>
+                <a:latin typeface="Calibri"/>
+              </a:rPr>
+              <a:t>- </a:t>
+            </a:r>
+            <a:r>
+              <a:rPr b="0" lang="en-US" sz="1800" spc="-1" strike="noStrike">
+                <a:solidFill>
+                  <a:srgbClr val="000000"/>
+                </a:solidFill>
+                <a:uFill>
+                  <a:solidFill>
+                    <a:srgbClr val="ffffff"/>
+                  </a:solidFill>
+                </a:uFill>
+                <a:latin typeface="Calibri"/>
+              </a:rPr>
+              <a:t>「オペレーション」による構造変更</a:t>
+            </a:r>
+            <a:endParaRPr b="0" lang="en-US" sz="1800" spc="-1" strike="noStrike">
+              <a:solidFill>
+                <a:srgbClr val="000000"/>
+              </a:solidFill>
+              <a:uFill>
+                <a:solidFill>
+                  <a:srgbClr val="ffffff"/>
+                </a:solidFill>
+              </a:uFill>
+              <a:latin typeface="Arial"/>
+            </a:endParaRPr>
+          </a:p>
+          <a:p>
+            <a:pPr>
+              <a:lnSpc>
+                <a:spcPct val="100000"/>
+              </a:lnSpc>
+            </a:pPr>
+            <a:r>
+              <a:rPr b="0" lang="en-US" sz="1800" spc="-1" strike="noStrike">
+                <a:solidFill>
+                  <a:srgbClr val="000000"/>
+                </a:solidFill>
+                <a:uFill>
+                  <a:solidFill>
+                    <a:srgbClr val="ffffff"/>
+                  </a:solidFill>
+                </a:uFill>
+                <a:latin typeface="Calibri"/>
+              </a:rPr>
+              <a:t>- </a:t>
+            </a:r>
+            <a:r>
+              <a:rPr b="0" lang="en-US" sz="1800" spc="-1" strike="noStrike">
+                <a:solidFill>
+                  <a:srgbClr val="000000"/>
+                </a:solidFill>
+                <a:uFill>
+                  <a:solidFill>
+                    <a:srgbClr val="ffffff"/>
+                  </a:solidFill>
+                </a:uFill>
+                <a:latin typeface="Calibri"/>
+              </a:rPr>
+              <a:t>内部構造変更</a:t>
+            </a:r>
+            <a:endParaRPr b="0" lang="en-US" sz="1800" spc="-1" strike="noStrike">
+              <a:solidFill>
+                <a:srgbClr val="000000"/>
+              </a:solidFill>
+              <a:uFill>
+                <a:solidFill>
+                  <a:srgbClr val="ffffff"/>
+                </a:solidFill>
+              </a:uFill>
+              <a:latin typeface="Arial"/>
+            </a:endParaRPr>
+          </a:p>
+          <a:p>
+            <a:pPr>
+              <a:lnSpc>
+                <a:spcPct val="100000"/>
+              </a:lnSpc>
+            </a:pPr>
+            <a:r>
+              <a:rPr b="0" lang="en-US" sz="1800" spc="-1" strike="noStrike">
+                <a:solidFill>
+                  <a:srgbClr val="000000"/>
+                </a:solidFill>
+                <a:uFill>
+                  <a:solidFill>
+                    <a:srgbClr val="ffffff"/>
+                  </a:solidFill>
+                </a:uFill>
+                <a:latin typeface="Calibri"/>
+              </a:rPr>
+              <a:t>- </a:t>
+            </a:r>
+            <a:r>
+              <a:rPr b="0" lang="en-US" sz="1800" spc="-1" strike="noStrike">
+                <a:solidFill>
+                  <a:srgbClr val="000000"/>
+                </a:solidFill>
+                <a:uFill>
+                  <a:solidFill>
+                    <a:srgbClr val="ffffff"/>
+                  </a:solidFill>
+                </a:uFill>
+                <a:latin typeface="Calibri"/>
+              </a:rPr>
+              <a:t>表現（</a:t>
+            </a:r>
+            <a:r>
+              <a:rPr b="0" lang="en-US" sz="1800" spc="-1" strike="noStrike">
+                <a:solidFill>
+                  <a:srgbClr val="000000"/>
+                </a:solidFill>
+                <a:uFill>
+                  <a:solidFill>
+                    <a:srgbClr val="ffffff"/>
+                  </a:solidFill>
+                </a:uFill>
+                <a:latin typeface="Calibri"/>
+              </a:rPr>
+              <a:t>print</a:t>
+            </a:r>
+            <a:r>
+              <a:rPr b="0" lang="en-US" sz="1800" spc="-1" strike="noStrike">
+                <a:solidFill>
+                  <a:srgbClr val="000000"/>
+                </a:solidFill>
+                <a:uFill>
+                  <a:solidFill>
+                    <a:srgbClr val="ffffff"/>
+                  </a:solidFill>
+                </a:uFill>
+                <a:latin typeface="Calibri"/>
+              </a:rPr>
+              <a:t>）による構造変更</a:t>
+            </a:r>
+            <a:endParaRPr b="0" lang="en-US" sz="1800" spc="-1" strike="noStrike">
+              <a:solidFill>
+                <a:srgbClr val="000000"/>
+              </a:solidFill>
+              <a:uFill>
+                <a:solidFill>
+                  <a:srgbClr val="ffffff"/>
+                </a:solidFill>
+              </a:uFill>
+              <a:latin typeface="Arial"/>
+            </a:endParaRPr>
+          </a:p>
+        </p:txBody>
+      </p:sp>
+      <p:sp>
+        <p:nvSpPr>
+          <p:cNvPr id="93" name="CustomShape 4"/>
+          <p:cNvSpPr/>
+          <p:nvPr/>
+        </p:nvSpPr>
+        <p:spPr>
+          <a:xfrm>
+            <a:off x="156240" y="1679400"/>
+            <a:ext cx="5796000" cy="912600"/>
+          </a:xfrm>
+          <a:prstGeom prst="rect">
+            <a:avLst/>
+          </a:prstGeom>
+          <a:noFill/>
+          <a:ln>
+            <a:noFill/>
+          </a:ln>
+        </p:spPr>
+        <p:style>
+          <a:lnRef idx="0"/>
+          <a:fillRef idx="0"/>
+          <a:effectRef idx="0"/>
+          <a:fontRef idx="minor"/>
+        </p:style>
+        <p:txBody>
+          <a:bodyPr wrap="none" lIns="90000" rIns="90000" tIns="45000" bIns="45000"/>
+          <a:p>
+            <a:pPr>
+              <a:lnSpc>
+                <a:spcPct val="100000"/>
+              </a:lnSpc>
+            </a:pPr>
+            <a:r>
+              <a:rPr b="0" lang="en-US" sz="1800" spc="-1" strike="noStrike">
+                <a:solidFill>
+                  <a:srgbClr val="000000"/>
+                </a:solidFill>
+                <a:uFill>
+                  <a:solidFill>
+                    <a:srgbClr val="ffffff"/>
+                  </a:solidFill>
+                </a:uFill>
+                <a:latin typeface="Calibri"/>
+              </a:rPr>
+              <a:t>- </a:t>
+            </a:r>
+            <a:r>
+              <a:rPr b="0" lang="en-US" sz="1800" spc="-1" strike="noStrike">
+                <a:solidFill>
+                  <a:srgbClr val="000000"/>
+                </a:solidFill>
+                <a:uFill>
+                  <a:solidFill>
+                    <a:srgbClr val="ffffff"/>
+                  </a:solidFill>
+                </a:uFill>
+                <a:latin typeface="Calibri"/>
+              </a:rPr>
+              <a:t>言語の木構造</a:t>
+            </a:r>
+            <a:endParaRPr b="0" lang="en-US" sz="1800" spc="-1" strike="noStrike">
+              <a:solidFill>
+                <a:srgbClr val="000000"/>
+              </a:solidFill>
+              <a:uFill>
+                <a:solidFill>
+                  <a:srgbClr val="ffffff"/>
+                </a:solidFill>
+              </a:uFill>
+              <a:latin typeface="Arial"/>
+            </a:endParaRPr>
+          </a:p>
+          <a:p>
+            <a:pPr>
+              <a:lnSpc>
+                <a:spcPct val="100000"/>
+              </a:lnSpc>
+            </a:pPr>
+            <a:r>
+              <a:rPr b="0" lang="en-US" sz="1800" spc="-1" strike="noStrike">
+                <a:solidFill>
+                  <a:srgbClr val="000000"/>
+                </a:solidFill>
+                <a:uFill>
+                  <a:solidFill>
+                    <a:srgbClr val="ffffff"/>
+                  </a:solidFill>
+                </a:uFill>
+                <a:latin typeface="Calibri"/>
+              </a:rPr>
+              <a:t>- </a:t>
+            </a:r>
+            <a:r>
+              <a:rPr b="0" lang="en-US" sz="1800" spc="-1" strike="noStrike">
+                <a:solidFill>
+                  <a:srgbClr val="000000"/>
+                </a:solidFill>
+                <a:uFill>
+                  <a:solidFill>
+                    <a:srgbClr val="ffffff"/>
+                  </a:solidFill>
+                </a:uFill>
+                <a:latin typeface="Calibri"/>
+              </a:rPr>
+              <a:t>「レファレンス」による、グラフ・均質化</a:t>
+            </a:r>
+            <a:r>
+              <a:rPr b="0" lang="en-US" sz="1800" spc="-1" strike="noStrike">
+                <a:solidFill>
+                  <a:srgbClr val="000000"/>
+                </a:solidFill>
+                <a:uFill>
+                  <a:solidFill>
+                    <a:srgbClr val="ffffff"/>
+                  </a:solidFill>
+                </a:uFill>
+                <a:latin typeface="Calibri"/>
+              </a:rPr>
+              <a:t>2</a:t>
+            </a:r>
+            <a:r>
+              <a:rPr b="0" lang="en-US" sz="1800" spc="-1" strike="noStrike">
+                <a:solidFill>
+                  <a:srgbClr val="000000"/>
+                </a:solidFill>
+                <a:uFill>
+                  <a:solidFill>
+                    <a:srgbClr val="ffffff"/>
+                  </a:solidFill>
+                </a:uFill>
+                <a:latin typeface="Calibri"/>
+              </a:rPr>
+              <a:t>部グラフ </a:t>
+            </a:r>
+            <a:endParaRPr b="0" lang="en-US" sz="1800" spc="-1" strike="noStrike">
+              <a:solidFill>
+                <a:srgbClr val="000000"/>
+              </a:solidFill>
+              <a:uFill>
+                <a:solidFill>
+                  <a:srgbClr val="ffffff"/>
+                </a:solidFill>
+              </a:uFill>
+              <a:latin typeface="Arial"/>
+            </a:endParaRPr>
+          </a:p>
+          <a:p>
+            <a:pPr>
+              <a:lnSpc>
+                <a:spcPct val="100000"/>
+              </a:lnSpc>
+            </a:pPr>
+            <a:r>
+              <a:rPr b="0" lang="en-US" sz="1800" spc="-1" strike="noStrike">
+                <a:solidFill>
+                  <a:srgbClr val="000000"/>
+                </a:solidFill>
+                <a:uFill>
+                  <a:solidFill>
+                    <a:srgbClr val="ffffff"/>
+                  </a:solidFill>
+                </a:uFill>
+                <a:latin typeface="Calibri"/>
+              </a:rPr>
               <a:t>  </a:t>
             </a:r>
             <a:r>
@@ -12415,21 +13345,21 @@
                 </a:uFill>
                 <a:latin typeface="Calibri"/>
               </a:rPr>
-              <a:t>- </a:t>
-            </a:r>
-            <a:r>
-              <a:rPr b="0" lang="en-US" sz="1800" spc="-1" strike="noStrike">
-                <a:solidFill>
-                  <a:srgbClr val="000000"/>
-                </a:solidFill>
-                <a:uFill>
-                  <a:solidFill>
-                    <a:srgbClr val="ffffff"/>
-                  </a:solidFill>
-                </a:uFill>
-                <a:latin typeface="Calibri"/>
-              </a:rPr>
-              <a:t>グラフおよび均質化２部グラフ構造を表すための表現</a:t>
+              <a:t>=&gt; </a:t>
+            </a:r>
+            <a:r>
+              <a:rPr b="0" lang="en-US" sz="1800" spc="-1" strike="noStrike">
+                <a:solidFill>
+                  <a:srgbClr val="000000"/>
+                </a:solidFill>
+                <a:uFill>
+                  <a:solidFill>
+                    <a:srgbClr val="ffffff"/>
+                  </a:solidFill>
+                </a:uFill>
+                <a:latin typeface="Calibri"/>
+              </a:rPr>
+              <a:t>言語によって表される知識構造</a:t>
             </a:r>
             <a:endParaRPr b="0" lang="en-US" sz="1800" spc="-1" strike="noStrike">
               <a:solidFill>
@@ -12443,113 +13373,54 @@
               <a:latin typeface="Arial"/>
             </a:endParaRPr>
           </a:p>
-          <a:p>
-            <a:pPr>
-              <a:lnSpc>
-                <a:spcPct val="100000"/>
-              </a:lnSpc>
-            </a:pPr>
-            <a:r>
-              <a:rPr b="0" lang="en-US" sz="1800" spc="-1" strike="noStrike">
-                <a:solidFill>
-                  <a:srgbClr val="000000"/>
-                </a:solidFill>
-                <a:uFill>
-                  <a:solidFill>
-                    <a:srgbClr val="ffffff"/>
-                  </a:solidFill>
-                </a:uFill>
-                <a:latin typeface="Calibri"/>
-              </a:rPr>
-              <a:t>  </a:t>
-            </a:r>
-            <a:r>
-              <a:rPr b="0" lang="en-US" sz="1800" spc="-1" strike="noStrike">
-                <a:solidFill>
-                  <a:srgbClr val="000000"/>
-                </a:solidFill>
-                <a:uFill>
-                  <a:solidFill>
-                    <a:srgbClr val="ffffff"/>
-                  </a:solidFill>
-                </a:uFill>
-                <a:latin typeface="Calibri"/>
-              </a:rPr>
-              <a:t>- </a:t>
-            </a:r>
-            <a:r>
-              <a:rPr b="0" lang="en-US" sz="1800" spc="-1" strike="noStrike">
-                <a:solidFill>
-                  <a:srgbClr val="000000"/>
-                </a:solidFill>
-                <a:uFill>
-                  <a:solidFill>
-                    <a:srgbClr val="ffffff"/>
-                  </a:solidFill>
-                </a:uFill>
-                <a:latin typeface="Calibri"/>
-              </a:rPr>
-              <a:t>項レファレンス</a:t>
-            </a:r>
-            <a:endParaRPr b="0" lang="en-US" sz="1800" spc="-1" strike="noStrike">
-              <a:solidFill>
-                <a:srgbClr val="000000"/>
-              </a:solidFill>
-              <a:uFill>
-                <a:solidFill>
-                  <a:srgbClr val="ffffff"/>
-                </a:solidFill>
-              </a:uFill>
-              <a:latin typeface="Arial"/>
-            </a:endParaRPr>
-          </a:p>
-          <a:p>
-            <a:pPr>
-              <a:lnSpc>
-                <a:spcPct val="100000"/>
-              </a:lnSpc>
-            </a:pPr>
-            <a:r>
-              <a:rPr b="0" lang="en-US" sz="1800" spc="-1" strike="noStrike">
-                <a:solidFill>
-                  <a:srgbClr val="000000"/>
-                </a:solidFill>
-                <a:uFill>
-                  <a:solidFill>
-                    <a:srgbClr val="ffffff"/>
-                  </a:solidFill>
-                </a:uFill>
-                <a:latin typeface="Calibri"/>
-              </a:rPr>
-              <a:t>  </a:t>
-            </a:r>
-            <a:r>
-              <a:rPr b="0" lang="en-US" sz="1800" spc="-1" strike="noStrike">
-                <a:solidFill>
-                  <a:srgbClr val="000000"/>
-                </a:solidFill>
-                <a:uFill>
-                  <a:solidFill>
-                    <a:srgbClr val="ffffff"/>
-                  </a:solidFill>
-                </a:uFill>
-                <a:latin typeface="Calibri"/>
-              </a:rPr>
-              <a:t>- </a:t>
-            </a:r>
-            <a:r>
-              <a:rPr b="0" lang="en-US" sz="1800" spc="-1" strike="noStrike">
-                <a:solidFill>
-                  <a:srgbClr val="000000"/>
-                </a:solidFill>
-                <a:uFill>
-                  <a:solidFill>
-                    <a:srgbClr val="ffffff"/>
-                  </a:solidFill>
-                </a:uFill>
-                <a:latin typeface="Calibri"/>
-              </a:rPr>
-              <a:t>木レファレンス</a:t>
+        </p:txBody>
+      </p:sp>
+      <p:sp>
+        <p:nvSpPr>
+          <p:cNvPr id="94" name="CustomShape 5"/>
+          <p:cNvSpPr/>
+          <p:nvPr/>
+        </p:nvSpPr>
+        <p:spPr>
+          <a:xfrm>
+            <a:off x="0" y="3600000"/>
+            <a:ext cx="4523040" cy="364680"/>
+          </a:xfrm>
+          <a:prstGeom prst="rect">
+            <a:avLst/>
+          </a:prstGeom>
+          <a:noFill/>
+          <a:ln>
+            <a:noFill/>
+          </a:ln>
+        </p:spPr>
+        <p:style>
+          <a:lnRef idx="0"/>
+          <a:fillRef idx="0"/>
+          <a:effectRef idx="0"/>
+          <a:fontRef idx="minor"/>
+        </p:style>
+        <p:txBody>
+          <a:bodyPr wrap="none" lIns="90000" rIns="90000" tIns="45000" bIns="45000"/>
+          <a:p>
+            <a:pPr>
+              <a:lnSpc>
+                <a:spcPct val="100000"/>
+              </a:lnSpc>
+            </a:pPr>
+            <a:r>
+              <a:rPr b="0" lang="en-US" sz="1800" spc="-1" strike="noStrike">
+                <a:solidFill>
+                  <a:srgbClr val="000000"/>
+                </a:solidFill>
+                <a:uFill>
+                  <a:solidFill>
+                    <a:srgbClr val="ffffff"/>
+                  </a:solidFill>
+                </a:uFill>
+                <a:latin typeface="Calibri"/>
+              </a:rPr>
+              <a:t>データ構造の変更（言語の表現評価系）：</a:t>
             </a:r>
             <a:endParaRPr b="0" lang="en-US" sz="1800" spc="-1" strike="noStrike">
               <a:solidFill>
@@ -12616,14 +13487,14 @@
       </p:grpSpPr>
       <p:sp>
         <p:nvSpPr>
-          <p:cNvPr id="98" name="CustomShape 1"/>
+          <p:cNvPr id="95" name="CustomShape 1"/>
           <p:cNvSpPr/>
           <p:nvPr/>
         </p:nvSpPr>
         <p:spPr>
           <a:xfrm>
-            <a:off x="240480" y="4126680"/>
-            <a:ext cx="2901600" cy="1735560"/>
+            <a:off x="223200" y="4126680"/>
+            <a:ext cx="3151440" cy="1186920"/>
           </a:xfrm>
           <a:prstGeom prst="rect">
             <a:avLst/>
@@ -12659,21 +13530,35 @@
                 </a:uFill>
                 <a:latin typeface="Calibri"/>
               </a:rPr>
-              <a:t>- ex.1</a:t>
-            </a:r>
-            <a:r>
-              <a:rPr b="0" lang="en-US" sz="1800" spc="-1" strike="noStrike">
-                <a:solidFill>
-                  <a:srgbClr val="000000"/>
-                </a:solidFill>
-                <a:uFill>
-                  <a:solidFill>
-                    <a:srgbClr val="ffffff"/>
-                  </a:solidFill>
-                </a:uFill>
-                <a:latin typeface="Calibri"/>
-              </a:rPr>
-              <a:t>：</a:t>
+              <a:t>  </a:t>
+            </a:r>
+            <a:r>
+              <a:rPr b="0" lang="en-US" sz="1800" spc="-1" strike="noStrike">
+                <a:solidFill>
+                  <a:srgbClr val="000000"/>
+                </a:solidFill>
+                <a:uFill>
+                  <a:solidFill>
+                    <a:srgbClr val="ffffff"/>
+                  </a:solidFill>
+                </a:uFill>
+                <a:latin typeface="Calibri"/>
+              </a:rPr>
+              <a:t>- </a:t>
+            </a:r>
+            <a:r>
+              <a:rPr b="0" lang="en-US" sz="1800" spc="-1" strike="noStrike">
+                <a:solidFill>
+                  <a:srgbClr val="000000"/>
+                </a:solidFill>
+                <a:uFill>
+                  <a:solidFill>
+                    <a:srgbClr val="ffffff"/>
+                  </a:solidFill>
+                </a:uFill>
+                <a:latin typeface="Calibri"/>
+              </a:rPr>
+              <a:t>項レファレンス：</a:t>
             </a:r>
             <a:endParaRPr b="0" lang="en-US" sz="1800" spc="-1" strike="noStrike">
               <a:solidFill>
@@ -12705,6 +13590,52 @@
                 </a:uFill>
                 <a:latin typeface="Calibri"/>
               </a:rPr>
+              <a:t>    </a:t>
+            </a:r>
+            <a:r>
+              <a:rPr b="0" lang="en-US" sz="1800" spc="-1" strike="noStrike">
+                <a:solidFill>
+                  <a:srgbClr val="000000"/>
+                </a:solidFill>
+                <a:uFill>
+                  <a:solidFill>
+                    <a:srgbClr val="ffffff"/>
+                  </a:solidFill>
+                </a:uFill>
+                <a:latin typeface="Calibri"/>
+              </a:rPr>
+              <a:t>#1($#1) =&gt; #1($#1@#1)</a:t>
+            </a:r>
+            <a:endParaRPr b="0" lang="en-US" sz="1800" spc="-1" strike="noStrike">
+              <a:solidFill>
+                <a:srgbClr val="000000"/>
+              </a:solidFill>
+              <a:uFill>
+                <a:solidFill>
+                  <a:srgbClr val="ffffff"/>
+                </a:solidFill>
+              </a:uFill>
+              <a:latin typeface="Arial"/>
+            </a:endParaRPr>
+          </a:p>
+          <a:p>
+            <a:pPr>
+              <a:lnSpc>
+                <a:spcPct val="100000"/>
+              </a:lnSpc>
+            </a:pPr>
+            <a:r>
+              <a:rPr b="0" lang="en-US" sz="1800" spc="-1" strike="noStrike">
+                <a:solidFill>
+                  <a:srgbClr val="000000"/>
+                </a:solidFill>
+                <a:uFill>
+                  <a:solidFill>
+                    <a:srgbClr val="ffffff"/>
+                  </a:solidFill>
+                </a:uFill>
+                <a:latin typeface="Calibri"/>
+              </a:rPr>
               <a:t>  </a:t>
             </a:r>
             <a:r>
@@ -12719,7 +13650,21 @@
                 </a:uFill>
                 <a:latin typeface="Calibri"/>
               </a:rPr>
-              <a:t>[1] =&gt; [1]%(A)</a:t>
+              <a:t>- </a:t>
+            </a:r>
+            <a:r>
+              <a:rPr b="0" lang="en-US" sz="1800" spc="-1" strike="noStrike">
+                <a:solidFill>
+                  <a:srgbClr val="000000"/>
+                </a:solidFill>
+                <a:uFill>
+                  <a:solidFill>
+                    <a:srgbClr val="ffffff"/>
+                  </a:solidFill>
+                </a:uFill>
+                <a:latin typeface="Calibri"/>
+              </a:rPr>
+              <a:t>木レファレンス：</a:t>
             </a:r>
             <a:endParaRPr b="0" lang="en-US" sz="1800" spc="-1" strike="noStrike">
               <a:solidFill>
@@ -12751,159 +13696,21 @@
                 </a:uFill>
                 <a:latin typeface="Calibri"/>
               </a:rPr>
-              <a:t>- ex.2</a:t>
-            </a:r>
-            <a:r>
-              <a:rPr b="0" lang="en-US" sz="1800" spc="-1" strike="noStrike">
-                <a:solidFill>
-                  <a:srgbClr val="000000"/>
-                </a:solidFill>
-                <a:uFill>
-                  <a:solidFill>
-                    <a:srgbClr val="ffffff"/>
-                  </a:solidFill>
-                </a:uFill>
-                <a:latin typeface="Calibri"/>
-              </a:rPr>
-              <a:t>：</a:t>
-            </a:r>
-            <a:endParaRPr b="0" lang="en-US" sz="1800" spc="-1" strike="noStrike">
-              <a:solidFill>
-                <a:srgbClr val="000000"/>
-              </a:solidFill>
-              <a:uFill>
-                <a:solidFill>
-                  <a:srgbClr val="ffffff"/>
-                </a:solidFill>
-              </a:uFill>
-              <a:latin typeface="Arial"/>
-            </a:endParaRPr>
-          </a:p>
-          <a:p>
-            <a:pPr>
-              <a:lnSpc>
-                <a:spcPct val="100000"/>
-              </a:lnSpc>
-            </a:pPr>
-            <a:r>
-              <a:rPr b="0" lang="en-US" sz="1800" spc="-1" strike="noStrike">
-                <a:solidFill>
-                  <a:srgbClr val="000000"/>
-                </a:solidFill>
-                <a:uFill>
-                  <a:solidFill>
-                    <a:srgbClr val="ffffff"/>
-                  </a:solidFill>
-                </a:uFill>
-                <a:latin typeface="Calibri"/>
-              </a:rPr>
-              <a:t>  </a:t>
-            </a:r>
-            <a:r>
-              <a:rPr b="0" lang="en-US" sz="1800" spc="-1" strike="noStrike">
-                <a:solidFill>
-                  <a:srgbClr val="000000"/>
-                </a:solidFill>
-                <a:uFill>
-                  <a:solidFill>
-                    <a:srgbClr val="ffffff"/>
-                  </a:solidFill>
-                </a:uFill>
-                <a:latin typeface="Calibri"/>
-              </a:rPr>
-              <a:t>[2] =&gt; [2]%(A,B)</a:t>
-            </a:r>
-            <a:endParaRPr b="0" lang="en-US" sz="1800" spc="-1" strike="noStrike">
-              <a:solidFill>
-                <a:srgbClr val="000000"/>
-              </a:solidFill>
-              <a:uFill>
-                <a:solidFill>
-                  <a:srgbClr val="ffffff"/>
-                </a:solidFill>
-              </a:uFill>
-              <a:latin typeface="Arial"/>
-            </a:endParaRPr>
-          </a:p>
-          <a:p>
-            <a:pPr>
-              <a:lnSpc>
-                <a:spcPct val="100000"/>
-              </a:lnSpc>
-            </a:pPr>
-            <a:r>
-              <a:rPr b="0" lang="en-US" sz="1800" spc="-1" strike="noStrike">
-                <a:solidFill>
-                  <a:srgbClr val="000000"/>
-                </a:solidFill>
-                <a:uFill>
-                  <a:solidFill>
-                    <a:srgbClr val="ffffff"/>
-                  </a:solidFill>
-                </a:uFill>
-                <a:latin typeface="Calibri"/>
-              </a:rPr>
-              <a:t>- ex.3</a:t>
-            </a:r>
-            <a:r>
-              <a:rPr b="0" lang="en-US" sz="1800" spc="-1" strike="noStrike">
-                <a:solidFill>
-                  <a:srgbClr val="000000"/>
-                </a:solidFill>
-                <a:uFill>
-                  <a:solidFill>
-                    <a:srgbClr val="ffffff"/>
-                  </a:solidFill>
-                </a:uFill>
-                <a:latin typeface="Calibri"/>
-              </a:rPr>
-              <a:t>：</a:t>
-            </a:r>
-            <a:endParaRPr b="0" lang="en-US" sz="1800" spc="-1" strike="noStrike">
-              <a:solidFill>
-                <a:srgbClr val="000000"/>
-              </a:solidFill>
-              <a:uFill>
-                <a:solidFill>
-                  <a:srgbClr val="ffffff"/>
-                </a:solidFill>
-              </a:uFill>
-              <a:latin typeface="Arial"/>
-            </a:endParaRPr>
-          </a:p>
-          <a:p>
-            <a:pPr>
-              <a:lnSpc>
-                <a:spcPct val="100000"/>
-              </a:lnSpc>
-            </a:pPr>
-            <a:r>
-              <a:rPr b="0" lang="en-US" sz="1800" spc="-1" strike="noStrike">
-                <a:solidFill>
-                  <a:srgbClr val="000000"/>
-                </a:solidFill>
-                <a:uFill>
-                  <a:solidFill>
-                    <a:srgbClr val="ffffff"/>
-                  </a:solidFill>
-                </a:uFill>
-                <a:latin typeface="Calibri"/>
-              </a:rPr>
-              <a:t>  </a:t>
-            </a:r>
-            <a:r>
-              <a:rPr b="0" lang="en-US" sz="1800" spc="-1" strike="noStrike">
-                <a:solidFill>
-                  <a:srgbClr val="000000"/>
-                </a:solidFill>
-                <a:uFill>
-                  <a:solidFill>
-                    <a:srgbClr val="ffffff"/>
-                  </a:solidFill>
-                </a:uFill>
-                <a:latin typeface="Calibri"/>
-              </a:rPr>
-              <a:t>[2]([2]) =&gt; [2]([2])%(A,B,C,D)</a:t>
+              <a:t>    </a:t>
+            </a:r>
+            <a:r>
+              <a:rPr b="0" lang="en-US" sz="1800" spc="-1" strike="noStrike">
+                <a:solidFill>
+                  <a:srgbClr val="000000"/>
+                </a:solidFill>
+                <a:uFill>
+                  <a:solidFill>
+                    <a:srgbClr val="ffffff"/>
+                  </a:solidFill>
+                </a:uFill>
+                <a:latin typeface="Calibri"/>
+              </a:rPr>
+              <a:t>$##1(##1) =&gt; $##1@##1(##1)</a:t>
             </a:r>
             <a:endParaRPr b="0" lang="en-US" sz="1800" spc="-1" strike="noStrike">
               <a:solidFill>
@@ -12921,14 +13728,14 @@
       </p:sp>
       <p:sp>
         <p:nvSpPr>
-          <p:cNvPr id="99" name="CustomShape 2"/>
+          <p:cNvPr id="96" name="CustomShape 2"/>
           <p:cNvSpPr/>
           <p:nvPr/>
         </p:nvSpPr>
         <p:spPr>
           <a:xfrm>
-            <a:off x="174240" y="3766320"/>
-            <a:ext cx="1781280" cy="364680"/>
+            <a:off x="60840" y="3766320"/>
+            <a:ext cx="2008440" cy="364680"/>
           </a:xfrm>
           <a:prstGeom prst="rect">
             <a:avLst/>
@@ -12964,7 +13771,7 @@
                 </a:uFill>
                 <a:latin typeface="Calibri"/>
               </a:rPr>
-              <a:t>バインドの例：</a:t>
+              <a:t>レファレンス例：</a:t>
             </a:r>
             <a:endParaRPr b="0" lang="en-US" sz="1800" spc="-1" strike="noStrike">
               <a:solidFill>
@@ -12982,7 +13789,7 @@
       </p:sp>
       <p:sp>
         <p:nvSpPr>
-          <p:cNvPr id="100" name="CustomShape 3"/>
+          <p:cNvPr id="97" name="CustomShape 3"/>
           <p:cNvSpPr/>
           <p:nvPr/>
         </p:nvSpPr>
@@ -13043,14 +13850,14 @@
       </p:sp>
       <p:sp>
         <p:nvSpPr>
-          <p:cNvPr id="101" name="CustomShape 4"/>
+          <p:cNvPr id="98" name="CustomShape 4"/>
           <p:cNvSpPr/>
           <p:nvPr/>
         </p:nvSpPr>
         <p:spPr>
           <a:xfrm>
-            <a:off x="180000" y="1296000"/>
-            <a:ext cx="2009880" cy="364680"/>
+            <a:off x="95400" y="1296000"/>
+            <a:ext cx="2467080" cy="364680"/>
           </a:xfrm>
           <a:prstGeom prst="rect">
             <a:avLst/>
@@ -13086,7 +13893,7 @@
                 </a:uFill>
                 <a:latin typeface="Calibri"/>
               </a:rPr>
-              <a:t>バインドの定義：</a:t>
+              <a:t>レファレンスの定義：</a:t>
             </a:r>
             <a:endParaRPr b="0" lang="en-US" sz="1800" spc="-1" strike="noStrike">
               <a:solidFill>
@@ -13104,14 +13911,14 @@
       </p:sp>
       <p:sp>
         <p:nvSpPr>
-          <p:cNvPr id="102" name="CustomShape 5"/>
+          <p:cNvPr id="99" name="CustomShape 5"/>
           <p:cNvSpPr/>
           <p:nvPr/>
         </p:nvSpPr>
         <p:spPr>
           <a:xfrm>
-            <a:off x="357480" y="1678680"/>
-            <a:ext cx="5560920" cy="913320"/>
+            <a:off x="299520" y="1678680"/>
+            <a:ext cx="5893200" cy="913320"/>
           </a:xfrm>
           <a:prstGeom prst="rect">
             <a:avLst/>
@@ -13147,6 +13954,20 @@
                 </a:uFill>
                 <a:latin typeface="Calibri"/>
               </a:rPr>
+              <a:t>  </a:t>
+            </a:r>
+            <a:r>
+              <a:rPr b="0" lang="en-US" sz="1800" spc="-1" strike="noStrike">
+                <a:solidFill>
+                  <a:srgbClr val="000000"/>
+                </a:solidFill>
+                <a:uFill>
+                  <a:solidFill>
+                    <a:srgbClr val="ffffff"/>
+                  </a:solidFill>
+                </a:uFill>
+                <a:latin typeface="Calibri"/>
+              </a:rPr>
               <a:t>- </a:t>
             </a:r>
             <a:r>
@@ -13161,7 +13982,7 @@
                 </a:uFill>
                 <a:latin typeface="Calibri"/>
               </a:rPr>
-              <a:t>構造（ノード）に「値」をバインドするための表現</a:t>
+              <a:t>グラフおよび均質化２部グラフ構造を表すための表現</a:t>
             </a:r>
             <a:endParaRPr b="0" lang="en-US" sz="1800" spc="-1" strike="noStrike">
               <a:solidFill>
@@ -13193,6 +14014,20 @@
                 </a:uFill>
                 <a:latin typeface="Calibri"/>
               </a:rPr>
+              <a:t>  </a:t>
+            </a:r>
+            <a:r>
+              <a:rPr b="0" lang="en-US" sz="1800" spc="-1" strike="noStrike">
+                <a:solidFill>
+                  <a:srgbClr val="000000"/>
+                </a:solidFill>
+                <a:uFill>
+                  <a:solidFill>
+                    <a:srgbClr val="ffffff"/>
+                  </a:solidFill>
+                </a:uFill>
+                <a:latin typeface="Calibri"/>
+              </a:rPr>
               <a:t>- </a:t>
             </a:r>
             <a:r>
@@ -13207,7 +14042,7 @@
                 </a:uFill>
                 <a:latin typeface="Calibri"/>
               </a:rPr>
-              <a:t>対象はリーフノードのみ</a:t>
+              <a:t>項レファレンス</a:t>
             </a:r>
             <a:endParaRPr b="0" lang="en-US" sz="1800" spc="-1" strike="noStrike">
               <a:solidFill>
@@ -13239,6 +14074,20 @@
                 </a:uFill>
                 <a:latin typeface="Calibri"/>
               </a:rPr>
+              <a:t>  </a:t>
+            </a:r>
+            <a:r>
+              <a:rPr b="0" lang="en-US" sz="1800" spc="-1" strike="noStrike">
+                <a:solidFill>
+                  <a:srgbClr val="000000"/>
+                </a:solidFill>
+                <a:uFill>
+                  <a:solidFill>
+                    <a:srgbClr val="ffffff"/>
+                  </a:solidFill>
+                </a:uFill>
+                <a:latin typeface="Calibri"/>
+              </a:rPr>
               <a:t>- </a:t>
             </a:r>
             <a:r>
@@ -13253,7 +14102,7 @@
                 </a:uFill>
                 <a:latin typeface="Calibri"/>
               </a:rPr>
-              <a:t>配列サイズは上位のノードから引き継がれる</a:t>
+              <a:t>木レファレンス</a:t>
             </a:r>
             <a:endParaRPr b="0" lang="en-US" sz="1800" spc="-1" strike="noStrike">
               <a:solidFill>
@@ -13320,14 +14169,14 @@
       </p:grpSpPr>
       <p:sp>
         <p:nvSpPr>
-          <p:cNvPr id="103" name="CustomShape 1"/>
+          <p:cNvPr id="100" name="CustomShape 1"/>
           <p:cNvSpPr/>
           <p:nvPr/>
         </p:nvSpPr>
         <p:spPr>
           <a:xfrm>
-            <a:off x="281520" y="4114800"/>
-            <a:ext cx="5703840" cy="1187640"/>
+            <a:off x="240480" y="4126680"/>
+            <a:ext cx="2901600" cy="1735560"/>
           </a:xfrm>
           <a:prstGeom prst="rect">
             <a:avLst/>
@@ -13363,49 +14212,21 @@
                 </a:uFill>
                 <a:latin typeface="Calibri"/>
               </a:rPr>
-              <a:t>- CSV</a:t>
-            </a:r>
-            <a:r>
-              <a:rPr b="0" lang="en-US" sz="1800" spc="-1" strike="noStrike">
-                <a:solidFill>
-                  <a:srgbClr val="000000"/>
-                </a:solidFill>
-                <a:uFill>
-                  <a:solidFill>
-                    <a:srgbClr val="ffffff"/>
-                  </a:solidFill>
-                </a:uFill>
-                <a:latin typeface="Calibri"/>
-              </a:rPr>
-              <a:t>から</a:t>
-            </a:r>
-            <a:r>
-              <a:rPr b="0" lang="en-US" sz="1800" spc="-1" strike="noStrike">
-                <a:solidFill>
-                  <a:srgbClr val="000000"/>
-                </a:solidFill>
-                <a:uFill>
-                  <a:solidFill>
-                    <a:srgbClr val="ffffff"/>
-                  </a:solidFill>
-                </a:uFill>
-                <a:latin typeface="Calibri"/>
-              </a:rPr>
-              <a:t>NS3</a:t>
-            </a:r>
-            <a:r>
-              <a:rPr b="0" lang="en-US" sz="1800" spc="-1" strike="noStrike">
-                <a:solidFill>
-                  <a:srgbClr val="000000"/>
-                </a:solidFill>
-                <a:uFill>
-                  <a:solidFill>
-                    <a:srgbClr val="ffffff"/>
-                  </a:solidFill>
-                </a:uFill>
-                <a:latin typeface="Calibri"/>
-              </a:rPr>
-              <a:t>形式への変換</a:t>
+              <a:t>- ex.1</a:t>
+            </a:r>
+            <a:r>
+              <a:rPr b="0" lang="en-US" sz="1800" spc="-1" strike="noStrike">
+                <a:solidFill>
+                  <a:srgbClr val="000000"/>
+                </a:solidFill>
+                <a:uFill>
+                  <a:solidFill>
+                    <a:srgbClr val="ffffff"/>
+                  </a:solidFill>
+                </a:uFill>
+                <a:latin typeface="Calibri"/>
+              </a:rPr>
+              <a:t>：</a:t>
             </a:r>
             <a:endParaRPr b="0" lang="en-US" sz="1800" spc="-1" strike="noStrike">
               <a:solidFill>
@@ -13437,49 +14258,21 @@
                 </a:uFill>
                 <a:latin typeface="Calibri"/>
               </a:rPr>
-              <a:t>- </a:t>
-            </a:r>
-            <a:r>
-              <a:rPr b="0" lang="en-US" sz="1800" spc="-1" strike="noStrike">
-                <a:solidFill>
-                  <a:srgbClr val="000000"/>
-                </a:solidFill>
-                <a:uFill>
-                  <a:solidFill>
-                    <a:srgbClr val="ffffff"/>
-                  </a:solidFill>
-                </a:uFill>
-                <a:latin typeface="Calibri"/>
-              </a:rPr>
-              <a:t>複数</a:t>
-            </a:r>
-            <a:r>
-              <a:rPr b="0" lang="en-US" sz="1800" spc="-1" strike="noStrike">
-                <a:solidFill>
-                  <a:srgbClr val="000000"/>
-                </a:solidFill>
-                <a:uFill>
-                  <a:solidFill>
-                    <a:srgbClr val="ffffff"/>
-                  </a:solidFill>
-                </a:uFill>
-                <a:latin typeface="Calibri"/>
-              </a:rPr>
-              <a:t>CSV</a:t>
-            </a:r>
-            <a:r>
-              <a:rPr b="0" lang="en-US" sz="1800" spc="-1" strike="noStrike">
-                <a:solidFill>
-                  <a:srgbClr val="000000"/>
-                </a:solidFill>
-                <a:uFill>
-                  <a:solidFill>
-                    <a:srgbClr val="ffffff"/>
-                  </a:solidFill>
-                </a:uFill>
-                <a:latin typeface="Calibri"/>
-              </a:rPr>
-              <a:t>ファイルの統合</a:t>
+              <a:t>  </a:t>
+            </a:r>
+            <a:r>
+              <a:rPr b="0" lang="en-US" sz="1800" spc="-1" strike="noStrike">
+                <a:solidFill>
+                  <a:srgbClr val="000000"/>
+                </a:solidFill>
+                <a:uFill>
+                  <a:solidFill>
+                    <a:srgbClr val="ffffff"/>
+                  </a:solidFill>
+                </a:uFill>
+                <a:latin typeface="Calibri"/>
+              </a:rPr>
+              <a:t>[1] =&gt; [1]%(A)</a:t>
             </a:r>
             <a:endParaRPr b="0" lang="en-US" sz="1800" spc="-1" strike="noStrike">
               <a:solidFill>
@@ -13511,63 +14304,21 @@
                 </a:uFill>
                 <a:latin typeface="Calibri"/>
               </a:rPr>
-              <a:t>　　（複数</a:t>
-            </a:r>
-            <a:r>
-              <a:rPr b="0" lang="en-US" sz="1800" spc="-1" strike="noStrike">
-                <a:solidFill>
-                  <a:srgbClr val="000000"/>
-                </a:solidFill>
-                <a:uFill>
-                  <a:solidFill>
-                    <a:srgbClr val="ffffff"/>
-                  </a:solidFill>
-                </a:uFill>
-                <a:latin typeface="Calibri"/>
-              </a:rPr>
-              <a:t>CSV</a:t>
-            </a:r>
-            <a:r>
-              <a:rPr b="0" lang="en-US" sz="1800" spc="-1" strike="noStrike">
-                <a:solidFill>
-                  <a:srgbClr val="000000"/>
-                </a:solidFill>
-                <a:uFill>
-                  <a:solidFill>
-                    <a:srgbClr val="ffffff"/>
-                  </a:solidFill>
-                </a:uFill>
-                <a:latin typeface="Calibri"/>
-              </a:rPr>
-              <a:t>ファイルから一つの</a:t>
-            </a:r>
-            <a:r>
-              <a:rPr b="0" lang="en-US" sz="1800" spc="-1" strike="noStrike">
-                <a:solidFill>
-                  <a:srgbClr val="000000"/>
-                </a:solidFill>
-                <a:uFill>
-                  <a:solidFill>
-                    <a:srgbClr val="ffffff"/>
-                  </a:solidFill>
-                </a:uFill>
-                <a:latin typeface="Calibri"/>
-              </a:rPr>
-              <a:t>NS3</a:t>
-            </a:r>
-            <a:r>
-              <a:rPr b="0" lang="en-US" sz="1800" spc="-1" strike="noStrike">
-                <a:solidFill>
-                  <a:srgbClr val="000000"/>
-                </a:solidFill>
-                <a:uFill>
-                  <a:solidFill>
-                    <a:srgbClr val="ffffff"/>
-                  </a:solidFill>
-                </a:uFill>
-                <a:latin typeface="Calibri"/>
-              </a:rPr>
-              <a:t>形式への変換）</a:t>
+              <a:t>- ex.2</a:t>
+            </a:r>
+            <a:r>
+              <a:rPr b="0" lang="en-US" sz="1800" spc="-1" strike="noStrike">
+                <a:solidFill>
+                  <a:srgbClr val="000000"/>
+                </a:solidFill>
+                <a:uFill>
+                  <a:solidFill>
+                    <a:srgbClr val="ffffff"/>
+                  </a:solidFill>
+                </a:uFill>
+                <a:latin typeface="Calibri"/>
+              </a:rPr>
+              <a:t>：</a:t>
             </a:r>
             <a:endParaRPr b="0" lang="en-US" sz="1800" spc="-1" strike="noStrike">
               <a:solidFill>
@@ -13599,49 +14350,113 @@
                 </a:uFill>
                 <a:latin typeface="Calibri"/>
               </a:rPr>
-              <a:t>- </a:t>
-            </a:r>
-            <a:r>
-              <a:rPr b="0" lang="en-US" sz="1800" spc="-1" strike="noStrike">
-                <a:solidFill>
-                  <a:srgbClr val="000000"/>
-                </a:solidFill>
-                <a:uFill>
-                  <a:solidFill>
-                    <a:srgbClr val="ffffff"/>
-                  </a:solidFill>
-                </a:uFill>
-                <a:latin typeface="Calibri"/>
-              </a:rPr>
-              <a:t>辞書と</a:t>
-            </a:r>
-            <a:r>
-              <a:rPr b="0" lang="en-US" sz="1800" spc="-1" strike="noStrike">
-                <a:solidFill>
-                  <a:srgbClr val="000000"/>
-                </a:solidFill>
-                <a:uFill>
-                  <a:solidFill>
-                    <a:srgbClr val="ffffff"/>
-                  </a:solidFill>
-                </a:uFill>
-                <a:latin typeface="Calibri"/>
-              </a:rPr>
-              <a:t>CSV</a:t>
-            </a:r>
-            <a:r>
-              <a:rPr b="0" lang="en-US" sz="1800" spc="-1" strike="noStrike">
-                <a:solidFill>
-                  <a:srgbClr val="000000"/>
-                </a:solidFill>
-                <a:uFill>
-                  <a:solidFill>
-                    <a:srgbClr val="ffffff"/>
-                  </a:solidFill>
-                </a:uFill>
-                <a:latin typeface="Calibri"/>
-              </a:rPr>
-              <a:t>ファイルの統合</a:t>
+              <a:t>  </a:t>
+            </a:r>
+            <a:r>
+              <a:rPr b="0" lang="en-US" sz="1800" spc="-1" strike="noStrike">
+                <a:solidFill>
+                  <a:srgbClr val="000000"/>
+                </a:solidFill>
+                <a:uFill>
+                  <a:solidFill>
+                    <a:srgbClr val="ffffff"/>
+                  </a:solidFill>
+                </a:uFill>
+                <a:latin typeface="Calibri"/>
+              </a:rPr>
+              <a:t>[2] =&gt; [2]%(A,B)</a:t>
+            </a:r>
+            <a:endParaRPr b="0" lang="en-US" sz="1800" spc="-1" strike="noStrike">
+              <a:solidFill>
+                <a:srgbClr val="000000"/>
+              </a:solidFill>
+              <a:uFill>
+                <a:solidFill>
+                  <a:srgbClr val="ffffff"/>
+                </a:solidFill>
+              </a:uFill>
+              <a:latin typeface="Arial"/>
+            </a:endParaRPr>
+          </a:p>
+          <a:p>
+            <a:pPr>
+              <a:lnSpc>
+                <a:spcPct val="100000"/>
+              </a:lnSpc>
+            </a:pPr>
+            <a:r>
+              <a:rPr b="0" lang="en-US" sz="1800" spc="-1" strike="noStrike">
+                <a:solidFill>
+                  <a:srgbClr val="000000"/>
+                </a:solidFill>
+                <a:uFill>
+                  <a:solidFill>
+                    <a:srgbClr val="ffffff"/>
+                  </a:solidFill>
+                </a:uFill>
+                <a:latin typeface="Calibri"/>
+              </a:rPr>
+              <a:t>- ex.3</a:t>
+            </a:r>
+            <a:r>
+              <a:rPr b="0" lang="en-US" sz="1800" spc="-1" strike="noStrike">
+                <a:solidFill>
+                  <a:srgbClr val="000000"/>
+                </a:solidFill>
+                <a:uFill>
+                  <a:solidFill>
+                    <a:srgbClr val="ffffff"/>
+                  </a:solidFill>
+                </a:uFill>
+                <a:latin typeface="Calibri"/>
+              </a:rPr>
+              <a:t>：</a:t>
+            </a:r>
+            <a:endParaRPr b="0" lang="en-US" sz="1800" spc="-1" strike="noStrike">
+              <a:solidFill>
+                <a:srgbClr val="000000"/>
+              </a:solidFill>
+              <a:uFill>
+                <a:solidFill>
+                  <a:srgbClr val="ffffff"/>
+                </a:solidFill>
+              </a:uFill>
+              <a:latin typeface="Arial"/>
+            </a:endParaRPr>
+          </a:p>
+          <a:p>
+            <a:pPr>
+              <a:lnSpc>
+                <a:spcPct val="100000"/>
+              </a:lnSpc>
+            </a:pPr>
+            <a:r>
+              <a:rPr b="0" lang="en-US" sz="1800" spc="-1" strike="noStrike">
+                <a:solidFill>
+                  <a:srgbClr val="000000"/>
+                </a:solidFill>
+                <a:uFill>
+                  <a:solidFill>
+                    <a:srgbClr val="ffffff"/>
+                  </a:solidFill>
+                </a:uFill>
+                <a:latin typeface="Calibri"/>
+              </a:rPr>
+              <a:t>  </a:t>
+            </a:r>
+            <a:r>
+              <a:rPr b="0" lang="en-US" sz="1800" spc="-1" strike="noStrike">
+                <a:solidFill>
+                  <a:srgbClr val="000000"/>
+                </a:solidFill>
+                <a:uFill>
+                  <a:solidFill>
+                    <a:srgbClr val="ffffff"/>
+                  </a:solidFill>
+                </a:uFill>
+                <a:latin typeface="Calibri"/>
+              </a:rPr>
+              <a:t>[2]([2]) =&gt; [2]([2])%(A,B,C,D)</a:t>
             </a:r>
             <a:endParaRPr b="0" lang="en-US" sz="1800" spc="-1" strike="noStrike">
               <a:solidFill>
@@ -13659,14 +14474,14 @@
       </p:sp>
       <p:sp>
         <p:nvSpPr>
-          <p:cNvPr id="104" name="CustomShape 2"/>
+          <p:cNvPr id="101" name="CustomShape 2"/>
           <p:cNvSpPr/>
           <p:nvPr/>
         </p:nvSpPr>
         <p:spPr>
           <a:xfrm>
-            <a:off x="47160" y="3766320"/>
-            <a:ext cx="5208840" cy="364680"/>
+            <a:off x="174240" y="3766320"/>
+            <a:ext cx="1781280" cy="364680"/>
           </a:xfrm>
           <a:prstGeom prst="rect">
             <a:avLst/>
@@ -13702,7 +14517,7 @@
                 </a:uFill>
                 <a:latin typeface="Calibri"/>
               </a:rPr>
-              <a:t>オペレーション例（次スライドより順次紹介）：</a:t>
+              <a:t>バインドの例：</a:t>
             </a:r>
             <a:endParaRPr b="0" lang="en-US" sz="1800" spc="-1" strike="noStrike">
               <a:solidFill>
@@ -13720,7 +14535,7 @@
       </p:sp>
       <p:sp>
         <p:nvSpPr>
-          <p:cNvPr id="105" name="CustomShape 3"/>
+          <p:cNvPr id="102" name="CustomShape 3"/>
           <p:cNvSpPr/>
           <p:nvPr/>
         </p:nvSpPr>
@@ -13781,14 +14596,14 @@
       </p:sp>
       <p:sp>
         <p:nvSpPr>
-          <p:cNvPr id="106" name="CustomShape 4"/>
+          <p:cNvPr id="103" name="CustomShape 4"/>
           <p:cNvSpPr/>
           <p:nvPr/>
         </p:nvSpPr>
         <p:spPr>
           <a:xfrm>
-            <a:off x="65520" y="1296000"/>
-            <a:ext cx="2238480" cy="364680"/>
+            <a:off x="180000" y="1296000"/>
+            <a:ext cx="2009880" cy="364680"/>
           </a:xfrm>
           <a:prstGeom prst="rect">
             <a:avLst/>
@@ -13824,7 +14639,7 @@
                 </a:uFill>
                 <a:latin typeface="Calibri"/>
               </a:rPr>
-              <a:t>オペレータの検討：</a:t>
+              <a:t>バインドの定義：</a:t>
             </a:r>
             <a:endParaRPr b="0" lang="en-US" sz="1800" spc="-1" strike="noStrike">
               <a:solidFill>
@@ -13842,14 +14657,14 @@
       </p:sp>
       <p:sp>
         <p:nvSpPr>
-          <p:cNvPr id="107" name="CustomShape 5"/>
+          <p:cNvPr id="104" name="CustomShape 5"/>
           <p:cNvSpPr/>
           <p:nvPr/>
         </p:nvSpPr>
         <p:spPr>
           <a:xfrm>
-            <a:off x="276120" y="1620360"/>
-            <a:ext cx="7389720" cy="1735560"/>
+            <a:off x="357480" y="1678680"/>
+            <a:ext cx="5560920" cy="913320"/>
           </a:xfrm>
           <a:prstGeom prst="rect">
             <a:avLst/>
@@ -13899,7 +14714,7 @@
                 </a:uFill>
                 <a:latin typeface="Calibri"/>
               </a:rPr>
-              <a:t>より高度な操作に対応するため”オペレータ”の概念を導入</a:t>
+              <a:t>構造（ノード）に「値」をバインドするための表現</a:t>
             </a:r>
             <a:endParaRPr b="0" lang="en-US" sz="1800" spc="-1" strike="noStrike">
               <a:solidFill>
@@ -13945,7 +14760,7 @@
                 </a:uFill>
                 <a:latin typeface="Calibri"/>
               </a:rPr>
-              <a:t>木構造の変更を伴う効果をもたらすものはオペレータとする</a:t>
+              <a:t>対象はリーフノードのみ</a:t>
             </a:r>
             <a:endParaRPr b="0" lang="en-US" sz="1800" spc="-1" strike="noStrike">
               <a:solidFill>
@@ -13977,52 +14792,6 @@
                 </a:uFill>
                 <a:latin typeface="Calibri"/>
               </a:rPr>
-              <a:t>  </a:t>
-            </a:r>
-            <a:r>
-              <a:rPr b="0" lang="en-US" sz="1800" spc="-1" strike="noStrike">
-                <a:solidFill>
-                  <a:srgbClr val="000000"/>
-                </a:solidFill>
-                <a:uFill>
-                  <a:solidFill>
-                    <a:srgbClr val="ffffff"/>
-                  </a:solidFill>
-                </a:uFill>
-                <a:latin typeface="Calibri"/>
-              </a:rPr>
-              <a:t>（項参照は言語構造そのものなのでオペレータではない）</a:t>
-            </a:r>
-            <a:endParaRPr b="0" lang="en-US" sz="1800" spc="-1" strike="noStrike">
-              <a:solidFill>
-                <a:srgbClr val="000000"/>
-              </a:solidFill>
-              <a:uFill>
-                <a:solidFill>
-                  <a:srgbClr val="ffffff"/>
-                </a:solidFill>
-              </a:uFill>
-              <a:latin typeface="Arial"/>
-            </a:endParaRPr>
-          </a:p>
-          <a:p>
-            <a:pPr>
-              <a:lnSpc>
-                <a:spcPct val="100000"/>
-              </a:lnSpc>
-            </a:pPr>
-            <a:r>
-              <a:rPr b="0" lang="en-US" sz="1800" spc="-1" strike="noStrike">
-                <a:solidFill>
-                  <a:srgbClr val="000000"/>
-                </a:solidFill>
-                <a:uFill>
-                  <a:solidFill>
-                    <a:srgbClr val="ffffff"/>
-                  </a:solidFill>
-                </a:uFill>
-                <a:latin typeface="Calibri"/>
-              </a:rPr>
               <a:t>- </a:t>
             </a:r>
             <a:r>
@@ -14037,99 +14806,7 @@
                 </a:uFill>
                 <a:latin typeface="Calibri"/>
               </a:rPr>
-              <a:t>それ以外の効果をもたらすものも、場合によってはオペレータとする</a:t>
-            </a:r>
-            <a:endParaRPr b="0" lang="en-US" sz="1800" spc="-1" strike="noStrike">
-              <a:solidFill>
-                <a:srgbClr val="000000"/>
-              </a:solidFill>
-              <a:uFill>
-                <a:solidFill>
-                  <a:srgbClr val="ffffff"/>
-                </a:solidFill>
-              </a:uFill>
-              <a:latin typeface="Arial"/>
-            </a:endParaRPr>
-          </a:p>
-          <a:p>
-            <a:pPr>
-              <a:lnSpc>
-                <a:spcPct val="100000"/>
-              </a:lnSpc>
-            </a:pPr>
-            <a:r>
-              <a:rPr b="0" lang="en-US" sz="1800" spc="-1" strike="noStrike">
-                <a:solidFill>
-                  <a:srgbClr val="000000"/>
-                </a:solidFill>
-                <a:uFill>
-                  <a:solidFill>
-                    <a:srgbClr val="ffffff"/>
-                  </a:solidFill>
-                </a:uFill>
-                <a:latin typeface="Calibri"/>
-              </a:rPr>
-              <a:t>- </a:t>
-            </a:r>
-            <a:r>
-              <a:rPr b="0" lang="en-US" sz="1800" spc="-1" strike="noStrike">
-                <a:solidFill>
-                  <a:srgbClr val="000000"/>
-                </a:solidFill>
-                <a:uFill>
-                  <a:solidFill>
-                    <a:srgbClr val="ffffff"/>
-                  </a:solidFill>
-                </a:uFill>
-                <a:latin typeface="Calibri"/>
-              </a:rPr>
-              <a:t>今まで関数としていたものはあらたにオペレータと呼ぶ</a:t>
-            </a:r>
-            <a:endParaRPr b="0" lang="en-US" sz="1800" spc="-1" strike="noStrike">
-              <a:solidFill>
-                <a:srgbClr val="000000"/>
-              </a:solidFill>
-              <a:uFill>
-                <a:solidFill>
-                  <a:srgbClr val="ffffff"/>
-                </a:solidFill>
-              </a:uFill>
-              <a:latin typeface="Arial"/>
-            </a:endParaRPr>
-          </a:p>
-          <a:p>
-            <a:pPr>
-              <a:lnSpc>
-                <a:spcPct val="100000"/>
-              </a:lnSpc>
-            </a:pPr>
-            <a:r>
-              <a:rPr b="0" lang="en-US" sz="1800" spc="-1" strike="noStrike">
-                <a:solidFill>
-                  <a:srgbClr val="000000"/>
-                </a:solidFill>
-                <a:uFill>
-                  <a:solidFill>
-                    <a:srgbClr val="ffffff"/>
-                  </a:solidFill>
-                </a:uFill>
-                <a:latin typeface="Calibri"/>
-              </a:rPr>
-              <a:t>- </a:t>
-            </a:r>
-            <a:r>
-              <a:rPr b="0" lang="en-US" sz="1800" spc="-1" strike="noStrike">
-                <a:solidFill>
-                  <a:srgbClr val="000000"/>
-                </a:solidFill>
-                <a:uFill>
-                  <a:solidFill>
-                    <a:srgbClr val="ffffff"/>
-                  </a:solidFill>
-                </a:uFill>
-                <a:latin typeface="Calibri"/>
-              </a:rPr>
-              <a:t>オペレータの引数は、「自分自身以降の木」</a:t>
+              <a:t>配列サイズは上位のノードから引き継がれる</a:t>
             </a:r>
             <a:endParaRPr b="0" lang="en-US" sz="1800" spc="-1" strike="noStrike">
               <a:solidFill>
@@ -14196,14 +14873,14 @@
       </p:grpSpPr>
       <p:sp>
         <p:nvSpPr>
-          <p:cNvPr id="108" name="CustomShape 1"/>
+          <p:cNvPr id="105" name="CustomShape 1"/>
           <p:cNvSpPr/>
           <p:nvPr/>
         </p:nvSpPr>
         <p:spPr>
           <a:xfrm>
-            <a:off x="253800" y="2379960"/>
-            <a:ext cx="3616560" cy="364680"/>
+            <a:off x="180000" y="3847320"/>
+            <a:ext cx="5102280" cy="638280"/>
           </a:xfrm>
           <a:prstGeom prst="rect">
             <a:avLst/>
@@ -14253,21 +14930,81 @@
                 </a:uFill>
                 <a:latin typeface="Calibri"/>
               </a:rPr>
-              <a:t>出力データ形式定義</a:t>
-            </a:r>
-            <a:r>
-              <a:rPr b="0" lang="en-US" sz="1800" spc="-1" strike="noStrike">
-                <a:solidFill>
-                  <a:srgbClr val="000000"/>
-                </a:solidFill>
-                <a:uFill>
-                  <a:solidFill>
-                    <a:srgbClr val="ffffff"/>
-                  </a:solidFill>
-                </a:uFill>
-                <a:latin typeface="Calibri"/>
-              </a:rPr>
-              <a:t>: data.ns3.ddl</a:t>
+              <a:t>関数名部分を”オペレータ”と呼び明確化する</a:t>
+            </a:r>
+            <a:endParaRPr b="0" lang="en-US" sz="1800" spc="-1" strike="noStrike">
+              <a:solidFill>
+                <a:srgbClr val="000000"/>
+              </a:solidFill>
+              <a:uFill>
+                <a:solidFill>
+                  <a:srgbClr val="ffffff"/>
+                </a:solidFill>
+              </a:uFill>
+              <a:latin typeface="Arial"/>
+            </a:endParaRPr>
+          </a:p>
+          <a:p>
+            <a:pPr>
+              <a:lnSpc>
+                <a:spcPct val="100000"/>
+              </a:lnSpc>
+            </a:pPr>
+            <a:r>
+              <a:rPr b="0" lang="en-US" sz="1800" spc="-1" strike="noStrike">
+                <a:solidFill>
+                  <a:srgbClr val="000000"/>
+                </a:solidFill>
+                <a:uFill>
+                  <a:solidFill>
+                    <a:srgbClr val="ffffff"/>
+                  </a:solidFill>
+                </a:uFill>
+                <a:latin typeface="Calibri"/>
+              </a:rPr>
+              <a:t>- </a:t>
+            </a:r>
+            <a:r>
+              <a:rPr b="0" lang="en-US" sz="1800" spc="-1" strike="noStrike">
+                <a:solidFill>
+                  <a:srgbClr val="000000"/>
+                </a:solidFill>
+                <a:uFill>
+                  <a:solidFill>
+                    <a:srgbClr val="ffffff"/>
+                  </a:solidFill>
+                </a:uFill>
+                <a:latin typeface="Calibri"/>
+              </a:rPr>
+              <a:t>オペレータ表現は、</a:t>
+            </a:r>
+            <a:r>
+              <a:rPr b="0" lang="en-US" sz="1800" spc="-1" strike="noStrike">
+                <a:solidFill>
+                  <a:srgbClr val="000000"/>
+                </a:solidFill>
+                <a:uFill>
+                  <a:solidFill>
+                    <a:srgbClr val="ffffff"/>
+                  </a:solidFill>
+                </a:uFill>
+                <a:latin typeface="Calibri"/>
+              </a:rPr>
+              <a:t>$&lt;name&gt;$</a:t>
+            </a:r>
+            <a:r>
+              <a:rPr b="0" lang="en-US" sz="1800" spc="-1" strike="noStrike">
+                <a:solidFill>
+                  <a:srgbClr val="000000"/>
+                </a:solidFill>
+                <a:uFill>
+                  <a:solidFill>
+                    <a:srgbClr val="ffffff"/>
+                  </a:solidFill>
+                </a:uFill>
+                <a:latin typeface="Calibri"/>
+              </a:rPr>
+              <a:t>である</a:t>
             </a:r>
             <a:endParaRPr b="0" lang="en-US" sz="1800" spc="-1" strike="noStrike">
               <a:solidFill>
@@ -14285,14 +15022,14 @@
       </p:sp>
       <p:sp>
         <p:nvSpPr>
-          <p:cNvPr id="109" name="CustomShape 2"/>
+          <p:cNvPr id="106" name="CustomShape 2"/>
           <p:cNvSpPr/>
           <p:nvPr/>
         </p:nvSpPr>
         <p:spPr>
           <a:xfrm>
-            <a:off x="1276920" y="550440"/>
-            <a:ext cx="7368120" cy="364680"/>
+            <a:off x="30960" y="3498120"/>
+            <a:ext cx="2237040" cy="364680"/>
           </a:xfrm>
           <a:prstGeom prst="rect">
             <a:avLst/>
@@ -14328,147 +15065,7 @@
                 </a:uFill>
                 <a:latin typeface="Calibri"/>
               </a:rPr>
-              <a:t>オペレーション例：</a:t>
-            </a:r>
-            <a:r>
-              <a:rPr b="0" lang="en-US" sz="1800" spc="-1" strike="noStrike">
-                <a:solidFill>
-                  <a:srgbClr val="000000"/>
-                </a:solidFill>
-                <a:uFill>
-                  <a:solidFill>
-                    <a:srgbClr val="ffffff"/>
-                  </a:solidFill>
-                </a:uFill>
-                <a:latin typeface="Calibri"/>
-              </a:rPr>
-              <a:t>CSV</a:t>
-            </a:r>
-            <a:r>
-              <a:rPr b="0" lang="en-US" sz="1800" spc="-1" strike="noStrike">
-                <a:solidFill>
-                  <a:srgbClr val="000000"/>
-                </a:solidFill>
-                <a:uFill>
-                  <a:solidFill>
-                    <a:srgbClr val="ffffff"/>
-                  </a:solidFill>
-                </a:uFill>
-                <a:latin typeface="Calibri"/>
-              </a:rPr>
-              <a:t>から</a:t>
-            </a:r>
-            <a:r>
-              <a:rPr b="0" lang="en-US" sz="1800" spc="-1" strike="noStrike">
-                <a:solidFill>
-                  <a:srgbClr val="000000"/>
-                </a:solidFill>
-                <a:uFill>
-                  <a:solidFill>
-                    <a:srgbClr val="ffffff"/>
-                  </a:solidFill>
-                </a:uFill>
-                <a:latin typeface="Calibri"/>
-              </a:rPr>
-              <a:t>NS3</a:t>
-            </a:r>
-            <a:r>
-              <a:rPr b="0" lang="en-US" sz="1800" spc="-1" strike="noStrike">
-                <a:solidFill>
-                  <a:srgbClr val="000000"/>
-                </a:solidFill>
-                <a:uFill>
-                  <a:solidFill>
-                    <a:srgbClr val="ffffff"/>
-                  </a:solidFill>
-                </a:uFill>
-                <a:latin typeface="Calibri"/>
-              </a:rPr>
-              <a:t>形式への変換 </a:t>
-            </a:r>
-            <a:r>
-              <a:rPr b="0" lang="en-US" sz="1800" spc="-1" strike="noStrike">
-                <a:solidFill>
-                  <a:srgbClr val="000000"/>
-                </a:solidFill>
-                <a:uFill>
-                  <a:solidFill>
-                    <a:srgbClr val="ffffff"/>
-                  </a:solidFill>
-                </a:uFill>
-                <a:latin typeface="Calibri"/>
-              </a:rPr>
-              <a:t>#1</a:t>
-            </a:r>
-            <a:r>
-              <a:rPr b="0" lang="en-US" sz="1800" spc="-1" strike="noStrike">
-                <a:solidFill>
-                  <a:srgbClr val="000000"/>
-                </a:solidFill>
-                <a:uFill>
-                  <a:solidFill>
-                    <a:srgbClr val="ffffff"/>
-                  </a:solidFill>
-                </a:uFill>
-                <a:latin typeface="Calibri"/>
-              </a:rPr>
-              <a:t>（</a:t>
-            </a:r>
-            <a:r>
-              <a:rPr b="0" lang="en-US" sz="1800" spc="-1" strike="noStrike">
-                <a:solidFill>
-                  <a:srgbClr val="000000"/>
-                </a:solidFill>
-                <a:uFill>
-                  <a:solidFill>
-                    <a:srgbClr val="ffffff"/>
-                  </a:solidFill>
-                </a:uFill>
-                <a:latin typeface="Calibri"/>
-              </a:rPr>
-              <a:t>1</a:t>
-            </a:r>
-            <a:r>
-              <a:rPr b="0" lang="en-US" sz="1800" spc="-1" strike="noStrike">
-                <a:solidFill>
-                  <a:srgbClr val="000000"/>
-                </a:solidFill>
-                <a:uFill>
-                  <a:solidFill>
-                    <a:srgbClr val="ffffff"/>
-                  </a:solidFill>
-                </a:uFill>
-                <a:latin typeface="Calibri"/>
-              </a:rPr>
-              <a:t>ファイル</a:t>
-            </a:r>
-            <a:r>
-              <a:rPr b="0" lang="en-US" sz="1800" spc="-1" strike="noStrike">
-                <a:solidFill>
-                  <a:srgbClr val="000000"/>
-                </a:solidFill>
-                <a:uFill>
-                  <a:solidFill>
-                    <a:srgbClr val="ffffff"/>
-                  </a:solidFill>
-                </a:uFill>
-                <a:latin typeface="Calibri"/>
-              </a:rPr>
-              <a:t>;</a:t>
-            </a:r>
-            <a:r>
-              <a:rPr b="0" lang="en-US" sz="1800" spc="-1" strike="noStrike">
-                <a:solidFill>
-                  <a:srgbClr val="000000"/>
-                </a:solidFill>
-                <a:uFill>
-                  <a:solidFill>
-                    <a:srgbClr val="ffffff"/>
-                  </a:solidFill>
-                </a:uFill>
-                <a:latin typeface="Calibri"/>
-              </a:rPr>
-              <a:t>現仕様）</a:t>
+              <a:t>オペレータの定義：</a:t>
             </a:r>
             <a:endParaRPr b="0" lang="en-US" sz="1800" spc="-1" strike="noStrike">
               <a:solidFill>
@@ -14486,13 +15083,13 @@
       </p:sp>
       <p:sp>
         <p:nvSpPr>
-          <p:cNvPr id="110" name="CustomShape 3"/>
+          <p:cNvPr id="107" name="CustomShape 3"/>
           <p:cNvSpPr/>
           <p:nvPr/>
         </p:nvSpPr>
         <p:spPr>
           <a:xfrm>
-            <a:off x="2525040" y="0"/>
+            <a:off x="2525040" y="248760"/>
             <a:ext cx="4442040" cy="516960"/>
           </a:xfrm>
           <a:prstGeom prst="rect">
@@ -14547,14 +15144,14 @@
       </p:sp>
       <p:sp>
         <p:nvSpPr>
-          <p:cNvPr id="111" name="CustomShape 4"/>
+          <p:cNvPr id="108" name="CustomShape 4"/>
           <p:cNvSpPr/>
           <p:nvPr/>
         </p:nvSpPr>
         <p:spPr>
           <a:xfrm>
-            <a:off x="239400" y="3503520"/>
-            <a:ext cx="8001000" cy="364680"/>
+            <a:off x="26640" y="823320"/>
+            <a:ext cx="3012840" cy="364680"/>
           </a:xfrm>
           <a:prstGeom prst="rect">
             <a:avLst/>
@@ -14590,35 +15187,35 @@
                 </a:uFill>
                 <a:latin typeface="Calibri"/>
               </a:rPr>
-              <a:t>- </a:t>
-            </a:r>
-            <a:r>
-              <a:rPr b="0" lang="en-US" sz="1800" spc="-1" strike="noStrike">
-                <a:solidFill>
-                  <a:srgbClr val="000000"/>
-                </a:solidFill>
-                <a:uFill>
-                  <a:solidFill>
-                    <a:srgbClr val="ffffff"/>
-                  </a:solidFill>
-                </a:uFill>
-                <a:latin typeface="Calibri"/>
-              </a:rPr>
-              <a:t>コマンド</a:t>
-            </a:r>
-            <a:r>
-              <a:rPr b="0" lang="en-US" sz="1800" spc="-1" strike="noStrike">
-                <a:solidFill>
-                  <a:srgbClr val="000000"/>
-                </a:solidFill>
-                <a:uFill>
-                  <a:solidFill>
-                    <a:srgbClr val="ffffff"/>
-                  </a:solidFill>
-                </a:uFill>
-                <a:latin typeface="Calibri"/>
-              </a:rPr>
-              <a:t>: ./tq.o in=data.ns3.ddf out=data.ns3.ddl data=data.ns3.csv -FT -Pprod  -C</a:t>
+              <a:t>関数（</a:t>
+            </a:r>
+            <a:r>
+              <a:rPr b="0" lang="en-US" sz="1800" spc="-1" strike="noStrike">
+                <a:solidFill>
+                  <a:srgbClr val="000000"/>
+                </a:solidFill>
+                <a:uFill>
+                  <a:solidFill>
+                    <a:srgbClr val="ffffff"/>
+                  </a:solidFill>
+                </a:uFill>
+                <a:latin typeface="Calibri"/>
+              </a:rPr>
+              <a:t>&lt;function&gt;</a:t>
+            </a:r>
+            <a:r>
+              <a:rPr b="0" lang="en-US" sz="1800" spc="-1" strike="noStrike">
+                <a:solidFill>
+                  <a:srgbClr val="000000"/>
+                </a:solidFill>
+                <a:uFill>
+                  <a:solidFill>
+                    <a:srgbClr val="ffffff"/>
+                  </a:solidFill>
+                </a:uFill>
+                <a:latin typeface="Calibri"/>
+              </a:rPr>
+              <a:t>）の定義：</a:t>
             </a:r>
             <a:endParaRPr b="0" lang="en-US" sz="1800" spc="-1" strike="noStrike">
               <a:solidFill>
@@ -14636,674 +15233,14 @@
       </p:sp>
       <p:sp>
         <p:nvSpPr>
-          <p:cNvPr id="112" name="CustomShape 5"/>
+          <p:cNvPr id="109" name="CustomShape 5"/>
           <p:cNvSpPr/>
           <p:nvPr/>
         </p:nvSpPr>
         <p:spPr>
           <a:xfrm>
-            <a:off x="6078960" y="1670400"/>
-            <a:ext cx="1526040" cy="1582200"/>
-          </a:xfrm>
-          <a:prstGeom prst="rect">
-            <a:avLst/>
-          </a:prstGeom>
-          <a:noFill/>
-          <a:ln>
-            <a:solidFill>
-              <a:srgbClr val="000000"/>
-            </a:solidFill>
-          </a:ln>
-        </p:spPr>
-        <p:style>
-          <a:lnRef idx="0"/>
-          <a:fillRef idx="0"/>
-          <a:effectRef idx="0"/>
-          <a:fontRef idx="minor"/>
-        </p:style>
-        <p:txBody>
-          <a:bodyPr lIns="90000" rIns="90000" tIns="45000" bIns="45000"/>
-          <a:p>
-            <a:pPr>
-              <a:lnSpc>
-                <a:spcPct val="100000"/>
-              </a:lnSpc>
-            </a:pPr>
-            <a:r>
-              <a:rPr b="0" lang="en-US" sz="1400" spc="-1" strike="noStrike">
-                <a:solidFill>
-                  <a:srgbClr val="000000"/>
-                </a:solidFill>
-                <a:uFill>
-                  <a:solidFill>
-                    <a:srgbClr val="ffffff"/>
-                  </a:solidFill>
-                </a:uFill>
-                <a:latin typeface="Calibri"/>
-              </a:rPr>
-              <a:t>Length,Weight</a:t>
-            </a:r>
-            <a:endParaRPr b="0" lang="en-US" sz="1400" spc="-1" strike="noStrike">
-              <a:solidFill>
-                <a:srgbClr val="000000"/>
-              </a:solidFill>
-              <a:uFill>
-                <a:solidFill>
-                  <a:srgbClr val="ffffff"/>
-                </a:solidFill>
-              </a:uFill>
-              <a:latin typeface="Arial"/>
-            </a:endParaRPr>
-          </a:p>
-          <a:p>
-            <a:pPr>
-              <a:lnSpc>
-                <a:spcPct val="100000"/>
-              </a:lnSpc>
-            </a:pPr>
-            <a:r>
-              <a:rPr b="0" lang="en-US" sz="1400" spc="-1" strike="noStrike">
-                <a:solidFill>
-                  <a:srgbClr val="000000"/>
-                </a:solidFill>
-                <a:uFill>
-                  <a:solidFill>
-                    <a:srgbClr val="ffffff"/>
-                  </a:solidFill>
-                </a:uFill>
-                <a:latin typeface="Calibri"/>
-              </a:rPr>
-              <a:t>Quantity,Quantity</a:t>
-            </a:r>
-            <a:endParaRPr b="0" lang="en-US" sz="1400" spc="-1" strike="noStrike">
-              <a:solidFill>
-                <a:srgbClr val="000000"/>
-              </a:solidFill>
-              <a:uFill>
-                <a:solidFill>
-                  <a:srgbClr val="ffffff"/>
-                </a:solidFill>
-              </a:uFill>
-              <a:latin typeface="Arial"/>
-            </a:endParaRPr>
-          </a:p>
-          <a:p>
-            <a:pPr>
-              <a:lnSpc>
-                <a:spcPct val="100000"/>
-              </a:lnSpc>
-            </a:pPr>
-            <a:r>
-              <a:rPr b="0" lang="en-US" sz="1400" spc="-1" strike="noStrike">
-                <a:solidFill>
-                  <a:srgbClr val="000000"/>
-                </a:solidFill>
-                <a:uFill>
-                  <a:solidFill>
-                    <a:srgbClr val="ffffff"/>
-                  </a:solidFill>
-                </a:uFill>
-                <a:latin typeface="Calibri"/>
-              </a:rPr>
-              <a:t>mm,kg</a:t>
-            </a:r>
-            <a:endParaRPr b="0" lang="en-US" sz="1400" spc="-1" strike="noStrike">
-              <a:solidFill>
-                <a:srgbClr val="000000"/>
-              </a:solidFill>
-              <a:uFill>
-                <a:solidFill>
-                  <a:srgbClr val="ffffff"/>
-                </a:solidFill>
-              </a:uFill>
-              <a:latin typeface="Arial"/>
-            </a:endParaRPr>
-          </a:p>
-          <a:p>
-            <a:pPr>
-              <a:lnSpc>
-                <a:spcPct val="100000"/>
-              </a:lnSpc>
-            </a:pPr>
-            <a:r>
-              <a:rPr b="0" lang="en-US" sz="1400" spc="-1" strike="noStrike">
-                <a:solidFill>
-                  <a:srgbClr val="000000"/>
-                </a:solidFill>
-                <a:uFill>
-                  <a:solidFill>
-                    <a:srgbClr val="ffffff"/>
-                  </a:solidFill>
-                </a:uFill>
-                <a:latin typeface="Calibri"/>
-              </a:rPr>
-              <a:t>300,100</a:t>
-            </a:r>
-            <a:endParaRPr b="0" lang="en-US" sz="1400" spc="-1" strike="noStrike">
-              <a:solidFill>
-                <a:srgbClr val="000000"/>
-              </a:solidFill>
-              <a:uFill>
-                <a:solidFill>
-                  <a:srgbClr val="ffffff"/>
-                </a:solidFill>
-              </a:uFill>
-              <a:latin typeface="Arial"/>
-            </a:endParaRPr>
-          </a:p>
-          <a:p>
-            <a:pPr>
-              <a:lnSpc>
-                <a:spcPct val="100000"/>
-              </a:lnSpc>
-            </a:pPr>
-            <a:r>
-              <a:rPr b="0" lang="en-US" sz="1400" spc="-1" strike="noStrike">
-                <a:solidFill>
-                  <a:srgbClr val="000000"/>
-                </a:solidFill>
-                <a:uFill>
-                  <a:solidFill>
-                    <a:srgbClr val="ffffff"/>
-                  </a:solidFill>
-                </a:uFill>
-                <a:latin typeface="Calibri"/>
-              </a:rPr>
-              <a:t>320,102</a:t>
-            </a:r>
-            <a:endParaRPr b="0" lang="en-US" sz="1400" spc="-1" strike="noStrike">
-              <a:solidFill>
-                <a:srgbClr val="000000"/>
-              </a:solidFill>
-              <a:uFill>
-                <a:solidFill>
-                  <a:srgbClr val="ffffff"/>
-                </a:solidFill>
-              </a:uFill>
-              <a:latin typeface="Arial"/>
-            </a:endParaRPr>
-          </a:p>
-          <a:p>
-            <a:pPr>
-              <a:lnSpc>
-                <a:spcPct val="100000"/>
-              </a:lnSpc>
-            </a:pPr>
-            <a:r>
-              <a:rPr b="0" lang="en-US" sz="1400" spc="-1" strike="noStrike">
-                <a:solidFill>
-                  <a:srgbClr val="000000"/>
-                </a:solidFill>
-                <a:uFill>
-                  <a:solidFill>
-                    <a:srgbClr val="ffffff"/>
-                  </a:solidFill>
-                </a:uFill>
-                <a:latin typeface="Calibri"/>
-              </a:rPr>
-              <a:t>302,101</a:t>
-            </a:r>
-            <a:endParaRPr b="0" lang="en-US" sz="1400" spc="-1" strike="noStrike">
-              <a:solidFill>
-                <a:srgbClr val="000000"/>
-              </a:solidFill>
-              <a:uFill>
-                <a:solidFill>
-                  <a:srgbClr val="ffffff"/>
-                </a:solidFill>
-              </a:uFill>
-              <a:latin typeface="Arial"/>
-            </a:endParaRPr>
-          </a:p>
-          <a:p>
-            <a:pPr>
-              <a:lnSpc>
-                <a:spcPct val="100000"/>
-              </a:lnSpc>
-            </a:pPr>
-            <a:r>
-              <a:rPr b="0" lang="en-US" sz="1400" spc="-1" strike="noStrike">
-                <a:solidFill>
-                  <a:srgbClr val="000000"/>
-                </a:solidFill>
-                <a:uFill>
-                  <a:solidFill>
-                    <a:srgbClr val="ffffff"/>
-                  </a:solidFill>
-                </a:uFill>
-                <a:latin typeface="Calibri"/>
-              </a:rPr>
-              <a:t>360,125</a:t>
-            </a:r>
-            <a:endParaRPr b="0" lang="en-US" sz="1400" spc="-1" strike="noStrike">
-              <a:solidFill>
-                <a:srgbClr val="000000"/>
-              </a:solidFill>
-              <a:uFill>
-                <a:solidFill>
-                  <a:srgbClr val="ffffff"/>
-                </a:solidFill>
-              </a:uFill>
-              <a:latin typeface="Arial"/>
-            </a:endParaRPr>
-          </a:p>
-        </p:txBody>
-      </p:sp>
-      <p:sp>
-        <p:nvSpPr>
-          <p:cNvPr id="113" name="CustomShape 6"/>
-          <p:cNvSpPr/>
-          <p:nvPr/>
-        </p:nvSpPr>
-        <p:spPr>
-          <a:xfrm>
-            <a:off x="491040" y="2749320"/>
-            <a:ext cx="1920600" cy="303480"/>
-          </a:xfrm>
-          <a:prstGeom prst="rect">
-            <a:avLst/>
-          </a:prstGeom>
-          <a:noFill/>
-          <a:ln>
-            <a:solidFill>
-              <a:srgbClr val="000000"/>
-            </a:solidFill>
-          </a:ln>
-        </p:spPr>
-        <p:style>
-          <a:lnRef idx="0"/>
-          <a:fillRef idx="0"/>
-          <a:effectRef idx="0"/>
-          <a:fontRef idx="minor"/>
-        </p:style>
-        <p:txBody>
-          <a:bodyPr lIns="90000" rIns="90000" tIns="45000" bIns="45000"/>
-          <a:p>
-            <a:pPr>
-              <a:lnSpc>
-                <a:spcPct val="100000"/>
-              </a:lnSpc>
-            </a:pPr>
-            <a:r>
-              <a:rPr b="0" lang="en-US" sz="1400" spc="-1" strike="noStrike">
-                <a:solidFill>
-                  <a:srgbClr val="000000"/>
-                </a:solidFill>
-                <a:uFill>
-                  <a:solidFill>
-                    <a:srgbClr val="ffffff"/>
-                  </a:solidFill>
-                </a:uFill>
-                <a:latin typeface="Calibri"/>
-              </a:rPr>
-              <a:t>$PI$($#1,$#2($#4,$#3))</a:t>
-            </a:r>
-            <a:endParaRPr b="0" lang="en-US" sz="1400" spc="-1" strike="noStrike">
-              <a:solidFill>
-                <a:srgbClr val="000000"/>
-              </a:solidFill>
-              <a:uFill>
-                <a:solidFill>
-                  <a:srgbClr val="ffffff"/>
-                </a:solidFill>
-              </a:uFill>
-              <a:latin typeface="Arial"/>
-            </a:endParaRPr>
-          </a:p>
-        </p:txBody>
-      </p:sp>
-      <p:sp>
-        <p:nvSpPr>
-          <p:cNvPr id="114" name="CustomShape 7"/>
-          <p:cNvSpPr/>
-          <p:nvPr/>
-        </p:nvSpPr>
-        <p:spPr>
-          <a:xfrm>
-            <a:off x="510120" y="1676880"/>
-            <a:ext cx="2074680" cy="303480"/>
-          </a:xfrm>
-          <a:prstGeom prst="rect">
-            <a:avLst/>
-          </a:prstGeom>
-          <a:noFill/>
-          <a:ln>
-            <a:solidFill>
-              <a:srgbClr val="000000"/>
-            </a:solidFill>
-          </a:ln>
-        </p:spPr>
-        <p:style>
-          <a:lnRef idx="0"/>
-          <a:fillRef idx="0"/>
-          <a:effectRef idx="0"/>
-          <a:fontRef idx="minor"/>
-        </p:style>
-        <p:txBody>
-          <a:bodyPr lIns="90000" rIns="90000" tIns="45000" bIns="45000"/>
-          <a:p>
-            <a:pPr>
-              <a:lnSpc>
-                <a:spcPct val="100000"/>
-              </a:lnSpc>
-            </a:pPr>
-            <a:r>
-              <a:rPr b="0" lang="en-US" sz="1400" spc="-1" strike="noStrike">
-                <a:solidFill>
-                  <a:srgbClr val="000000"/>
-                </a:solidFill>
-                <a:uFill>
-                  <a:solidFill>
-                    <a:srgbClr val="ffffff"/>
-                  </a:solidFill>
-                </a:uFill>
-                <a:latin typeface="Calibri"/>
-              </a:rPr>
-              <a:t>(#1[2],#2[2],#3[2],#4[4,2])</a:t>
-            </a:r>
-            <a:endParaRPr b="0" lang="en-US" sz="1400" spc="-1" strike="noStrike">
-              <a:solidFill>
-                <a:srgbClr val="000000"/>
-              </a:solidFill>
-              <a:uFill>
-                <a:solidFill>
-                  <a:srgbClr val="ffffff"/>
-                </a:solidFill>
-              </a:uFill>
-              <a:latin typeface="Arial"/>
-            </a:endParaRPr>
-          </a:p>
-        </p:txBody>
-      </p:sp>
-      <p:sp>
-        <p:nvSpPr>
-          <p:cNvPr id="115" name="CustomShape 8"/>
-          <p:cNvSpPr/>
-          <p:nvPr/>
-        </p:nvSpPr>
-        <p:spPr>
-          <a:xfrm>
-            <a:off x="541440" y="4507920"/>
-            <a:ext cx="5493960" cy="1736280"/>
-          </a:xfrm>
-          <a:prstGeom prst="rect">
-            <a:avLst/>
-          </a:prstGeom>
-          <a:noFill/>
-          <a:ln>
-            <a:solidFill>
-              <a:srgbClr val="000000"/>
-            </a:solidFill>
-          </a:ln>
-        </p:spPr>
-        <p:style>
-          <a:lnRef idx="0"/>
-          <a:fillRef idx="0"/>
-          <a:effectRef idx="0"/>
-          <a:fontRef idx="minor"/>
-        </p:style>
-        <p:txBody>
-          <a:bodyPr wrap="none" lIns="90000" rIns="90000" tIns="45000" bIns="45000"/>
-          <a:p>
-            <a:pPr>
-              <a:lnSpc>
-                <a:spcPct val="100000"/>
-              </a:lnSpc>
-            </a:pPr>
-            <a:r>
-              <a:rPr b="0" lang="en-US" sz="1800" spc="-1" strike="noStrike">
-                <a:solidFill>
-                  <a:srgbClr val="000000"/>
-                </a:solidFill>
-                <a:uFill>
-                  <a:solidFill>
-                    <a:srgbClr val="ffffff"/>
-                  </a:solidFill>
-                </a:uFill>
-                <a:latin typeface="Calibri"/>
-              </a:rPr>
-              <a:t>(</a:t>
-            </a:r>
-            <a:endParaRPr b="0" lang="en-US" sz="1800" spc="-1" strike="noStrike">
-              <a:solidFill>
-                <a:srgbClr val="000000"/>
-              </a:solidFill>
-              <a:uFill>
-                <a:solidFill>
-                  <a:srgbClr val="ffffff"/>
-                </a:solidFill>
-              </a:uFill>
-              <a:latin typeface="Arial"/>
-            </a:endParaRPr>
-          </a:p>
-          <a:p>
-            <a:pPr>
-              <a:lnSpc>
-                <a:spcPct val="100000"/>
-              </a:lnSpc>
-            </a:pPr>
-            <a:r>
-              <a:rPr b="0" lang="en-US" sz="1800" spc="-1" strike="noStrike">
-                <a:solidFill>
-                  <a:srgbClr val="000000"/>
-                </a:solidFill>
-                <a:uFill>
-                  <a:solidFill>
-                    <a:srgbClr val="ffffff"/>
-                  </a:solidFill>
-                </a:uFill>
-                <a:latin typeface="Calibri"/>
-              </a:rPr>
-              <a:t>  </a:t>
-            </a:r>
-            <a:r>
-              <a:rPr b="0" lang="en-US" sz="1800" spc="-1" strike="noStrike">
-                <a:solidFill>
-                  <a:srgbClr val="000000"/>
-                </a:solidFill>
-                <a:uFill>
-                  <a:solidFill>
-                    <a:srgbClr val="ffffff"/>
-                  </a:solidFill>
-                </a:uFill>
-                <a:latin typeface="Calibri"/>
-              </a:rPr>
-              <a:t>((Length,Quantity(300,mm)),(Weight,Quantity(100,kg))),</a:t>
-            </a:r>
-            <a:endParaRPr b="0" lang="en-US" sz="1800" spc="-1" strike="noStrike">
-              <a:solidFill>
-                <a:srgbClr val="000000"/>
-              </a:solidFill>
-              <a:uFill>
-                <a:solidFill>
-                  <a:srgbClr val="ffffff"/>
-                </a:solidFill>
-              </a:uFill>
-              <a:latin typeface="Arial"/>
-            </a:endParaRPr>
-          </a:p>
-          <a:p>
-            <a:pPr>
-              <a:lnSpc>
-                <a:spcPct val="100000"/>
-              </a:lnSpc>
-            </a:pPr>
-            <a:r>
-              <a:rPr b="0" lang="en-US" sz="1800" spc="-1" strike="noStrike">
-                <a:solidFill>
-                  <a:srgbClr val="000000"/>
-                </a:solidFill>
-                <a:uFill>
-                  <a:solidFill>
-                    <a:srgbClr val="ffffff"/>
-                  </a:solidFill>
-                </a:uFill>
-                <a:latin typeface="Calibri"/>
-              </a:rPr>
-              <a:t>  </a:t>
-            </a:r>
-            <a:r>
-              <a:rPr b="0" lang="en-US" sz="1800" spc="-1" strike="noStrike">
-                <a:solidFill>
-                  <a:srgbClr val="000000"/>
-                </a:solidFill>
-                <a:uFill>
-                  <a:solidFill>
-                    <a:srgbClr val="ffffff"/>
-                  </a:solidFill>
-                </a:uFill>
-                <a:latin typeface="Calibri"/>
-              </a:rPr>
-              <a:t>((Length,Quantity(320,mm)),(Weight,Quantity(102,kg))),</a:t>
-            </a:r>
-            <a:endParaRPr b="0" lang="en-US" sz="1800" spc="-1" strike="noStrike">
-              <a:solidFill>
-                <a:srgbClr val="000000"/>
-              </a:solidFill>
-              <a:uFill>
-                <a:solidFill>
-                  <a:srgbClr val="ffffff"/>
-                </a:solidFill>
-              </a:uFill>
-              <a:latin typeface="Arial"/>
-            </a:endParaRPr>
-          </a:p>
-          <a:p>
-            <a:pPr>
-              <a:lnSpc>
-                <a:spcPct val="100000"/>
-              </a:lnSpc>
-            </a:pPr>
-            <a:r>
-              <a:rPr b="0" lang="en-US" sz="1800" spc="-1" strike="noStrike">
-                <a:solidFill>
-                  <a:srgbClr val="000000"/>
-                </a:solidFill>
-                <a:uFill>
-                  <a:solidFill>
-                    <a:srgbClr val="ffffff"/>
-                  </a:solidFill>
-                </a:uFill>
-                <a:latin typeface="Calibri"/>
-              </a:rPr>
-              <a:t>  </a:t>
-            </a:r>
-            <a:r>
-              <a:rPr b="0" lang="en-US" sz="1800" spc="-1" strike="noStrike">
-                <a:solidFill>
-                  <a:srgbClr val="000000"/>
-                </a:solidFill>
-                <a:uFill>
-                  <a:solidFill>
-                    <a:srgbClr val="ffffff"/>
-                  </a:solidFill>
-                </a:uFill>
-                <a:latin typeface="Calibri"/>
-              </a:rPr>
-              <a:t>((Length,Quantity(302,mm)),(Weight,Quantity(101,kg))),</a:t>
-            </a:r>
-            <a:endParaRPr b="0" lang="en-US" sz="1800" spc="-1" strike="noStrike">
-              <a:solidFill>
-                <a:srgbClr val="000000"/>
-              </a:solidFill>
-              <a:uFill>
-                <a:solidFill>
-                  <a:srgbClr val="ffffff"/>
-                </a:solidFill>
-              </a:uFill>
-              <a:latin typeface="Arial"/>
-            </a:endParaRPr>
-          </a:p>
-          <a:p>
-            <a:pPr>
-              <a:lnSpc>
-                <a:spcPct val="100000"/>
-              </a:lnSpc>
-            </a:pPr>
-            <a:r>
-              <a:rPr b="0" lang="en-US" sz="1800" spc="-1" strike="noStrike">
-                <a:solidFill>
-                  <a:srgbClr val="000000"/>
-                </a:solidFill>
-                <a:uFill>
-                  <a:solidFill>
-                    <a:srgbClr val="ffffff"/>
-                  </a:solidFill>
-                </a:uFill>
-                <a:latin typeface="Calibri"/>
-              </a:rPr>
-              <a:t>  </a:t>
-            </a:r>
-            <a:r>
-              <a:rPr b="0" lang="en-US" sz="1800" spc="-1" strike="noStrike">
-                <a:solidFill>
-                  <a:srgbClr val="000000"/>
-                </a:solidFill>
-                <a:uFill>
-                  <a:solidFill>
-                    <a:srgbClr val="ffffff"/>
-                  </a:solidFill>
-                </a:uFill>
-                <a:latin typeface="Calibri"/>
-              </a:rPr>
-              <a:t>((Length,Quantity(360,mm)),(Weight,Quantity(125,kg)))</a:t>
-            </a:r>
-            <a:endParaRPr b="0" lang="en-US" sz="1800" spc="-1" strike="noStrike">
-              <a:solidFill>
-                <a:srgbClr val="000000"/>
-              </a:solidFill>
-              <a:uFill>
-                <a:solidFill>
-                  <a:srgbClr val="ffffff"/>
-                </a:solidFill>
-              </a:uFill>
-              <a:latin typeface="Arial"/>
-            </a:endParaRPr>
-          </a:p>
-          <a:p>
-            <a:pPr>
-              <a:lnSpc>
-                <a:spcPct val="100000"/>
-              </a:lnSpc>
-            </a:pPr>
-            <a:r>
-              <a:rPr b="0" lang="en-US" sz="1800" spc="-1" strike="noStrike">
-                <a:solidFill>
-                  <a:srgbClr val="000000"/>
-                </a:solidFill>
-                <a:uFill>
-                  <a:solidFill>
-                    <a:srgbClr val="ffffff"/>
-                  </a:solidFill>
-                </a:uFill>
-                <a:latin typeface="Calibri"/>
-              </a:rPr>
-              <a:t>)</a:t>
-            </a:r>
-            <a:endParaRPr b="0" lang="en-US" sz="1800" spc="-1" strike="noStrike">
-              <a:solidFill>
-                <a:srgbClr val="000000"/>
-              </a:solidFill>
-              <a:uFill>
-                <a:solidFill>
-                  <a:srgbClr val="ffffff"/>
-                </a:solidFill>
-              </a:uFill>
-              <a:latin typeface="Arial"/>
-            </a:endParaRPr>
-          </a:p>
-        </p:txBody>
-      </p:sp>
-      <p:sp>
-        <p:nvSpPr>
-          <p:cNvPr id="116" name="CustomShape 9"/>
-          <p:cNvSpPr/>
-          <p:nvPr/>
-        </p:nvSpPr>
-        <p:spPr>
-          <a:xfrm>
-            <a:off x="226080" y="4147920"/>
-            <a:ext cx="986040" cy="364680"/>
+            <a:off x="180000" y="1180440"/>
+            <a:ext cx="6703920" cy="2009880"/>
           </a:xfrm>
           <a:prstGeom prst="rect">
             <a:avLst/>
@@ -15353,21 +15290,283 @@
                 </a:uFill>
                 <a:latin typeface="Calibri"/>
               </a:rPr>
-              <a:t>出力 </a:t>
-            </a:r>
-            <a:r>
-              <a:rPr b="0" lang="en-US" sz="1800" spc="-1" strike="noStrike">
-                <a:solidFill>
-                  <a:srgbClr val="000000"/>
-                </a:solidFill>
-                <a:uFill>
-                  <a:solidFill>
-                    <a:srgbClr val="ffffff"/>
-                  </a:solidFill>
-                </a:uFill>
-                <a:latin typeface="Calibri"/>
-              </a:rPr>
-              <a:t>: </a:t>
+              <a:t>より高度な操作に対応するため”関数”の概念を導入</a:t>
+            </a:r>
+            <a:endParaRPr b="0" lang="en-US" sz="1800" spc="-1" strike="noStrike">
+              <a:solidFill>
+                <a:srgbClr val="000000"/>
+              </a:solidFill>
+              <a:uFill>
+                <a:solidFill>
+                  <a:srgbClr val="ffffff"/>
+                </a:solidFill>
+              </a:uFill>
+              <a:latin typeface="Arial"/>
+            </a:endParaRPr>
+          </a:p>
+          <a:p>
+            <a:pPr>
+              <a:lnSpc>
+                <a:spcPct val="100000"/>
+              </a:lnSpc>
+            </a:pPr>
+            <a:r>
+              <a:rPr b="0" lang="en-US" sz="1800" spc="-1" strike="noStrike">
+                <a:solidFill>
+                  <a:srgbClr val="000000"/>
+                </a:solidFill>
+                <a:uFill>
+                  <a:solidFill>
+                    <a:srgbClr val="ffffff"/>
+                  </a:solidFill>
+                </a:uFill>
+                <a:latin typeface="Calibri"/>
+              </a:rPr>
+              <a:t>- </a:t>
+            </a:r>
+            <a:r>
+              <a:rPr b="0" lang="en-US" sz="1800" spc="-1" strike="noStrike">
+                <a:solidFill>
+                  <a:srgbClr val="000000"/>
+                </a:solidFill>
+                <a:uFill>
+                  <a:solidFill>
+                    <a:srgbClr val="ffffff"/>
+                  </a:solidFill>
+                </a:uFill>
+                <a:latin typeface="Calibri"/>
+              </a:rPr>
+              <a:t>木構造の変更を伴う効果をもたらすものは関数とする</a:t>
+            </a:r>
+            <a:endParaRPr b="0" lang="en-US" sz="1800" spc="-1" strike="noStrike">
+              <a:solidFill>
+                <a:srgbClr val="000000"/>
+              </a:solidFill>
+              <a:uFill>
+                <a:solidFill>
+                  <a:srgbClr val="ffffff"/>
+                </a:solidFill>
+              </a:uFill>
+              <a:latin typeface="Arial"/>
+            </a:endParaRPr>
+          </a:p>
+          <a:p>
+            <a:pPr>
+              <a:lnSpc>
+                <a:spcPct val="100000"/>
+              </a:lnSpc>
+            </a:pPr>
+            <a:r>
+              <a:rPr b="0" lang="en-US" sz="1800" spc="-1" strike="noStrike">
+                <a:solidFill>
+                  <a:srgbClr val="000000"/>
+                </a:solidFill>
+                <a:uFill>
+                  <a:solidFill>
+                    <a:srgbClr val="ffffff"/>
+                  </a:solidFill>
+                </a:uFill>
+                <a:latin typeface="Calibri"/>
+              </a:rPr>
+              <a:t>  </a:t>
+            </a:r>
+            <a:r>
+              <a:rPr b="0" lang="en-US" sz="1800" spc="-1" strike="noStrike">
+                <a:solidFill>
+                  <a:srgbClr val="000000"/>
+                </a:solidFill>
+                <a:uFill>
+                  <a:solidFill>
+                    <a:srgbClr val="ffffff"/>
+                  </a:solidFill>
+                </a:uFill>
+                <a:latin typeface="Calibri"/>
+              </a:rPr>
+              <a:t>（項参照は言語構造そのものなので関数ではない）</a:t>
+            </a:r>
+            <a:endParaRPr b="0" lang="en-US" sz="1800" spc="-1" strike="noStrike">
+              <a:solidFill>
+                <a:srgbClr val="000000"/>
+              </a:solidFill>
+              <a:uFill>
+                <a:solidFill>
+                  <a:srgbClr val="ffffff"/>
+                </a:solidFill>
+              </a:uFill>
+              <a:latin typeface="Arial"/>
+            </a:endParaRPr>
+          </a:p>
+          <a:p>
+            <a:pPr>
+              <a:lnSpc>
+                <a:spcPct val="100000"/>
+              </a:lnSpc>
+            </a:pPr>
+            <a:r>
+              <a:rPr b="0" lang="en-US" sz="1800" spc="-1" strike="noStrike">
+                <a:solidFill>
+                  <a:srgbClr val="000000"/>
+                </a:solidFill>
+                <a:uFill>
+                  <a:solidFill>
+                    <a:srgbClr val="ffffff"/>
+                  </a:solidFill>
+                </a:uFill>
+                <a:latin typeface="Calibri"/>
+              </a:rPr>
+              <a:t>- </a:t>
+            </a:r>
+            <a:r>
+              <a:rPr b="0" lang="en-US" sz="1800" spc="-1" strike="noStrike">
+                <a:solidFill>
+                  <a:srgbClr val="000000"/>
+                </a:solidFill>
+                <a:uFill>
+                  <a:solidFill>
+                    <a:srgbClr val="ffffff"/>
+                  </a:solidFill>
+                </a:uFill>
+                <a:latin typeface="Calibri"/>
+              </a:rPr>
+              <a:t>それ以外の効果をもたらすものも、場合によっては関数とする</a:t>
+            </a:r>
+            <a:endParaRPr b="0" lang="en-US" sz="1800" spc="-1" strike="noStrike">
+              <a:solidFill>
+                <a:srgbClr val="000000"/>
+              </a:solidFill>
+              <a:uFill>
+                <a:solidFill>
+                  <a:srgbClr val="ffffff"/>
+                </a:solidFill>
+              </a:uFill>
+              <a:latin typeface="Arial"/>
+            </a:endParaRPr>
+          </a:p>
+          <a:p>
+            <a:pPr>
+              <a:lnSpc>
+                <a:spcPct val="100000"/>
+              </a:lnSpc>
+            </a:pPr>
+            <a:r>
+              <a:rPr b="0" lang="en-US" sz="1800" spc="-1" strike="noStrike">
+                <a:solidFill>
+                  <a:srgbClr val="000000"/>
+                </a:solidFill>
+                <a:uFill>
+                  <a:solidFill>
+                    <a:srgbClr val="ffffff"/>
+                  </a:solidFill>
+                </a:uFill>
+                <a:latin typeface="Calibri"/>
+              </a:rPr>
+              <a:t>- </a:t>
+            </a:r>
+            <a:r>
+              <a:rPr b="0" lang="en-US" sz="1800" spc="-1" strike="noStrike">
+                <a:solidFill>
+                  <a:srgbClr val="000000"/>
+                </a:solidFill>
+                <a:uFill>
+                  <a:solidFill>
+                    <a:srgbClr val="ffffff"/>
+                  </a:solidFill>
+                </a:uFill>
+                <a:latin typeface="Calibri"/>
+              </a:rPr>
+              <a:t>今まで関数としていたものはあらたに関数と呼ぶ</a:t>
+            </a:r>
+            <a:endParaRPr b="0" lang="en-US" sz="1800" spc="-1" strike="noStrike">
+              <a:solidFill>
+                <a:srgbClr val="000000"/>
+              </a:solidFill>
+              <a:uFill>
+                <a:solidFill>
+                  <a:srgbClr val="ffffff"/>
+                </a:solidFill>
+              </a:uFill>
+              <a:latin typeface="Arial"/>
+            </a:endParaRPr>
+          </a:p>
+          <a:p>
+            <a:pPr>
+              <a:lnSpc>
+                <a:spcPct val="100000"/>
+              </a:lnSpc>
+            </a:pPr>
+            <a:r>
+              <a:rPr b="0" lang="en-US" sz="1800" spc="-1" strike="noStrike">
+                <a:solidFill>
+                  <a:srgbClr val="000000"/>
+                </a:solidFill>
+                <a:uFill>
+                  <a:solidFill>
+                    <a:srgbClr val="ffffff"/>
+                  </a:solidFill>
+                </a:uFill>
+                <a:latin typeface="Calibri"/>
+              </a:rPr>
+              <a:t>- </a:t>
+            </a:r>
+            <a:r>
+              <a:rPr b="0" lang="en-US" sz="1800" spc="-1" strike="noStrike">
+                <a:solidFill>
+                  <a:srgbClr val="000000"/>
+                </a:solidFill>
+                <a:uFill>
+                  <a:solidFill>
+                    <a:srgbClr val="ffffff"/>
+                  </a:solidFill>
+                </a:uFill>
+                <a:latin typeface="Calibri"/>
+              </a:rPr>
+              <a:t>関数の引数は、「自分自身以降の木」</a:t>
+            </a:r>
+            <a:endParaRPr b="0" lang="en-US" sz="1800" spc="-1" strike="noStrike">
+              <a:solidFill>
+                <a:srgbClr val="000000"/>
+              </a:solidFill>
+              <a:uFill>
+                <a:solidFill>
+                  <a:srgbClr val="ffffff"/>
+                </a:solidFill>
+              </a:uFill>
+              <a:latin typeface="Arial"/>
+            </a:endParaRPr>
+          </a:p>
+          <a:p>
+            <a:pPr>
+              <a:lnSpc>
+                <a:spcPct val="100000"/>
+              </a:lnSpc>
+            </a:pPr>
+            <a:r>
+              <a:rPr b="0" lang="en-US" sz="1800" spc="-1" strike="noStrike">
+                <a:solidFill>
+                  <a:srgbClr val="000000"/>
+                </a:solidFill>
+                <a:uFill>
+                  <a:solidFill>
+                    <a:srgbClr val="ffffff"/>
+                  </a:solidFill>
+                </a:uFill>
+                <a:latin typeface="Calibri"/>
+              </a:rPr>
+              <a:t>- </a:t>
+            </a:r>
+            <a:r>
+              <a:rPr b="0" lang="en-US" sz="1800" spc="-1" strike="noStrike">
+                <a:solidFill>
+                  <a:srgbClr val="000000"/>
+                </a:solidFill>
+                <a:uFill>
+                  <a:solidFill>
+                    <a:srgbClr val="ffffff"/>
+                  </a:solidFill>
+                </a:uFill>
+                <a:latin typeface="Calibri"/>
+              </a:rPr>
+              <a:t>関数表現による構造変更を「オペレーション」と呼ぶ</a:t>
             </a:r>
             <a:endParaRPr b="0" lang="en-US" sz="1800" spc="-1" strike="noStrike">
               <a:solidFill>
@@ -15385,14 +15584,14 @@
       </p:sp>
       <p:sp>
         <p:nvSpPr>
-          <p:cNvPr id="117" name="CustomShape 10"/>
+          <p:cNvPr id="110" name="CustomShape 6"/>
           <p:cNvSpPr/>
           <p:nvPr/>
         </p:nvSpPr>
         <p:spPr>
           <a:xfrm>
-            <a:off x="255600" y="1315440"/>
-            <a:ext cx="3634560" cy="364680"/>
+            <a:off x="173520" y="5158800"/>
+            <a:ext cx="5703840" cy="1187640"/>
           </a:xfrm>
           <a:prstGeom prst="rect">
             <a:avLst/>
@@ -15428,6 +15627,80 @@
                 </a:uFill>
                 <a:latin typeface="Calibri"/>
               </a:rPr>
+              <a:t>- CSV</a:t>
+            </a:r>
+            <a:r>
+              <a:rPr b="0" lang="en-US" sz="1800" spc="-1" strike="noStrike">
+                <a:solidFill>
+                  <a:srgbClr val="000000"/>
+                </a:solidFill>
+                <a:uFill>
+                  <a:solidFill>
+                    <a:srgbClr val="ffffff"/>
+                  </a:solidFill>
+                </a:uFill>
+                <a:latin typeface="Calibri"/>
+              </a:rPr>
+              <a:t>から</a:t>
+            </a:r>
+            <a:r>
+              <a:rPr b="0" lang="en-US" sz="1800" spc="-1" strike="noStrike">
+                <a:solidFill>
+                  <a:srgbClr val="000000"/>
+                </a:solidFill>
+                <a:uFill>
+                  <a:solidFill>
+                    <a:srgbClr val="ffffff"/>
+                  </a:solidFill>
+                </a:uFill>
+                <a:latin typeface="Calibri"/>
+              </a:rPr>
+              <a:t>NS3</a:t>
+            </a:r>
+            <a:r>
+              <a:rPr b="0" lang="en-US" sz="1800" spc="-1" strike="noStrike">
+                <a:solidFill>
+                  <a:srgbClr val="000000"/>
+                </a:solidFill>
+                <a:uFill>
+                  <a:solidFill>
+                    <a:srgbClr val="ffffff"/>
+                  </a:solidFill>
+                </a:uFill>
+                <a:latin typeface="Calibri"/>
+              </a:rPr>
+              <a:t>形式への変換</a:t>
+            </a:r>
+            <a:endParaRPr b="0" lang="en-US" sz="1800" spc="-1" strike="noStrike">
+              <a:solidFill>
+                <a:srgbClr val="000000"/>
+              </a:solidFill>
+              <a:uFill>
+                <a:solidFill>
+                  <a:srgbClr val="ffffff"/>
+                </a:solidFill>
+              </a:uFill>
+              <a:latin typeface="Arial"/>
+            </a:endParaRPr>
+          </a:p>
+          <a:p>
+            <a:pPr>
+              <a:lnSpc>
+                <a:spcPct val="100000"/>
+              </a:lnSpc>
+            </a:pPr>
+            <a:r>
+              <a:rPr b="0" lang="en-US" sz="1800" spc="-1" strike="noStrike">
+                <a:solidFill>
+                  <a:srgbClr val="000000"/>
+                </a:solidFill>
+                <a:uFill>
+                  <a:solidFill>
+                    <a:srgbClr val="ffffff"/>
+                  </a:solidFill>
+                </a:uFill>
+                <a:latin typeface="Calibri"/>
+              </a:rPr>
               <a:t>- </a:t>
             </a:r>
             <a:r>
@@ -15442,21 +15715,197 @@
                 </a:uFill>
                 <a:latin typeface="Calibri"/>
               </a:rPr>
-              <a:t>入力データ形式定義</a:t>
-            </a:r>
-            <a:r>
-              <a:rPr b="0" lang="en-US" sz="1800" spc="-1" strike="noStrike">
-                <a:solidFill>
-                  <a:srgbClr val="000000"/>
-                </a:solidFill>
-                <a:uFill>
-                  <a:solidFill>
-                    <a:srgbClr val="ffffff"/>
-                  </a:solidFill>
-                </a:uFill>
-                <a:latin typeface="Calibri"/>
-              </a:rPr>
-              <a:t>: data.ns3.ddf</a:t>
+              <a:t>複数</a:t>
+            </a:r>
+            <a:r>
+              <a:rPr b="0" lang="en-US" sz="1800" spc="-1" strike="noStrike">
+                <a:solidFill>
+                  <a:srgbClr val="000000"/>
+                </a:solidFill>
+                <a:uFill>
+                  <a:solidFill>
+                    <a:srgbClr val="ffffff"/>
+                  </a:solidFill>
+                </a:uFill>
+                <a:latin typeface="Calibri"/>
+              </a:rPr>
+              <a:t>CSV</a:t>
+            </a:r>
+            <a:r>
+              <a:rPr b="0" lang="en-US" sz="1800" spc="-1" strike="noStrike">
+                <a:solidFill>
+                  <a:srgbClr val="000000"/>
+                </a:solidFill>
+                <a:uFill>
+                  <a:solidFill>
+                    <a:srgbClr val="ffffff"/>
+                  </a:solidFill>
+                </a:uFill>
+                <a:latin typeface="Calibri"/>
+              </a:rPr>
+              <a:t>ファイルの統合</a:t>
+            </a:r>
+            <a:endParaRPr b="0" lang="en-US" sz="1800" spc="-1" strike="noStrike">
+              <a:solidFill>
+                <a:srgbClr val="000000"/>
+              </a:solidFill>
+              <a:uFill>
+                <a:solidFill>
+                  <a:srgbClr val="ffffff"/>
+                </a:solidFill>
+              </a:uFill>
+              <a:latin typeface="Arial"/>
+            </a:endParaRPr>
+          </a:p>
+          <a:p>
+            <a:pPr>
+              <a:lnSpc>
+                <a:spcPct val="100000"/>
+              </a:lnSpc>
+            </a:pPr>
+            <a:r>
+              <a:rPr b="0" lang="en-US" sz="1800" spc="-1" strike="noStrike">
+                <a:solidFill>
+                  <a:srgbClr val="000000"/>
+                </a:solidFill>
+                <a:uFill>
+                  <a:solidFill>
+                    <a:srgbClr val="ffffff"/>
+                  </a:solidFill>
+                </a:uFill>
+                <a:latin typeface="Calibri"/>
+              </a:rPr>
+              <a:t>　　（複数</a:t>
+            </a:r>
+            <a:r>
+              <a:rPr b="0" lang="en-US" sz="1800" spc="-1" strike="noStrike">
+                <a:solidFill>
+                  <a:srgbClr val="000000"/>
+                </a:solidFill>
+                <a:uFill>
+                  <a:solidFill>
+                    <a:srgbClr val="ffffff"/>
+                  </a:solidFill>
+                </a:uFill>
+                <a:latin typeface="Calibri"/>
+              </a:rPr>
+              <a:t>CSV</a:t>
+            </a:r>
+            <a:r>
+              <a:rPr b="0" lang="en-US" sz="1800" spc="-1" strike="noStrike">
+                <a:solidFill>
+                  <a:srgbClr val="000000"/>
+                </a:solidFill>
+                <a:uFill>
+                  <a:solidFill>
+                    <a:srgbClr val="ffffff"/>
+                  </a:solidFill>
+                </a:uFill>
+                <a:latin typeface="Calibri"/>
+              </a:rPr>
+              <a:t>ファイルから一つの</a:t>
+            </a:r>
+            <a:r>
+              <a:rPr b="0" lang="en-US" sz="1800" spc="-1" strike="noStrike">
+                <a:solidFill>
+                  <a:srgbClr val="000000"/>
+                </a:solidFill>
+                <a:uFill>
+                  <a:solidFill>
+                    <a:srgbClr val="ffffff"/>
+                  </a:solidFill>
+                </a:uFill>
+                <a:latin typeface="Calibri"/>
+              </a:rPr>
+              <a:t>NS3</a:t>
+            </a:r>
+            <a:r>
+              <a:rPr b="0" lang="en-US" sz="1800" spc="-1" strike="noStrike">
+                <a:solidFill>
+                  <a:srgbClr val="000000"/>
+                </a:solidFill>
+                <a:uFill>
+                  <a:solidFill>
+                    <a:srgbClr val="ffffff"/>
+                  </a:solidFill>
+                </a:uFill>
+                <a:latin typeface="Calibri"/>
+              </a:rPr>
+              <a:t>形式への変換）</a:t>
+            </a:r>
+            <a:endParaRPr b="0" lang="en-US" sz="1800" spc="-1" strike="noStrike">
+              <a:solidFill>
+                <a:srgbClr val="000000"/>
+              </a:solidFill>
+              <a:uFill>
+                <a:solidFill>
+                  <a:srgbClr val="ffffff"/>
+                </a:solidFill>
+              </a:uFill>
+              <a:latin typeface="Arial"/>
+            </a:endParaRPr>
+          </a:p>
+          <a:p>
+            <a:pPr>
+              <a:lnSpc>
+                <a:spcPct val="100000"/>
+              </a:lnSpc>
+            </a:pPr>
+            <a:r>
+              <a:rPr b="0" lang="en-US" sz="1800" spc="-1" strike="noStrike">
+                <a:solidFill>
+                  <a:srgbClr val="000000"/>
+                </a:solidFill>
+                <a:uFill>
+                  <a:solidFill>
+                    <a:srgbClr val="ffffff"/>
+                  </a:solidFill>
+                </a:uFill>
+                <a:latin typeface="Calibri"/>
+              </a:rPr>
+              <a:t>- </a:t>
+            </a:r>
+            <a:r>
+              <a:rPr b="0" lang="en-US" sz="1800" spc="-1" strike="noStrike">
+                <a:solidFill>
+                  <a:srgbClr val="000000"/>
+                </a:solidFill>
+                <a:uFill>
+                  <a:solidFill>
+                    <a:srgbClr val="ffffff"/>
+                  </a:solidFill>
+                </a:uFill>
+                <a:latin typeface="Calibri"/>
+              </a:rPr>
+              <a:t>辞書と</a:t>
+            </a:r>
+            <a:r>
+              <a:rPr b="0" lang="en-US" sz="1800" spc="-1" strike="noStrike">
+                <a:solidFill>
+                  <a:srgbClr val="000000"/>
+                </a:solidFill>
+                <a:uFill>
+                  <a:solidFill>
+                    <a:srgbClr val="ffffff"/>
+                  </a:solidFill>
+                </a:uFill>
+                <a:latin typeface="Calibri"/>
+              </a:rPr>
+              <a:t>CSV</a:t>
+            </a:r>
+            <a:r>
+              <a:rPr b="0" lang="en-US" sz="1800" spc="-1" strike="noStrike">
+                <a:solidFill>
+                  <a:srgbClr val="000000"/>
+                </a:solidFill>
+                <a:uFill>
+                  <a:solidFill>
+                    <a:srgbClr val="ffffff"/>
+                  </a:solidFill>
+                </a:uFill>
+                <a:latin typeface="Calibri"/>
+              </a:rPr>
+              <a:t>ファイルの統合</a:t>
             </a:r>
             <a:endParaRPr b="0" lang="en-US" sz="1800" spc="-1" strike="noStrike">
               <a:solidFill>
@@ -15474,14 +15923,14 @@
       </p:sp>
       <p:sp>
         <p:nvSpPr>
-          <p:cNvPr id="118" name="CustomShape 11"/>
+          <p:cNvPr id="111" name="CustomShape 7"/>
           <p:cNvSpPr/>
           <p:nvPr/>
         </p:nvSpPr>
         <p:spPr>
           <a:xfrm>
-            <a:off x="5848920" y="1284480"/>
-            <a:ext cx="1900080" cy="364680"/>
+            <a:off x="41040" y="4810320"/>
+            <a:ext cx="5437440" cy="364680"/>
           </a:xfrm>
           <a:prstGeom prst="rect">
             <a:avLst/>
@@ -15517,7 +15966,7 @@
                 </a:uFill>
                 <a:latin typeface="Calibri"/>
               </a:rPr>
-              <a:t>- CSV: data.ns3.csv</a:t>
+              <a:t>オペレーション例（後のスライドより順次紹介）：</a:t>
             </a:r>
             <a:endParaRPr b="0" lang="en-US" sz="1800" spc="-1" strike="noStrike">
               <a:solidFill>
@@ -15584,14 +16033,14 @@
       </p:grpSpPr>
       <p:sp>
         <p:nvSpPr>
-          <p:cNvPr id="119" name="CustomShape 1"/>
+          <p:cNvPr id="112" name="CustomShape 1"/>
           <p:cNvSpPr/>
           <p:nvPr/>
         </p:nvSpPr>
         <p:spPr>
           <a:xfrm>
-            <a:off x="164880" y="1183680"/>
-            <a:ext cx="3634560" cy="364680"/>
+            <a:off x="253800" y="2379960"/>
+            <a:ext cx="3616560" cy="364680"/>
           </a:xfrm>
           <a:prstGeom prst="rect">
             <a:avLst/>
@@ -15641,21 +16090,21 @@
                 </a:uFill>
                 <a:latin typeface="Calibri"/>
               </a:rPr>
-              <a:t>入力データ形式定義</a:t>
-            </a:r>
-            <a:r>
-              <a:rPr b="0" lang="en-US" sz="1800" spc="-1" strike="noStrike">
-                <a:solidFill>
-                  <a:srgbClr val="000000"/>
-                </a:solidFill>
-                <a:uFill>
-                  <a:solidFill>
-                    <a:srgbClr val="ffffff"/>
-                  </a:solidFill>
-                </a:uFill>
-                <a:latin typeface="Calibri"/>
-              </a:rPr>
-              <a:t>: data.ns3.ddf</a:t>
+              <a:t>出力データ形式定義</a:t>
+            </a:r>
+            <a:r>
+              <a:rPr b="0" lang="en-US" sz="1800" spc="-1" strike="noStrike">
+                <a:solidFill>
+                  <a:srgbClr val="000000"/>
+                </a:solidFill>
+                <a:uFill>
+                  <a:solidFill>
+                    <a:srgbClr val="ffffff"/>
+                  </a:solidFill>
+                </a:uFill>
+                <a:latin typeface="Calibri"/>
+              </a:rPr>
+              <a:t>: data.ns3.ddl</a:t>
             </a:r>
             <a:endParaRPr b="0" lang="en-US" sz="1800" spc="-1" strike="noStrike">
               <a:solidFill>
@@ -15673,14 +16122,14 @@
       </p:sp>
       <p:sp>
         <p:nvSpPr>
-          <p:cNvPr id="120" name="CustomShape 2"/>
+          <p:cNvPr id="113" name="CustomShape 2"/>
           <p:cNvSpPr/>
           <p:nvPr/>
         </p:nvSpPr>
         <p:spPr>
           <a:xfrm>
-            <a:off x="1143720" y="550440"/>
-            <a:ext cx="7866360" cy="364680"/>
+            <a:off x="1276920" y="550440"/>
+            <a:ext cx="7368120" cy="364680"/>
           </a:xfrm>
           <a:prstGeom prst="rect">
             <a:avLst/>
@@ -15847,44 +16296,16 @@
             <a:r>
               <a:rPr b="0" lang="en-US" sz="1800" spc="-1" strike="noStrike">
                 <a:solidFill>
-                  <a:srgbClr val="c0504d"/>
-                </a:solidFill>
-                <a:uFill>
-                  <a:solidFill>
-                    <a:srgbClr val="ffffff"/>
-                  </a:solidFill>
-                </a:uFill>
-                <a:latin typeface="Calibri"/>
-              </a:rPr>
-              <a:t>次期仕様</a:t>
-            </a:r>
-            <a:r>
-              <a:rPr b="0" lang="en-US" sz="1800" spc="-1" strike="noStrike">
-                <a:solidFill>
-                  <a:srgbClr val="c0504d"/>
-                </a:solidFill>
-                <a:uFill>
-                  <a:solidFill>
-                    <a:srgbClr val="ffffff"/>
-                  </a:solidFill>
-                </a:uFill>
-                <a:latin typeface="Calibri"/>
-              </a:rPr>
-              <a:t>(A)</a:t>
-            </a:r>
-            <a:r>
-              <a:rPr b="0" lang="en-US" sz="1800" spc="-1" strike="noStrike">
-                <a:solidFill>
-                  <a:srgbClr val="000000"/>
-                </a:solidFill>
-                <a:uFill>
-                  <a:solidFill>
-                    <a:srgbClr val="ffffff"/>
-                  </a:solidFill>
-                </a:uFill>
-                <a:latin typeface="Calibri"/>
-              </a:rPr>
-              <a:t>）</a:t>
+                  <a:srgbClr val="000000"/>
+                </a:solidFill>
+                <a:uFill>
+                  <a:solidFill>
+                    <a:srgbClr val="ffffff"/>
+                  </a:solidFill>
+                </a:uFill>
+                <a:latin typeface="Calibri"/>
+              </a:rPr>
+              <a:t>現仕様）</a:t>
             </a:r>
             <a:endParaRPr b="0" lang="en-US" sz="1800" spc="-1" strike="noStrike">
               <a:solidFill>
@@ -15902,7 +16323,7 @@
       </p:sp>
       <p:sp>
         <p:nvSpPr>
-          <p:cNvPr id="121" name="CustomShape 3"/>
+          <p:cNvPr id="114" name="CustomShape 3"/>
           <p:cNvSpPr/>
           <p:nvPr/>
         </p:nvSpPr>
@@ -15963,13 +16384,13 @@
       </p:sp>
       <p:sp>
         <p:nvSpPr>
-          <p:cNvPr id="122" name="CustomShape 4"/>
+          <p:cNvPr id="115" name="CustomShape 4"/>
           <p:cNvSpPr/>
           <p:nvPr/>
         </p:nvSpPr>
         <p:spPr>
           <a:xfrm>
-            <a:off x="148680" y="3503880"/>
+            <a:off x="239400" y="3503520"/>
             <a:ext cx="8001000" cy="364680"/>
           </a:xfrm>
           <a:prstGeom prst="rect">
@@ -16034,35 +16455,7 @@
                 </a:uFill>
                 <a:latin typeface="Calibri"/>
               </a:rPr>
-              <a:t>: ./tq.o in=data.ns3.ddf out=data.ns3.ddl </a:t>
-            </a:r>
-            <a:r>
-              <a:rPr b="0" lang="en-US" sz="1800" spc="-1" strike="noStrike">
-                <a:solidFill>
-                  <a:srgbClr val="808080"/>
-                </a:solidFill>
-                <a:uFill>
-                  <a:solidFill>
-                    <a:srgbClr val="ffffff"/>
-                  </a:solidFill>
-                </a:uFill>
-                <a:latin typeface="Calibri"/>
-              </a:rPr>
-              <a:t>data=data.ns3.csv </a:t>
-            </a:r>
-            <a:r>
-              <a:rPr b="0" lang="en-US" sz="1800" spc="-1" strike="noStrike">
-                <a:solidFill>
-                  <a:srgbClr val="000000"/>
-                </a:solidFill>
-                <a:uFill>
-                  <a:solidFill>
-                    <a:srgbClr val="ffffff"/>
-                  </a:solidFill>
-                </a:uFill>
-                <a:latin typeface="Calibri"/>
-              </a:rPr>
-              <a:t>-FT -Pprod  -C</a:t>
+              <a:t>: ./tq.o in=data.ns3.ddf out=data.ns3.ddl data=data.ns3.csv -FT -Pprod  -C</a:t>
             </a:r>
             <a:endParaRPr b="0" lang="en-US" sz="1800" spc="-1" strike="noStrike">
               <a:solidFill>
@@ -16080,13 +16473,13 @@
       </p:sp>
       <p:sp>
         <p:nvSpPr>
-          <p:cNvPr id="123" name="CustomShape 5"/>
+          <p:cNvPr id="116" name="CustomShape 5"/>
           <p:cNvSpPr/>
           <p:nvPr/>
         </p:nvSpPr>
         <p:spPr>
           <a:xfrm>
-            <a:off x="6159600" y="1543680"/>
+            <a:off x="6078960" y="1670400"/>
             <a:ext cx="1526040" cy="1582200"/>
           </a:xfrm>
           <a:prstGeom prst="rect">
@@ -16335,13 +16728,13 @@
       </p:sp>
       <p:sp>
         <p:nvSpPr>
-          <p:cNvPr id="124" name="CustomShape 6"/>
+          <p:cNvPr id="117" name="CustomShape 6"/>
           <p:cNvSpPr/>
           <p:nvPr/>
         </p:nvSpPr>
         <p:spPr>
           <a:xfrm>
-            <a:off x="421560" y="2783520"/>
+            <a:off x="491040" y="2749320"/>
             <a:ext cx="1920600" cy="303480"/>
           </a:xfrm>
           <a:prstGeom prst="rect">
@@ -16398,14 +16791,14 @@
       </p:sp>
       <p:sp>
         <p:nvSpPr>
-          <p:cNvPr id="125" name="CustomShape 7"/>
+          <p:cNvPr id="118" name="CustomShape 7"/>
           <p:cNvSpPr/>
           <p:nvPr/>
         </p:nvSpPr>
         <p:spPr>
           <a:xfrm>
-            <a:off x="421560" y="1547640"/>
-            <a:ext cx="2746440" cy="516600"/>
+            <a:off x="510120" y="1676880"/>
+            <a:ext cx="2074680" cy="303480"/>
           </a:xfrm>
           <a:prstGeom prst="rect">
             <a:avLst/>
@@ -16434,52 +16827,6 @@
             <a:r>
               <a:rPr b="0" lang="en-US" sz="1400" spc="-1" strike="noStrike">
                 <a:solidFill>
-                  <a:srgbClr val="ff0000"/>
-                </a:solidFill>
-                <a:uFill>
-                  <a:solidFill>
-                    <a:srgbClr val="ffffff"/>
-                  </a:solidFill>
-                </a:uFill>
-                <a:latin typeface="Calibri"/>
-              </a:rPr>
-              <a:t>(#10$FILE$("data.ns3.csv"),</a:t>
-            </a:r>
-            <a:endParaRPr b="0" lang="en-US" sz="1400" spc="-1" strike="noStrike">
-              <a:solidFill>
-                <a:srgbClr val="000000"/>
-              </a:solidFill>
-              <a:uFill>
-                <a:solidFill>
-                  <a:srgbClr val="ffffff"/>
-                </a:solidFill>
-              </a:uFill>
-              <a:latin typeface="Arial"/>
-            </a:endParaRPr>
-          </a:p>
-          <a:p>
-            <a:pPr>
-              <a:lnSpc>
-                <a:spcPct val="100000"/>
-              </a:lnSpc>
-            </a:pPr>
-            <a:r>
-              <a:rPr b="0" lang="en-US" sz="1400" spc="-1" strike="noStrike">
-                <a:solidFill>
-                  <a:srgbClr val="ff0000"/>
-                </a:solidFill>
-                <a:uFill>
-                  <a:solidFill>
-                    <a:srgbClr val="ffffff"/>
-                  </a:solidFill>
-                </a:uFill>
-                <a:latin typeface="Calibri"/>
-              </a:rPr>
-              <a:t>$:#10$</a:t>
-            </a:r>
-            <a:r>
-              <a:rPr b="0" lang="en-US" sz="1400" spc="-1" strike="noStrike">
-                <a:solidFill>
                   <a:srgbClr val="000000"/>
                 </a:solidFill>
                 <a:uFill>
@@ -16490,20 +16837,6 @@
                 <a:latin typeface="Calibri"/>
               </a:rPr>
               <a:t>(#1[2],#2[2],#3[2],#4[4,2])</a:t>
-            </a:r>
-            <a:r>
-              <a:rPr b="0" lang="en-US" sz="1400" spc="-1" strike="noStrike">
-                <a:solidFill>
-                  <a:srgbClr val="ff0000"/>
-                </a:solidFill>
-                <a:uFill>
-                  <a:solidFill>
-                    <a:srgbClr val="ffffff"/>
-                  </a:solidFill>
-                </a:uFill>
-                <a:latin typeface="Calibri"/>
-              </a:rPr>
-              <a:t>)</a:t>
             </a:r>
             <a:endParaRPr b="0" lang="en-US" sz="1400" spc="-1" strike="noStrike">
               <a:solidFill>
@@ -16521,13 +16854,13 @@
       </p:sp>
       <p:sp>
         <p:nvSpPr>
-          <p:cNvPr id="126" name="CustomShape 8"/>
+          <p:cNvPr id="119" name="CustomShape 8"/>
           <p:cNvSpPr/>
           <p:nvPr/>
         </p:nvSpPr>
         <p:spPr>
           <a:xfrm>
-            <a:off x="464760" y="4536360"/>
+            <a:off x="541440" y="4507920"/>
             <a:ext cx="5493960" cy="1736280"/>
           </a:xfrm>
           <a:prstGeom prst="rect">
@@ -16800,13 +17133,13 @@
       </p:sp>
       <p:sp>
         <p:nvSpPr>
-          <p:cNvPr id="127" name="CustomShape 9"/>
+          <p:cNvPr id="120" name="CustomShape 9"/>
           <p:cNvSpPr/>
           <p:nvPr/>
         </p:nvSpPr>
         <p:spPr>
           <a:xfrm>
-            <a:off x="135360" y="4149000"/>
+            <a:off x="226080" y="4147920"/>
             <a:ext cx="986040" cy="364680"/>
           </a:xfrm>
           <a:prstGeom prst="rect">
@@ -16889,14 +17222,14 @@
       </p:sp>
       <p:sp>
         <p:nvSpPr>
-          <p:cNvPr id="128" name="CustomShape 10"/>
+          <p:cNvPr id="121" name="CustomShape 10"/>
           <p:cNvSpPr/>
           <p:nvPr/>
         </p:nvSpPr>
         <p:spPr>
           <a:xfrm>
-            <a:off x="163080" y="2423880"/>
-            <a:ext cx="3616560" cy="364680"/>
+            <a:off x="255600" y="1315440"/>
+            <a:ext cx="3634560" cy="364680"/>
           </a:xfrm>
           <a:prstGeom prst="rect">
             <a:avLst/>
@@ -16946,21 +17279,21 @@
                 </a:uFill>
                 <a:latin typeface="Calibri"/>
               </a:rPr>
-              <a:t>出力データ形式定義</a:t>
-            </a:r>
-            <a:r>
-              <a:rPr b="0" lang="en-US" sz="1800" spc="-1" strike="noStrike">
-                <a:solidFill>
-                  <a:srgbClr val="000000"/>
-                </a:solidFill>
-                <a:uFill>
-                  <a:solidFill>
-                    <a:srgbClr val="ffffff"/>
-                  </a:solidFill>
-                </a:uFill>
-                <a:latin typeface="Calibri"/>
-              </a:rPr>
-              <a:t>: data.ns3.ddl</a:t>
+              <a:t>入力データ形式定義</a:t>
+            </a:r>
+            <a:r>
+              <a:rPr b="0" lang="en-US" sz="1800" spc="-1" strike="noStrike">
+                <a:solidFill>
+                  <a:srgbClr val="000000"/>
+                </a:solidFill>
+                <a:uFill>
+                  <a:solidFill>
+                    <a:srgbClr val="ffffff"/>
+                  </a:solidFill>
+                </a:uFill>
+                <a:latin typeface="Calibri"/>
+              </a:rPr>
+              <a:t>: data.ns3.ddf</a:t>
             </a:r>
             <a:endParaRPr b="0" lang="en-US" sz="1800" spc="-1" strike="noStrike">
               <a:solidFill>
@@ -16978,13 +17311,13 @@
       </p:sp>
       <p:sp>
         <p:nvSpPr>
-          <p:cNvPr id="129" name="CustomShape 11"/>
+          <p:cNvPr id="122" name="CustomShape 11"/>
           <p:cNvSpPr/>
           <p:nvPr/>
         </p:nvSpPr>
         <p:spPr>
           <a:xfrm>
-            <a:off x="5935320" y="1178280"/>
+            <a:off x="5848920" y="1284480"/>
             <a:ext cx="1900080" cy="364680"/>
           </a:xfrm>
           <a:prstGeom prst="rect">
@@ -17022,58 +17355,6 @@
                 <a:latin typeface="Calibri"/>
               </a:rPr>
               <a:t>- CSV: data.ns3.csv</a:t>
-            </a:r>
-            <a:endParaRPr b="0" lang="en-US" sz="1800" spc="-1" strike="noStrike">
-              <a:solidFill>
-                <a:srgbClr val="000000"/>
-              </a:solidFill>
-              <a:uFill>
-                <a:solidFill>
-                  <a:srgbClr val="ffffff"/>
-                </a:solidFill>
-              </a:uFill>
-              <a:latin typeface="Arial"/>
-            </a:endParaRPr>
-          </a:p>
-        </p:txBody>
-      </p:sp>
-      <p:sp>
-        <p:nvSpPr>
-          <p:cNvPr id="130" name="TextShape 12"/>
-          <p:cNvSpPr txBox="1"/>
-          <p:nvPr/>
-        </p:nvSpPr>
-        <p:spPr>
-          <a:xfrm>
-            <a:off x="33480" y="42480"/>
-            <a:ext cx="866520" cy="379800"/>
-          </a:xfrm>
-          <a:prstGeom prst="rect">
-            <a:avLst/>
-          </a:prstGeom>
-          <a:noFill/>
-          <a:ln>
-            <a:solidFill>
-              <a:srgbClr val="ff3333"/>
-            </a:solidFill>
-          </a:ln>
-        </p:spPr>
-        <p:txBody>
-          <a:bodyPr lIns="90000" rIns="90000" tIns="45000" bIns="45000"/>
-          <a:p>
-            <a:r>
-              <a:rPr b="0" lang="en-US" sz="1800" spc="-1" strike="noStrike">
-                <a:solidFill>
-                  <a:srgbClr val="ff3333"/>
-                </a:solidFill>
-                <a:uFill>
-                  <a:solidFill>
-                    <a:srgbClr val="ffffff"/>
-                  </a:solidFill>
-                </a:uFill>
-                <a:latin typeface="Arial"/>
-              </a:rPr>
-              <a:t>要検討</a:t>
             </a:r>
             <a:endParaRPr b="0" lang="en-US" sz="1800" spc="-1" strike="noStrike">
               <a:solidFill>
@@ -17140,14 +17421,14 @@
       </p:grpSpPr>
       <p:sp>
         <p:nvSpPr>
-          <p:cNvPr id="131" name="CustomShape 1"/>
+          <p:cNvPr id="123" name="CustomShape 1"/>
           <p:cNvSpPr/>
           <p:nvPr/>
         </p:nvSpPr>
         <p:spPr>
           <a:xfrm>
-            <a:off x="163800" y="1183680"/>
-            <a:ext cx="3264480" cy="364680"/>
+            <a:off x="164880" y="1183680"/>
+            <a:ext cx="3634560" cy="364680"/>
           </a:xfrm>
           <a:prstGeom prst="rect">
             <a:avLst/>
@@ -17211,7 +17492,7 @@
                 </a:uFill>
                 <a:latin typeface="Calibri"/>
               </a:rPr>
-              <a:t>: num.ddf</a:t>
+              <a:t>: data.ns3.ddf</a:t>
             </a:r>
             <a:endParaRPr b="0" lang="en-US" sz="1800" spc="-1" strike="noStrike">
               <a:solidFill>
@@ -17229,14 +17510,14 @@
       </p:sp>
       <p:sp>
         <p:nvSpPr>
-          <p:cNvPr id="132" name="CustomShape 2"/>
+          <p:cNvPr id="124" name="CustomShape 2"/>
           <p:cNvSpPr/>
           <p:nvPr/>
         </p:nvSpPr>
         <p:spPr>
           <a:xfrm>
-            <a:off x="1311840" y="550440"/>
-            <a:ext cx="7368120" cy="364680"/>
+            <a:off x="1143720" y="550440"/>
+            <a:ext cx="7866360" cy="364680"/>
           </a:xfrm>
           <a:prstGeom prst="rect">
             <a:avLst/>
@@ -17342,7 +17623,7 @@
                 </a:uFill>
                 <a:latin typeface="Calibri"/>
               </a:rPr>
-              <a:t>#2</a:t>
+              <a:t>#1</a:t>
             </a:r>
             <a:r>
               <a:rPr b="0" lang="en-US" sz="1800" spc="-1" strike="noStrike">
@@ -17403,16 +17684,44 @@
             <a:r>
               <a:rPr b="0" lang="en-US" sz="1800" spc="-1" strike="noStrike">
                 <a:solidFill>
-                  <a:srgbClr val="000000"/>
-                </a:solidFill>
-                <a:uFill>
-                  <a:solidFill>
-                    <a:srgbClr val="ffffff"/>
-                  </a:solidFill>
-                </a:uFill>
-                <a:latin typeface="Calibri"/>
-              </a:rPr>
-              <a:t>現仕様）</a:t>
+                  <a:srgbClr val="c0504d"/>
+                </a:solidFill>
+                <a:uFill>
+                  <a:solidFill>
+                    <a:srgbClr val="ffffff"/>
+                  </a:solidFill>
+                </a:uFill>
+                <a:latin typeface="Calibri"/>
+              </a:rPr>
+              <a:t>次期仕様</a:t>
+            </a:r>
+            <a:r>
+              <a:rPr b="0" lang="en-US" sz="1800" spc="-1" strike="noStrike">
+                <a:solidFill>
+                  <a:srgbClr val="c0504d"/>
+                </a:solidFill>
+                <a:uFill>
+                  <a:solidFill>
+                    <a:srgbClr val="ffffff"/>
+                  </a:solidFill>
+                </a:uFill>
+                <a:latin typeface="Calibri"/>
+              </a:rPr>
+              <a:t>(A)</a:t>
+            </a:r>
+            <a:r>
+              <a:rPr b="0" lang="en-US" sz="1800" spc="-1" strike="noStrike">
+                <a:solidFill>
+                  <a:srgbClr val="000000"/>
+                </a:solidFill>
+                <a:uFill>
+                  <a:solidFill>
+                    <a:srgbClr val="ffffff"/>
+                  </a:solidFill>
+                </a:uFill>
+                <a:latin typeface="Calibri"/>
+              </a:rPr>
+              <a:t>）</a:t>
             </a:r>
             <a:endParaRPr b="0" lang="en-US" sz="1800" spc="-1" strike="noStrike">
               <a:solidFill>
@@ -17430,7 +17739,7 @@
       </p:sp>
       <p:sp>
         <p:nvSpPr>
-          <p:cNvPr id="133" name="CustomShape 3"/>
+          <p:cNvPr id="125" name="CustomShape 3"/>
           <p:cNvSpPr/>
           <p:nvPr/>
         </p:nvSpPr>
@@ -17491,14 +17800,14 @@
       </p:sp>
       <p:sp>
         <p:nvSpPr>
-          <p:cNvPr id="134" name="CustomShape 4"/>
+          <p:cNvPr id="126" name="CustomShape 4"/>
           <p:cNvSpPr/>
           <p:nvPr/>
         </p:nvSpPr>
         <p:spPr>
           <a:xfrm>
-            <a:off x="133560" y="3401640"/>
-            <a:ext cx="6890040" cy="364680"/>
+            <a:off x="148680" y="3503880"/>
+            <a:ext cx="8001000" cy="364680"/>
           </a:xfrm>
           <a:prstGeom prst="rect">
             <a:avLst/>
@@ -17562,7 +17871,35 @@
                 </a:uFill>
                 <a:latin typeface="Calibri"/>
               </a:rPr>
-              <a:t>: ./tq.o in=num.ddf out=num.ddl data=num.csv -FT -Pprod  -C</a:t>
+              <a:t>: ./tq.o in=data.ns3.ddf out=data.ns3.ddl </a:t>
+            </a:r>
+            <a:r>
+              <a:rPr b="0" lang="en-US" sz="1800" spc="-1" strike="noStrike">
+                <a:solidFill>
+                  <a:srgbClr val="808080"/>
+                </a:solidFill>
+                <a:uFill>
+                  <a:solidFill>
+                    <a:srgbClr val="ffffff"/>
+                  </a:solidFill>
+                </a:uFill>
+                <a:latin typeface="Calibri"/>
+              </a:rPr>
+              <a:t>data=data.ns3.csv </a:t>
+            </a:r>
+            <a:r>
+              <a:rPr b="0" lang="en-US" sz="1800" spc="-1" strike="noStrike">
+                <a:solidFill>
+                  <a:srgbClr val="000000"/>
+                </a:solidFill>
+                <a:uFill>
+                  <a:solidFill>
+                    <a:srgbClr val="ffffff"/>
+                  </a:solidFill>
+                </a:uFill>
+                <a:latin typeface="Calibri"/>
+              </a:rPr>
+              <a:t>-FT -Pprod  -C</a:t>
             </a:r>
             <a:endParaRPr b="0" lang="en-US" sz="1800" spc="-1" strike="noStrike">
               <a:solidFill>
@@ -17580,14 +17917,14 @@
       </p:sp>
       <p:sp>
         <p:nvSpPr>
-          <p:cNvPr id="135" name="CustomShape 5"/>
+          <p:cNvPr id="127" name="CustomShape 5"/>
           <p:cNvSpPr/>
           <p:nvPr/>
         </p:nvSpPr>
         <p:spPr>
           <a:xfrm>
-            <a:off x="5889960" y="1584720"/>
-            <a:ext cx="1526040" cy="942840"/>
+            <a:off x="6159600" y="1543680"/>
+            <a:ext cx="1526040" cy="1582200"/>
           </a:xfrm>
           <a:prstGeom prst="rect">
             <a:avLst/>
@@ -17625,6 +17962,102 @@
                 </a:uFill>
                 <a:latin typeface="Calibri"/>
               </a:rPr>
+              <a:t>Length,Weight</a:t>
+            </a:r>
+            <a:endParaRPr b="0" lang="en-US" sz="1400" spc="-1" strike="noStrike">
+              <a:solidFill>
+                <a:srgbClr val="000000"/>
+              </a:solidFill>
+              <a:uFill>
+                <a:solidFill>
+                  <a:srgbClr val="ffffff"/>
+                </a:solidFill>
+              </a:uFill>
+              <a:latin typeface="Arial"/>
+            </a:endParaRPr>
+          </a:p>
+          <a:p>
+            <a:pPr>
+              <a:lnSpc>
+                <a:spcPct val="100000"/>
+              </a:lnSpc>
+            </a:pPr>
+            <a:r>
+              <a:rPr b="0" lang="en-US" sz="1400" spc="-1" strike="noStrike">
+                <a:solidFill>
+                  <a:srgbClr val="000000"/>
+                </a:solidFill>
+                <a:uFill>
+                  <a:solidFill>
+                    <a:srgbClr val="ffffff"/>
+                  </a:solidFill>
+                </a:uFill>
+                <a:latin typeface="Calibri"/>
+              </a:rPr>
+              <a:t>Quantity,Quantity</a:t>
+            </a:r>
+            <a:endParaRPr b="0" lang="en-US" sz="1400" spc="-1" strike="noStrike">
+              <a:solidFill>
+                <a:srgbClr val="000000"/>
+              </a:solidFill>
+              <a:uFill>
+                <a:solidFill>
+                  <a:srgbClr val="ffffff"/>
+                </a:solidFill>
+              </a:uFill>
+              <a:latin typeface="Arial"/>
+            </a:endParaRPr>
+          </a:p>
+          <a:p>
+            <a:pPr>
+              <a:lnSpc>
+                <a:spcPct val="100000"/>
+              </a:lnSpc>
+            </a:pPr>
+            <a:r>
+              <a:rPr b="0" lang="en-US" sz="1400" spc="-1" strike="noStrike">
+                <a:solidFill>
+                  <a:srgbClr val="000000"/>
+                </a:solidFill>
+                <a:uFill>
+                  <a:solidFill>
+                    <a:srgbClr val="ffffff"/>
+                  </a:solidFill>
+                </a:uFill>
+                <a:latin typeface="Calibri"/>
+              </a:rPr>
+              <a:t>mm,kg</a:t>
+            </a:r>
+            <a:endParaRPr b="0" lang="en-US" sz="1400" spc="-1" strike="noStrike">
+              <a:solidFill>
+                <a:srgbClr val="000000"/>
+              </a:solidFill>
+              <a:uFill>
+                <a:solidFill>
+                  <a:srgbClr val="ffffff"/>
+                </a:solidFill>
+              </a:uFill>
+              <a:latin typeface="Arial"/>
+            </a:endParaRPr>
+          </a:p>
+          <a:p>
+            <a:pPr>
+              <a:lnSpc>
+                <a:spcPct val="100000"/>
+              </a:lnSpc>
+            </a:pPr>
+            <a:r>
+              <a:rPr b="0" lang="en-US" sz="1400" spc="-1" strike="noStrike">
+                <a:solidFill>
+                  <a:srgbClr val="000000"/>
+                </a:solidFill>
+                <a:uFill>
+                  <a:solidFill>
+                    <a:srgbClr val="ffffff"/>
+                  </a:solidFill>
+                </a:uFill>
+                <a:latin typeface="Calibri"/>
+              </a:rPr>
               <a:t>300,100</a:t>
             </a:r>
             <a:endParaRPr b="0" lang="en-US" sz="1400" spc="-1" strike="noStrike">
@@ -17739,14 +18172,14 @@
       </p:sp>
       <p:sp>
         <p:nvSpPr>
-          <p:cNvPr id="136" name="CustomShape 6"/>
+          <p:cNvPr id="128" name="CustomShape 6"/>
           <p:cNvSpPr/>
           <p:nvPr/>
         </p:nvSpPr>
         <p:spPr>
           <a:xfrm>
-            <a:off x="419400" y="2673000"/>
-            <a:ext cx="3855960" cy="303480"/>
+            <a:off x="421560" y="2783520"/>
+            <a:ext cx="1920600" cy="303480"/>
           </a:xfrm>
           <a:prstGeom prst="rect">
             <a:avLst/>
@@ -17784,7 +18217,7 @@
                 </a:uFill>
                 <a:latin typeface="Calibri"/>
               </a:rPr>
-              <a:t>$PI$(@(Length,Weight),Quantity($#4,@(mm,kg)))</a:t>
+              <a:t>$PI$($#1,$#2($#4,$#3))</a:t>
             </a:r>
             <a:endParaRPr b="0" lang="en-US" sz="1400" spc="-1" strike="noStrike">
               <a:solidFill>
@@ -17802,14 +18235,14 @@
       </p:sp>
       <p:sp>
         <p:nvSpPr>
-          <p:cNvPr id="137" name="CustomShape 7"/>
+          <p:cNvPr id="129" name="CustomShape 7"/>
           <p:cNvSpPr/>
           <p:nvPr/>
         </p:nvSpPr>
         <p:spPr>
           <a:xfrm>
-            <a:off x="419400" y="1552680"/>
-            <a:ext cx="1096560" cy="303480"/>
+            <a:off x="421560" y="1547640"/>
+            <a:ext cx="2746440" cy="516600"/>
           </a:xfrm>
           <a:prstGeom prst="rect">
             <a:avLst/>
@@ -17838,16 +18271,76 @@
             <a:r>
               <a:rPr b="0" lang="en-US" sz="1400" spc="-1" strike="noStrike">
                 <a:solidFill>
-                  <a:srgbClr val="000000"/>
-                </a:solidFill>
-                <a:uFill>
-                  <a:solidFill>
-                    <a:srgbClr val="ffffff"/>
-                  </a:solidFill>
-                </a:uFill>
-                <a:latin typeface="Calibri"/>
-              </a:rPr>
-              <a:t>([4](#4[2]))</a:t>
+                  <a:srgbClr val="ff0000"/>
+                </a:solidFill>
+                <a:uFill>
+                  <a:solidFill>
+                    <a:srgbClr val="ffffff"/>
+                  </a:solidFill>
+                </a:uFill>
+                <a:latin typeface="Calibri"/>
+              </a:rPr>
+              <a:t>(#10$FILE$("data.ns3.csv"),</a:t>
+            </a:r>
+            <a:endParaRPr b="0" lang="en-US" sz="1400" spc="-1" strike="noStrike">
+              <a:solidFill>
+                <a:srgbClr val="000000"/>
+              </a:solidFill>
+              <a:uFill>
+                <a:solidFill>
+                  <a:srgbClr val="ffffff"/>
+                </a:solidFill>
+              </a:uFill>
+              <a:latin typeface="Arial"/>
+            </a:endParaRPr>
+          </a:p>
+          <a:p>
+            <a:pPr>
+              <a:lnSpc>
+                <a:spcPct val="100000"/>
+              </a:lnSpc>
+            </a:pPr>
+            <a:r>
+              <a:rPr b="0" lang="en-US" sz="1400" spc="-1" strike="noStrike">
+                <a:solidFill>
+                  <a:srgbClr val="ff0000"/>
+                </a:solidFill>
+                <a:uFill>
+                  <a:solidFill>
+                    <a:srgbClr val="ffffff"/>
+                  </a:solidFill>
+                </a:uFill>
+                <a:latin typeface="Calibri"/>
+              </a:rPr>
+              <a:t>$:#10$</a:t>
+            </a:r>
+            <a:r>
+              <a:rPr b="0" lang="en-US" sz="1400" spc="-1" strike="noStrike">
+                <a:solidFill>
+                  <a:srgbClr val="000000"/>
+                </a:solidFill>
+                <a:uFill>
+                  <a:solidFill>
+                    <a:srgbClr val="ffffff"/>
+                  </a:solidFill>
+                </a:uFill>
+                <a:latin typeface="Calibri"/>
+              </a:rPr>
+              <a:t>(#1[2],#2[2],#3[2],#4[4,2])</a:t>
+            </a:r>
+            <a:r>
+              <a:rPr b="0" lang="en-US" sz="1400" spc="-1" strike="noStrike">
+                <a:solidFill>
+                  <a:srgbClr val="ff0000"/>
+                </a:solidFill>
+                <a:uFill>
+                  <a:solidFill>
+                    <a:srgbClr val="ffffff"/>
+                  </a:solidFill>
+                </a:uFill>
+                <a:latin typeface="Calibri"/>
+              </a:rPr>
+              <a:t>)</a:t>
             </a:r>
             <a:endParaRPr b="0" lang="en-US" sz="1400" spc="-1" strike="noStrike">
               <a:solidFill>
@@ -17865,13 +18358,13 @@
       </p:sp>
       <p:sp>
         <p:nvSpPr>
-          <p:cNvPr id="138" name="CustomShape 8"/>
+          <p:cNvPr id="130" name="CustomShape 8"/>
           <p:cNvSpPr/>
           <p:nvPr/>
         </p:nvSpPr>
         <p:spPr>
           <a:xfrm>
-            <a:off x="462600" y="4507920"/>
+            <a:off x="464760" y="4536360"/>
             <a:ext cx="5493960" cy="1736280"/>
           </a:xfrm>
           <a:prstGeom prst="rect">
@@ -18144,13 +18637,13 @@
       </p:sp>
       <p:sp>
         <p:nvSpPr>
-          <p:cNvPr id="139" name="CustomShape 9"/>
+          <p:cNvPr id="131" name="CustomShape 9"/>
           <p:cNvSpPr/>
           <p:nvPr/>
         </p:nvSpPr>
         <p:spPr>
           <a:xfrm>
-            <a:off x="135360" y="4138560"/>
+            <a:off x="135360" y="4149000"/>
             <a:ext cx="986040" cy="364680"/>
           </a:xfrm>
           <a:prstGeom prst="rect">
@@ -18233,14 +18726,14 @@
       </p:sp>
       <p:sp>
         <p:nvSpPr>
-          <p:cNvPr id="140" name="CustomShape 10"/>
+          <p:cNvPr id="132" name="CustomShape 10"/>
           <p:cNvSpPr/>
           <p:nvPr/>
         </p:nvSpPr>
         <p:spPr>
           <a:xfrm>
-            <a:off x="158400" y="2260080"/>
-            <a:ext cx="3246120" cy="364680"/>
+            <a:off x="163080" y="2423880"/>
+            <a:ext cx="3616560" cy="364680"/>
           </a:xfrm>
           <a:prstGeom prst="rect">
             <a:avLst/>
@@ -18304,7 +18797,7 @@
                 </a:uFill>
                 <a:latin typeface="Calibri"/>
               </a:rPr>
-              <a:t>: num.ddl</a:t>
+              <a:t>: data.ns3.ddl</a:t>
             </a:r>
             <a:endParaRPr b="0" lang="en-US" sz="1800" spc="-1" strike="noStrike">
               <a:solidFill>
@@ -18322,14 +18815,14 @@
       </p:sp>
       <p:sp>
         <p:nvSpPr>
-          <p:cNvPr id="141" name="CustomShape 11"/>
+          <p:cNvPr id="133" name="CustomShape 11"/>
           <p:cNvSpPr/>
           <p:nvPr/>
         </p:nvSpPr>
         <p:spPr>
           <a:xfrm>
-            <a:off x="5670000" y="1216800"/>
-            <a:ext cx="1528560" cy="364680"/>
+            <a:off x="5935320" y="1178280"/>
+            <a:ext cx="1900080" cy="364680"/>
           </a:xfrm>
           <a:prstGeom prst="rect">
             <a:avLst/>
@@ -18365,7 +18858,59 @@
                 </a:uFill>
                 <a:latin typeface="Calibri"/>
               </a:rPr>
-              <a:t>- CSV: num.csv</a:t>
+              <a:t>- CSV: data.ns3.csv</a:t>
+            </a:r>
+            <a:endParaRPr b="0" lang="en-US" sz="1800" spc="-1" strike="noStrike">
+              <a:solidFill>
+                <a:srgbClr val="000000"/>
+              </a:solidFill>
+              <a:uFill>
+                <a:solidFill>
+                  <a:srgbClr val="ffffff"/>
+                </a:solidFill>
+              </a:uFill>
+              <a:latin typeface="Arial"/>
+            </a:endParaRPr>
+          </a:p>
+        </p:txBody>
+      </p:sp>
+      <p:sp>
+        <p:nvSpPr>
+          <p:cNvPr id="134" name="TextShape 12"/>
+          <p:cNvSpPr txBox="1"/>
+          <p:nvPr/>
+        </p:nvSpPr>
+        <p:spPr>
+          <a:xfrm>
+            <a:off x="33480" y="42480"/>
+            <a:ext cx="866520" cy="379800"/>
+          </a:xfrm>
+          <a:prstGeom prst="rect">
+            <a:avLst/>
+          </a:prstGeom>
+          <a:noFill/>
+          <a:ln>
+            <a:solidFill>
+              <a:srgbClr val="ff3333"/>
+            </a:solidFill>
+          </a:ln>
+        </p:spPr>
+        <p:txBody>
+          <a:bodyPr lIns="90000" rIns="90000" tIns="45000" bIns="45000"/>
+          <a:p>
+            <a:r>
+              <a:rPr b="0" lang="en-US" sz="1800" spc="-1" strike="noStrike">
+                <a:solidFill>
+                  <a:srgbClr val="ff3333"/>
+                </a:solidFill>
+                <a:uFill>
+                  <a:solidFill>
+                    <a:srgbClr val="ffffff"/>
+                  </a:solidFill>
+                </a:uFill>
+                <a:latin typeface="Arial"/>
+              </a:rPr>
+              <a:t>要検討</a:t>
             </a:r>
             <a:endParaRPr b="0" lang="en-US" sz="1800" spc="-1" strike="noStrike">
               <a:solidFill>
@@ -18432,7 +18977,7 @@
       </p:grpSpPr>
       <p:sp>
         <p:nvSpPr>
-          <p:cNvPr id="142" name="CustomShape 1"/>
+          <p:cNvPr id="135" name="CustomShape 1"/>
           <p:cNvSpPr/>
           <p:nvPr/>
         </p:nvSpPr>
@@ -18521,14 +19066,14 @@
       </p:sp>
       <p:sp>
         <p:nvSpPr>
-          <p:cNvPr id="143" name="CustomShape 2"/>
+          <p:cNvPr id="136" name="CustomShape 2"/>
           <p:cNvSpPr/>
           <p:nvPr/>
         </p:nvSpPr>
         <p:spPr>
           <a:xfrm>
-            <a:off x="1142640" y="550440"/>
-            <a:ext cx="7867800" cy="364680"/>
+            <a:off x="1311840" y="550440"/>
+            <a:ext cx="7368120" cy="364680"/>
           </a:xfrm>
           <a:prstGeom prst="rect">
             <a:avLst/>
@@ -18695,44 +19240,16 @@
             <a:r>
               <a:rPr b="0" lang="en-US" sz="1800" spc="-1" strike="noStrike">
                 <a:solidFill>
-                  <a:srgbClr val="c0504d"/>
-                </a:solidFill>
-                <a:uFill>
-                  <a:solidFill>
-                    <a:srgbClr val="ffffff"/>
-                  </a:solidFill>
-                </a:uFill>
-                <a:latin typeface="Calibri"/>
-              </a:rPr>
-              <a:t>次期仕様</a:t>
-            </a:r>
-            <a:r>
-              <a:rPr b="0" lang="en-US" sz="1800" spc="-1" strike="noStrike">
-                <a:solidFill>
-                  <a:srgbClr val="c0504d"/>
-                </a:solidFill>
-                <a:uFill>
-                  <a:solidFill>
-                    <a:srgbClr val="ffffff"/>
-                  </a:solidFill>
-                </a:uFill>
-                <a:latin typeface="Calibri"/>
-              </a:rPr>
-              <a:t>(A)</a:t>
-            </a:r>
-            <a:r>
-              <a:rPr b="0" lang="en-US" sz="1800" spc="-1" strike="noStrike">
-                <a:solidFill>
-                  <a:srgbClr val="000000"/>
-                </a:solidFill>
-                <a:uFill>
-                  <a:solidFill>
-                    <a:srgbClr val="ffffff"/>
-                  </a:solidFill>
-                </a:uFill>
-                <a:latin typeface="Calibri"/>
-              </a:rPr>
-              <a:t>）</a:t>
+                  <a:srgbClr val="000000"/>
+                </a:solidFill>
+                <a:uFill>
+                  <a:solidFill>
+                    <a:srgbClr val="ffffff"/>
+                  </a:solidFill>
+                </a:uFill>
+                <a:latin typeface="Calibri"/>
+              </a:rPr>
+              <a:t>現仕様）</a:t>
             </a:r>
             <a:endParaRPr b="0" lang="en-US" sz="1800" spc="-1" strike="noStrike">
               <a:solidFill>
@@ -18750,7 +19267,7 @@
       </p:sp>
       <p:sp>
         <p:nvSpPr>
-          <p:cNvPr id="144" name="CustomShape 3"/>
+          <p:cNvPr id="137" name="CustomShape 3"/>
           <p:cNvSpPr/>
           <p:nvPr/>
         </p:nvSpPr>
@@ -18811,7 +19328,7 @@
       </p:sp>
       <p:sp>
         <p:nvSpPr>
-          <p:cNvPr id="145" name="CustomShape 4"/>
+          <p:cNvPr id="138" name="CustomShape 4"/>
           <p:cNvSpPr/>
           <p:nvPr/>
         </p:nvSpPr>
@@ -18882,35 +19399,7 @@
                 </a:uFill>
                 <a:latin typeface="Calibri"/>
               </a:rPr>
-              <a:t>: ./tq.o in=num.ddf out=num.ddl </a:t>
-            </a:r>
-            <a:r>
-              <a:rPr b="0" lang="en-US" sz="1800" spc="-1" strike="noStrike">
-                <a:solidFill>
-                  <a:srgbClr val="b2b2b2"/>
-                </a:solidFill>
-                <a:uFill>
-                  <a:solidFill>
-                    <a:srgbClr val="ffffff"/>
-                  </a:solidFill>
-                </a:uFill>
-                <a:latin typeface="Calibri"/>
-              </a:rPr>
-              <a:t>data=num.csv</a:t>
-            </a:r>
-            <a:r>
-              <a:rPr b="0" lang="en-US" sz="1800" spc="-1" strike="noStrike">
-                <a:solidFill>
-                  <a:srgbClr val="000000"/>
-                </a:solidFill>
-                <a:uFill>
-                  <a:solidFill>
-                    <a:srgbClr val="ffffff"/>
-                  </a:solidFill>
-                </a:uFill>
-                <a:latin typeface="Calibri"/>
-              </a:rPr>
-              <a:t> -FT -Pprod  -C</a:t>
+              <a:t>: ./tq.o in=num.ddf out=num.ddl data=num.csv -FT -Pprod  -C</a:t>
             </a:r>
             <a:endParaRPr b="0" lang="en-US" sz="1800" spc="-1" strike="noStrike">
               <a:solidFill>
@@ -18928,7 +19417,7 @@
       </p:sp>
       <p:sp>
         <p:nvSpPr>
-          <p:cNvPr id="146" name="CustomShape 5"/>
+          <p:cNvPr id="139" name="CustomShape 5"/>
           <p:cNvSpPr/>
           <p:nvPr/>
         </p:nvSpPr>
@@ -19087,14 +19576,14 @@
       </p:sp>
       <p:sp>
         <p:nvSpPr>
-          <p:cNvPr id="147" name="CustomShape 6"/>
+          <p:cNvPr id="140" name="CustomShape 6"/>
           <p:cNvSpPr/>
           <p:nvPr/>
         </p:nvSpPr>
         <p:spPr>
           <a:xfrm>
             <a:off x="419400" y="2673000"/>
-            <a:ext cx="4188600" cy="303480"/>
+            <a:ext cx="3855960" cy="303480"/>
           </a:xfrm>
           <a:prstGeom prst="rect">
             <a:avLst/>
@@ -19132,63 +19621,7 @@
                 </a:uFill>
                 <a:latin typeface="Calibri"/>
               </a:rPr>
-              <a:t>$PI$(</a:t>
-            </a:r>
-            <a:r>
-              <a:rPr b="0" lang="en-US" sz="1400" spc="-1" strike="noStrike">
-                <a:solidFill>
-                  <a:srgbClr val="ff0000"/>
-                </a:solidFill>
-                <a:uFill>
-                  <a:solidFill>
-                    <a:srgbClr val="ffffff"/>
-                  </a:solidFill>
-                </a:uFill>
-                <a:latin typeface="Calibri"/>
-              </a:rPr>
-              <a:t>$%$</a:t>
-            </a:r>
-            <a:r>
-              <a:rPr b="0" lang="en-US" sz="1400" spc="-1" strike="noStrike">
-                <a:solidFill>
-                  <a:srgbClr val="000000"/>
-                </a:solidFill>
-                <a:uFill>
-                  <a:solidFill>
-                    <a:srgbClr val="ffffff"/>
-                  </a:solidFill>
-                </a:uFill>
-                <a:latin typeface="Calibri"/>
-              </a:rPr>
-              <a:t>(Length,Weight),Quantity($#4,</a:t>
-            </a:r>
-            <a:r>
-              <a:rPr b="0" lang="en-US" sz="1400" spc="-1" strike="noStrike">
-                <a:solidFill>
-                  <a:srgbClr val="ff0000"/>
-                </a:solidFill>
-                <a:uFill>
-                  <a:solidFill>
-                    <a:srgbClr val="ffffff"/>
-                  </a:solidFill>
-                </a:uFill>
-                <a:latin typeface="Calibri"/>
-              </a:rPr>
-              <a:t>$%$</a:t>
-            </a:r>
-            <a:r>
-              <a:rPr b="0" lang="en-US" sz="1400" spc="-1" strike="noStrike">
-                <a:solidFill>
-                  <a:srgbClr val="000000"/>
-                </a:solidFill>
-                <a:uFill>
-                  <a:solidFill>
-                    <a:srgbClr val="ffffff"/>
-                  </a:solidFill>
-                </a:uFill>
-                <a:latin typeface="Calibri"/>
-              </a:rPr>
-              <a:t>(mm,kg)))</a:t>
+              <a:t>$PI$(@(Length,Weight),Quantity($#4,@(mm,kg)))</a:t>
             </a:r>
             <a:endParaRPr b="0" lang="en-US" sz="1400" spc="-1" strike="noStrike">
               <a:solidFill>
@@ -19206,14 +19639,14 @@
       </p:sp>
       <p:sp>
         <p:nvSpPr>
-          <p:cNvPr id="148" name="CustomShape 7"/>
+          <p:cNvPr id="141" name="CustomShape 7"/>
           <p:cNvSpPr/>
           <p:nvPr/>
         </p:nvSpPr>
         <p:spPr>
           <a:xfrm>
             <a:off x="419400" y="1552680"/>
-            <a:ext cx="2244600" cy="516600"/>
+            <a:ext cx="1096560" cy="303480"/>
           </a:xfrm>
           <a:prstGeom prst="rect">
             <a:avLst/>
@@ -19242,52 +19675,6 @@
             <a:r>
               <a:rPr b="0" lang="en-US" sz="1400" spc="-1" strike="noStrike">
                 <a:solidFill>
-                  <a:srgbClr val="ff0000"/>
-                </a:solidFill>
-                <a:uFill>
-                  <a:solidFill>
-                    <a:srgbClr val="ffffff"/>
-                  </a:solidFill>
-                </a:uFill>
-                <a:latin typeface="Calibri"/>
-              </a:rPr>
-              <a:t>((#10$FILE$("num.csv"),</a:t>
-            </a:r>
-            <a:endParaRPr b="0" lang="en-US" sz="1400" spc="-1" strike="noStrike">
-              <a:solidFill>
-                <a:srgbClr val="000000"/>
-              </a:solidFill>
-              <a:uFill>
-                <a:solidFill>
-                  <a:srgbClr val="ffffff"/>
-                </a:solidFill>
-              </a:uFill>
-              <a:latin typeface="Arial"/>
-            </a:endParaRPr>
-          </a:p>
-          <a:p>
-            <a:pPr>
-              <a:lnSpc>
-                <a:spcPct val="100000"/>
-              </a:lnSpc>
-            </a:pPr>
-            <a:r>
-              <a:rPr b="0" lang="en-US" sz="1400" spc="-1" strike="noStrike">
-                <a:solidFill>
-                  <a:srgbClr val="ff0000"/>
-                </a:solidFill>
-                <a:uFill>
-                  <a:solidFill>
-                    <a:srgbClr val="ffffff"/>
-                  </a:solidFill>
-                </a:uFill>
-                <a:latin typeface="Calibri"/>
-              </a:rPr>
-              <a:t>$:#10$</a:t>
-            </a:r>
-            <a:r>
-              <a:rPr b="0" lang="en-US" sz="1400" spc="-1" strike="noStrike">
-                <a:solidFill>
                   <a:srgbClr val="000000"/>
                 </a:solidFill>
                 <a:uFill>
@@ -19298,20 +19685,6 @@
                 <a:latin typeface="Calibri"/>
               </a:rPr>
               <a:t>([4](#4[2]))</a:t>
-            </a:r>
-            <a:r>
-              <a:rPr b="0" lang="en-US" sz="1400" spc="-1" strike="noStrike">
-                <a:solidFill>
-                  <a:srgbClr val="ff0000"/>
-                </a:solidFill>
-                <a:uFill>
-                  <a:solidFill>
-                    <a:srgbClr val="ffffff"/>
-                  </a:solidFill>
-                </a:uFill>
-                <a:latin typeface="Calibri"/>
-              </a:rPr>
-              <a:t>)</a:t>
             </a:r>
             <a:endParaRPr b="0" lang="en-US" sz="1400" spc="-1" strike="noStrike">
               <a:solidFill>
@@ -19329,7 +19702,7 @@
       </p:sp>
       <p:sp>
         <p:nvSpPr>
-          <p:cNvPr id="149" name="CustomShape 8"/>
+          <p:cNvPr id="142" name="CustomShape 8"/>
           <p:cNvSpPr/>
           <p:nvPr/>
         </p:nvSpPr>
@@ -19608,7 +19981,7 @@
       </p:sp>
       <p:sp>
         <p:nvSpPr>
-          <p:cNvPr id="150" name="CustomShape 9"/>
+          <p:cNvPr id="143" name="CustomShape 9"/>
           <p:cNvSpPr/>
           <p:nvPr/>
         </p:nvSpPr>
@@ -19697,7 +20070,7 @@
       </p:sp>
       <p:sp>
         <p:nvSpPr>
-          <p:cNvPr id="151" name="CustomShape 10"/>
+          <p:cNvPr id="144" name="CustomShape 10"/>
           <p:cNvSpPr/>
           <p:nvPr/>
         </p:nvSpPr>
@@ -19786,7 +20159,7 @@
       </p:sp>
       <p:sp>
         <p:nvSpPr>
-          <p:cNvPr id="152" name="CustomShape 11"/>
+          <p:cNvPr id="145" name="CustomShape 11"/>
           <p:cNvSpPr/>
           <p:nvPr/>
         </p:nvSpPr>
@@ -19830,58 +20203,6 @@
                 <a:latin typeface="Calibri"/>
               </a:rPr>
               <a:t>- CSV: num.csv</a:t>
-            </a:r>
-            <a:endParaRPr b="0" lang="en-US" sz="1800" spc="-1" strike="noStrike">
-              <a:solidFill>
-                <a:srgbClr val="000000"/>
-              </a:solidFill>
-              <a:uFill>
-                <a:solidFill>
-                  <a:srgbClr val="ffffff"/>
-                </a:solidFill>
-              </a:uFill>
-              <a:latin typeface="Arial"/>
-            </a:endParaRPr>
-          </a:p>
-        </p:txBody>
-      </p:sp>
-      <p:sp>
-        <p:nvSpPr>
-          <p:cNvPr id="153" name="TextShape 12"/>
-          <p:cNvSpPr txBox="1"/>
-          <p:nvPr/>
-        </p:nvSpPr>
-        <p:spPr>
-          <a:xfrm>
-            <a:off x="33840" y="42480"/>
-            <a:ext cx="866520" cy="379800"/>
-          </a:xfrm>
-          <a:prstGeom prst="rect">
-            <a:avLst/>
-          </a:prstGeom>
-          <a:noFill/>
-          <a:ln>
-            <a:solidFill>
-              <a:srgbClr val="ff3333"/>
-            </a:solidFill>
-          </a:ln>
-        </p:spPr>
-        <p:txBody>
-          <a:bodyPr lIns="90000" rIns="90000" tIns="45000" bIns="45000"/>
-          <a:p>
-            <a:r>
-              <a:rPr b="0" lang="en-US" sz="1800" spc="-1" strike="noStrike">
-                <a:solidFill>
-                  <a:srgbClr val="ff3333"/>
-                </a:solidFill>
-                <a:uFill>
-                  <a:solidFill>
-                    <a:srgbClr val="ffffff"/>
-                  </a:solidFill>
-                </a:uFill>
-                <a:latin typeface="Arial"/>
-              </a:rPr>
-              <a:t>要検討</a:t>
             </a:r>
             <a:endParaRPr b="0" lang="en-US" sz="1800" spc="-1" strike="noStrike">
               <a:solidFill>

--- a/Document/tq_op_example.pptx
+++ b/Document/tq_op_example.pptx
@@ -3308,63 +3308,7 @@
                 </a:uFill>
                 <a:latin typeface="Calibri"/>
               </a:rPr>
-              <a:t>マス</a:t>
-            </a:r>
-            <a:r>
-              <a:rPr b="0" lang="ja-JP" sz="4400" spc="-1" strike="noStrike">
-                <a:solidFill>
-                  <a:srgbClr val="000000"/>
-                </a:solidFill>
-                <a:uFill>
-                  <a:solidFill>
-                    <a:srgbClr val="ffffff"/>
-                  </a:solidFill>
-                </a:uFill>
-                <a:latin typeface="Calibri"/>
-              </a:rPr>
-              <a:t>ター タ</a:t>
-            </a:r>
-            <a:r>
-              <a:rPr b="0" lang="ja-JP" sz="4400" spc="-1" strike="noStrike">
-                <a:solidFill>
-                  <a:srgbClr val="000000"/>
-                </a:solidFill>
-                <a:uFill>
-                  <a:solidFill>
-                    <a:srgbClr val="ffffff"/>
-                  </a:solidFill>
-                </a:uFill>
-                <a:latin typeface="Calibri"/>
-              </a:rPr>
-              <a:t>イトル</a:t>
-            </a:r>
-            <a:r>
-              <a:rPr b="0" lang="ja-JP" sz="4400" spc="-1" strike="noStrike">
-                <a:solidFill>
-                  <a:srgbClr val="000000"/>
-                </a:solidFill>
-                <a:uFill>
-                  <a:solidFill>
-                    <a:srgbClr val="ffffff"/>
-                  </a:solidFill>
-                </a:uFill>
-                <a:latin typeface="Calibri"/>
-              </a:rPr>
-              <a:t>の書式</a:t>
-            </a:r>
-            <a:r>
-              <a:rPr b="0" lang="ja-JP" sz="4400" spc="-1" strike="noStrike">
-                <a:solidFill>
-                  <a:srgbClr val="000000"/>
-                </a:solidFill>
-                <a:uFill>
-                  <a:solidFill>
-                    <a:srgbClr val="ffffff"/>
-                  </a:solidFill>
-                </a:uFill>
-                <a:latin typeface="Calibri"/>
-              </a:rPr>
-              <a:t>設定</a:t>
+              <a:t>マスター タイトルの書式設定</a:t>
             </a:r>
             <a:endParaRPr b="0" lang="ja-JP" sz="4400" spc="-1" strike="noStrike">
               <a:solidFill>
@@ -3407,7 +3351,7 @@
                 <a:spcPct val="100000"/>
               </a:lnSpc>
             </a:pPr>
-            <a:fld id="{343CB4FF-D948-47EB-9DEB-35857713E682}" type="datetime">
+            <a:fld id="{F1006CC2-5525-48C7-834B-08AC188C7EB6}" type="datetime">
               <a:rPr b="0" lang="en-US" sz="1200" spc="-1" strike="noStrike">
                 <a:solidFill>
                   <a:srgbClr val="8b8b8b"/>
@@ -3498,7 +3442,7 @@
                 <a:spcPct val="100000"/>
               </a:lnSpc>
             </a:pPr>
-            <a:fld id="{A0FBEA45-B4DF-478E-9E43-E67A5E599447}" type="slidenum">
+            <a:fld id="{EBEE8276-D11D-4C21-AE65-6BAA6FC5B8D7}" type="slidenum">
               <a:rPr b="0" lang="en-US" sz="1200" spc="-1" strike="noStrike">
                 <a:solidFill>
                   <a:srgbClr val="8b8b8b"/>
@@ -4367,7 +4311,7 @@
                 <a:spcPct val="100000"/>
               </a:lnSpc>
             </a:pPr>
-            <a:fld id="{D4D1857C-9C23-4132-B49E-DE209EDA4620}" type="datetime">
+            <a:fld id="{00CAFCA5-83FE-475C-8D89-10502CB50893}" type="datetime">
               <a:rPr b="0" lang="en-US" sz="1200" spc="-1" strike="noStrike">
                 <a:solidFill>
                   <a:srgbClr val="8b8b8b"/>
@@ -4458,7 +4402,7 @@
                 <a:spcPct val="100000"/>
               </a:lnSpc>
             </a:pPr>
-            <a:fld id="{1FE6E00D-0595-4963-91B7-DF30B122850C}" type="slidenum">
+            <a:fld id="{A375213F-2E39-45D2-A559-4693A3DD45E6}" type="slidenum">
               <a:rPr b="0" lang="en-US" sz="1200" spc="-1" strike="noStrike">
                 <a:solidFill>
                   <a:srgbClr val="8b8b8b"/>
@@ -4470,7 +4414,7 @@
                 </a:uFill>
                 <a:latin typeface="Calibri"/>
               </a:rPr>
-              <a:t>&lt;番号&gt;</a:t>
+              <a:t>1</a:t>
             </a:fld>
             <a:endParaRPr b="0" lang="en-US" sz="1200" spc="-1" strike="noStrike">
               <a:solidFill>
@@ -4643,7 +4587,21 @@
                 </a:uFill>
                 <a:latin typeface="Calibri"/>
               </a:rPr>
-              <a:t>データ構造パラダイムを統一 </a:t>
+              <a:t>データ構造パラダ</a:t>
+            </a:r>
+            <a:r>
+              <a:rPr b="0" lang="en-US" sz="1800" spc="-1" strike="noStrike">
+                <a:solidFill>
+                  <a:srgbClr val="000000"/>
+                </a:solidFill>
+                <a:uFill>
+                  <a:solidFill>
+                    <a:srgbClr val="ffffff"/>
+                  </a:solidFill>
+                </a:uFill>
+                <a:latin typeface="Calibri"/>
+              </a:rPr>
+              <a:t>イムを統一 </a:t>
             </a:r>
             <a:endParaRPr b="0" lang="en-US" sz="1800" spc="-1" strike="noStrike">
               <a:solidFill>
@@ -4689,7 +4647,35 @@
                 </a:uFill>
                 <a:latin typeface="Calibri"/>
               </a:rPr>
-              <a:t>=&gt; NIMS Standard SpreadSheet</a:t>
+              <a:t>=&gt; NIMS </a:t>
+            </a:r>
+            <a:r>
+              <a:rPr b="0" lang="en-US" sz="1800" spc="-1" strike="noStrike">
+                <a:solidFill>
+                  <a:srgbClr val="000000"/>
+                </a:solidFill>
+                <a:uFill>
+                  <a:solidFill>
+                    <a:srgbClr val="ffffff"/>
+                  </a:solidFill>
+                </a:uFill>
+                <a:latin typeface="Calibri"/>
+              </a:rPr>
+              <a:t>Standard </a:t>
+            </a:r>
+            <a:r>
+              <a:rPr b="0" lang="en-US" sz="1800" spc="-1" strike="noStrike">
+                <a:solidFill>
+                  <a:srgbClr val="000000"/>
+                </a:solidFill>
+                <a:uFill>
+                  <a:solidFill>
+                    <a:srgbClr val="ffffff"/>
+                  </a:solidFill>
+                </a:uFill>
+                <a:latin typeface="Calibri"/>
+              </a:rPr>
+              <a:t>SpreadSheet</a:t>
             </a:r>
             <a:endParaRPr b="0" lang="en-US" sz="1800" spc="-1" strike="noStrike">
               <a:solidFill>
@@ -4721,7 +4707,21 @@
                 </a:uFill>
                 <a:latin typeface="Calibri"/>
               </a:rPr>
-              <a:t>　　　　（データ形式</a:t>
+              <a:t>　　　　（データ形</a:t>
+            </a:r>
+            <a:r>
+              <a:rPr b="0" lang="en-US" sz="1800" spc="-1" strike="noStrike">
+                <a:solidFill>
+                  <a:srgbClr val="000000"/>
+                </a:solidFill>
+                <a:uFill>
+                  <a:solidFill>
+                    <a:srgbClr val="ffffff"/>
+                  </a:solidFill>
+                </a:uFill>
+                <a:latin typeface="Calibri"/>
+              </a:rPr>
+              <a:t>式</a:t>
             </a:r>
             <a:r>
               <a:rPr b="0" lang="en-US" sz="1800" spc="-1" strike="noStrike">
@@ -4749,7 +4749,35 @@
                 </a:uFill>
                 <a:latin typeface="Calibri"/>
               </a:rPr>
-              <a:t>データ構造となるような厳密解釈を目指す）</a:t>
+              <a:t>データ構造とな</a:t>
+            </a:r>
+            <a:r>
+              <a:rPr b="0" lang="en-US" sz="1800" spc="-1" strike="noStrike">
+                <a:solidFill>
+                  <a:srgbClr val="000000"/>
+                </a:solidFill>
+                <a:uFill>
+                  <a:solidFill>
+                    <a:srgbClr val="ffffff"/>
+                  </a:solidFill>
+                </a:uFill>
+                <a:latin typeface="Calibri"/>
+              </a:rPr>
+              <a:t>るような厳密解釈を</a:t>
+            </a:r>
+            <a:r>
+              <a:rPr b="0" lang="en-US" sz="1800" spc="-1" strike="noStrike">
+                <a:solidFill>
+                  <a:srgbClr val="000000"/>
+                </a:solidFill>
+                <a:uFill>
+                  <a:solidFill>
+                    <a:srgbClr val="ffffff"/>
+                  </a:solidFill>
+                </a:uFill>
+                <a:latin typeface="Calibri"/>
+              </a:rPr>
+              <a:t>目指す）</a:t>
             </a:r>
             <a:endParaRPr b="0" lang="en-US" sz="1800" spc="-1" strike="noStrike">
               <a:solidFill>
@@ -4795,7 +4823,21 @@
                 </a:uFill>
                 <a:latin typeface="Calibri"/>
               </a:rPr>
-              <a:t>シンプルなデータ構造のみを扱う </a:t>
+              <a:t>シンプルなデータ</a:t>
+            </a:r>
+            <a:r>
+              <a:rPr b="0" lang="en-US" sz="1800" spc="-1" strike="noStrike">
+                <a:solidFill>
+                  <a:srgbClr val="000000"/>
+                </a:solidFill>
+                <a:uFill>
+                  <a:solidFill>
+                    <a:srgbClr val="ffffff"/>
+                  </a:solidFill>
+                </a:uFill>
+                <a:latin typeface="Calibri"/>
+              </a:rPr>
+              <a:t>構造のみを扱う </a:t>
             </a:r>
             <a:endParaRPr b="0" lang="en-US" sz="1800" spc="-1" strike="noStrike">
               <a:solidFill>
@@ -4887,7 +4929,35 @@
                 </a:uFill>
                 <a:latin typeface="Calibri"/>
               </a:rPr>
-              <a:t>統一されたデータ構造パラダイムの下でデータを扱う </a:t>
+              <a:t>統一されたデータ</a:t>
+            </a:r>
+            <a:r>
+              <a:rPr b="0" lang="en-US" sz="1800" spc="-1" strike="noStrike">
+                <a:solidFill>
+                  <a:srgbClr val="000000"/>
+                </a:solidFill>
+                <a:uFill>
+                  <a:solidFill>
+                    <a:srgbClr val="ffffff"/>
+                  </a:solidFill>
+                </a:uFill>
+                <a:latin typeface="Calibri"/>
+              </a:rPr>
+              <a:t>構造パラダイムの下</a:t>
+            </a:r>
+            <a:r>
+              <a:rPr b="0" lang="en-US" sz="1800" spc="-1" strike="noStrike">
+                <a:solidFill>
+                  <a:srgbClr val="000000"/>
+                </a:solidFill>
+                <a:uFill>
+                  <a:solidFill>
+                    <a:srgbClr val="ffffff"/>
+                  </a:solidFill>
+                </a:uFill>
+                <a:latin typeface="Calibri"/>
+              </a:rPr>
+              <a:t>でデータを扱う </a:t>
             </a:r>
             <a:endParaRPr b="0" lang="en-US" sz="1800" spc="-1" strike="noStrike">
               <a:solidFill>
@@ -4947,7 +5017,35 @@
                 </a:uFill>
                 <a:latin typeface="Calibri"/>
               </a:rPr>
-              <a:t>シンプルで最低限のオペレーション定義 </a:t>
+              <a:t>シンプルで</a:t>
+            </a:r>
+            <a:r>
+              <a:rPr b="0" lang="en-US" sz="1800" spc="-1" strike="noStrike">
+                <a:solidFill>
+                  <a:srgbClr val="000000"/>
+                </a:solidFill>
+                <a:uFill>
+                  <a:solidFill>
+                    <a:srgbClr val="ffffff"/>
+                  </a:solidFill>
+                </a:uFill>
+                <a:latin typeface="Calibri"/>
+              </a:rPr>
+              <a:t>最低限のオペレー</a:t>
+            </a:r>
+            <a:r>
+              <a:rPr b="0" lang="en-US" sz="1800" spc="-1" strike="noStrike">
+                <a:solidFill>
+                  <a:srgbClr val="000000"/>
+                </a:solidFill>
+                <a:uFill>
+                  <a:solidFill>
+                    <a:srgbClr val="ffffff"/>
+                  </a:solidFill>
+                </a:uFill>
+                <a:latin typeface="Calibri"/>
+              </a:rPr>
+              <a:t>ション定義 </a:t>
             </a:r>
             <a:r>
               <a:rPr b="0" lang="en-US" sz="1800" spc="-1" strike="noStrike">
@@ -4975,7 +5073,21 @@
                 </a:uFill>
                 <a:latin typeface="Calibri"/>
               </a:rPr>
-              <a:t>オリジナルな定義言語 </a:t>
+              <a:t>オリジナルな定義言</a:t>
+            </a:r>
+            <a:r>
+              <a:rPr b="0" lang="en-US" sz="1800" spc="-1" strike="noStrike">
+                <a:solidFill>
+                  <a:srgbClr val="000000"/>
+                </a:solidFill>
+                <a:uFill>
+                  <a:solidFill>
+                    <a:srgbClr val="ffffff"/>
+                  </a:solidFill>
+                </a:uFill>
+                <a:latin typeface="Calibri"/>
+              </a:rPr>
+              <a:t>語 </a:t>
             </a:r>
             <a:endParaRPr b="0" lang="en-US" sz="1800" spc="-1" strike="noStrike">
               <a:solidFill>
@@ -5141,8 +5253,21 @@
                 </a:uFill>
                 <a:latin typeface="Arial"/>
               </a:rPr>
-              <a:t>&lt;head&gt;::=&lt;ref-label&gt;?&lt;reference&gt;?</a:t>
-            </a:r>
+              <a:t>&lt;head&gt;::=&lt;ref-label&gt;?&lt;reference&gt;?&lt;function&gt;?&lt;name&gt;?&lt;bind&gt;?;</a:t>
+            </a:r>
+            <a:endParaRPr b="0" lang="en-US" sz="1800" spc="-1" strike="noStrike">
+              <a:solidFill>
+                <a:srgbClr val="000000"/>
+              </a:solidFill>
+              <a:uFill>
+                <a:solidFill>
+                  <a:srgbClr val="ffffff"/>
+                </a:solidFill>
+              </a:uFill>
+              <a:latin typeface="Arial"/>
+            </a:endParaRPr>
+          </a:p>
+          <a:p>
             <a:r>
               <a:rPr b="0" lang="en-US" sz="1800" spc="-1" strike="noStrike">
                 <a:solidFill>
@@ -5155,7 +5280,7 @@
                 </a:uFill>
                 <a:latin typeface="Arial"/>
               </a:rPr>
-              <a:t>&lt;function&gt;?&lt;name&gt;?&lt;bind&gt;?;</a:t>
+              <a:t>&lt;ref-label&gt;::=(’#’|’##’)&lt;num&gt;+;</a:t>
             </a:r>
             <a:endParaRPr b="0" lang="en-US" sz="1800" spc="-1" strike="noStrike">
               <a:solidFill>
@@ -5182,7 +5307,7 @@
                 </a:uFill>
                 <a:latin typeface="Arial"/>
               </a:rPr>
-              <a:t>&lt;ref-label&gt;::=(’#’|’##’)&lt;num&gt;+;</a:t>
+              <a:t>&lt;reference&gt;::=’$’(’#’|’##’)&lt;num&gt;+;</a:t>
             </a:r>
             <a:endParaRPr b="0" lang="en-US" sz="1800" spc="-1" strike="noStrike">
               <a:solidFill>
@@ -5209,7 +5334,7 @@
                 </a:uFill>
                 <a:latin typeface="Arial"/>
               </a:rPr>
-              <a:t>&lt;reference&gt;::=’$’(’#’|’##’)&lt;num&gt;+;</a:t>
+              <a:t>&lt;function&gt;::=’{'&lt;operator&gt;(’(’&lt;T-form&gt;(’,’&lt;T-form&gt;)*’)’)*’}’;</a:t>
             </a:r>
             <a:endParaRPr b="0" lang="en-US" sz="1800" spc="-1" strike="noStrike">
               <a:solidFill>
@@ -5236,8 +5361,21 @@
                 </a:uFill>
                 <a:latin typeface="Arial"/>
               </a:rPr>
-              <a:t>&lt;function&gt;::=’{'&lt;operator&gt;(’(’&lt;T-</a:t>
-            </a:r>
+              <a:t>&lt;name&gt;::=&lt;char&gt;+;</a:t>
+            </a:r>
+            <a:endParaRPr b="0" lang="en-US" sz="1800" spc="-1" strike="noStrike">
+              <a:solidFill>
+                <a:srgbClr val="000000"/>
+              </a:solidFill>
+              <a:uFill>
+                <a:solidFill>
+                  <a:srgbClr val="ffffff"/>
+                </a:solidFill>
+              </a:uFill>
+              <a:latin typeface="Arial"/>
+            </a:endParaRPr>
+          </a:p>
+          <a:p>
             <a:r>
               <a:rPr b="0" lang="en-US" sz="1800" spc="-1" strike="noStrike">
                 <a:solidFill>
@@ -5250,7 +5388,7 @@
                 </a:uFill>
                 <a:latin typeface="Arial"/>
               </a:rPr>
-              <a:t>form&gt;(’,’&lt;T-form&gt;)*’)’)*’}’;</a:t>
+              <a:t>&lt;bind&gt;::=’[’(&lt;num&gt;+(,&lt;num&gt;+)*)?’]’;</a:t>
             </a:r>
             <a:endParaRPr b="0" lang="en-US" sz="1800" spc="-1" strike="noStrike">
               <a:solidFill>
@@ -5277,7 +5415,7 @@
                 </a:uFill>
                 <a:latin typeface="Arial"/>
               </a:rPr>
-              <a:t>&lt;name&gt;::=&lt;char&gt;+;</a:t>
+              <a:t>&lt;operator&gt;::='$'&lt;name&gt;'$'</a:t>
             </a:r>
             <a:endParaRPr b="0" lang="en-US" sz="1800" spc="-1" strike="noStrike">
               <a:solidFill>
@@ -5304,75 +5442,7 @@
                 </a:uFill>
                 <a:latin typeface="Arial"/>
               </a:rPr>
-              <a:t>&lt;bind&gt;::=’[’(&lt;num&gt;+(,&lt;num&gt;+)*)?’]’;</a:t>
-            </a:r>
-            <a:endParaRPr b="0" lang="en-US" sz="1800" spc="-1" strike="noStrike">
-              <a:solidFill>
-                <a:srgbClr val="000000"/>
-              </a:solidFill>
-              <a:uFill>
-                <a:solidFill>
-                  <a:srgbClr val="ffffff"/>
-                </a:solidFill>
-              </a:uFill>
-              <a:latin typeface="Arial"/>
-            </a:endParaRPr>
-          </a:p>
-          <a:p>
-            <a:r>
-              <a:rPr b="0" lang="en-US" sz="1800" spc="-1" strike="noStrike">
-                <a:solidFill>
-                  <a:srgbClr val="000000"/>
-                </a:solidFill>
-                <a:uFill>
-                  <a:solidFill>
-                    <a:srgbClr val="ffffff"/>
-                  </a:solidFill>
-                </a:uFill>
-                <a:latin typeface="Arial"/>
-              </a:rPr>
-              <a:t>&lt;operator&gt;::='$'&lt;name&gt;'$'</a:t>
-            </a:r>
-            <a:endParaRPr b="0" lang="en-US" sz="1800" spc="-1" strike="noStrike">
-              <a:solidFill>
-                <a:srgbClr val="000000"/>
-              </a:solidFill>
-              <a:uFill>
-                <a:solidFill>
-                  <a:srgbClr val="ffffff"/>
-                </a:solidFill>
-              </a:uFill>
-              <a:latin typeface="Arial"/>
-            </a:endParaRPr>
-          </a:p>
-          <a:p>
-            <a:r>
-              <a:rPr b="0" lang="en-US" sz="1800" spc="-1" strike="noStrike">
-                <a:solidFill>
-                  <a:srgbClr val="000000"/>
-                </a:solidFill>
-                <a:uFill>
-                  <a:solidFill>
-                    <a:srgbClr val="ffffff"/>
-                  </a:solidFill>
-                </a:uFill>
-                <a:latin typeface="Arial"/>
-              </a:rPr>
-              <a:t>&lt;T-form&gt;::=&lt;head&gt;(’(’(&lt;T-form&gt;(’,’&lt;T-</a:t>
-            </a:r>
-            <a:r>
-              <a:rPr b="0" lang="en-US" sz="1800" spc="-1" strike="noStrike">
-                <a:solidFill>
-                  <a:srgbClr val="000000"/>
-                </a:solidFill>
-                <a:uFill>
-                  <a:solidFill>
-                    <a:srgbClr val="ffffff"/>
-                  </a:solidFill>
-                </a:uFill>
-                <a:latin typeface="Arial"/>
-              </a:rPr>
-              <a:t>form&gt;)*)?’)’)*;</a:t>
+              <a:t>&lt;T-form&gt;::=&lt;head&gt;(’(’(&lt;T-form&gt;(’,’&lt;T-form&gt;)*)?’)’)*;</a:t>
             </a:r>
             <a:endParaRPr b="0" lang="en-US" sz="1800" spc="-1" strike="noStrike">
               <a:solidFill>
@@ -12009,8 +12079,8 @@
         </p:nvSpPr>
         <p:spPr>
           <a:xfrm>
-            <a:off x="322920" y="1764000"/>
-            <a:ext cx="4465080" cy="3107880"/>
+            <a:off x="144360" y="1804680"/>
+            <a:ext cx="7069320" cy="3107880"/>
           </a:xfrm>
           <a:prstGeom prst="rect">
             <a:avLst/>
@@ -12134,7 +12204,77 @@
                 </a:uFill>
                 <a:latin typeface="Calibri"/>
               </a:rPr>
-              <a:t>(NS3):</a:t>
+              <a:t>(NS3)</a:t>
+            </a:r>
+            <a:r>
+              <a:rPr b="0" lang="en-US" sz="1800" spc="-1" strike="noStrike">
+                <a:solidFill>
+                  <a:srgbClr val="000000"/>
+                </a:solidFill>
+                <a:uFill>
+                  <a:solidFill>
+                    <a:srgbClr val="ffffff"/>
+                  </a:solidFill>
+                </a:uFill>
+                <a:latin typeface="Calibri"/>
+              </a:rPr>
+              <a:t>は、</a:t>
+            </a:r>
+            <a:r>
+              <a:rPr b="0" lang="en-US" sz="1800" spc="-1" strike="noStrike">
+                <a:solidFill>
+                  <a:srgbClr val="000000"/>
+                </a:solidFill>
+                <a:uFill>
+                  <a:solidFill>
+                    <a:srgbClr val="ffffff"/>
+                  </a:solidFill>
+                </a:uFill>
+                <a:latin typeface="Calibri"/>
+              </a:rPr>
+              <a:t>前述</a:t>
+            </a:r>
+            <a:r>
+              <a:rPr b="0" lang="en-US" sz="1800" spc="-1" strike="noStrike">
+                <a:solidFill>
+                  <a:srgbClr val="000000"/>
+                </a:solidFill>
+                <a:uFill>
+                  <a:solidFill>
+                    <a:srgbClr val="ffffff"/>
+                  </a:solidFill>
+                </a:uFill>
+                <a:latin typeface="Calibri"/>
+              </a:rPr>
+              <a:t>&lt;T-form&gt;</a:t>
+            </a:r>
+            <a:r>
+              <a:rPr b="0" lang="en-US" sz="1800" spc="-1" strike="noStrike">
+                <a:solidFill>
+                  <a:srgbClr val="000000"/>
+                </a:solidFill>
+                <a:uFill>
+                  <a:solidFill>
+                    <a:srgbClr val="ffffff"/>
+                  </a:solidFill>
+                </a:uFill>
+                <a:latin typeface="Calibri"/>
+              </a:rPr>
+              <a:t>で表現される</a:t>
+            </a:r>
+            <a:r>
+              <a:rPr b="0" lang="en-US" sz="1800" spc="-1" strike="noStrike">
+                <a:solidFill>
+                  <a:srgbClr val="000000"/>
+                </a:solidFill>
+                <a:uFill>
+                  <a:solidFill>
+                    <a:srgbClr val="ffffff"/>
+                  </a:solidFill>
+                </a:uFill>
+                <a:latin typeface="Calibri"/>
+              </a:rPr>
+              <a:t>:</a:t>
             </a:r>
             <a:endParaRPr b="0" lang="en-US" sz="1800" spc="-1" strike="noStrike">
               <a:solidFill>
@@ -12226,7 +12366,7 @@
                 </a:uFill>
                 <a:latin typeface="Calibri"/>
               </a:rPr>
-              <a:t>&lt;Dataset&gt;::=(&lt;Line&gt;,...)</a:t>
+              <a:t>&lt;Dataset&gt;::=’Dataset’’(‘&lt;Line&gt;(‘,’&lt;Line&gt;)*’)’</a:t>
             </a:r>
             <a:endParaRPr b="0" lang="en-US" sz="1800" spc="-1" strike="noStrike">
               <a:solidFill>
@@ -12272,7 +12412,7 @@
                 </a:uFill>
                 <a:latin typeface="Calibri"/>
               </a:rPr>
-              <a:t>&lt;Line&gt;::=(&lt;Cell&gt;,...)</a:t>
+              <a:t>&lt;Line&gt;::=’(‘&lt;Cell&gt;(‘,’&lt;Cell&gt;)’)’</a:t>
             </a:r>
             <a:endParaRPr b="0" lang="en-US" sz="1800" spc="-1" strike="noStrike">
               <a:solidFill>
@@ -12318,7 +12458,21 @@
                 </a:uFill>
                 <a:latin typeface="Calibri"/>
               </a:rPr>
-              <a:t>&lt;Cell&gt;::=(&lt;Item&gt;,Quantity(&lt;Value&gt;,&lt;Unit&gt;)) </a:t>
+              <a:t>&lt;Cell&gt;::=’(‘&lt;Item&gt;’,’’Quantity’’(‘&lt;Value&gt;’,’&lt;Uni</a:t>
+            </a:r>
+            <a:r>
+              <a:rPr b="0" lang="en-US" sz="1800" spc="-1" strike="noStrike">
+                <a:solidFill>
+                  <a:srgbClr val="000000"/>
+                </a:solidFill>
+                <a:uFill>
+                  <a:solidFill>
+                    <a:srgbClr val="ffffff"/>
+                  </a:solidFill>
+                </a:uFill>
+                <a:latin typeface="Calibri"/>
+              </a:rPr>
+              <a:t>t&gt;’)’’)’ </a:t>
             </a:r>
             <a:endParaRPr b="0" lang="en-US" sz="1800" spc="-1" strike="noStrike">
               <a:solidFill>
@@ -12364,7 +12518,7 @@
                 </a:uFill>
                 <a:latin typeface="Calibri"/>
               </a:rPr>
-              <a:t>| (&lt;Item&gt;,&lt;Type&gt;(&lt;Value&gt;))</a:t>
+              <a:t>| ‘(‘&lt;Item&gt;’,’&lt;Type&gt;’(‘&lt;Value&gt;’)’’)’</a:t>
             </a:r>
             <a:endParaRPr b="0" lang="en-US" sz="1800" spc="-1" strike="noStrike">
               <a:solidFill>
@@ -12590,7 +12744,7 @@
                 </a:uFill>
                 <a:latin typeface="Calibri"/>
               </a:rPr>
-              <a:t>のオリジナル構造定義言語</a:t>
+              <a:t>のオリジナル構造定義言語（前述）</a:t>
             </a:r>
             <a:endParaRPr b="0" lang="en-US" sz="1800" spc="-1" strike="noStrike">
               <a:solidFill>

--- a/Document/tq_op_example.pptx
+++ b/Document/tq_op_example.pptx
@@ -3351,7 +3351,7 @@
                 <a:spcPct val="100000"/>
               </a:lnSpc>
             </a:pPr>
-            <a:fld id="{F1006CC2-5525-48C7-834B-08AC188C7EB6}" type="datetime">
+            <a:fld id="{86D74BC5-EE7C-47ED-8F82-0B1A317DBD53}" type="datetime">
               <a:rPr b="0" lang="en-US" sz="1200" spc="-1" strike="noStrike">
                 <a:solidFill>
                   <a:srgbClr val="8b8b8b"/>
@@ -3442,7 +3442,7 @@
                 <a:spcPct val="100000"/>
               </a:lnSpc>
             </a:pPr>
-            <a:fld id="{EBEE8276-D11D-4C21-AE65-6BAA6FC5B8D7}" type="slidenum">
+            <a:fld id="{CDD4B8EE-EE35-48E2-BDDA-4A75EB6D094F}" type="slidenum">
               <a:rPr b="0" lang="en-US" sz="1200" spc="-1" strike="noStrike">
                 <a:solidFill>
                   <a:srgbClr val="8b8b8b"/>
@@ -4311,7 +4311,7 @@
                 <a:spcPct val="100000"/>
               </a:lnSpc>
             </a:pPr>
-            <a:fld id="{00CAFCA5-83FE-475C-8D89-10502CB50893}" type="datetime">
+            <a:fld id="{C580CB9B-4C7A-4D59-B2CF-CE278424733D}" type="datetime">
               <a:rPr b="0" lang="en-US" sz="1200" spc="-1" strike="noStrike">
                 <a:solidFill>
                   <a:srgbClr val="8b8b8b"/>
@@ -4402,7 +4402,7 @@
                 <a:spcPct val="100000"/>
               </a:lnSpc>
             </a:pPr>
-            <a:fld id="{A375213F-2E39-45D2-A559-4693A3DD45E6}" type="slidenum">
+            <a:fld id="{D8EDFF0D-0C67-4C29-B012-A597D80F8155}" type="slidenum">
               <a:rPr b="0" lang="en-US" sz="1200" spc="-1" strike="noStrike">
                 <a:solidFill>
                   <a:srgbClr val="8b8b8b"/>
@@ -4587,21 +4587,7 @@
                 </a:uFill>
                 <a:latin typeface="Calibri"/>
               </a:rPr>
-              <a:t>データ構造パラダ</a:t>
-            </a:r>
-            <a:r>
-              <a:rPr b="0" lang="en-US" sz="1800" spc="-1" strike="noStrike">
-                <a:solidFill>
-                  <a:srgbClr val="000000"/>
-                </a:solidFill>
-                <a:uFill>
-                  <a:solidFill>
-                    <a:srgbClr val="ffffff"/>
-                  </a:solidFill>
-                </a:uFill>
-                <a:latin typeface="Calibri"/>
-              </a:rPr>
-              <a:t>イムを統一 </a:t>
+              <a:t>データ構造パラダイムを統一 </a:t>
             </a:r>
             <a:endParaRPr b="0" lang="en-US" sz="1800" spc="-1" strike="noStrike">
               <a:solidFill>
@@ -4647,35 +4633,7 @@
                 </a:uFill>
                 <a:latin typeface="Calibri"/>
               </a:rPr>
-              <a:t>=&gt; NIMS </a:t>
-            </a:r>
-            <a:r>
-              <a:rPr b="0" lang="en-US" sz="1800" spc="-1" strike="noStrike">
-                <a:solidFill>
-                  <a:srgbClr val="000000"/>
-                </a:solidFill>
-                <a:uFill>
-                  <a:solidFill>
-                    <a:srgbClr val="ffffff"/>
-                  </a:solidFill>
-                </a:uFill>
-                <a:latin typeface="Calibri"/>
-              </a:rPr>
-              <a:t>Standard </a:t>
-            </a:r>
-            <a:r>
-              <a:rPr b="0" lang="en-US" sz="1800" spc="-1" strike="noStrike">
-                <a:solidFill>
-                  <a:srgbClr val="000000"/>
-                </a:solidFill>
-                <a:uFill>
-                  <a:solidFill>
-                    <a:srgbClr val="ffffff"/>
-                  </a:solidFill>
-                </a:uFill>
-                <a:latin typeface="Calibri"/>
-              </a:rPr>
-              <a:t>SpreadSheet</a:t>
+              <a:t>=&gt; NIMS Standard SpreadSheet</a:t>
             </a:r>
             <a:endParaRPr b="0" lang="en-US" sz="1800" spc="-1" strike="noStrike">
               <a:solidFill>
@@ -4707,21 +4665,7 @@
                 </a:uFill>
                 <a:latin typeface="Calibri"/>
               </a:rPr>
-              <a:t>　　　　（データ形</a:t>
-            </a:r>
-            <a:r>
-              <a:rPr b="0" lang="en-US" sz="1800" spc="-1" strike="noStrike">
-                <a:solidFill>
-                  <a:srgbClr val="000000"/>
-                </a:solidFill>
-                <a:uFill>
-                  <a:solidFill>
-                    <a:srgbClr val="ffffff"/>
-                  </a:solidFill>
-                </a:uFill>
-                <a:latin typeface="Calibri"/>
-              </a:rPr>
-              <a:t>式</a:t>
+              <a:t>　　　　（データ形式</a:t>
             </a:r>
             <a:r>
               <a:rPr b="0" lang="en-US" sz="1800" spc="-1" strike="noStrike">
@@ -4749,35 +4693,7 @@
                 </a:uFill>
                 <a:latin typeface="Calibri"/>
               </a:rPr>
-              <a:t>データ構造とな</a:t>
-            </a:r>
-            <a:r>
-              <a:rPr b="0" lang="en-US" sz="1800" spc="-1" strike="noStrike">
-                <a:solidFill>
-                  <a:srgbClr val="000000"/>
-                </a:solidFill>
-                <a:uFill>
-                  <a:solidFill>
-                    <a:srgbClr val="ffffff"/>
-                  </a:solidFill>
-                </a:uFill>
-                <a:latin typeface="Calibri"/>
-              </a:rPr>
-              <a:t>るような厳密解釈を</a:t>
-            </a:r>
-            <a:r>
-              <a:rPr b="0" lang="en-US" sz="1800" spc="-1" strike="noStrike">
-                <a:solidFill>
-                  <a:srgbClr val="000000"/>
-                </a:solidFill>
-                <a:uFill>
-                  <a:solidFill>
-                    <a:srgbClr val="ffffff"/>
-                  </a:solidFill>
-                </a:uFill>
-                <a:latin typeface="Calibri"/>
-              </a:rPr>
-              <a:t>目指す）</a:t>
+              <a:t>データ構造となるような厳密解釈を目指す）</a:t>
             </a:r>
             <a:endParaRPr b="0" lang="en-US" sz="1800" spc="-1" strike="noStrike">
               <a:solidFill>
@@ -4823,21 +4739,7 @@
                 </a:uFill>
                 <a:latin typeface="Calibri"/>
               </a:rPr>
-              <a:t>シンプルなデータ</a:t>
-            </a:r>
-            <a:r>
-              <a:rPr b="0" lang="en-US" sz="1800" spc="-1" strike="noStrike">
-                <a:solidFill>
-                  <a:srgbClr val="000000"/>
-                </a:solidFill>
-                <a:uFill>
-                  <a:solidFill>
-                    <a:srgbClr val="ffffff"/>
-                  </a:solidFill>
-                </a:uFill>
-                <a:latin typeface="Calibri"/>
-              </a:rPr>
-              <a:t>構造のみを扱う </a:t>
+              <a:t>シンプルなデータ構造のみを扱う </a:t>
             </a:r>
             <a:endParaRPr b="0" lang="en-US" sz="1800" spc="-1" strike="noStrike">
               <a:solidFill>
@@ -4929,35 +4831,7 @@
                 </a:uFill>
                 <a:latin typeface="Calibri"/>
               </a:rPr>
-              <a:t>統一されたデータ</a:t>
-            </a:r>
-            <a:r>
-              <a:rPr b="0" lang="en-US" sz="1800" spc="-1" strike="noStrike">
-                <a:solidFill>
-                  <a:srgbClr val="000000"/>
-                </a:solidFill>
-                <a:uFill>
-                  <a:solidFill>
-                    <a:srgbClr val="ffffff"/>
-                  </a:solidFill>
-                </a:uFill>
-                <a:latin typeface="Calibri"/>
-              </a:rPr>
-              <a:t>構造パラダイムの下</a:t>
-            </a:r>
-            <a:r>
-              <a:rPr b="0" lang="en-US" sz="1800" spc="-1" strike="noStrike">
-                <a:solidFill>
-                  <a:srgbClr val="000000"/>
-                </a:solidFill>
-                <a:uFill>
-                  <a:solidFill>
-                    <a:srgbClr val="ffffff"/>
-                  </a:solidFill>
-                </a:uFill>
-                <a:latin typeface="Calibri"/>
-              </a:rPr>
-              <a:t>でデータを扱う </a:t>
+              <a:t>統一されたデータ構造パラダイムの下でデータを扱う </a:t>
             </a:r>
             <a:endParaRPr b="0" lang="en-US" sz="1800" spc="-1" strike="noStrike">
               <a:solidFill>
@@ -5017,35 +4891,7 @@
                 </a:uFill>
                 <a:latin typeface="Calibri"/>
               </a:rPr>
-              <a:t>シンプルで</a:t>
-            </a:r>
-            <a:r>
-              <a:rPr b="0" lang="en-US" sz="1800" spc="-1" strike="noStrike">
-                <a:solidFill>
-                  <a:srgbClr val="000000"/>
-                </a:solidFill>
-                <a:uFill>
-                  <a:solidFill>
-                    <a:srgbClr val="ffffff"/>
-                  </a:solidFill>
-                </a:uFill>
-                <a:latin typeface="Calibri"/>
-              </a:rPr>
-              <a:t>最低限のオペレー</a:t>
-            </a:r>
-            <a:r>
-              <a:rPr b="0" lang="en-US" sz="1800" spc="-1" strike="noStrike">
-                <a:solidFill>
-                  <a:srgbClr val="000000"/>
-                </a:solidFill>
-                <a:uFill>
-                  <a:solidFill>
-                    <a:srgbClr val="ffffff"/>
-                  </a:solidFill>
-                </a:uFill>
-                <a:latin typeface="Calibri"/>
-              </a:rPr>
-              <a:t>ション定義 </a:t>
+              <a:t>シンプルで最低限のオペレーション定義 </a:t>
             </a:r>
             <a:r>
               <a:rPr b="0" lang="en-US" sz="1800" spc="-1" strike="noStrike">
@@ -5073,21 +4919,7 @@
                 </a:uFill>
                 <a:latin typeface="Calibri"/>
               </a:rPr>
-              <a:t>オリジナルな定義言</a:t>
-            </a:r>
-            <a:r>
-              <a:rPr b="0" lang="en-US" sz="1800" spc="-1" strike="noStrike">
-                <a:solidFill>
-                  <a:srgbClr val="000000"/>
-                </a:solidFill>
-                <a:uFill>
-                  <a:solidFill>
-                    <a:srgbClr val="ffffff"/>
-                  </a:solidFill>
-                </a:uFill>
-                <a:latin typeface="Calibri"/>
-              </a:rPr>
-              <a:t>語 </a:t>
+              <a:t>オリジナルな定義言語 </a:t>
             </a:r>
             <a:endParaRPr b="0" lang="en-US" sz="1800" spc="-1" strike="noStrike">
               <a:solidFill>
@@ -12218,21 +12050,7 @@
                 </a:uFill>
                 <a:latin typeface="Calibri"/>
               </a:rPr>
-              <a:t>は、</a:t>
-            </a:r>
-            <a:r>
-              <a:rPr b="0" lang="en-US" sz="1800" spc="-1" strike="noStrike">
-                <a:solidFill>
-                  <a:srgbClr val="000000"/>
-                </a:solidFill>
-                <a:uFill>
-                  <a:solidFill>
-                    <a:srgbClr val="ffffff"/>
-                  </a:solidFill>
-                </a:uFill>
-                <a:latin typeface="Calibri"/>
-              </a:rPr>
-              <a:t>前述</a:t>
+              <a:t>は、前述</a:t>
             </a:r>
             <a:r>
               <a:rPr b="0" lang="en-US" sz="1800" spc="-1" strike="noStrike">
@@ -12366,7 +12184,7 @@
                 </a:uFill>
                 <a:latin typeface="Calibri"/>
               </a:rPr>
-              <a:t>&lt;Dataset&gt;::=’Dataset’’(‘&lt;Line&gt;(‘,’&lt;Line&gt;)*’)’</a:t>
+              <a:t>&lt;Dataset&gt;::=’Dataset’?’(‘&lt;Line&gt;(‘,’&lt;Line&gt;)*’)’</a:t>
             </a:r>
             <a:endParaRPr b="0" lang="en-US" sz="1800" spc="-1" strike="noStrike">
               <a:solidFill>
@@ -12458,21 +12276,7 @@
                 </a:uFill>
                 <a:latin typeface="Calibri"/>
               </a:rPr>
-              <a:t>&lt;Cell&gt;::=’(‘&lt;Item&gt;’,’’Quantity’’(‘&lt;Value&gt;’,’&lt;Uni</a:t>
-            </a:r>
-            <a:r>
-              <a:rPr b="0" lang="en-US" sz="1800" spc="-1" strike="noStrike">
-                <a:solidFill>
-                  <a:srgbClr val="000000"/>
-                </a:solidFill>
-                <a:uFill>
-                  <a:solidFill>
-                    <a:srgbClr val="ffffff"/>
-                  </a:solidFill>
-                </a:uFill>
-                <a:latin typeface="Calibri"/>
-              </a:rPr>
-              <a:t>t&gt;’)’’)’ </a:t>
+              <a:t>&lt;Cell&gt;::=’(‘&lt;Item&gt;’,’’Quantity’’(‘&lt;Value&gt;’,’&lt;Unit&gt;’)’’)’ </a:t>
             </a:r>
             <a:endParaRPr b="0" lang="en-US" sz="1800" spc="-1" strike="noStrike">
               <a:solidFill>

--- a/Document/tq_op_example.pptx
+++ b/Document/tq_op_example.pptx
@@ -3351,7 +3351,7 @@
                 <a:spcPct val="100000"/>
               </a:lnSpc>
             </a:pPr>
-            <a:fld id="{86D74BC5-EE7C-47ED-8F82-0B1A317DBD53}" type="datetime">
+            <a:fld id="{49893C95-B6D1-40C9-A080-F2B9B20391B0}" type="datetime">
               <a:rPr b="0" lang="en-US" sz="1200" spc="-1" strike="noStrike">
                 <a:solidFill>
                   <a:srgbClr val="8b8b8b"/>
@@ -3442,7 +3442,7 @@
                 <a:spcPct val="100000"/>
               </a:lnSpc>
             </a:pPr>
-            <a:fld id="{CDD4B8EE-EE35-48E2-BDDA-4A75EB6D094F}" type="slidenum">
+            <a:fld id="{B48E5615-E163-491C-831E-50CEA7C28825}" type="slidenum">
               <a:rPr b="0" lang="en-US" sz="1200" spc="-1" strike="noStrike">
                 <a:solidFill>
                   <a:srgbClr val="8b8b8b"/>
@@ -4311,7 +4311,7 @@
                 <a:spcPct val="100000"/>
               </a:lnSpc>
             </a:pPr>
-            <a:fld id="{C580CB9B-4C7A-4D59-B2CF-CE278424733D}" type="datetime">
+            <a:fld id="{E7E77573-6D2B-425D-8C6C-14D0DA8C4BDD}" type="datetime">
               <a:rPr b="0" lang="en-US" sz="1200" spc="-1" strike="noStrike">
                 <a:solidFill>
                   <a:srgbClr val="8b8b8b"/>
@@ -4402,7 +4402,7 @@
                 <a:spcPct val="100000"/>
               </a:lnSpc>
             </a:pPr>
-            <a:fld id="{D8EDFF0D-0C67-4C29-B012-A597D80F8155}" type="slidenum">
+            <a:fld id="{A4FFEA7B-5E25-4DDE-A23C-A3E85D4731FE}" type="slidenum">
               <a:rPr b="0" lang="en-US" sz="1200" spc="-1" strike="noStrike">
                 <a:solidFill>
                   <a:srgbClr val="8b8b8b"/>
@@ -4693,7 +4693,21 @@
                 </a:uFill>
                 <a:latin typeface="Calibri"/>
               </a:rPr>
-              <a:t>データ構造となるような厳密解釈を目指す）</a:t>
+              <a:t>データ構造となる</a:t>
+            </a:r>
+            <a:r>
+              <a:rPr b="0" lang="en-US" sz="1800" spc="-1" strike="noStrike">
+                <a:solidFill>
+                  <a:srgbClr val="000000"/>
+                </a:solidFill>
+                <a:uFill>
+                  <a:solidFill>
+                    <a:srgbClr val="ffffff"/>
+                  </a:solidFill>
+                </a:uFill>
+                <a:latin typeface="Calibri"/>
+              </a:rPr>
+              <a:t>ような厳密解釈を目指す）</a:t>
             </a:r>
             <a:endParaRPr b="0" lang="en-US" sz="1800" spc="-1" strike="noStrike">
               <a:solidFill>
@@ -4831,7 +4845,21 @@
                 </a:uFill>
                 <a:latin typeface="Calibri"/>
               </a:rPr>
-              <a:t>統一されたデータ構造パラダイムの下でデータを扱う </a:t>
+              <a:t>統一されたデータ構造パラダイムの下で</a:t>
+            </a:r>
+            <a:r>
+              <a:rPr b="0" lang="en-US" sz="1800" spc="-1" strike="noStrike">
+                <a:solidFill>
+                  <a:srgbClr val="000000"/>
+                </a:solidFill>
+                <a:uFill>
+                  <a:solidFill>
+                    <a:srgbClr val="ffffff"/>
+                  </a:solidFill>
+                </a:uFill>
+                <a:latin typeface="Calibri"/>
+              </a:rPr>
+              <a:t>データを扱う </a:t>
             </a:r>
             <a:endParaRPr b="0" lang="en-US" sz="1800" spc="-1" strike="noStrike">
               <a:solidFill>
@@ -4891,7 +4919,21 @@
                 </a:uFill>
                 <a:latin typeface="Calibri"/>
               </a:rPr>
-              <a:t>シンプルで最低限のオペレーション定義 </a:t>
+              <a:t>シンプルで最低限のオペレーショ</a:t>
+            </a:r>
+            <a:r>
+              <a:rPr b="0" lang="en-US" sz="1800" spc="-1" strike="noStrike">
+                <a:solidFill>
+                  <a:srgbClr val="000000"/>
+                </a:solidFill>
+                <a:uFill>
+                  <a:solidFill>
+                    <a:srgbClr val="ffffff"/>
+                  </a:solidFill>
+                </a:uFill>
+                <a:latin typeface="Calibri"/>
+              </a:rPr>
+              <a:t>ン定義 </a:t>
             </a:r>
             <a:r>
               <a:rPr b="0" lang="en-US" sz="1800" spc="-1" strike="noStrike">
@@ -5275,6 +5317,58 @@
                 <a:latin typeface="Arial"/>
               </a:rPr>
               <a:t>&lt;T-form&gt;::=&lt;head&gt;(’(’(&lt;T-form&gt;(’,’&lt;T-form&gt;)*)?’)’)*;</a:t>
+            </a:r>
+            <a:endParaRPr b="0" lang="en-US" sz="1800" spc="-1" strike="noStrike">
+              <a:solidFill>
+                <a:srgbClr val="000000"/>
+              </a:solidFill>
+              <a:uFill>
+                <a:solidFill>
+                  <a:srgbClr val="ffffff"/>
+                </a:solidFill>
+              </a:uFill>
+              <a:latin typeface="Arial"/>
+            </a:endParaRPr>
+          </a:p>
+        </p:txBody>
+      </p:sp>
+      <p:sp>
+        <p:nvSpPr>
+          <p:cNvPr id="86" name="TextShape 5"/>
+          <p:cNvSpPr txBox="1"/>
+          <p:nvPr/>
+        </p:nvSpPr>
+        <p:spPr>
+          <a:xfrm>
+            <a:off x="33840" y="42840"/>
+            <a:ext cx="866520" cy="379800"/>
+          </a:xfrm>
+          <a:prstGeom prst="rect">
+            <a:avLst/>
+          </a:prstGeom>
+          <a:noFill/>
+          <a:ln>
+            <a:solidFill>
+              <a:srgbClr val="ff3333"/>
+            </a:solidFill>
+          </a:ln>
+        </p:spPr>
+        <p:txBody>
+          <a:bodyPr lIns="90000" rIns="90000" tIns="45000" bIns="45000"/>
+          <a:p>
+            <a:r>
+              <a:rPr b="0" lang="en-US" sz="1800" spc="-1" strike="noStrike">
+                <a:solidFill>
+                  <a:srgbClr val="ff3333"/>
+                </a:solidFill>
+                <a:uFill>
+                  <a:solidFill>
+                    <a:srgbClr val="ffffff"/>
+                  </a:solidFill>
+                </a:uFill>
+                <a:latin typeface="Arial"/>
+              </a:rPr>
+              <a:t>新仕様</a:t>
             </a:r>
             <a:endParaRPr b="0" lang="en-US" sz="1800" spc="-1" strike="noStrike">
               <a:solidFill>
@@ -5341,7 +5435,7 @@
       </p:grpSpPr>
       <p:sp>
         <p:nvSpPr>
-          <p:cNvPr id="146" name="CustomShape 1"/>
+          <p:cNvPr id="152" name="CustomShape 1"/>
           <p:cNvSpPr/>
           <p:nvPr/>
         </p:nvSpPr>
@@ -5430,7 +5524,7 @@
       </p:sp>
       <p:sp>
         <p:nvSpPr>
-          <p:cNvPr id="147" name="CustomShape 2"/>
+          <p:cNvPr id="153" name="CustomShape 2"/>
           <p:cNvSpPr/>
           <p:nvPr/>
         </p:nvSpPr>
@@ -5659,7 +5753,7 @@
       </p:sp>
       <p:sp>
         <p:nvSpPr>
-          <p:cNvPr id="148" name="CustomShape 3"/>
+          <p:cNvPr id="154" name="CustomShape 3"/>
           <p:cNvSpPr/>
           <p:nvPr/>
         </p:nvSpPr>
@@ -5720,7 +5814,7 @@
       </p:sp>
       <p:sp>
         <p:nvSpPr>
-          <p:cNvPr id="149" name="CustomShape 4"/>
+          <p:cNvPr id="155" name="CustomShape 4"/>
           <p:cNvSpPr/>
           <p:nvPr/>
         </p:nvSpPr>
@@ -5837,7 +5931,7 @@
       </p:sp>
       <p:sp>
         <p:nvSpPr>
-          <p:cNvPr id="150" name="CustomShape 5"/>
+          <p:cNvPr id="156" name="CustomShape 5"/>
           <p:cNvSpPr/>
           <p:nvPr/>
         </p:nvSpPr>
@@ -5996,7 +6090,7 @@
       </p:sp>
       <p:sp>
         <p:nvSpPr>
-          <p:cNvPr id="151" name="CustomShape 6"/>
+          <p:cNvPr id="157" name="CustomShape 6"/>
           <p:cNvSpPr/>
           <p:nvPr/>
         </p:nvSpPr>
@@ -6115,7 +6209,7 @@
       </p:sp>
       <p:sp>
         <p:nvSpPr>
-          <p:cNvPr id="152" name="CustomShape 7"/>
+          <p:cNvPr id="158" name="CustomShape 7"/>
           <p:cNvSpPr/>
           <p:nvPr/>
         </p:nvSpPr>
@@ -6238,7 +6332,7 @@
       </p:sp>
       <p:sp>
         <p:nvSpPr>
-          <p:cNvPr id="153" name="CustomShape 8"/>
+          <p:cNvPr id="159" name="CustomShape 8"/>
           <p:cNvSpPr/>
           <p:nvPr/>
         </p:nvSpPr>
@@ -6517,7 +6611,7 @@
       </p:sp>
       <p:sp>
         <p:nvSpPr>
-          <p:cNvPr id="154" name="CustomShape 9"/>
+          <p:cNvPr id="160" name="CustomShape 9"/>
           <p:cNvSpPr/>
           <p:nvPr/>
         </p:nvSpPr>
@@ -6606,7 +6700,7 @@
       </p:sp>
       <p:sp>
         <p:nvSpPr>
-          <p:cNvPr id="155" name="CustomShape 10"/>
+          <p:cNvPr id="161" name="CustomShape 10"/>
           <p:cNvSpPr/>
           <p:nvPr/>
         </p:nvSpPr>
@@ -6695,7 +6789,7 @@
       </p:sp>
       <p:sp>
         <p:nvSpPr>
-          <p:cNvPr id="156" name="CustomShape 11"/>
+          <p:cNvPr id="162" name="CustomShape 11"/>
           <p:cNvSpPr/>
           <p:nvPr/>
         </p:nvSpPr>
@@ -6756,7 +6850,7 @@
       </p:sp>
       <p:sp>
         <p:nvSpPr>
-          <p:cNvPr id="157" name="TextShape 12"/>
+          <p:cNvPr id="163" name="TextShape 12"/>
           <p:cNvSpPr txBox="1"/>
           <p:nvPr/>
         </p:nvSpPr>
@@ -6830,7 +6924,7 @@
       </p:grpSpPr>
       <p:sp>
         <p:nvSpPr>
-          <p:cNvPr id="158" name="CustomShape 1"/>
+          <p:cNvPr id="164" name="CustomShape 1"/>
           <p:cNvSpPr/>
           <p:nvPr/>
         </p:nvSpPr>
@@ -6919,7 +7013,7 @@
       </p:sp>
       <p:sp>
         <p:nvSpPr>
-          <p:cNvPr id="159" name="CustomShape 2"/>
+          <p:cNvPr id="165" name="CustomShape 2"/>
           <p:cNvSpPr/>
           <p:nvPr/>
         </p:nvSpPr>
@@ -7148,7 +7242,7 @@
       </p:sp>
       <p:sp>
         <p:nvSpPr>
-          <p:cNvPr id="160" name="CustomShape 3"/>
+          <p:cNvPr id="166" name="CustomShape 3"/>
           <p:cNvSpPr/>
           <p:nvPr/>
         </p:nvSpPr>
@@ -7209,7 +7303,7 @@
       </p:sp>
       <p:sp>
         <p:nvSpPr>
-          <p:cNvPr id="161" name="CustomShape 4"/>
+          <p:cNvPr id="167" name="CustomShape 4"/>
           <p:cNvSpPr/>
           <p:nvPr/>
         </p:nvSpPr>
@@ -7326,7 +7420,7 @@
       </p:sp>
       <p:sp>
         <p:nvSpPr>
-          <p:cNvPr id="162" name="CustomShape 5"/>
+          <p:cNvPr id="168" name="CustomShape 5"/>
           <p:cNvSpPr/>
           <p:nvPr/>
         </p:nvSpPr>
@@ -7581,7 +7675,7 @@
       </p:sp>
       <p:sp>
         <p:nvSpPr>
-          <p:cNvPr id="163" name="CustomShape 6"/>
+          <p:cNvPr id="169" name="CustomShape 6"/>
           <p:cNvSpPr/>
           <p:nvPr/>
         </p:nvSpPr>
@@ -7644,7 +7738,7 @@
       </p:sp>
       <p:sp>
         <p:nvSpPr>
-          <p:cNvPr id="164" name="CustomShape 7"/>
+          <p:cNvPr id="170" name="CustomShape 7"/>
           <p:cNvSpPr/>
           <p:nvPr/>
         </p:nvSpPr>
@@ -7827,7 +7921,7 @@
       </p:sp>
       <p:sp>
         <p:nvSpPr>
-          <p:cNvPr id="165" name="CustomShape 8"/>
+          <p:cNvPr id="171" name="CustomShape 8"/>
           <p:cNvSpPr/>
           <p:nvPr/>
         </p:nvSpPr>
@@ -8106,7 +8200,7 @@
       </p:sp>
       <p:sp>
         <p:nvSpPr>
-          <p:cNvPr id="166" name="CustomShape 9"/>
+          <p:cNvPr id="172" name="CustomShape 9"/>
           <p:cNvSpPr/>
           <p:nvPr/>
         </p:nvSpPr>
@@ -8195,7 +8289,7 @@
       </p:sp>
       <p:sp>
         <p:nvSpPr>
-          <p:cNvPr id="167" name="CustomShape 10"/>
+          <p:cNvPr id="173" name="CustomShape 10"/>
           <p:cNvSpPr/>
           <p:nvPr/>
         </p:nvSpPr>
@@ -8284,7 +8378,7 @@
       </p:sp>
       <p:sp>
         <p:nvSpPr>
-          <p:cNvPr id="168" name="CustomShape 11"/>
+          <p:cNvPr id="174" name="CustomShape 11"/>
           <p:cNvSpPr/>
           <p:nvPr/>
         </p:nvSpPr>
@@ -8345,7 +8439,7 @@
       </p:sp>
       <p:sp>
         <p:nvSpPr>
-          <p:cNvPr id="169" name="CustomShape 12"/>
+          <p:cNvPr id="175" name="CustomShape 12"/>
           <p:cNvSpPr/>
           <p:nvPr/>
         </p:nvSpPr>
@@ -8504,7 +8598,7 @@
       </p:sp>
       <p:sp>
         <p:nvSpPr>
-          <p:cNvPr id="170" name="CustomShape 13"/>
+          <p:cNvPr id="176" name="CustomShape 13"/>
           <p:cNvSpPr/>
           <p:nvPr/>
         </p:nvSpPr>
@@ -8565,7 +8659,7 @@
       </p:sp>
       <p:sp>
         <p:nvSpPr>
-          <p:cNvPr id="171" name="TextShape 14"/>
+          <p:cNvPr id="177" name="TextShape 14"/>
           <p:cNvSpPr txBox="1"/>
           <p:nvPr/>
         </p:nvSpPr>
@@ -8639,7 +8733,7 @@
       </p:grpSpPr>
       <p:sp>
         <p:nvSpPr>
-          <p:cNvPr id="172" name="CustomShape 1"/>
+          <p:cNvPr id="178" name="CustomShape 1"/>
           <p:cNvSpPr/>
           <p:nvPr/>
         </p:nvSpPr>
@@ -8728,7 +8822,7 @@
       </p:sp>
       <p:sp>
         <p:nvSpPr>
-          <p:cNvPr id="173" name="CustomShape 2"/>
+          <p:cNvPr id="179" name="CustomShape 2"/>
           <p:cNvSpPr/>
           <p:nvPr/>
         </p:nvSpPr>
@@ -8957,7 +9051,7 @@
       </p:sp>
       <p:sp>
         <p:nvSpPr>
-          <p:cNvPr id="174" name="CustomShape 3"/>
+          <p:cNvPr id="180" name="CustomShape 3"/>
           <p:cNvSpPr/>
           <p:nvPr/>
         </p:nvSpPr>
@@ -9018,7 +9112,7 @@
       </p:sp>
       <p:sp>
         <p:nvSpPr>
-          <p:cNvPr id="175" name="CustomShape 4"/>
+          <p:cNvPr id="181" name="CustomShape 4"/>
           <p:cNvSpPr/>
           <p:nvPr/>
         </p:nvSpPr>
@@ -9135,7 +9229,7 @@
       </p:sp>
       <p:sp>
         <p:nvSpPr>
-          <p:cNvPr id="176" name="CustomShape 5"/>
+          <p:cNvPr id="182" name="CustomShape 5"/>
           <p:cNvSpPr/>
           <p:nvPr/>
         </p:nvSpPr>
@@ -9294,7 +9388,7 @@
       </p:sp>
       <p:sp>
         <p:nvSpPr>
-          <p:cNvPr id="177" name="CustomShape 6"/>
+          <p:cNvPr id="183" name="CustomShape 6"/>
           <p:cNvSpPr/>
           <p:nvPr/>
         </p:nvSpPr>
@@ -9413,7 +9507,7 @@
       </p:sp>
       <p:sp>
         <p:nvSpPr>
-          <p:cNvPr id="178" name="CustomShape 7"/>
+          <p:cNvPr id="184" name="CustomShape 7"/>
           <p:cNvSpPr/>
           <p:nvPr/>
         </p:nvSpPr>
@@ -9536,7 +9630,7 @@
       </p:sp>
       <p:sp>
         <p:nvSpPr>
-          <p:cNvPr id="179" name="CustomShape 8"/>
+          <p:cNvPr id="185" name="CustomShape 8"/>
           <p:cNvSpPr/>
           <p:nvPr/>
         </p:nvSpPr>
@@ -9815,7 +9909,7 @@
       </p:sp>
       <p:sp>
         <p:nvSpPr>
-          <p:cNvPr id="180" name="CustomShape 9"/>
+          <p:cNvPr id="186" name="CustomShape 9"/>
           <p:cNvSpPr/>
           <p:nvPr/>
         </p:nvSpPr>
@@ -9904,7 +9998,7 @@
       </p:sp>
       <p:sp>
         <p:nvSpPr>
-          <p:cNvPr id="181" name="CustomShape 10"/>
+          <p:cNvPr id="187" name="CustomShape 10"/>
           <p:cNvSpPr/>
           <p:nvPr/>
         </p:nvSpPr>
@@ -9993,7 +10087,7 @@
       </p:sp>
       <p:sp>
         <p:nvSpPr>
-          <p:cNvPr id="182" name="CustomShape 11"/>
+          <p:cNvPr id="188" name="CustomShape 11"/>
           <p:cNvSpPr/>
           <p:nvPr/>
         </p:nvSpPr>
@@ -10054,7 +10148,7 @@
       </p:sp>
       <p:sp>
         <p:nvSpPr>
-          <p:cNvPr id="183" name="TextShape 12"/>
+          <p:cNvPr id="189" name="TextShape 12"/>
           <p:cNvSpPr txBox="1"/>
           <p:nvPr/>
         </p:nvSpPr>
@@ -10128,7 +10222,7 @@
       </p:grpSpPr>
       <p:sp>
         <p:nvSpPr>
-          <p:cNvPr id="184" name="CustomShape 1"/>
+          <p:cNvPr id="190" name="CustomShape 1"/>
           <p:cNvSpPr/>
           <p:nvPr/>
         </p:nvSpPr>
@@ -10217,7 +10311,7 @@
       </p:sp>
       <p:sp>
         <p:nvSpPr>
-          <p:cNvPr id="185" name="CustomShape 2"/>
+          <p:cNvPr id="191" name="CustomShape 2"/>
           <p:cNvSpPr/>
           <p:nvPr/>
         </p:nvSpPr>
@@ -10446,7 +10540,7 @@
       </p:sp>
       <p:sp>
         <p:nvSpPr>
-          <p:cNvPr id="186" name="CustomShape 3"/>
+          <p:cNvPr id="192" name="CustomShape 3"/>
           <p:cNvSpPr/>
           <p:nvPr/>
         </p:nvSpPr>
@@ -10507,7 +10601,7 @@
       </p:sp>
       <p:sp>
         <p:nvSpPr>
-          <p:cNvPr id="187" name="CustomShape 4"/>
+          <p:cNvPr id="193" name="CustomShape 4"/>
           <p:cNvSpPr/>
           <p:nvPr/>
         </p:nvSpPr>
@@ -10624,7 +10718,7 @@
       </p:sp>
       <p:sp>
         <p:nvSpPr>
-          <p:cNvPr id="188" name="CustomShape 5"/>
+          <p:cNvPr id="194" name="CustomShape 5"/>
           <p:cNvSpPr/>
           <p:nvPr/>
         </p:nvSpPr>
@@ -10879,7 +10973,7 @@
       </p:sp>
       <p:sp>
         <p:nvSpPr>
-          <p:cNvPr id="189" name="CustomShape 6"/>
+          <p:cNvPr id="195" name="CustomShape 6"/>
           <p:cNvSpPr/>
           <p:nvPr/>
         </p:nvSpPr>
@@ -10942,7 +11036,7 @@
       </p:sp>
       <p:sp>
         <p:nvSpPr>
-          <p:cNvPr id="190" name="CustomShape 7"/>
+          <p:cNvPr id="196" name="CustomShape 7"/>
           <p:cNvSpPr/>
           <p:nvPr/>
         </p:nvSpPr>
@@ -11093,7 +11187,7 @@
       </p:sp>
       <p:sp>
         <p:nvSpPr>
-          <p:cNvPr id="191" name="CustomShape 8"/>
+          <p:cNvPr id="197" name="CustomShape 8"/>
           <p:cNvSpPr/>
           <p:nvPr/>
         </p:nvSpPr>
@@ -11372,7 +11466,7 @@
       </p:sp>
       <p:sp>
         <p:nvSpPr>
-          <p:cNvPr id="192" name="CustomShape 9"/>
+          <p:cNvPr id="198" name="CustomShape 9"/>
           <p:cNvSpPr/>
           <p:nvPr/>
         </p:nvSpPr>
@@ -11461,7 +11555,7 @@
       </p:sp>
       <p:sp>
         <p:nvSpPr>
-          <p:cNvPr id="193" name="CustomShape 10"/>
+          <p:cNvPr id="199" name="CustomShape 10"/>
           <p:cNvSpPr/>
           <p:nvPr/>
         </p:nvSpPr>
@@ -11550,7 +11644,7 @@
       </p:sp>
       <p:sp>
         <p:nvSpPr>
-          <p:cNvPr id="194" name="CustomShape 11"/>
+          <p:cNvPr id="200" name="CustomShape 11"/>
           <p:cNvSpPr/>
           <p:nvPr/>
         </p:nvSpPr>
@@ -11611,7 +11705,7 @@
       </p:sp>
       <p:sp>
         <p:nvSpPr>
-          <p:cNvPr id="195" name="CustomShape 12"/>
+          <p:cNvPr id="201" name="CustomShape 12"/>
           <p:cNvSpPr/>
           <p:nvPr/>
         </p:nvSpPr>
@@ -11770,7 +11864,7 @@
       </p:sp>
       <p:sp>
         <p:nvSpPr>
-          <p:cNvPr id="196" name="CustomShape 13"/>
+          <p:cNvPr id="202" name="CustomShape 13"/>
           <p:cNvSpPr/>
           <p:nvPr/>
         </p:nvSpPr>
@@ -11831,7 +11925,7 @@
       </p:sp>
       <p:sp>
         <p:nvSpPr>
-          <p:cNvPr id="197" name="TextShape 14"/>
+          <p:cNvPr id="203" name="TextShape 14"/>
           <p:cNvSpPr txBox="1"/>
           <p:nvPr/>
         </p:nvSpPr>
@@ -11905,7 +11999,7 @@
       </p:grpSpPr>
       <p:sp>
         <p:nvSpPr>
-          <p:cNvPr id="86" name="CustomShape 1"/>
+          <p:cNvPr id="87" name="CustomShape 1"/>
           <p:cNvSpPr/>
           <p:nvPr/>
         </p:nvSpPr>
@@ -12078,7 +12172,21 @@
                 </a:uFill>
                 <a:latin typeface="Calibri"/>
               </a:rPr>
-              <a:t>で表現される</a:t>
+              <a:t>で表現され</a:t>
+            </a:r>
+            <a:r>
+              <a:rPr b="0" lang="en-US" sz="1800" spc="-1" strike="noStrike">
+                <a:solidFill>
+                  <a:srgbClr val="000000"/>
+                </a:solidFill>
+                <a:uFill>
+                  <a:solidFill>
+                    <a:srgbClr val="ffffff"/>
+                  </a:solidFill>
+                </a:uFill>
+                <a:latin typeface="Calibri"/>
+              </a:rPr>
+              <a:t>る</a:t>
             </a:r>
             <a:r>
               <a:rPr b="0" lang="en-US" sz="1800" spc="-1" strike="noStrike">
@@ -12184,7 +12292,7 @@
                 </a:uFill>
                 <a:latin typeface="Calibri"/>
               </a:rPr>
-              <a:t>&lt;Dataset&gt;::=’Dataset’?’(‘&lt;Line&gt;(‘,’&lt;Line&gt;)*’)’</a:t>
+              <a:t>&lt;Dataset&gt;::=’(‘&lt;Line&gt;(‘,’&lt;Line&gt;)*’)’</a:t>
             </a:r>
             <a:endParaRPr b="0" lang="en-US" sz="1800" spc="-1" strike="noStrike">
               <a:solidFill>
@@ -12276,7 +12384,21 @@
                 </a:uFill>
                 <a:latin typeface="Calibri"/>
               </a:rPr>
-              <a:t>&lt;Cell&gt;::=’(‘&lt;Item&gt;’,’’Quantity’’(‘&lt;Value&gt;’,’&lt;Unit&gt;’)’’)’ </a:t>
+              <a:t>&lt;Cell&gt;::=’(‘&lt;Item&gt;’,’’Quantity’’(‘&lt;Valu</a:t>
+            </a:r>
+            <a:r>
+              <a:rPr b="0" lang="en-US" sz="1800" spc="-1" strike="noStrike">
+                <a:solidFill>
+                  <a:srgbClr val="000000"/>
+                </a:solidFill>
+                <a:uFill>
+                  <a:solidFill>
+                    <a:srgbClr val="ffffff"/>
+                  </a:solidFill>
+                </a:uFill>
+                <a:latin typeface="Calibri"/>
+              </a:rPr>
+              <a:t>e&gt;’,’&lt;Unit&gt;’)’’)’ </a:t>
             </a:r>
             <a:endParaRPr b="0" lang="en-US" sz="1800" spc="-1" strike="noStrike">
               <a:solidFill>
@@ -12322,7 +12444,21 @@
                 </a:uFill>
                 <a:latin typeface="Calibri"/>
               </a:rPr>
-              <a:t>| ‘(‘&lt;Item&gt;’,’&lt;Type&gt;’(‘&lt;Value&gt;’)’’)’</a:t>
+              <a:t>| </a:t>
+            </a:r>
+            <a:r>
+              <a:rPr b="0" lang="en-US" sz="1800" spc="-1" strike="noStrike">
+                <a:solidFill>
+                  <a:srgbClr val="000000"/>
+                </a:solidFill>
+                <a:uFill>
+                  <a:solidFill>
+                    <a:srgbClr val="ffffff"/>
+                  </a:solidFill>
+                </a:uFill>
+                <a:latin typeface="Calibri"/>
+              </a:rPr>
+              <a:t>‘(‘&lt;Item&gt;’,’&lt;Type&gt;’(‘&lt;Value&gt;’)’’)’</a:t>
             </a:r>
             <a:endParaRPr b="0" lang="en-US" sz="1800" spc="-1" strike="noStrike">
               <a:solidFill>
@@ -12548,7 +12684,21 @@
                 </a:uFill>
                 <a:latin typeface="Calibri"/>
               </a:rPr>
-              <a:t>のオリジナル構造定義言語（前述）</a:t>
+              <a:t>のオリジナル構造定義言語</a:t>
+            </a:r>
+            <a:r>
+              <a:rPr b="0" lang="en-US" sz="1800" spc="-1" strike="noStrike">
+                <a:solidFill>
+                  <a:srgbClr val="000000"/>
+                </a:solidFill>
+                <a:uFill>
+                  <a:solidFill>
+                    <a:srgbClr val="ffffff"/>
+                  </a:solidFill>
+                </a:uFill>
+                <a:latin typeface="Calibri"/>
+              </a:rPr>
+              <a:t>（前述）</a:t>
             </a:r>
             <a:endParaRPr b="0" lang="en-US" sz="1800" spc="-1" strike="noStrike">
               <a:solidFill>
@@ -12566,7 +12716,7 @@
       </p:sp>
       <p:sp>
         <p:nvSpPr>
-          <p:cNvPr id="87" name="CustomShape 2"/>
+          <p:cNvPr id="88" name="CustomShape 2"/>
           <p:cNvSpPr/>
           <p:nvPr/>
         </p:nvSpPr>
@@ -12627,7 +12777,7 @@
       </p:sp>
       <p:sp>
         <p:nvSpPr>
-          <p:cNvPr id="88" name="CustomShape 3"/>
+          <p:cNvPr id="89" name="CustomShape 3"/>
           <p:cNvSpPr/>
           <p:nvPr/>
         </p:nvSpPr>
@@ -12653,7 +12803,7 @@
       </p:sp>
       <p:sp>
         <p:nvSpPr>
-          <p:cNvPr id="89" name="CustomShape 4"/>
+          <p:cNvPr id="90" name="CustomShape 4"/>
           <p:cNvSpPr/>
           <p:nvPr/>
         </p:nvSpPr>
@@ -12699,6 +12849,58 @@
               <a:t>データ構造記述言語の開発</a:t>
             </a:r>
             <a:endParaRPr b="0" lang="en-US" sz="2800" spc="-1" strike="noStrike">
+              <a:solidFill>
+                <a:srgbClr val="000000"/>
+              </a:solidFill>
+              <a:uFill>
+                <a:solidFill>
+                  <a:srgbClr val="ffffff"/>
+                </a:solidFill>
+              </a:uFill>
+              <a:latin typeface="Arial"/>
+            </a:endParaRPr>
+          </a:p>
+        </p:txBody>
+      </p:sp>
+      <p:sp>
+        <p:nvSpPr>
+          <p:cNvPr id="91" name="TextShape 5"/>
+          <p:cNvSpPr txBox="1"/>
+          <p:nvPr/>
+        </p:nvSpPr>
+        <p:spPr>
+          <a:xfrm>
+            <a:off x="34200" y="43200"/>
+            <a:ext cx="866520" cy="379800"/>
+          </a:xfrm>
+          <a:prstGeom prst="rect">
+            <a:avLst/>
+          </a:prstGeom>
+          <a:noFill/>
+          <a:ln>
+            <a:solidFill>
+              <a:srgbClr val="ff3333"/>
+            </a:solidFill>
+          </a:ln>
+        </p:spPr>
+        <p:txBody>
+          <a:bodyPr lIns="90000" rIns="90000" tIns="45000" bIns="45000"/>
+          <a:p>
+            <a:r>
+              <a:rPr b="0" lang="en-US" sz="1800" spc="-1" strike="noStrike">
+                <a:solidFill>
+                  <a:srgbClr val="ff3333"/>
+                </a:solidFill>
+                <a:uFill>
+                  <a:solidFill>
+                    <a:srgbClr val="ffffff"/>
+                  </a:solidFill>
+                </a:uFill>
+                <a:latin typeface="Arial"/>
+              </a:rPr>
+              <a:t>新仕様</a:t>
+            </a:r>
+            <a:endParaRPr b="0" lang="en-US" sz="1800" spc="-1" strike="noStrike">
               <a:solidFill>
                 <a:srgbClr val="000000"/>
               </a:solidFill>
@@ -12763,7 +12965,7 @@
       </p:grpSpPr>
       <p:sp>
         <p:nvSpPr>
-          <p:cNvPr id="90" name="CustomShape 1"/>
+          <p:cNvPr id="92" name="CustomShape 1"/>
           <p:cNvSpPr/>
           <p:nvPr/>
         </p:nvSpPr>
@@ -12824,7 +13026,7 @@
       </p:sp>
       <p:sp>
         <p:nvSpPr>
-          <p:cNvPr id="91" name="CustomShape 2"/>
+          <p:cNvPr id="93" name="CustomShape 2"/>
           <p:cNvSpPr/>
           <p:nvPr/>
         </p:nvSpPr>
@@ -12885,7 +13087,7 @@
       </p:sp>
       <p:sp>
         <p:nvSpPr>
-          <p:cNvPr id="92" name="CustomShape 3"/>
+          <p:cNvPr id="94" name="CustomShape 3"/>
           <p:cNvSpPr/>
           <p:nvPr/>
         </p:nvSpPr>
@@ -13126,7 +13328,7 @@
       </p:sp>
       <p:sp>
         <p:nvSpPr>
-          <p:cNvPr id="93" name="CustomShape 4"/>
+          <p:cNvPr id="95" name="CustomShape 4"/>
           <p:cNvSpPr/>
           <p:nvPr/>
         </p:nvSpPr>
@@ -13335,7 +13537,7 @@
       </p:sp>
       <p:sp>
         <p:nvSpPr>
-          <p:cNvPr id="94" name="CustomShape 5"/>
+          <p:cNvPr id="96" name="CustomShape 5"/>
           <p:cNvSpPr/>
           <p:nvPr/>
         </p:nvSpPr>
@@ -13379,6 +13581,58 @@
                 <a:latin typeface="Calibri"/>
               </a:rPr>
               <a:t>データ構造の変更（言語の表現評価系）：</a:t>
+            </a:r>
+            <a:endParaRPr b="0" lang="en-US" sz="1800" spc="-1" strike="noStrike">
+              <a:solidFill>
+                <a:srgbClr val="000000"/>
+              </a:solidFill>
+              <a:uFill>
+                <a:solidFill>
+                  <a:srgbClr val="ffffff"/>
+                </a:solidFill>
+              </a:uFill>
+              <a:latin typeface="Arial"/>
+            </a:endParaRPr>
+          </a:p>
+        </p:txBody>
+      </p:sp>
+      <p:sp>
+        <p:nvSpPr>
+          <p:cNvPr id="97" name="TextShape 6"/>
+          <p:cNvSpPr txBox="1"/>
+          <p:nvPr/>
+        </p:nvSpPr>
+        <p:spPr>
+          <a:xfrm>
+            <a:off x="34200" y="43200"/>
+            <a:ext cx="866520" cy="379800"/>
+          </a:xfrm>
+          <a:prstGeom prst="rect">
+            <a:avLst/>
+          </a:prstGeom>
+          <a:noFill/>
+          <a:ln>
+            <a:solidFill>
+              <a:srgbClr val="ff3333"/>
+            </a:solidFill>
+          </a:ln>
+        </p:spPr>
+        <p:txBody>
+          <a:bodyPr lIns="90000" rIns="90000" tIns="45000" bIns="45000"/>
+          <a:p>
+            <a:r>
+              <a:rPr b="0" lang="en-US" sz="1800" spc="-1" strike="noStrike">
+                <a:solidFill>
+                  <a:srgbClr val="ff3333"/>
+                </a:solidFill>
+                <a:uFill>
+                  <a:solidFill>
+                    <a:srgbClr val="ffffff"/>
+                  </a:solidFill>
+                </a:uFill>
+                <a:latin typeface="Arial"/>
+              </a:rPr>
+              <a:t>新仕様</a:t>
             </a:r>
             <a:endParaRPr b="0" lang="en-US" sz="1800" spc="-1" strike="noStrike">
               <a:solidFill>
@@ -13445,7 +13699,7 @@
       </p:grpSpPr>
       <p:sp>
         <p:nvSpPr>
-          <p:cNvPr id="95" name="CustomShape 1"/>
+          <p:cNvPr id="98" name="CustomShape 1"/>
           <p:cNvSpPr/>
           <p:nvPr/>
         </p:nvSpPr>
@@ -13686,7 +13940,7 @@
       </p:sp>
       <p:sp>
         <p:nvSpPr>
-          <p:cNvPr id="96" name="CustomShape 2"/>
+          <p:cNvPr id="99" name="CustomShape 2"/>
           <p:cNvSpPr/>
           <p:nvPr/>
         </p:nvSpPr>
@@ -13747,7 +14001,7 @@
       </p:sp>
       <p:sp>
         <p:nvSpPr>
-          <p:cNvPr id="97" name="CustomShape 3"/>
+          <p:cNvPr id="100" name="CustomShape 3"/>
           <p:cNvSpPr/>
           <p:nvPr/>
         </p:nvSpPr>
@@ -13808,7 +14062,7 @@
       </p:sp>
       <p:sp>
         <p:nvSpPr>
-          <p:cNvPr id="98" name="CustomShape 4"/>
+          <p:cNvPr id="101" name="CustomShape 4"/>
           <p:cNvSpPr/>
           <p:nvPr/>
         </p:nvSpPr>
@@ -13869,7 +14123,7 @@
       </p:sp>
       <p:sp>
         <p:nvSpPr>
-          <p:cNvPr id="99" name="CustomShape 5"/>
+          <p:cNvPr id="102" name="CustomShape 5"/>
           <p:cNvSpPr/>
           <p:nvPr/>
         </p:nvSpPr>
@@ -14061,6 +14315,58 @@
                 <a:latin typeface="Calibri"/>
               </a:rPr>
               <a:t>木レファレンス</a:t>
+            </a:r>
+            <a:endParaRPr b="0" lang="en-US" sz="1800" spc="-1" strike="noStrike">
+              <a:solidFill>
+                <a:srgbClr val="000000"/>
+              </a:solidFill>
+              <a:uFill>
+                <a:solidFill>
+                  <a:srgbClr val="ffffff"/>
+                </a:solidFill>
+              </a:uFill>
+              <a:latin typeface="Arial"/>
+            </a:endParaRPr>
+          </a:p>
+        </p:txBody>
+      </p:sp>
+      <p:sp>
+        <p:nvSpPr>
+          <p:cNvPr id="103" name="TextShape 6"/>
+          <p:cNvSpPr txBox="1"/>
+          <p:nvPr/>
+        </p:nvSpPr>
+        <p:spPr>
+          <a:xfrm>
+            <a:off x="34200" y="43200"/>
+            <a:ext cx="866520" cy="379800"/>
+          </a:xfrm>
+          <a:prstGeom prst="rect">
+            <a:avLst/>
+          </a:prstGeom>
+          <a:noFill/>
+          <a:ln>
+            <a:solidFill>
+              <a:srgbClr val="ff3333"/>
+            </a:solidFill>
+          </a:ln>
+        </p:spPr>
+        <p:txBody>
+          <a:bodyPr lIns="90000" rIns="90000" tIns="45000" bIns="45000"/>
+          <a:p>
+            <a:r>
+              <a:rPr b="0" lang="en-US" sz="1800" spc="-1" strike="noStrike">
+                <a:solidFill>
+                  <a:srgbClr val="ff3333"/>
+                </a:solidFill>
+                <a:uFill>
+                  <a:solidFill>
+                    <a:srgbClr val="ffffff"/>
+                  </a:solidFill>
+                </a:uFill>
+                <a:latin typeface="Arial"/>
+              </a:rPr>
+              <a:t>新仕様</a:t>
             </a:r>
             <a:endParaRPr b="0" lang="en-US" sz="1800" spc="-1" strike="noStrike">
               <a:solidFill>
@@ -14127,7 +14433,7 @@
       </p:grpSpPr>
       <p:sp>
         <p:nvSpPr>
-          <p:cNvPr id="100" name="CustomShape 1"/>
+          <p:cNvPr id="104" name="CustomShape 1"/>
           <p:cNvSpPr/>
           <p:nvPr/>
         </p:nvSpPr>
@@ -14432,7 +14738,7 @@
       </p:sp>
       <p:sp>
         <p:nvSpPr>
-          <p:cNvPr id="101" name="CustomShape 2"/>
+          <p:cNvPr id="105" name="CustomShape 2"/>
           <p:cNvSpPr/>
           <p:nvPr/>
         </p:nvSpPr>
@@ -14493,7 +14799,7 @@
       </p:sp>
       <p:sp>
         <p:nvSpPr>
-          <p:cNvPr id="102" name="CustomShape 3"/>
+          <p:cNvPr id="106" name="CustomShape 3"/>
           <p:cNvSpPr/>
           <p:nvPr/>
         </p:nvSpPr>
@@ -14554,7 +14860,7 @@
       </p:sp>
       <p:sp>
         <p:nvSpPr>
-          <p:cNvPr id="103" name="CustomShape 4"/>
+          <p:cNvPr id="107" name="CustomShape 4"/>
           <p:cNvSpPr/>
           <p:nvPr/>
         </p:nvSpPr>
@@ -14615,7 +14921,7 @@
       </p:sp>
       <p:sp>
         <p:nvSpPr>
-          <p:cNvPr id="104" name="CustomShape 5"/>
+          <p:cNvPr id="108" name="CustomShape 5"/>
           <p:cNvSpPr/>
           <p:nvPr/>
         </p:nvSpPr>
@@ -14765,6 +15071,58 @@
                 <a:latin typeface="Calibri"/>
               </a:rPr>
               <a:t>配列サイズは上位のノードから引き継がれる</a:t>
+            </a:r>
+            <a:endParaRPr b="0" lang="en-US" sz="1800" spc="-1" strike="noStrike">
+              <a:solidFill>
+                <a:srgbClr val="000000"/>
+              </a:solidFill>
+              <a:uFill>
+                <a:solidFill>
+                  <a:srgbClr val="ffffff"/>
+                </a:solidFill>
+              </a:uFill>
+              <a:latin typeface="Arial"/>
+            </a:endParaRPr>
+          </a:p>
+        </p:txBody>
+      </p:sp>
+      <p:sp>
+        <p:nvSpPr>
+          <p:cNvPr id="109" name="TextShape 6"/>
+          <p:cNvSpPr txBox="1"/>
+          <p:nvPr/>
+        </p:nvSpPr>
+        <p:spPr>
+          <a:xfrm>
+            <a:off x="34200" y="43200"/>
+            <a:ext cx="866520" cy="379800"/>
+          </a:xfrm>
+          <a:prstGeom prst="rect">
+            <a:avLst/>
+          </a:prstGeom>
+          <a:noFill/>
+          <a:ln>
+            <a:solidFill>
+              <a:srgbClr val="ff3333"/>
+            </a:solidFill>
+          </a:ln>
+        </p:spPr>
+        <p:txBody>
+          <a:bodyPr lIns="90000" rIns="90000" tIns="45000" bIns="45000"/>
+          <a:p>
+            <a:r>
+              <a:rPr b="0" lang="en-US" sz="1800" spc="-1" strike="noStrike">
+                <a:solidFill>
+                  <a:srgbClr val="ff3333"/>
+                </a:solidFill>
+                <a:uFill>
+                  <a:solidFill>
+                    <a:srgbClr val="ffffff"/>
+                  </a:solidFill>
+                </a:uFill>
+                <a:latin typeface="Arial"/>
+              </a:rPr>
+              <a:t>新仕様</a:t>
             </a:r>
             <a:endParaRPr b="0" lang="en-US" sz="1800" spc="-1" strike="noStrike">
               <a:solidFill>
@@ -14831,7 +15189,7 @@
       </p:grpSpPr>
       <p:sp>
         <p:nvSpPr>
-          <p:cNvPr id="105" name="CustomShape 1"/>
+          <p:cNvPr id="110" name="CustomShape 1"/>
           <p:cNvSpPr/>
           <p:nvPr/>
         </p:nvSpPr>
@@ -14980,7 +15338,7 @@
       </p:sp>
       <p:sp>
         <p:nvSpPr>
-          <p:cNvPr id="106" name="CustomShape 2"/>
+          <p:cNvPr id="111" name="CustomShape 2"/>
           <p:cNvSpPr/>
           <p:nvPr/>
         </p:nvSpPr>
@@ -15041,7 +15399,7 @@
       </p:sp>
       <p:sp>
         <p:nvSpPr>
-          <p:cNvPr id="107" name="CustomShape 3"/>
+          <p:cNvPr id="112" name="CustomShape 3"/>
           <p:cNvSpPr/>
           <p:nvPr/>
         </p:nvSpPr>
@@ -15102,7 +15460,7 @@
       </p:sp>
       <p:sp>
         <p:nvSpPr>
-          <p:cNvPr id="108" name="CustomShape 4"/>
+          <p:cNvPr id="113" name="CustomShape 4"/>
           <p:cNvSpPr/>
           <p:nvPr/>
         </p:nvSpPr>
@@ -15191,7 +15549,7 @@
       </p:sp>
       <p:sp>
         <p:nvSpPr>
-          <p:cNvPr id="109" name="CustomShape 5"/>
+          <p:cNvPr id="114" name="CustomShape 5"/>
           <p:cNvSpPr/>
           <p:nvPr/>
         </p:nvSpPr>
@@ -15432,7 +15790,7 @@
                 </a:uFill>
                 <a:latin typeface="Calibri"/>
               </a:rPr>
-              <a:t>今まで関数としていたものはあらたに関数と呼ぶ</a:t>
+              <a:t>今まで関数としていたものは、新仕様に表現変更される</a:t>
             </a:r>
             <a:endParaRPr b="0" lang="en-US" sz="1800" spc="-1" strike="noStrike">
               <a:solidFill>
@@ -15542,7 +15900,7 @@
       </p:sp>
       <p:sp>
         <p:nvSpPr>
-          <p:cNvPr id="110" name="CustomShape 6"/>
+          <p:cNvPr id="115" name="CustomShape 6"/>
           <p:cNvSpPr/>
           <p:nvPr/>
         </p:nvSpPr>
@@ -15881,7 +16239,7 @@
       </p:sp>
       <p:sp>
         <p:nvSpPr>
-          <p:cNvPr id="111" name="CustomShape 7"/>
+          <p:cNvPr id="116" name="CustomShape 7"/>
           <p:cNvSpPr/>
           <p:nvPr/>
         </p:nvSpPr>
@@ -15925,6 +16283,58 @@
                 <a:latin typeface="Calibri"/>
               </a:rPr>
               <a:t>オペレーション例（後のスライドより順次紹介）：</a:t>
+            </a:r>
+            <a:endParaRPr b="0" lang="en-US" sz="1800" spc="-1" strike="noStrike">
+              <a:solidFill>
+                <a:srgbClr val="000000"/>
+              </a:solidFill>
+              <a:uFill>
+                <a:solidFill>
+                  <a:srgbClr val="ffffff"/>
+                </a:solidFill>
+              </a:uFill>
+              <a:latin typeface="Arial"/>
+            </a:endParaRPr>
+          </a:p>
+        </p:txBody>
+      </p:sp>
+      <p:sp>
+        <p:nvSpPr>
+          <p:cNvPr id="117" name="TextShape 8"/>
+          <p:cNvSpPr txBox="1"/>
+          <p:nvPr/>
+        </p:nvSpPr>
+        <p:spPr>
+          <a:xfrm>
+            <a:off x="34200" y="43200"/>
+            <a:ext cx="866520" cy="379800"/>
+          </a:xfrm>
+          <a:prstGeom prst="rect">
+            <a:avLst/>
+          </a:prstGeom>
+          <a:noFill/>
+          <a:ln>
+            <a:solidFill>
+              <a:srgbClr val="ff3333"/>
+            </a:solidFill>
+          </a:ln>
+        </p:spPr>
+        <p:txBody>
+          <a:bodyPr lIns="90000" rIns="90000" tIns="45000" bIns="45000"/>
+          <a:p>
+            <a:r>
+              <a:rPr b="0" lang="en-US" sz="1800" spc="-1" strike="noStrike">
+                <a:solidFill>
+                  <a:srgbClr val="ff3333"/>
+                </a:solidFill>
+                <a:uFill>
+                  <a:solidFill>
+                    <a:srgbClr val="ffffff"/>
+                  </a:solidFill>
+                </a:uFill>
+                <a:latin typeface="Arial"/>
+              </a:rPr>
+              <a:t>新仕様</a:t>
             </a:r>
             <a:endParaRPr b="0" lang="en-US" sz="1800" spc="-1" strike="noStrike">
               <a:solidFill>
@@ -15991,7 +16401,7 @@
       </p:grpSpPr>
       <p:sp>
         <p:nvSpPr>
-          <p:cNvPr id="112" name="CustomShape 1"/>
+          <p:cNvPr id="118" name="CustomShape 1"/>
           <p:cNvSpPr/>
           <p:nvPr/>
         </p:nvSpPr>
@@ -16080,7 +16490,7 @@
       </p:sp>
       <p:sp>
         <p:nvSpPr>
-          <p:cNvPr id="113" name="CustomShape 2"/>
+          <p:cNvPr id="119" name="CustomShape 2"/>
           <p:cNvSpPr/>
           <p:nvPr/>
         </p:nvSpPr>
@@ -16281,7 +16691,7 @@
       </p:sp>
       <p:sp>
         <p:nvSpPr>
-          <p:cNvPr id="114" name="CustomShape 3"/>
+          <p:cNvPr id="120" name="CustomShape 3"/>
           <p:cNvSpPr/>
           <p:nvPr/>
         </p:nvSpPr>
@@ -16342,7 +16752,7 @@
       </p:sp>
       <p:sp>
         <p:nvSpPr>
-          <p:cNvPr id="115" name="CustomShape 4"/>
+          <p:cNvPr id="121" name="CustomShape 4"/>
           <p:cNvSpPr/>
           <p:nvPr/>
         </p:nvSpPr>
@@ -16431,7 +16841,7 @@
       </p:sp>
       <p:sp>
         <p:nvSpPr>
-          <p:cNvPr id="116" name="CustomShape 5"/>
+          <p:cNvPr id="122" name="CustomShape 5"/>
           <p:cNvSpPr/>
           <p:nvPr/>
         </p:nvSpPr>
@@ -16686,7 +17096,7 @@
       </p:sp>
       <p:sp>
         <p:nvSpPr>
-          <p:cNvPr id="117" name="CustomShape 6"/>
+          <p:cNvPr id="123" name="CustomShape 6"/>
           <p:cNvSpPr/>
           <p:nvPr/>
         </p:nvSpPr>
@@ -16749,7 +17159,7 @@
       </p:sp>
       <p:sp>
         <p:nvSpPr>
-          <p:cNvPr id="118" name="CustomShape 7"/>
+          <p:cNvPr id="124" name="CustomShape 7"/>
           <p:cNvSpPr/>
           <p:nvPr/>
         </p:nvSpPr>
@@ -16812,7 +17222,7 @@
       </p:sp>
       <p:sp>
         <p:nvSpPr>
-          <p:cNvPr id="119" name="CustomShape 8"/>
+          <p:cNvPr id="125" name="CustomShape 8"/>
           <p:cNvSpPr/>
           <p:nvPr/>
         </p:nvSpPr>
@@ -17091,7 +17501,7 @@
       </p:sp>
       <p:sp>
         <p:nvSpPr>
-          <p:cNvPr id="120" name="CustomShape 9"/>
+          <p:cNvPr id="126" name="CustomShape 9"/>
           <p:cNvSpPr/>
           <p:nvPr/>
         </p:nvSpPr>
@@ -17180,7 +17590,7 @@
       </p:sp>
       <p:sp>
         <p:nvSpPr>
-          <p:cNvPr id="121" name="CustomShape 10"/>
+          <p:cNvPr id="127" name="CustomShape 10"/>
           <p:cNvSpPr/>
           <p:nvPr/>
         </p:nvSpPr>
@@ -17269,7 +17679,7 @@
       </p:sp>
       <p:sp>
         <p:nvSpPr>
-          <p:cNvPr id="122" name="CustomShape 11"/>
+          <p:cNvPr id="128" name="CustomShape 11"/>
           <p:cNvSpPr/>
           <p:nvPr/>
         </p:nvSpPr>
@@ -17379,7 +17789,7 @@
       </p:grpSpPr>
       <p:sp>
         <p:nvSpPr>
-          <p:cNvPr id="123" name="CustomShape 1"/>
+          <p:cNvPr id="129" name="CustomShape 1"/>
           <p:cNvSpPr/>
           <p:nvPr/>
         </p:nvSpPr>
@@ -17468,7 +17878,7 @@
       </p:sp>
       <p:sp>
         <p:nvSpPr>
-          <p:cNvPr id="124" name="CustomShape 2"/>
+          <p:cNvPr id="130" name="CustomShape 2"/>
           <p:cNvSpPr/>
           <p:nvPr/>
         </p:nvSpPr>
@@ -17697,7 +18107,7 @@
       </p:sp>
       <p:sp>
         <p:nvSpPr>
-          <p:cNvPr id="125" name="CustomShape 3"/>
+          <p:cNvPr id="131" name="CustomShape 3"/>
           <p:cNvSpPr/>
           <p:nvPr/>
         </p:nvSpPr>
@@ -17758,7 +18168,7 @@
       </p:sp>
       <p:sp>
         <p:nvSpPr>
-          <p:cNvPr id="126" name="CustomShape 4"/>
+          <p:cNvPr id="132" name="CustomShape 4"/>
           <p:cNvSpPr/>
           <p:nvPr/>
         </p:nvSpPr>
@@ -17875,7 +18285,7 @@
       </p:sp>
       <p:sp>
         <p:nvSpPr>
-          <p:cNvPr id="127" name="CustomShape 5"/>
+          <p:cNvPr id="133" name="CustomShape 5"/>
           <p:cNvSpPr/>
           <p:nvPr/>
         </p:nvSpPr>
@@ -18130,7 +18540,7 @@
       </p:sp>
       <p:sp>
         <p:nvSpPr>
-          <p:cNvPr id="128" name="CustomShape 6"/>
+          <p:cNvPr id="134" name="CustomShape 6"/>
           <p:cNvSpPr/>
           <p:nvPr/>
         </p:nvSpPr>
@@ -18193,7 +18603,7 @@
       </p:sp>
       <p:sp>
         <p:nvSpPr>
-          <p:cNvPr id="129" name="CustomShape 7"/>
+          <p:cNvPr id="135" name="CustomShape 7"/>
           <p:cNvSpPr/>
           <p:nvPr/>
         </p:nvSpPr>
@@ -18316,7 +18726,7 @@
       </p:sp>
       <p:sp>
         <p:nvSpPr>
-          <p:cNvPr id="130" name="CustomShape 8"/>
+          <p:cNvPr id="136" name="CustomShape 8"/>
           <p:cNvSpPr/>
           <p:nvPr/>
         </p:nvSpPr>
@@ -18595,7 +19005,7 @@
       </p:sp>
       <p:sp>
         <p:nvSpPr>
-          <p:cNvPr id="131" name="CustomShape 9"/>
+          <p:cNvPr id="137" name="CustomShape 9"/>
           <p:cNvSpPr/>
           <p:nvPr/>
         </p:nvSpPr>
@@ -18684,7 +19094,7 @@
       </p:sp>
       <p:sp>
         <p:nvSpPr>
-          <p:cNvPr id="132" name="CustomShape 10"/>
+          <p:cNvPr id="138" name="CustomShape 10"/>
           <p:cNvSpPr/>
           <p:nvPr/>
         </p:nvSpPr>
@@ -18773,7 +19183,7 @@
       </p:sp>
       <p:sp>
         <p:nvSpPr>
-          <p:cNvPr id="133" name="CustomShape 11"/>
+          <p:cNvPr id="139" name="CustomShape 11"/>
           <p:cNvSpPr/>
           <p:nvPr/>
         </p:nvSpPr>
@@ -18834,7 +19244,7 @@
       </p:sp>
       <p:sp>
         <p:nvSpPr>
-          <p:cNvPr id="134" name="TextShape 12"/>
+          <p:cNvPr id="140" name="TextShape 12"/>
           <p:cNvSpPr txBox="1"/>
           <p:nvPr/>
         </p:nvSpPr>
@@ -18935,7 +19345,7 @@
       </p:grpSpPr>
       <p:sp>
         <p:nvSpPr>
-          <p:cNvPr id="135" name="CustomShape 1"/>
+          <p:cNvPr id="141" name="CustomShape 1"/>
           <p:cNvSpPr/>
           <p:nvPr/>
         </p:nvSpPr>
@@ -19024,7 +19434,7 @@
       </p:sp>
       <p:sp>
         <p:nvSpPr>
-          <p:cNvPr id="136" name="CustomShape 2"/>
+          <p:cNvPr id="142" name="CustomShape 2"/>
           <p:cNvSpPr/>
           <p:nvPr/>
         </p:nvSpPr>
@@ -19225,7 +19635,7 @@
       </p:sp>
       <p:sp>
         <p:nvSpPr>
-          <p:cNvPr id="137" name="CustomShape 3"/>
+          <p:cNvPr id="143" name="CustomShape 3"/>
           <p:cNvSpPr/>
           <p:nvPr/>
         </p:nvSpPr>
@@ -19286,7 +19696,7 @@
       </p:sp>
       <p:sp>
         <p:nvSpPr>
-          <p:cNvPr id="138" name="CustomShape 4"/>
+          <p:cNvPr id="144" name="CustomShape 4"/>
           <p:cNvSpPr/>
           <p:nvPr/>
         </p:nvSpPr>
@@ -19375,7 +19785,7 @@
       </p:sp>
       <p:sp>
         <p:nvSpPr>
-          <p:cNvPr id="139" name="CustomShape 5"/>
+          <p:cNvPr id="145" name="CustomShape 5"/>
           <p:cNvSpPr/>
           <p:nvPr/>
         </p:nvSpPr>
@@ -19534,7 +19944,7 @@
       </p:sp>
       <p:sp>
         <p:nvSpPr>
-          <p:cNvPr id="140" name="CustomShape 6"/>
+          <p:cNvPr id="146" name="CustomShape 6"/>
           <p:cNvSpPr/>
           <p:nvPr/>
         </p:nvSpPr>
@@ -19597,7 +20007,7 @@
       </p:sp>
       <p:sp>
         <p:nvSpPr>
-          <p:cNvPr id="141" name="CustomShape 7"/>
+          <p:cNvPr id="147" name="CustomShape 7"/>
           <p:cNvSpPr/>
           <p:nvPr/>
         </p:nvSpPr>
@@ -19660,7 +20070,7 @@
       </p:sp>
       <p:sp>
         <p:nvSpPr>
-          <p:cNvPr id="142" name="CustomShape 8"/>
+          <p:cNvPr id="148" name="CustomShape 8"/>
           <p:cNvSpPr/>
           <p:nvPr/>
         </p:nvSpPr>
@@ -19939,7 +20349,7 @@
       </p:sp>
       <p:sp>
         <p:nvSpPr>
-          <p:cNvPr id="143" name="CustomShape 9"/>
+          <p:cNvPr id="149" name="CustomShape 9"/>
           <p:cNvSpPr/>
           <p:nvPr/>
         </p:nvSpPr>
@@ -20028,7 +20438,7 @@
       </p:sp>
       <p:sp>
         <p:nvSpPr>
-          <p:cNvPr id="144" name="CustomShape 10"/>
+          <p:cNvPr id="150" name="CustomShape 10"/>
           <p:cNvSpPr/>
           <p:nvPr/>
         </p:nvSpPr>
@@ -20117,7 +20527,7 @@
       </p:sp>
       <p:sp>
         <p:nvSpPr>
-          <p:cNvPr id="145" name="CustomShape 11"/>
+          <p:cNvPr id="151" name="CustomShape 11"/>
           <p:cNvSpPr/>
           <p:nvPr/>
         </p:nvSpPr>

--- a/Document/tq_op_example.pptx
+++ b/Document/tq_op_example.pptx
@@ -3351,7 +3351,7 @@
                 <a:spcPct val="100000"/>
               </a:lnSpc>
             </a:pPr>
-            <a:fld id="{49893C95-B6D1-40C9-A080-F2B9B20391B0}" type="datetime">
+            <a:fld id="{26F62586-AFCD-49CC-ABF9-04A5DE64C5CA}" type="datetime">
               <a:rPr b="0" lang="en-US" sz="1200" spc="-1" strike="noStrike">
                 <a:solidFill>
                   <a:srgbClr val="8b8b8b"/>
@@ -3442,7 +3442,7 @@
                 <a:spcPct val="100000"/>
               </a:lnSpc>
             </a:pPr>
-            <a:fld id="{B48E5615-E163-491C-831E-50CEA7C28825}" type="slidenum">
+            <a:fld id="{6FA08267-7658-4A58-B7F2-D18D1A97108B}" type="slidenum">
               <a:rPr b="0" lang="en-US" sz="1200" spc="-1" strike="noStrike">
                 <a:solidFill>
                   <a:srgbClr val="8b8b8b"/>
@@ -4311,7 +4311,7 @@
                 <a:spcPct val="100000"/>
               </a:lnSpc>
             </a:pPr>
-            <a:fld id="{E7E77573-6D2B-425D-8C6C-14D0DA8C4BDD}" type="datetime">
+            <a:fld id="{CF5D76F9-FB6C-4415-BE55-AF4BA5D5C72D}" type="datetime">
               <a:rPr b="0" lang="en-US" sz="1200" spc="-1" strike="noStrike">
                 <a:solidFill>
                   <a:srgbClr val="8b8b8b"/>
@@ -4402,7 +4402,7 @@
                 <a:spcPct val="100000"/>
               </a:lnSpc>
             </a:pPr>
-            <a:fld id="{A4FFEA7B-5E25-4DDE-A23C-A3E85D4731FE}" type="slidenum">
+            <a:fld id="{3D395B32-3DFD-4D0E-81E8-90C4278FDDA7}" type="slidenum">
               <a:rPr b="0" lang="en-US" sz="1200" spc="-1" strike="noStrike">
                 <a:solidFill>
                   <a:srgbClr val="8b8b8b"/>
@@ -4414,7 +4414,7 @@
                 </a:uFill>
                 <a:latin typeface="Calibri"/>
               </a:rPr>
-              <a:t>1</a:t>
+              <a:t>&lt;番号&gt;</a:t>
             </a:fld>
             <a:endParaRPr b="0" lang="en-US" sz="1200" spc="-1" strike="noStrike">
               <a:solidFill>
@@ -4587,7 +4587,21 @@
                 </a:uFill>
                 <a:latin typeface="Calibri"/>
               </a:rPr>
-              <a:t>データ構造パラダイムを統一 </a:t>
+              <a:t>データ構造パラダ</a:t>
+            </a:r>
+            <a:r>
+              <a:rPr b="0" lang="en-US" sz="1800" spc="-1" strike="noStrike">
+                <a:solidFill>
+                  <a:srgbClr val="000000"/>
+                </a:solidFill>
+                <a:uFill>
+                  <a:solidFill>
+                    <a:srgbClr val="ffffff"/>
+                  </a:solidFill>
+                </a:uFill>
+                <a:latin typeface="Calibri"/>
+              </a:rPr>
+              <a:t>イムを統一 </a:t>
             </a:r>
             <a:endParaRPr b="0" lang="en-US" sz="1800" spc="-1" strike="noStrike">
               <a:solidFill>
@@ -4633,7 +4647,35 @@
                 </a:uFill>
                 <a:latin typeface="Calibri"/>
               </a:rPr>
-              <a:t>=&gt; NIMS Standard SpreadSheet</a:t>
+              <a:t>=&gt; NIMS </a:t>
+            </a:r>
+            <a:r>
+              <a:rPr b="0" lang="en-US" sz="1800" spc="-1" strike="noStrike">
+                <a:solidFill>
+                  <a:srgbClr val="000000"/>
+                </a:solidFill>
+                <a:uFill>
+                  <a:solidFill>
+                    <a:srgbClr val="ffffff"/>
+                  </a:solidFill>
+                </a:uFill>
+                <a:latin typeface="Calibri"/>
+              </a:rPr>
+              <a:t>Standard </a:t>
+            </a:r>
+            <a:r>
+              <a:rPr b="0" lang="en-US" sz="1800" spc="-1" strike="noStrike">
+                <a:solidFill>
+                  <a:srgbClr val="000000"/>
+                </a:solidFill>
+                <a:uFill>
+                  <a:solidFill>
+                    <a:srgbClr val="ffffff"/>
+                  </a:solidFill>
+                </a:uFill>
+                <a:latin typeface="Calibri"/>
+              </a:rPr>
+              <a:t>SpreadSheet</a:t>
             </a:r>
             <a:endParaRPr b="0" lang="en-US" sz="1800" spc="-1" strike="noStrike">
               <a:solidFill>
@@ -4665,7 +4707,21 @@
                 </a:uFill>
                 <a:latin typeface="Calibri"/>
               </a:rPr>
-              <a:t>　　　　（データ形式</a:t>
+              <a:t>　　　　（データ形</a:t>
+            </a:r>
+            <a:r>
+              <a:rPr b="0" lang="en-US" sz="1800" spc="-1" strike="noStrike">
+                <a:solidFill>
+                  <a:srgbClr val="000000"/>
+                </a:solidFill>
+                <a:uFill>
+                  <a:solidFill>
+                    <a:srgbClr val="ffffff"/>
+                  </a:solidFill>
+                </a:uFill>
+                <a:latin typeface="Calibri"/>
+              </a:rPr>
+              <a:t>式</a:t>
             </a:r>
             <a:r>
               <a:rPr b="0" lang="en-US" sz="1800" spc="-1" strike="noStrike">
@@ -4693,21 +4749,35 @@
                 </a:uFill>
                 <a:latin typeface="Calibri"/>
               </a:rPr>
-              <a:t>データ構造となる</a:t>
-            </a:r>
-            <a:r>
-              <a:rPr b="0" lang="en-US" sz="1800" spc="-1" strike="noStrike">
-                <a:solidFill>
-                  <a:srgbClr val="000000"/>
-                </a:solidFill>
-                <a:uFill>
-                  <a:solidFill>
-                    <a:srgbClr val="ffffff"/>
-                  </a:solidFill>
-                </a:uFill>
-                <a:latin typeface="Calibri"/>
-              </a:rPr>
-              <a:t>ような厳密解釈を目指す）</a:t>
+              <a:t>データ構造とな</a:t>
+            </a:r>
+            <a:r>
+              <a:rPr b="0" lang="en-US" sz="1800" spc="-1" strike="noStrike">
+                <a:solidFill>
+                  <a:srgbClr val="000000"/>
+                </a:solidFill>
+                <a:uFill>
+                  <a:solidFill>
+                    <a:srgbClr val="ffffff"/>
+                  </a:solidFill>
+                </a:uFill>
+                <a:latin typeface="Calibri"/>
+              </a:rPr>
+              <a:t>るような厳密解釈を</a:t>
+            </a:r>
+            <a:r>
+              <a:rPr b="0" lang="en-US" sz="1800" spc="-1" strike="noStrike">
+                <a:solidFill>
+                  <a:srgbClr val="000000"/>
+                </a:solidFill>
+                <a:uFill>
+                  <a:solidFill>
+                    <a:srgbClr val="ffffff"/>
+                  </a:solidFill>
+                </a:uFill>
+                <a:latin typeface="Calibri"/>
+              </a:rPr>
+              <a:t>目指す）</a:t>
             </a:r>
             <a:endParaRPr b="0" lang="en-US" sz="1800" spc="-1" strike="noStrike">
               <a:solidFill>
@@ -4753,7 +4823,21 @@
                 </a:uFill>
                 <a:latin typeface="Calibri"/>
               </a:rPr>
-              <a:t>シンプルなデータ構造のみを扱う </a:t>
+              <a:t>シンプルなデータ</a:t>
+            </a:r>
+            <a:r>
+              <a:rPr b="0" lang="en-US" sz="1800" spc="-1" strike="noStrike">
+                <a:solidFill>
+                  <a:srgbClr val="000000"/>
+                </a:solidFill>
+                <a:uFill>
+                  <a:solidFill>
+                    <a:srgbClr val="ffffff"/>
+                  </a:solidFill>
+                </a:uFill>
+                <a:latin typeface="Calibri"/>
+              </a:rPr>
+              <a:t>構造のみを扱う </a:t>
             </a:r>
             <a:endParaRPr b="0" lang="en-US" sz="1800" spc="-1" strike="noStrike">
               <a:solidFill>
@@ -4845,21 +4929,35 @@
                 </a:uFill>
                 <a:latin typeface="Calibri"/>
               </a:rPr>
-              <a:t>統一されたデータ構造パラダイムの下で</a:t>
-            </a:r>
-            <a:r>
-              <a:rPr b="0" lang="en-US" sz="1800" spc="-1" strike="noStrike">
-                <a:solidFill>
-                  <a:srgbClr val="000000"/>
-                </a:solidFill>
-                <a:uFill>
-                  <a:solidFill>
-                    <a:srgbClr val="ffffff"/>
-                  </a:solidFill>
-                </a:uFill>
-                <a:latin typeface="Calibri"/>
-              </a:rPr>
-              <a:t>データを扱う </a:t>
+              <a:t>統一されたデータ</a:t>
+            </a:r>
+            <a:r>
+              <a:rPr b="0" lang="en-US" sz="1800" spc="-1" strike="noStrike">
+                <a:solidFill>
+                  <a:srgbClr val="000000"/>
+                </a:solidFill>
+                <a:uFill>
+                  <a:solidFill>
+                    <a:srgbClr val="ffffff"/>
+                  </a:solidFill>
+                </a:uFill>
+                <a:latin typeface="Calibri"/>
+              </a:rPr>
+              <a:t>構造パラダイムの下</a:t>
+            </a:r>
+            <a:r>
+              <a:rPr b="0" lang="en-US" sz="1800" spc="-1" strike="noStrike">
+                <a:solidFill>
+                  <a:srgbClr val="000000"/>
+                </a:solidFill>
+                <a:uFill>
+                  <a:solidFill>
+                    <a:srgbClr val="ffffff"/>
+                  </a:solidFill>
+                </a:uFill>
+                <a:latin typeface="Calibri"/>
+              </a:rPr>
+              <a:t>でデータを扱う </a:t>
             </a:r>
             <a:endParaRPr b="0" lang="en-US" sz="1800" spc="-1" strike="noStrike">
               <a:solidFill>
@@ -4919,21 +5017,35 @@
                 </a:uFill>
                 <a:latin typeface="Calibri"/>
               </a:rPr>
-              <a:t>シンプルで最低限のオペレーショ</a:t>
-            </a:r>
-            <a:r>
-              <a:rPr b="0" lang="en-US" sz="1800" spc="-1" strike="noStrike">
-                <a:solidFill>
-                  <a:srgbClr val="000000"/>
-                </a:solidFill>
-                <a:uFill>
-                  <a:solidFill>
-                    <a:srgbClr val="ffffff"/>
-                  </a:solidFill>
-                </a:uFill>
-                <a:latin typeface="Calibri"/>
-              </a:rPr>
-              <a:t>ン定義 </a:t>
+              <a:t>シンプルで</a:t>
+            </a:r>
+            <a:r>
+              <a:rPr b="0" lang="en-US" sz="1800" spc="-1" strike="noStrike">
+                <a:solidFill>
+                  <a:srgbClr val="000000"/>
+                </a:solidFill>
+                <a:uFill>
+                  <a:solidFill>
+                    <a:srgbClr val="ffffff"/>
+                  </a:solidFill>
+                </a:uFill>
+                <a:latin typeface="Calibri"/>
+              </a:rPr>
+              <a:t>最低限のオペレー</a:t>
+            </a:r>
+            <a:r>
+              <a:rPr b="0" lang="en-US" sz="1800" spc="-1" strike="noStrike">
+                <a:solidFill>
+                  <a:srgbClr val="000000"/>
+                </a:solidFill>
+                <a:uFill>
+                  <a:solidFill>
+                    <a:srgbClr val="ffffff"/>
+                  </a:solidFill>
+                </a:uFill>
+                <a:latin typeface="Calibri"/>
+              </a:rPr>
+              <a:t>ション定義 </a:t>
             </a:r>
             <a:r>
               <a:rPr b="0" lang="en-US" sz="1800" spc="-1" strike="noStrike">
@@ -4961,7 +5073,21 @@
                 </a:uFill>
                 <a:latin typeface="Calibri"/>
               </a:rPr>
-              <a:t>オリジナルな定義言語 </a:t>
+              <a:t>オリジナルな定義言</a:t>
+            </a:r>
+            <a:r>
+              <a:rPr b="0" lang="en-US" sz="1800" spc="-1" strike="noStrike">
+                <a:solidFill>
+                  <a:srgbClr val="000000"/>
+                </a:solidFill>
+                <a:uFill>
+                  <a:solidFill>
+                    <a:srgbClr val="ffffff"/>
+                  </a:solidFill>
+                </a:uFill>
+                <a:latin typeface="Calibri"/>
+              </a:rPr>
+              <a:t>語 </a:t>
             </a:r>
             <a:endParaRPr b="0" lang="en-US" sz="1800" spc="-1" strike="noStrike">
               <a:solidFill>
@@ -5386,33 +5512,6 @@
       </p:sp>
     </p:spTree>
   </p:cSld>
-  <p:timing>
-    <p:tnLst>
-      <p:par>
-        <p:cTn id="1" dur="indefinite" restart="never" nodeType="tmRoot">
-          <p:childTnLst>
-            <p:seq>
-              <p:cTn id="2" nodeType="mainSeq"/>
-              <p:prevCondLst>
-                <p:cond delay="0" evt="onPrev">
-                  <p:tgtEl>
-                    <p:sldTgt/>
-                  </p:tgtEl>
-                </p:cond>
-              </p:prevCondLst>
-              <p:nextCondLst>
-                <p:cond delay="0" evt="onNext">
-                  <p:tgtEl>
-                    <p:sldTgt/>
-                  </p:tgtEl>
-                </p:cond>
-              </p:nextCondLst>
-            </p:seq>
-          </p:childTnLst>
-        </p:cTn>
-      </p:par>
-    </p:tnLst>
-  </p:timing>
 </p:sld>
 </file>
 
@@ -12144,7 +12243,21 @@
                 </a:uFill>
                 <a:latin typeface="Calibri"/>
               </a:rPr>
-              <a:t>は、前述</a:t>
+              <a:t>は、</a:t>
+            </a:r>
+            <a:r>
+              <a:rPr b="0" lang="en-US" sz="1800" spc="-1" strike="noStrike">
+                <a:solidFill>
+                  <a:srgbClr val="000000"/>
+                </a:solidFill>
+                <a:uFill>
+                  <a:solidFill>
+                    <a:srgbClr val="ffffff"/>
+                  </a:solidFill>
+                </a:uFill>
+                <a:latin typeface="Calibri"/>
+              </a:rPr>
+              <a:t>前述</a:t>
             </a:r>
             <a:r>
               <a:rPr b="0" lang="en-US" sz="1800" spc="-1" strike="noStrike">
@@ -12172,21 +12285,7 @@
                 </a:uFill>
                 <a:latin typeface="Calibri"/>
               </a:rPr>
-              <a:t>で表現され</a:t>
-            </a:r>
-            <a:r>
-              <a:rPr b="0" lang="en-US" sz="1800" spc="-1" strike="noStrike">
-                <a:solidFill>
-                  <a:srgbClr val="000000"/>
-                </a:solidFill>
-                <a:uFill>
-                  <a:solidFill>
-                    <a:srgbClr val="ffffff"/>
-                  </a:solidFill>
-                </a:uFill>
-                <a:latin typeface="Calibri"/>
-              </a:rPr>
-              <a:t>る</a:t>
+              <a:t>で表現される</a:t>
             </a:r>
             <a:r>
               <a:rPr b="0" lang="en-US" sz="1800" spc="-1" strike="noStrike">
@@ -12338,7 +12437,7 @@
                 </a:uFill>
                 <a:latin typeface="Calibri"/>
               </a:rPr>
-              <a:t>&lt;Line&gt;::=’(‘&lt;Cell&gt;(‘,’&lt;Cell&gt;)’)’</a:t>
+              <a:t>&lt;Line&gt;::=’(‘&lt;Cell&gt;(‘,’&lt;Cell&gt;)*’)’</a:t>
             </a:r>
             <a:endParaRPr b="0" lang="en-US" sz="1800" spc="-1" strike="noStrike">
               <a:solidFill>
@@ -12384,21 +12483,21 @@
                 </a:uFill>
                 <a:latin typeface="Calibri"/>
               </a:rPr>
-              <a:t>&lt;Cell&gt;::=’(‘&lt;Item&gt;’,’’Quantity’’(‘&lt;Valu</a:t>
-            </a:r>
-            <a:r>
-              <a:rPr b="0" lang="en-US" sz="1800" spc="-1" strike="noStrike">
-                <a:solidFill>
-                  <a:srgbClr val="000000"/>
-                </a:solidFill>
-                <a:uFill>
-                  <a:solidFill>
-                    <a:srgbClr val="ffffff"/>
-                  </a:solidFill>
-                </a:uFill>
-                <a:latin typeface="Calibri"/>
-              </a:rPr>
-              <a:t>e&gt;’,’&lt;Unit&gt;’)’’)’ </a:t>
+              <a:t>&lt;Cell&gt;::=’(‘&lt;Item&gt;’,’’Quantity’’(‘&lt;Value&gt;’,’&lt;Uni</a:t>
+            </a:r>
+            <a:r>
+              <a:rPr b="0" lang="en-US" sz="1800" spc="-1" strike="noStrike">
+                <a:solidFill>
+                  <a:srgbClr val="000000"/>
+                </a:solidFill>
+                <a:uFill>
+                  <a:solidFill>
+                    <a:srgbClr val="ffffff"/>
+                  </a:solidFill>
+                </a:uFill>
+                <a:latin typeface="Calibri"/>
+              </a:rPr>
+              <a:t>t&gt;’)’’)’ </a:t>
             </a:r>
             <a:endParaRPr b="0" lang="en-US" sz="1800" spc="-1" strike="noStrike">
               <a:solidFill>
@@ -12444,21 +12543,7 @@
                 </a:uFill>
                 <a:latin typeface="Calibri"/>
               </a:rPr>
-              <a:t>| </a:t>
-            </a:r>
-            <a:r>
-              <a:rPr b="0" lang="en-US" sz="1800" spc="-1" strike="noStrike">
-                <a:solidFill>
-                  <a:srgbClr val="000000"/>
-                </a:solidFill>
-                <a:uFill>
-                  <a:solidFill>
-                    <a:srgbClr val="ffffff"/>
-                  </a:solidFill>
-                </a:uFill>
-                <a:latin typeface="Calibri"/>
-              </a:rPr>
-              <a:t>‘(‘&lt;Item&gt;’,’&lt;Type&gt;’(‘&lt;Value&gt;’)’’)’</a:t>
+              <a:t>| ‘(‘&lt;Item&gt;’,’&lt;Type&gt;’(‘&lt;Value&gt;’)’’)’</a:t>
             </a:r>
             <a:endParaRPr b="0" lang="en-US" sz="1800" spc="-1" strike="noStrike">
               <a:solidFill>
@@ -12684,21 +12769,7 @@
                 </a:uFill>
                 <a:latin typeface="Calibri"/>
               </a:rPr>
-              <a:t>のオリジナル構造定義言語</a:t>
-            </a:r>
-            <a:r>
-              <a:rPr b="0" lang="en-US" sz="1800" spc="-1" strike="noStrike">
-                <a:solidFill>
-                  <a:srgbClr val="000000"/>
-                </a:solidFill>
-                <a:uFill>
-                  <a:solidFill>
-                    <a:srgbClr val="ffffff"/>
-                  </a:solidFill>
-                </a:uFill>
-                <a:latin typeface="Calibri"/>
-              </a:rPr>
-              <a:t>（前述）</a:t>
+              <a:t>のオリジナル構造定義言語（前述）</a:t>
             </a:r>
             <a:endParaRPr b="0" lang="en-US" sz="1800" spc="-1" strike="noStrike">
               <a:solidFill>
@@ -12846,7 +12917,21 @@
                 </a:uFill>
                 <a:latin typeface="Calibri"/>
               </a:rPr>
-              <a:t>データ構造記述言語の開発</a:t>
+              <a:t>データ構造記述言語</a:t>
+            </a:r>
+            <a:r>
+              <a:rPr b="0" lang="en-US" sz="2800" spc="-1" strike="noStrike">
+                <a:solidFill>
+                  <a:srgbClr val="000000"/>
+                </a:solidFill>
+                <a:uFill>
+                  <a:solidFill>
+                    <a:srgbClr val="ffffff"/>
+                  </a:solidFill>
+                </a:uFill>
+                <a:latin typeface="Calibri"/>
+              </a:rPr>
+              <a:t>の開発</a:t>
             </a:r>
             <a:endParaRPr b="0" lang="en-US" sz="2800" spc="-1" strike="noStrike">
               <a:solidFill>
@@ -12919,10 +13004,10 @@
   <p:timing>
     <p:tnLst>
       <p:par>
-        <p:cTn id="3" dur="indefinite" restart="never" nodeType="tmRoot">
+        <p:cTn id="1" dur="indefinite" restart="never" nodeType="tmRoot">
           <p:childTnLst>
             <p:seq>
-              <p:cTn id="4" nodeType="mainSeq"/>
+              <p:cTn id="2" nodeType="mainSeq"/>
               <p:prevCondLst>
                 <p:cond delay="0" evt="onPrev">
                   <p:tgtEl>
@@ -13650,33 +13735,6 @@
       </p:sp>
     </p:spTree>
   </p:cSld>
-  <p:timing>
-    <p:tnLst>
-      <p:par>
-        <p:cTn id="5" dur="indefinite" restart="never" nodeType="tmRoot">
-          <p:childTnLst>
-            <p:seq>
-              <p:cTn id="6" nodeType="mainSeq"/>
-              <p:prevCondLst>
-                <p:cond delay="0" evt="onPrev">
-                  <p:tgtEl>
-                    <p:sldTgt/>
-                  </p:tgtEl>
-                </p:cond>
-              </p:prevCondLst>
-              <p:nextCondLst>
-                <p:cond delay="0" evt="onNext">
-                  <p:tgtEl>
-                    <p:sldTgt/>
-                  </p:tgtEl>
-                </p:cond>
-              </p:nextCondLst>
-            </p:seq>
-          </p:childTnLst>
-        </p:cTn>
-      </p:par>
-    </p:tnLst>
-  </p:timing>
 </p:sld>
 </file>
 
@@ -14384,33 +14442,6 @@
       </p:sp>
     </p:spTree>
   </p:cSld>
-  <p:timing>
-    <p:tnLst>
-      <p:par>
-        <p:cTn id="7" dur="indefinite" restart="never" nodeType="tmRoot">
-          <p:childTnLst>
-            <p:seq>
-              <p:cTn id="8" nodeType="mainSeq"/>
-              <p:prevCondLst>
-                <p:cond delay="0" evt="onPrev">
-                  <p:tgtEl>
-                    <p:sldTgt/>
-                  </p:tgtEl>
-                </p:cond>
-              </p:prevCondLst>
-              <p:nextCondLst>
-                <p:cond delay="0" evt="onNext">
-                  <p:tgtEl>
-                    <p:sldTgt/>
-                  </p:tgtEl>
-                </p:cond>
-              </p:nextCondLst>
-            </p:seq>
-          </p:childTnLst>
-        </p:cTn>
-      </p:par>
-    </p:tnLst>
-  </p:timing>
 </p:sld>
 </file>
 
@@ -15140,33 +15171,6 @@
       </p:sp>
     </p:spTree>
   </p:cSld>
-  <p:timing>
-    <p:tnLst>
-      <p:par>
-        <p:cTn id="9" dur="indefinite" restart="never" nodeType="tmRoot">
-          <p:childTnLst>
-            <p:seq>
-              <p:cTn id="10" nodeType="mainSeq"/>
-              <p:prevCondLst>
-                <p:cond delay="0" evt="onPrev">
-                  <p:tgtEl>
-                    <p:sldTgt/>
-                  </p:tgtEl>
-                </p:cond>
-              </p:prevCondLst>
-              <p:nextCondLst>
-                <p:cond delay="0" evt="onNext">
-                  <p:tgtEl>
-                    <p:sldTgt/>
-                  </p:tgtEl>
-                </p:cond>
-              </p:nextCondLst>
-            </p:seq>
-          </p:childTnLst>
-        </p:cTn>
-      </p:par>
-    </p:tnLst>
-  </p:timing>
 </p:sld>
 </file>
 
@@ -16352,33 +16356,6 @@
       </p:sp>
     </p:spTree>
   </p:cSld>
-  <p:timing>
-    <p:tnLst>
-      <p:par>
-        <p:cTn id="11" dur="indefinite" restart="never" nodeType="tmRoot">
-          <p:childTnLst>
-            <p:seq>
-              <p:cTn id="12" nodeType="mainSeq"/>
-              <p:prevCondLst>
-                <p:cond delay="0" evt="onPrev">
-                  <p:tgtEl>
-                    <p:sldTgt/>
-                  </p:tgtEl>
-                </p:cond>
-              </p:prevCondLst>
-              <p:nextCondLst>
-                <p:cond delay="0" evt="onNext">
-                  <p:tgtEl>
-                    <p:sldTgt/>
-                  </p:tgtEl>
-                </p:cond>
-              </p:nextCondLst>
-            </p:seq>
-          </p:childTnLst>
-        </p:cTn>
-      </p:par>
-    </p:tnLst>
-  </p:timing>
 </p:sld>
 </file>
 
@@ -17740,33 +17717,6 @@
       </p:sp>
     </p:spTree>
   </p:cSld>
-  <p:timing>
-    <p:tnLst>
-      <p:par>
-        <p:cTn id="13" dur="indefinite" restart="never" nodeType="tmRoot">
-          <p:childTnLst>
-            <p:seq>
-              <p:cTn id="14" nodeType="mainSeq"/>
-              <p:prevCondLst>
-                <p:cond delay="0" evt="onPrev">
-                  <p:tgtEl>
-                    <p:sldTgt/>
-                  </p:tgtEl>
-                </p:cond>
-              </p:prevCondLst>
-              <p:nextCondLst>
-                <p:cond delay="0" evt="onNext">
-                  <p:tgtEl>
-                    <p:sldTgt/>
-                  </p:tgtEl>
-                </p:cond>
-              </p:nextCondLst>
-            </p:seq>
-          </p:childTnLst>
-        </p:cTn>
-      </p:par>
-    </p:tnLst>
-  </p:timing>
 </p:sld>
 </file>
 
@@ -19296,33 +19246,6 @@
       </p:sp>
     </p:spTree>
   </p:cSld>
-  <p:timing>
-    <p:tnLst>
-      <p:par>
-        <p:cTn id="15" dur="indefinite" restart="never" nodeType="tmRoot">
-          <p:childTnLst>
-            <p:seq>
-              <p:cTn id="16" nodeType="mainSeq"/>
-              <p:prevCondLst>
-                <p:cond delay="0" evt="onPrev">
-                  <p:tgtEl>
-                    <p:sldTgt/>
-                  </p:tgtEl>
-                </p:cond>
-              </p:prevCondLst>
-              <p:nextCondLst>
-                <p:cond delay="0" evt="onNext">
-                  <p:tgtEl>
-                    <p:sldTgt/>
-                  </p:tgtEl>
-                </p:cond>
-              </p:nextCondLst>
-            </p:seq>
-          </p:childTnLst>
-        </p:cTn>
-      </p:par>
-    </p:tnLst>
-  </p:timing>
 </p:sld>
 </file>
 
@@ -20588,33 +20511,6 @@
       </p:sp>
     </p:spTree>
   </p:cSld>
-  <p:timing>
-    <p:tnLst>
-      <p:par>
-        <p:cTn id="17" dur="indefinite" restart="never" nodeType="tmRoot">
-          <p:childTnLst>
-            <p:seq>
-              <p:cTn id="18" nodeType="mainSeq"/>
-              <p:prevCondLst>
-                <p:cond delay="0" evt="onPrev">
-                  <p:tgtEl>
-                    <p:sldTgt/>
-                  </p:tgtEl>
-                </p:cond>
-              </p:prevCondLst>
-              <p:nextCondLst>
-                <p:cond delay="0" evt="onNext">
-                  <p:tgtEl>
-                    <p:sldTgt/>
-                  </p:tgtEl>
-                </p:cond>
-              </p:nextCondLst>
-            </p:seq>
-          </p:childTnLst>
-        </p:cTn>
-      </p:par>
-    </p:tnLst>
-  </p:timing>
 </p:sld>
 </file>
 

--- a/Document/tq_op_example.pptx
+++ b/Document/tq_op_example.pptx
@@ -3301,91 +3301,7 @@
                 </a:uFill>
                 <a:latin typeface="Calibri"/>
               </a:rPr>
-              <a:t>マス</a:t>
-            </a:r>
-            <a:r>
-              <a:rPr b="0" lang="ja-JP" sz="4400" spc="-1" strike="noStrike">
-                <a:solidFill>
-                  <a:srgbClr val="000000"/>
-                </a:solidFill>
-                <a:uFill>
-                  <a:solidFill>
-                    <a:srgbClr val="ffffff"/>
-                  </a:solidFill>
-                </a:uFill>
-                <a:latin typeface="Calibri"/>
-              </a:rPr>
-              <a:t>ター </a:t>
-            </a:r>
-            <a:r>
-              <a:rPr b="0" lang="ja-JP" sz="4400" spc="-1" strike="noStrike">
-                <a:solidFill>
-                  <a:srgbClr val="000000"/>
-                </a:solidFill>
-                <a:uFill>
-                  <a:solidFill>
-                    <a:srgbClr val="ffffff"/>
-                  </a:solidFill>
-                </a:uFill>
-                <a:latin typeface="Calibri"/>
-              </a:rPr>
-              <a:t>タイ</a:t>
-            </a:r>
-            <a:r>
-              <a:rPr b="0" lang="ja-JP" sz="4400" spc="-1" strike="noStrike">
-                <a:solidFill>
-                  <a:srgbClr val="000000"/>
-                </a:solidFill>
-                <a:uFill>
-                  <a:solidFill>
-                    <a:srgbClr val="ffffff"/>
-                  </a:solidFill>
-                </a:uFill>
-                <a:latin typeface="Calibri"/>
-              </a:rPr>
-              <a:t>トル</a:t>
-            </a:r>
-            <a:r>
-              <a:rPr b="0" lang="ja-JP" sz="4400" spc="-1" strike="noStrike">
-                <a:solidFill>
-                  <a:srgbClr val="000000"/>
-                </a:solidFill>
-                <a:uFill>
-                  <a:solidFill>
-                    <a:srgbClr val="ffffff"/>
-                  </a:solidFill>
-                </a:uFill>
-                <a:latin typeface="Calibri"/>
-              </a:rPr>
-              <a:t>の書</a:t>
-            </a:r>
-            <a:r>
-              <a:rPr b="0" lang="ja-JP" sz="4400" spc="-1" strike="noStrike">
-                <a:solidFill>
-                  <a:srgbClr val="000000"/>
-                </a:solidFill>
-                <a:uFill>
-                  <a:solidFill>
-                    <a:srgbClr val="ffffff"/>
-                  </a:solidFill>
-                </a:uFill>
-                <a:latin typeface="Calibri"/>
-              </a:rPr>
-              <a:t>式設</a:t>
-            </a:r>
-            <a:r>
-              <a:rPr b="0" lang="ja-JP" sz="4400" spc="-1" strike="noStrike">
-                <a:solidFill>
-                  <a:srgbClr val="000000"/>
-                </a:solidFill>
-                <a:uFill>
-                  <a:solidFill>
-                    <a:srgbClr val="ffffff"/>
-                  </a:solidFill>
-                </a:uFill>
-                <a:latin typeface="Calibri"/>
-              </a:rPr>
-              <a:t>定</a:t>
+              <a:t>マスター タイトルの書式設定</a:t>
             </a:r>
             <a:endParaRPr b="0" lang="ja-JP" sz="4400" spc="-1" strike="noStrike">
               <a:solidFill>
@@ -3428,7 +3344,7 @@
                 <a:spcPct val="100000"/>
               </a:lnSpc>
             </a:pPr>
-            <a:fld id="{CFFFF520-8154-4BCC-952E-99C6545B5A26}" type="datetime">
+            <a:fld id="{6AF07DB8-BA0D-484A-998D-F9FF1A34B015}" type="datetime">
               <a:rPr b="0" lang="en-US" sz="1200" spc="-1" strike="noStrike">
                 <a:solidFill>
                   <a:srgbClr val="8b8b8b"/>
@@ -3440,7 +3356,7 @@
                 </a:uFill>
                 <a:latin typeface="Calibri"/>
               </a:rPr>
-              <a:t>6/25/20</a:t>
+              <a:t>7/3/20</a:t>
             </a:fld>
             <a:endParaRPr b="0" lang="en-US" sz="1200" spc="-1" strike="noStrike">
               <a:solidFill>
@@ -3519,7 +3435,7 @@
                 <a:spcPct val="100000"/>
               </a:lnSpc>
             </a:pPr>
-            <a:fld id="{77DDA426-D03D-4234-8452-759346376C45}" type="slidenum">
+            <a:fld id="{86F9353C-201E-4E04-8F7A-753D233FC5DC}" type="slidenum">
               <a:rPr b="0" lang="en-US" sz="1200" spc="-1" strike="noStrike">
                 <a:solidFill>
                   <a:srgbClr val="8b8b8b"/>
@@ -4388,7 +4304,7 @@
                 <a:spcPct val="100000"/>
               </a:lnSpc>
             </a:pPr>
-            <a:fld id="{3C790395-C1F8-4F4D-BEF8-1DA38066709E}" type="datetime">
+            <a:fld id="{06CBE4A1-83E9-49EA-99C3-34A9B92BD63C}" type="datetime">
               <a:rPr b="0" lang="en-US" sz="1200" spc="-1" strike="noStrike">
                 <a:solidFill>
                   <a:srgbClr val="8b8b8b"/>
@@ -4400,7 +4316,7 @@
                 </a:uFill>
                 <a:latin typeface="Calibri"/>
               </a:rPr>
-              <a:t>6/25/20</a:t>
+              <a:t>7/3/20</a:t>
             </a:fld>
             <a:endParaRPr b="0" lang="en-US" sz="1200" spc="-1" strike="noStrike">
               <a:solidFill>
@@ -4479,7 +4395,7 @@
                 <a:spcPct val="100000"/>
               </a:lnSpc>
             </a:pPr>
-            <a:fld id="{C2152A5D-785B-4CF6-A39C-204C115B4128}" type="slidenum">
+            <a:fld id="{ECD469AE-DE18-4DCA-A5CE-11D437EB2A46}" type="slidenum">
               <a:rPr b="0" lang="en-US" sz="1200" spc="-1" strike="noStrike">
                 <a:solidFill>
                   <a:srgbClr val="8b8b8b"/>
@@ -4589,7 +4505,21 @@
                 </a:uFill>
                 <a:latin typeface="Calibri"/>
               </a:rPr>
-              <a:t>データ構造記述言語の開発</a:t>
+              <a:t>データ構造記述言語</a:t>
+            </a:r>
+            <a:r>
+              <a:rPr b="0" lang="en-US" sz="2800" spc="-1" strike="noStrike">
+                <a:solidFill>
+                  <a:srgbClr val="000000"/>
+                </a:solidFill>
+                <a:uFill>
+                  <a:solidFill>
+                    <a:srgbClr val="ffffff"/>
+                  </a:solidFill>
+                </a:uFill>
+                <a:latin typeface="Calibri"/>
+              </a:rPr>
+              <a:t>の開発</a:t>
             </a:r>
             <a:endParaRPr b="0" lang="en-US" sz="2800" spc="-1" strike="noStrike">
               <a:solidFill>
@@ -4664,7 +4594,35 @@
                 </a:uFill>
                 <a:latin typeface="Calibri"/>
               </a:rPr>
-              <a:t>データ構造パラダイムを統一 </a:t>
+              <a:t>データ構造</a:t>
+            </a:r>
+            <a:r>
+              <a:rPr b="0" lang="en-US" sz="1800" spc="-1" strike="noStrike">
+                <a:solidFill>
+                  <a:srgbClr val="000000"/>
+                </a:solidFill>
+                <a:uFill>
+                  <a:solidFill>
+                    <a:srgbClr val="ffffff"/>
+                  </a:solidFill>
+                </a:uFill>
+                <a:latin typeface="Calibri"/>
+              </a:rPr>
+              <a:t>パラダイムを</a:t>
+            </a:r>
+            <a:r>
+              <a:rPr b="0" lang="en-US" sz="1800" spc="-1" strike="noStrike">
+                <a:solidFill>
+                  <a:srgbClr val="000000"/>
+                </a:solidFill>
+                <a:uFill>
+                  <a:solidFill>
+                    <a:srgbClr val="ffffff"/>
+                  </a:solidFill>
+                </a:uFill>
+                <a:latin typeface="Calibri"/>
+              </a:rPr>
+              <a:t>統一 </a:t>
             </a:r>
             <a:endParaRPr b="0" lang="en-US" sz="1800" spc="-1" strike="noStrike">
               <a:solidFill>
@@ -4710,7 +4668,35 @@
                 </a:uFill>
                 <a:latin typeface="Calibri"/>
               </a:rPr>
-              <a:t>=&gt; NIMS Standard SpreadSheet</a:t>
+              <a:t>=&gt; NIMS </a:t>
+            </a:r>
+            <a:r>
+              <a:rPr b="0" lang="en-US" sz="1800" spc="-1" strike="noStrike">
+                <a:solidFill>
+                  <a:srgbClr val="000000"/>
+                </a:solidFill>
+                <a:uFill>
+                  <a:solidFill>
+                    <a:srgbClr val="ffffff"/>
+                  </a:solidFill>
+                </a:uFill>
+                <a:latin typeface="Calibri"/>
+              </a:rPr>
+              <a:t>Standard </a:t>
+            </a:r>
+            <a:r>
+              <a:rPr b="0" lang="en-US" sz="1800" spc="-1" strike="noStrike">
+                <a:solidFill>
+                  <a:srgbClr val="000000"/>
+                </a:solidFill>
+                <a:uFill>
+                  <a:solidFill>
+                    <a:srgbClr val="ffffff"/>
+                  </a:solidFill>
+                </a:uFill>
+                <a:latin typeface="Calibri"/>
+              </a:rPr>
+              <a:t>SpreadSheet</a:t>
             </a:r>
             <a:endParaRPr b="0" lang="en-US" sz="1800" spc="-1" strike="noStrike">
               <a:solidFill>
@@ -4742,7 +4728,21 @@
                 </a:uFill>
                 <a:latin typeface="Calibri"/>
               </a:rPr>
-              <a:t>　　　　（データ形式</a:t>
+              <a:t>　　　　</a:t>
+            </a:r>
+            <a:r>
+              <a:rPr b="0" lang="en-US" sz="1800" spc="-1" strike="noStrike">
+                <a:solidFill>
+                  <a:srgbClr val="000000"/>
+                </a:solidFill>
+                <a:uFill>
+                  <a:solidFill>
+                    <a:srgbClr val="ffffff"/>
+                  </a:solidFill>
+                </a:uFill>
+                <a:latin typeface="Calibri"/>
+              </a:rPr>
+              <a:t>（データ形式</a:t>
             </a:r>
             <a:r>
               <a:rPr b="0" lang="en-US" sz="1800" spc="-1" strike="noStrike">
@@ -4770,7 +4770,49 @@
                 </a:uFill>
                 <a:latin typeface="Calibri"/>
               </a:rPr>
-              <a:t>データ構造となるような厳密解釈を目指す）</a:t>
+              <a:t>データ構造</a:t>
+            </a:r>
+            <a:r>
+              <a:rPr b="0" lang="en-US" sz="1800" spc="-1" strike="noStrike">
+                <a:solidFill>
+                  <a:srgbClr val="000000"/>
+                </a:solidFill>
+                <a:uFill>
+                  <a:solidFill>
+                    <a:srgbClr val="ffffff"/>
+                  </a:solidFill>
+                </a:uFill>
+                <a:latin typeface="Calibri"/>
+              </a:rPr>
+              <a:t>となるような</a:t>
+            </a:r>
+            <a:r>
+              <a:rPr b="0" lang="en-US" sz="1800" spc="-1" strike="noStrike">
+                <a:solidFill>
+                  <a:srgbClr val="000000"/>
+                </a:solidFill>
+                <a:uFill>
+                  <a:solidFill>
+                    <a:srgbClr val="ffffff"/>
+                  </a:solidFill>
+                </a:uFill>
+                <a:latin typeface="Calibri"/>
+              </a:rPr>
+              <a:t>厳密解釈を目</a:t>
+            </a:r>
+            <a:r>
+              <a:rPr b="0" lang="en-US" sz="1800" spc="-1" strike="noStrike">
+                <a:solidFill>
+                  <a:srgbClr val="000000"/>
+                </a:solidFill>
+                <a:uFill>
+                  <a:solidFill>
+                    <a:srgbClr val="ffffff"/>
+                  </a:solidFill>
+                </a:uFill>
+                <a:latin typeface="Calibri"/>
+              </a:rPr>
+              <a:t>指す）</a:t>
             </a:r>
             <a:endParaRPr b="0" lang="en-US" sz="1800" spc="-1" strike="noStrike">
               <a:solidFill>
@@ -4816,7 +4858,35 @@
                 </a:uFill>
                 <a:latin typeface="Calibri"/>
               </a:rPr>
-              <a:t>シンプルなデータ構造のみを扱う </a:t>
+              <a:t>シンプルな</a:t>
+            </a:r>
+            <a:r>
+              <a:rPr b="0" lang="en-US" sz="1800" spc="-1" strike="noStrike">
+                <a:solidFill>
+                  <a:srgbClr val="000000"/>
+                </a:solidFill>
+                <a:uFill>
+                  <a:solidFill>
+                    <a:srgbClr val="ffffff"/>
+                  </a:solidFill>
+                </a:uFill>
+                <a:latin typeface="Calibri"/>
+              </a:rPr>
+              <a:t>データ構造の</a:t>
+            </a:r>
+            <a:r>
+              <a:rPr b="0" lang="en-US" sz="1800" spc="-1" strike="noStrike">
+                <a:solidFill>
+                  <a:srgbClr val="000000"/>
+                </a:solidFill>
+                <a:uFill>
+                  <a:solidFill>
+                    <a:srgbClr val="ffffff"/>
+                  </a:solidFill>
+                </a:uFill>
+                <a:latin typeface="Calibri"/>
+              </a:rPr>
+              <a:t>みを扱う </a:t>
             </a:r>
             <a:endParaRPr b="0" lang="en-US" sz="1800" spc="-1" strike="noStrike">
               <a:solidFill>
@@ -4908,7 +4978,63 @@
                 </a:uFill>
                 <a:latin typeface="Calibri"/>
               </a:rPr>
-              <a:t>統一されたデータ構造パラダイムの下でデータを扱う </a:t>
+              <a:t>統一された</a:t>
+            </a:r>
+            <a:r>
+              <a:rPr b="0" lang="en-US" sz="1800" spc="-1" strike="noStrike">
+                <a:solidFill>
+                  <a:srgbClr val="000000"/>
+                </a:solidFill>
+                <a:uFill>
+                  <a:solidFill>
+                    <a:srgbClr val="ffffff"/>
+                  </a:solidFill>
+                </a:uFill>
+                <a:latin typeface="Calibri"/>
+              </a:rPr>
+              <a:t>データ構造パ</a:t>
+            </a:r>
+            <a:r>
+              <a:rPr b="0" lang="en-US" sz="1800" spc="-1" strike="noStrike">
+                <a:solidFill>
+                  <a:srgbClr val="000000"/>
+                </a:solidFill>
+                <a:uFill>
+                  <a:solidFill>
+                    <a:srgbClr val="ffffff"/>
+                  </a:solidFill>
+                </a:uFill>
+                <a:latin typeface="Calibri"/>
+              </a:rPr>
+              <a:t>ラダイムの下</a:t>
+            </a:r>
+            <a:r>
+              <a:rPr b="0" lang="en-US" sz="1800" spc="-1" strike="noStrike">
+                <a:solidFill>
+                  <a:srgbClr val="000000"/>
+                </a:solidFill>
+                <a:uFill>
+                  <a:solidFill>
+                    <a:srgbClr val="ffffff"/>
+                  </a:solidFill>
+                </a:uFill>
+                <a:latin typeface="Calibri"/>
+              </a:rPr>
+              <a:t>でデータを扱</a:t>
+            </a:r>
+            <a:r>
+              <a:rPr b="0" lang="en-US" sz="1800" spc="-1" strike="noStrike">
+                <a:solidFill>
+                  <a:srgbClr val="000000"/>
+                </a:solidFill>
+                <a:uFill>
+                  <a:solidFill>
+                    <a:srgbClr val="ffffff"/>
+                  </a:solidFill>
+                </a:uFill>
+                <a:latin typeface="Calibri"/>
+              </a:rPr>
+              <a:t>う </a:t>
             </a:r>
             <a:endParaRPr b="0" lang="en-US" sz="1800" spc="-1" strike="noStrike">
               <a:solidFill>
@@ -4968,49 +5094,105 @@
                 </a:uFill>
                 <a:latin typeface="Calibri"/>
               </a:rPr>
-              <a:t>シンプルで最低限のオペレーション定義 </a:t>
-            </a:r>
-            <a:r>
-              <a:rPr b="0" lang="en-US" sz="1800" spc="-1" strike="noStrike">
-                <a:solidFill>
-                  <a:srgbClr val="000000"/>
-                </a:solidFill>
-                <a:uFill>
-                  <a:solidFill>
-                    <a:srgbClr val="ffffff"/>
-                  </a:solidFill>
-                </a:uFill>
-                <a:latin typeface="Calibri"/>
-              </a:rPr>
-              <a:t>=&gt; NIMS</a:t>
-            </a:r>
-            <a:r>
-              <a:rPr b="0" lang="en-US" sz="1800" spc="-1" strike="noStrike">
-                <a:solidFill>
-                  <a:srgbClr val="000000"/>
-                </a:solidFill>
-                <a:uFill>
-                  <a:solidFill>
-                    <a:srgbClr val="ffffff"/>
-                  </a:solidFill>
-                </a:uFill>
-                <a:latin typeface="Calibri"/>
-              </a:rPr>
-              <a:t>オリジナルな定義言</a:t>
-            </a:r>
-            <a:r>
-              <a:rPr b="0" lang="en-US" sz="1800" spc="-1" strike="noStrike">
-                <a:solidFill>
-                  <a:srgbClr val="000000"/>
-                </a:solidFill>
-                <a:uFill>
-                  <a:solidFill>
-                    <a:srgbClr val="ffffff"/>
-                  </a:solidFill>
-                </a:uFill>
-                <a:latin typeface="Calibri"/>
-              </a:rPr>
-              <a:t>語 </a:t>
+              <a:t>シンプ</a:t>
+            </a:r>
+            <a:r>
+              <a:rPr b="0" lang="en-US" sz="1800" spc="-1" strike="noStrike">
+                <a:solidFill>
+                  <a:srgbClr val="000000"/>
+                </a:solidFill>
+                <a:uFill>
+                  <a:solidFill>
+                    <a:srgbClr val="ffffff"/>
+                  </a:solidFill>
+                </a:uFill>
+                <a:latin typeface="Calibri"/>
+              </a:rPr>
+              <a:t>ルで最低限の</a:t>
+            </a:r>
+            <a:r>
+              <a:rPr b="0" lang="en-US" sz="1800" spc="-1" strike="noStrike">
+                <a:solidFill>
+                  <a:srgbClr val="000000"/>
+                </a:solidFill>
+                <a:uFill>
+                  <a:solidFill>
+                    <a:srgbClr val="ffffff"/>
+                  </a:solidFill>
+                </a:uFill>
+                <a:latin typeface="Calibri"/>
+              </a:rPr>
+              <a:t>オペレーショ</a:t>
+            </a:r>
+            <a:r>
+              <a:rPr b="0" lang="en-US" sz="1800" spc="-1" strike="noStrike">
+                <a:solidFill>
+                  <a:srgbClr val="000000"/>
+                </a:solidFill>
+                <a:uFill>
+                  <a:solidFill>
+                    <a:srgbClr val="ffffff"/>
+                  </a:solidFill>
+                </a:uFill>
+                <a:latin typeface="Calibri"/>
+              </a:rPr>
+              <a:t>ン定義 </a:t>
+            </a:r>
+            <a:r>
+              <a:rPr b="0" lang="en-US" sz="1800" spc="-1" strike="noStrike">
+                <a:solidFill>
+                  <a:srgbClr val="000000"/>
+                </a:solidFill>
+                <a:uFill>
+                  <a:solidFill>
+                    <a:srgbClr val="ffffff"/>
+                  </a:solidFill>
+                </a:uFill>
+                <a:latin typeface="Calibri"/>
+              </a:rPr>
+              <a:t>=&gt; </a:t>
+            </a:r>
+            <a:r>
+              <a:rPr b="0" lang="en-US" sz="1800" spc="-1" strike="noStrike">
+                <a:solidFill>
+                  <a:srgbClr val="000000"/>
+                </a:solidFill>
+                <a:uFill>
+                  <a:solidFill>
+                    <a:srgbClr val="ffffff"/>
+                  </a:solidFill>
+                </a:uFill>
+                <a:latin typeface="Calibri"/>
+              </a:rPr>
+              <a:t>NIMS</a:t>
+            </a:r>
+            <a:r>
+              <a:rPr b="0" lang="en-US" sz="1800" spc="-1" strike="noStrike">
+                <a:solidFill>
+                  <a:srgbClr val="000000"/>
+                </a:solidFill>
+                <a:uFill>
+                  <a:solidFill>
+                    <a:srgbClr val="ffffff"/>
+                  </a:solidFill>
+                </a:uFill>
+                <a:latin typeface="Calibri"/>
+              </a:rPr>
+              <a:t>オリジナ</a:t>
+            </a:r>
+            <a:r>
+              <a:rPr b="0" lang="en-US" sz="1800" spc="-1" strike="noStrike">
+                <a:solidFill>
+                  <a:srgbClr val="000000"/>
+                </a:solidFill>
+                <a:uFill>
+                  <a:solidFill>
+                    <a:srgbClr val="ffffff"/>
+                  </a:solidFill>
+                </a:uFill>
+                <a:latin typeface="Calibri"/>
+              </a:rPr>
+              <a:t>ルな定義言語 </a:t>
             </a:r>
             <a:endParaRPr b="0" lang="en-US" sz="1800" spc="-1" strike="noStrike">
               <a:solidFill>
@@ -5657,7 +5839,21 @@
                 </a:uFill>
                 <a:latin typeface="Calibri"/>
               </a:rPr>
-              <a:t>で表現される</a:t>
+              <a:t>で表現され</a:t>
+            </a:r>
+            <a:r>
+              <a:rPr b="0" lang="en-US" sz="1800" spc="-1" strike="noStrike">
+                <a:solidFill>
+                  <a:srgbClr val="000000"/>
+                </a:solidFill>
+                <a:uFill>
+                  <a:solidFill>
+                    <a:srgbClr val="ffffff"/>
+                  </a:solidFill>
+                </a:uFill>
+                <a:latin typeface="Calibri"/>
+              </a:rPr>
+              <a:t>る</a:t>
             </a:r>
             <a:r>
               <a:rPr b="0" lang="en-US" sz="1800" spc="-1" strike="noStrike">
@@ -5855,7 +6051,21 @@
                 </a:uFill>
                 <a:latin typeface="Calibri"/>
               </a:rPr>
-              <a:t>&lt;Cell&gt;::=’(‘&lt;Item&gt;’,’’Quantity’’(‘&lt;Value&gt;’,’&lt;Unit&gt;’)’’)’ </a:t>
+              <a:t>&lt;Cell&gt;::=’(‘&lt;Item&gt;’,’’Quantity’’(‘&lt;Valu</a:t>
+            </a:r>
+            <a:r>
+              <a:rPr b="0" lang="en-US" sz="1800" spc="-1" strike="noStrike">
+                <a:solidFill>
+                  <a:srgbClr val="000000"/>
+                </a:solidFill>
+                <a:uFill>
+                  <a:solidFill>
+                    <a:srgbClr val="ffffff"/>
+                  </a:solidFill>
+                </a:uFill>
+                <a:latin typeface="Calibri"/>
+              </a:rPr>
+              <a:t>e&gt;’,’&lt;Unit&gt;’)’’)’ </a:t>
             </a:r>
             <a:endParaRPr b="0" lang="en-US" sz="1800" spc="-1" strike="noStrike">
               <a:solidFill>
@@ -5901,7 +6111,21 @@
                 </a:uFill>
                 <a:latin typeface="Calibri"/>
               </a:rPr>
-              <a:t>| ‘(‘&lt;Item&gt;’,’&lt;Type&gt;’(‘&lt;Value&gt;’)’’)’</a:t>
+              <a:t>| </a:t>
+            </a:r>
+            <a:r>
+              <a:rPr b="0" lang="en-US" sz="1800" spc="-1" strike="noStrike">
+                <a:solidFill>
+                  <a:srgbClr val="000000"/>
+                </a:solidFill>
+                <a:uFill>
+                  <a:solidFill>
+                    <a:srgbClr val="ffffff"/>
+                  </a:solidFill>
+                </a:uFill>
+                <a:latin typeface="Calibri"/>
+              </a:rPr>
+              <a:t>‘(‘&lt;Item&gt;’,’&lt;Type&gt;’(‘&lt;Value&gt;’)’’)’</a:t>
             </a:r>
             <a:endParaRPr b="0" lang="en-US" sz="1800" spc="-1" strike="noStrike">
               <a:solidFill>
@@ -6127,7 +6351,21 @@
                 </a:uFill>
                 <a:latin typeface="Calibri"/>
               </a:rPr>
-              <a:t>のオリジナル構造定義言語（前述）</a:t>
+              <a:t>のオリジナル構造定義言語</a:t>
+            </a:r>
+            <a:r>
+              <a:rPr b="0" lang="en-US" sz="1800" spc="-1" strike="noStrike">
+                <a:solidFill>
+                  <a:srgbClr val="000000"/>
+                </a:solidFill>
+                <a:uFill>
+                  <a:solidFill>
+                    <a:srgbClr val="ffffff"/>
+                  </a:solidFill>
+                </a:uFill>
+                <a:latin typeface="Calibri"/>
+              </a:rPr>
+              <a:t>（前述）</a:t>
             </a:r>
             <a:endParaRPr b="0" lang="en-US" sz="1800" spc="-1" strike="noStrike">
               <a:solidFill>
@@ -6188,7 +6426,21 @@
                 </a:uFill>
                 <a:latin typeface="Calibri"/>
               </a:rPr>
-              <a:t>構造定義：</a:t>
+              <a:t>構造定</a:t>
+            </a:r>
+            <a:r>
+              <a:rPr b="0" lang="en-US" sz="1800" spc="-1" strike="noStrike">
+                <a:solidFill>
+                  <a:srgbClr val="000000"/>
+                </a:solidFill>
+                <a:uFill>
+                  <a:solidFill>
+                    <a:srgbClr val="ffffff"/>
+                  </a:solidFill>
+                </a:uFill>
+                <a:latin typeface="Calibri"/>
+              </a:rPr>
+              <a:t>義：</a:t>
             </a:r>
             <a:endParaRPr b="0" lang="en-US" sz="1800" spc="-1" strike="noStrike">
               <a:solidFill>
@@ -6275,7 +6527,35 @@
                 </a:uFill>
                 <a:latin typeface="Calibri"/>
               </a:rPr>
-              <a:t>データ構造記述言語の開発</a:t>
+              <a:t>データ構造</a:t>
+            </a:r>
+            <a:r>
+              <a:rPr b="0" lang="en-US" sz="2800" spc="-1" strike="noStrike">
+                <a:solidFill>
+                  <a:srgbClr val="000000"/>
+                </a:solidFill>
+                <a:uFill>
+                  <a:solidFill>
+                    <a:srgbClr val="ffffff"/>
+                  </a:solidFill>
+                </a:uFill>
+                <a:latin typeface="Calibri"/>
+              </a:rPr>
+              <a:t>記述言語の</a:t>
+            </a:r>
+            <a:r>
+              <a:rPr b="0" lang="en-US" sz="2800" spc="-1" strike="noStrike">
+                <a:solidFill>
+                  <a:srgbClr val="000000"/>
+                </a:solidFill>
+                <a:uFill>
+                  <a:solidFill>
+                    <a:srgbClr val="ffffff"/>
+                  </a:solidFill>
+                </a:uFill>
+                <a:latin typeface="Calibri"/>
+              </a:rPr>
+              <a:t>開発</a:t>
             </a:r>
             <a:endParaRPr b="0" lang="en-US" sz="2800" spc="-1" strike="noStrike">
               <a:solidFill>
@@ -8100,8 +8380,8 @@
         </p:nvSpPr>
         <p:spPr>
           <a:xfrm>
-            <a:off x="180000" y="3847320"/>
-            <a:ext cx="5102280" cy="638280"/>
+            <a:off x="180000" y="3631320"/>
+            <a:ext cx="5102280" cy="1186920"/>
           </a:xfrm>
           <a:prstGeom prst="rect">
             <a:avLst/>
@@ -8239,6 +8519,126 @@
               <a:latin typeface="Arial"/>
             </a:endParaRPr>
           </a:p>
+          <a:p>
+            <a:pPr>
+              <a:lnSpc>
+                <a:spcPct val="100000"/>
+              </a:lnSpc>
+            </a:pPr>
+            <a:r>
+              <a:rPr b="0" lang="en-US" sz="1800" spc="-1" strike="noStrike">
+                <a:solidFill>
+                  <a:srgbClr val="000000"/>
+                </a:solidFill>
+                <a:uFill>
+                  <a:solidFill>
+                    <a:srgbClr val="ffffff"/>
+                  </a:solidFill>
+                </a:uFill>
+                <a:latin typeface="Calibri"/>
+              </a:rPr>
+              <a:t>  </a:t>
+            </a:r>
+            <a:r>
+              <a:rPr b="0" lang="en-US" sz="1800" spc="-1" strike="noStrike">
+                <a:solidFill>
+                  <a:srgbClr val="000000"/>
+                </a:solidFill>
+                <a:uFill>
+                  <a:solidFill>
+                    <a:srgbClr val="ffffff"/>
+                  </a:solidFill>
+                </a:uFill>
+                <a:latin typeface="Calibri"/>
+              </a:rPr>
+              <a:t>- </a:t>
+            </a:r>
+            <a:r>
+              <a:rPr b="0" lang="en-US" sz="1800" spc="-1" strike="noStrike">
+                <a:solidFill>
+                  <a:srgbClr val="000000"/>
+                </a:solidFill>
+                <a:uFill>
+                  <a:solidFill>
+                    <a:srgbClr val="ffffff"/>
+                  </a:solidFill>
+                </a:uFill>
+                <a:latin typeface="Calibri"/>
+              </a:rPr>
+              <a:t>直接実行</a:t>
+            </a:r>
+            <a:endParaRPr b="0" lang="en-US" sz="1800" spc="-1" strike="noStrike">
+              <a:solidFill>
+                <a:srgbClr val="000000"/>
+              </a:solidFill>
+              <a:uFill>
+                <a:solidFill>
+                  <a:srgbClr val="ffffff"/>
+                </a:solidFill>
+              </a:uFill>
+              <a:latin typeface="Arial"/>
+            </a:endParaRPr>
+          </a:p>
+          <a:p>
+            <a:pPr>
+              <a:lnSpc>
+                <a:spcPct val="100000"/>
+              </a:lnSpc>
+            </a:pPr>
+            <a:r>
+              <a:rPr b="0" lang="en-US" sz="1800" spc="-1" strike="noStrike">
+                <a:solidFill>
+                  <a:srgbClr val="000000"/>
+                </a:solidFill>
+                <a:uFill>
+                  <a:solidFill>
+                    <a:srgbClr val="ffffff"/>
+                  </a:solidFill>
+                </a:uFill>
+                <a:latin typeface="Calibri"/>
+              </a:rPr>
+              <a:t>  </a:t>
+            </a:r>
+            <a:r>
+              <a:rPr b="0" lang="en-US" sz="1800" spc="-1" strike="noStrike">
+                <a:solidFill>
+                  <a:srgbClr val="000000"/>
+                </a:solidFill>
+                <a:uFill>
+                  <a:solidFill>
+                    <a:srgbClr val="ffffff"/>
+                  </a:solidFill>
+                </a:uFill>
+                <a:latin typeface="Calibri"/>
+              </a:rPr>
+              <a:t>- </a:t>
+            </a:r>
+            <a:r>
+              <a:rPr b="0" lang="en-US" sz="1800" spc="-1" strike="noStrike">
+                <a:solidFill>
+                  <a:srgbClr val="000000"/>
+                </a:solidFill>
+                <a:uFill>
+                  <a:solidFill>
+                    <a:srgbClr val="ffffff"/>
+                  </a:solidFill>
+                </a:uFill>
+                <a:latin typeface="Calibri"/>
+              </a:rPr>
+              <a:t>実行ブロック内で実行</a:t>
+            </a:r>
+            <a:endParaRPr b="0" lang="en-US" sz="1800" spc="-1" strike="noStrike">
+              <a:solidFill>
+                <a:srgbClr val="000000"/>
+              </a:solidFill>
+              <a:uFill>
+                <a:solidFill>
+                  <a:srgbClr val="ffffff"/>
+                </a:solidFill>
+              </a:uFill>
+              <a:latin typeface="Arial"/>
+            </a:endParaRPr>
+          </a:p>
         </p:txBody>
       </p:sp>
       <p:sp>
@@ -8249,7 +8649,7 @@
         </p:nvSpPr>
         <p:spPr>
           <a:xfrm>
-            <a:off x="30960" y="3498120"/>
+            <a:off x="30960" y="3282120"/>
             <a:ext cx="2237040" cy="364680"/>
           </a:xfrm>
           <a:prstGeom prst="rect">
@@ -8371,7 +8771,7 @@
         </p:nvSpPr>
         <p:spPr>
           <a:xfrm>
-            <a:off x="26640" y="823320"/>
+            <a:off x="26640" y="715320"/>
             <a:ext cx="3012840" cy="364680"/>
           </a:xfrm>
           <a:prstGeom prst="rect">
@@ -8460,7 +8860,7 @@
         </p:nvSpPr>
         <p:spPr>
           <a:xfrm>
-            <a:off x="180000" y="1180440"/>
+            <a:off x="180000" y="1072440"/>
             <a:ext cx="6703920" cy="2009880"/>
           </a:xfrm>
           <a:prstGeom prst="rect">
@@ -8811,7 +9211,7 @@
         </p:nvSpPr>
         <p:spPr>
           <a:xfrm>
-            <a:off x="173520" y="5158800"/>
+            <a:off x="173520" y="5410800"/>
             <a:ext cx="5703840" cy="1187640"/>
           </a:xfrm>
           <a:prstGeom prst="rect">
@@ -9150,7 +9550,7 @@
         </p:nvSpPr>
         <p:spPr>
           <a:xfrm>
-            <a:off x="41040" y="4810320"/>
+            <a:off x="41040" y="5062320"/>
             <a:ext cx="5437440" cy="364680"/>
           </a:xfrm>
           <a:prstGeom prst="rect">
